--- a/presentation.pptx
+++ b/presentation.pptx
@@ -5,7 +5,7 @@
     <p:sldMasterId id="2147483648" r:id="rId1"/>
   </p:sldMasterIdLst>
   <p:notesMasterIdLst>
-    <p:notesMasterId r:id="rId35"/>
+    <p:notesMasterId r:id="rId39"/>
   </p:notesMasterIdLst>
   <p:sldIdLst>
     <p:sldId id="256" r:id="rId2"/>
@@ -35,12 +35,16 @@
     <p:sldId id="287" r:id="rId26"/>
     <p:sldId id="280" r:id="rId27"/>
     <p:sldId id="264" r:id="rId28"/>
-    <p:sldId id="282" r:id="rId29"/>
-    <p:sldId id="289" r:id="rId30"/>
-    <p:sldId id="274" r:id="rId31"/>
-    <p:sldId id="281" r:id="rId32"/>
-    <p:sldId id="290" r:id="rId33"/>
-    <p:sldId id="261" r:id="rId34"/>
+    <p:sldId id="295" r:id="rId29"/>
+    <p:sldId id="296" r:id="rId30"/>
+    <p:sldId id="291" r:id="rId31"/>
+    <p:sldId id="282" r:id="rId32"/>
+    <p:sldId id="289" r:id="rId33"/>
+    <p:sldId id="292" r:id="rId34"/>
+    <p:sldId id="274" r:id="rId35"/>
+    <p:sldId id="281" r:id="rId36"/>
+    <p:sldId id="290" r:id="rId37"/>
+    <p:sldId id="261" r:id="rId38"/>
   </p:sldIdLst>
   <p:sldSz cx="12192000" cy="6858000"/>
   <p:notesSz cx="6858000" cy="9144000"/>
@@ -139,6 +143,11 @@
       </a:defRPr>
     </a:lvl9pPr>
   </p:defaultTextStyle>
+  <p:extLst>
+    <p:ext uri="{EFAFB233-063F-42B5-8137-9DF3F51BA10A}">
+      <p15:sldGuideLst xmlns:p15="http://schemas.microsoft.com/office/powerpoint/2012/main"/>
+    </p:ext>
+  </p:extLst>
 </p:presentation>
 </file>
 
@@ -224,7 +233,7 @@
           <a:p>
             <a:fld id="{08AF7D33-D743-8B41-8683-06420F75D03D}" type="datetimeFigureOut">
               <a:rPr lang="en-US" smtClean="0"/>
-              <a:t>7/5/18</a:t>
+              <a:t>7/8/18</a:t>
             </a:fld>
             <a:endParaRPr lang="en-US"/>
           </a:p>
@@ -839,6 +848,252 @@
 </p:notes>
 </file>
 
+<file path=ppt/notesSlides/notesSlide5.xml><?xml version="1.0" encoding="utf-8"?>
+<p:notes xmlns:a="http://schemas.openxmlformats.org/drawingml/2006/main" xmlns:r="http://schemas.openxmlformats.org/officeDocument/2006/relationships" xmlns:p="http://schemas.openxmlformats.org/presentationml/2006/main">
+  <p:cSld>
+    <p:spTree>
+      <p:nvGrpSpPr>
+        <p:cNvPr id="1" name=""/>
+        <p:cNvGrpSpPr/>
+        <p:nvPr/>
+      </p:nvGrpSpPr>
+      <p:grpSpPr>
+        <a:xfrm>
+          <a:off x="0" y="0"/>
+          <a:ext cx="0" cy="0"/>
+          <a:chOff x="0" y="0"/>
+          <a:chExt cx="0" cy="0"/>
+        </a:xfrm>
+      </p:grpSpPr>
+      <p:sp>
+        <p:nvSpPr>
+          <p:cNvPr id="2" name="Slide Image Placeholder 1"/>
+          <p:cNvSpPr>
+            <a:spLocks noGrp="1" noRot="1" noChangeAspect="1"/>
+          </p:cNvSpPr>
+          <p:nvPr>
+            <p:ph type="sldImg"/>
+          </p:nvPr>
+        </p:nvSpPr>
+        <p:spPr/>
+      </p:sp>
+      <p:sp>
+        <p:nvSpPr>
+          <p:cNvPr id="3" name="Notes Placeholder 2"/>
+          <p:cNvSpPr>
+            <a:spLocks noGrp="1"/>
+          </p:cNvSpPr>
+          <p:nvPr>
+            <p:ph type="body" idx="1"/>
+          </p:nvPr>
+        </p:nvSpPr>
+        <p:spPr/>
+        <p:txBody>
+          <a:bodyPr/>
+          <a:lstStyle/>
+          <a:p>
+            <a:r>
+              <a:rPr lang="en-US" dirty="0"/>
+              <a:t>-When feature shows up multiple times, sum over them.</a:t>
+            </a:r>
+          </a:p>
+          <a:p>
+            <a:r>
+              <a:rPr lang="en-US" dirty="0"/>
+              <a:t>-For Random forest, sum over all trees. </a:t>
+            </a:r>
+          </a:p>
+          <a:p>
+            <a:endParaRPr lang="en-US" dirty="0"/>
+          </a:p>
+          <a:p>
+            <a:r>
+              <a:rPr lang="en-US" sz="1200" b="0" i="0" kern="1200" dirty="0">
+                <a:solidFill>
+                  <a:schemeClr val="tx1"/>
+                </a:solidFill>
+                <a:effectLst/>
+                <a:latin typeface="+mn-lt"/>
+                <a:ea typeface="+mn-ea"/>
+                <a:cs typeface="+mn-cs"/>
+              </a:rPr>
+              <a:t>Features used at the top of the tree contribute to the final prediction decision of a larger fraction of the input samples. The </a:t>
+            </a:r>
+            <a:r>
+              <a:rPr lang="en-US" sz="1200" b="1" i="0" kern="1200" dirty="0">
+                <a:solidFill>
+                  <a:schemeClr val="tx1"/>
+                </a:solidFill>
+                <a:effectLst/>
+                <a:latin typeface="+mn-lt"/>
+                <a:ea typeface="+mn-ea"/>
+                <a:cs typeface="+mn-cs"/>
+              </a:rPr>
+              <a:t>expected fraction of the samples</a:t>
+            </a:r>
+            <a:r>
+              <a:rPr lang="en-US" sz="1200" b="0" i="0" kern="1200" dirty="0">
+                <a:solidFill>
+                  <a:schemeClr val="tx1"/>
+                </a:solidFill>
+                <a:effectLst/>
+                <a:latin typeface="+mn-lt"/>
+                <a:ea typeface="+mn-ea"/>
+                <a:cs typeface="+mn-cs"/>
+              </a:rPr>
+              <a:t> they contribute to can thus be used as an estimate of the </a:t>
+            </a:r>
+            <a:r>
+              <a:rPr lang="en-US" sz="1200" b="1" i="0" kern="1200" dirty="0">
+                <a:solidFill>
+                  <a:schemeClr val="tx1"/>
+                </a:solidFill>
+                <a:effectLst/>
+                <a:latin typeface="+mn-lt"/>
+                <a:ea typeface="+mn-ea"/>
+                <a:cs typeface="+mn-cs"/>
+              </a:rPr>
+              <a:t>relative importance of the features</a:t>
+            </a:r>
+            <a:r>
+              <a:rPr lang="en-US" sz="1200" b="0" i="0" kern="1200" dirty="0">
+                <a:solidFill>
+                  <a:schemeClr val="tx1"/>
+                </a:solidFill>
+                <a:effectLst/>
+                <a:latin typeface="+mn-lt"/>
+                <a:ea typeface="+mn-ea"/>
+                <a:cs typeface="+mn-cs"/>
+              </a:rPr>
+              <a:t>.</a:t>
+            </a:r>
+            <a:endParaRPr lang="en-US" dirty="0"/>
+          </a:p>
+        </p:txBody>
+      </p:sp>
+      <p:sp>
+        <p:nvSpPr>
+          <p:cNvPr id="4" name="Slide Number Placeholder 3"/>
+          <p:cNvSpPr>
+            <a:spLocks noGrp="1"/>
+          </p:cNvSpPr>
+          <p:nvPr>
+            <p:ph type="sldNum" sz="quarter" idx="10"/>
+          </p:nvPr>
+        </p:nvSpPr>
+        <p:spPr/>
+        <p:txBody>
+          <a:bodyPr/>
+          <a:lstStyle/>
+          <a:p>
+            <a:fld id="{F8E7675B-F641-1042-8CF6-5B751F5EF7F4}" type="slidenum">
+              <a:rPr lang="en-US" smtClean="0"/>
+              <a:t>29</a:t>
+            </a:fld>
+            <a:endParaRPr lang="en-US"/>
+          </a:p>
+        </p:txBody>
+      </p:sp>
+    </p:spTree>
+    <p:extLst>
+      <p:ext uri="{BB962C8B-B14F-4D97-AF65-F5344CB8AC3E}">
+        <p14:creationId xmlns:p14="http://schemas.microsoft.com/office/powerpoint/2010/main" val="2415863962"/>
+      </p:ext>
+    </p:extLst>
+  </p:cSld>
+  <p:clrMapOvr>
+    <a:masterClrMapping/>
+  </p:clrMapOvr>
+</p:notes>
+</file>
+
+<file path=ppt/notesSlides/notesSlide6.xml><?xml version="1.0" encoding="utf-8"?>
+<p:notes xmlns:a="http://schemas.openxmlformats.org/drawingml/2006/main" xmlns:r="http://schemas.openxmlformats.org/officeDocument/2006/relationships" xmlns:p="http://schemas.openxmlformats.org/presentationml/2006/main">
+  <p:cSld>
+    <p:spTree>
+      <p:nvGrpSpPr>
+        <p:cNvPr id="1" name=""/>
+        <p:cNvGrpSpPr/>
+        <p:nvPr/>
+      </p:nvGrpSpPr>
+      <p:grpSpPr>
+        <a:xfrm>
+          <a:off x="0" y="0"/>
+          <a:ext cx="0" cy="0"/>
+          <a:chOff x="0" y="0"/>
+          <a:chExt cx="0" cy="0"/>
+        </a:xfrm>
+      </p:grpSpPr>
+      <p:sp>
+        <p:nvSpPr>
+          <p:cNvPr id="2" name="Slide Image Placeholder 1"/>
+          <p:cNvSpPr>
+            <a:spLocks noGrp="1" noRot="1" noChangeAspect="1"/>
+          </p:cNvSpPr>
+          <p:nvPr>
+            <p:ph type="sldImg"/>
+          </p:nvPr>
+        </p:nvSpPr>
+        <p:spPr/>
+      </p:sp>
+      <p:sp>
+        <p:nvSpPr>
+          <p:cNvPr id="3" name="Notes Placeholder 2"/>
+          <p:cNvSpPr>
+            <a:spLocks noGrp="1"/>
+          </p:cNvSpPr>
+          <p:nvPr>
+            <p:ph type="body" idx="1"/>
+          </p:nvPr>
+        </p:nvSpPr>
+        <p:spPr/>
+        <p:txBody>
+          <a:bodyPr/>
+          <a:lstStyle/>
+          <a:p>
+            <a:r>
+              <a:rPr lang="en-US" dirty="0"/>
+              <a:t>Can see that some leaves have a single sample in it (out of 150 total samples). </a:t>
+            </a:r>
+          </a:p>
+        </p:txBody>
+      </p:sp>
+      <p:sp>
+        <p:nvSpPr>
+          <p:cNvPr id="4" name="Slide Number Placeholder 3"/>
+          <p:cNvSpPr>
+            <a:spLocks noGrp="1"/>
+          </p:cNvSpPr>
+          <p:nvPr>
+            <p:ph type="sldNum" sz="quarter" idx="10"/>
+          </p:nvPr>
+        </p:nvSpPr>
+        <p:spPr/>
+        <p:txBody>
+          <a:bodyPr/>
+          <a:lstStyle/>
+          <a:p>
+            <a:fld id="{F8E7675B-F641-1042-8CF6-5B751F5EF7F4}" type="slidenum">
+              <a:rPr lang="en-US" smtClean="0"/>
+              <a:t>31</a:t>
+            </a:fld>
+            <a:endParaRPr lang="en-US"/>
+          </a:p>
+        </p:txBody>
+      </p:sp>
+    </p:spTree>
+    <p:extLst>
+      <p:ext uri="{BB962C8B-B14F-4D97-AF65-F5344CB8AC3E}">
+        <p14:creationId xmlns:p14="http://schemas.microsoft.com/office/powerpoint/2010/main" val="2960783496"/>
+      </p:ext>
+    </p:extLst>
+  </p:cSld>
+  <p:clrMapOvr>
+    <a:masterClrMapping/>
+  </p:clrMapOvr>
+</p:notes>
+</file>
+
 <file path=ppt/slideLayouts/slideLayout1.xml><?xml version="1.0" encoding="utf-8"?>
 <p:sldLayout xmlns:a="http://schemas.openxmlformats.org/drawingml/2006/main" xmlns:r="http://schemas.openxmlformats.org/officeDocument/2006/relationships" xmlns:p="http://schemas.openxmlformats.org/presentationml/2006/main" type="title" preserve="1">
   <p:cSld name="Title Slide">
@@ -986,7 +1241,7 @@
           <a:p>
             <a:fld id="{AC6E1538-F2F2-8048-A35B-447926DE1575}" type="datetimeFigureOut">
               <a:rPr lang="en-US" smtClean="0"/>
-              <a:t>7/5/18</a:t>
+              <a:t>7/8/18</a:t>
             </a:fld>
             <a:endParaRPr lang="en-US"/>
           </a:p>
@@ -1184,7 +1439,7 @@
           <a:p>
             <a:fld id="{AC6E1538-F2F2-8048-A35B-447926DE1575}" type="datetimeFigureOut">
               <a:rPr lang="en-US" smtClean="0"/>
-              <a:t>7/5/18</a:t>
+              <a:t>7/8/18</a:t>
             </a:fld>
             <a:endParaRPr lang="en-US"/>
           </a:p>
@@ -1392,7 +1647,7 @@
           <a:p>
             <a:fld id="{AC6E1538-F2F2-8048-A35B-447926DE1575}" type="datetimeFigureOut">
               <a:rPr lang="en-US" smtClean="0"/>
-              <a:t>7/5/18</a:t>
+              <a:t>7/8/18</a:t>
             </a:fld>
             <a:endParaRPr lang="en-US"/>
           </a:p>
@@ -1590,7 +1845,7 @@
           <a:p>
             <a:fld id="{AC6E1538-F2F2-8048-A35B-447926DE1575}" type="datetimeFigureOut">
               <a:rPr lang="en-US" smtClean="0"/>
-              <a:t>7/5/18</a:t>
+              <a:t>7/8/18</a:t>
             </a:fld>
             <a:endParaRPr lang="en-US"/>
           </a:p>
@@ -1865,7 +2120,7 @@
           <a:p>
             <a:fld id="{AC6E1538-F2F2-8048-A35B-447926DE1575}" type="datetimeFigureOut">
               <a:rPr lang="en-US" smtClean="0"/>
-              <a:t>7/5/18</a:t>
+              <a:t>7/8/18</a:t>
             </a:fld>
             <a:endParaRPr lang="en-US"/>
           </a:p>
@@ -2130,7 +2385,7 @@
           <a:p>
             <a:fld id="{AC6E1538-F2F2-8048-A35B-447926DE1575}" type="datetimeFigureOut">
               <a:rPr lang="en-US" smtClean="0"/>
-              <a:t>7/5/18</a:t>
+              <a:t>7/8/18</a:t>
             </a:fld>
             <a:endParaRPr lang="en-US"/>
           </a:p>
@@ -2542,7 +2797,7 @@
           <a:p>
             <a:fld id="{AC6E1538-F2F2-8048-A35B-447926DE1575}" type="datetimeFigureOut">
               <a:rPr lang="en-US" smtClean="0"/>
-              <a:t>7/5/18</a:t>
+              <a:t>7/8/18</a:t>
             </a:fld>
             <a:endParaRPr lang="en-US"/>
           </a:p>
@@ -2683,7 +2938,7 @@
           <a:p>
             <a:fld id="{AC6E1538-F2F2-8048-A35B-447926DE1575}" type="datetimeFigureOut">
               <a:rPr lang="en-US" smtClean="0"/>
-              <a:t>7/5/18</a:t>
+              <a:t>7/8/18</a:t>
             </a:fld>
             <a:endParaRPr lang="en-US"/>
           </a:p>
@@ -2796,7 +3051,7 @@
           <a:p>
             <a:fld id="{AC6E1538-F2F2-8048-A35B-447926DE1575}" type="datetimeFigureOut">
               <a:rPr lang="en-US" smtClean="0"/>
-              <a:t>7/5/18</a:t>
+              <a:t>7/8/18</a:t>
             </a:fld>
             <a:endParaRPr lang="en-US"/>
           </a:p>
@@ -3107,7 +3362,7 @@
           <a:p>
             <a:fld id="{AC6E1538-F2F2-8048-A35B-447926DE1575}" type="datetimeFigureOut">
               <a:rPr lang="en-US" smtClean="0"/>
-              <a:t>7/5/18</a:t>
+              <a:t>7/8/18</a:t>
             </a:fld>
             <a:endParaRPr lang="en-US"/>
           </a:p>
@@ -3395,7 +3650,7 @@
           <a:p>
             <a:fld id="{AC6E1538-F2F2-8048-A35B-447926DE1575}" type="datetimeFigureOut">
               <a:rPr lang="en-US" smtClean="0"/>
-              <a:t>7/5/18</a:t>
+              <a:t>7/8/18</a:t>
             </a:fld>
             <a:endParaRPr lang="en-US"/>
           </a:p>
@@ -3639,7 +3894,7 @@
           <a:p>
             <a:fld id="{AC6E1538-F2F2-8048-A35B-447926DE1575}" type="datetimeFigureOut">
               <a:rPr lang="en-US" smtClean="0"/>
-              <a:t>7/5/18</a:t>
+              <a:t>7/8/18</a:t>
             </a:fld>
             <a:endParaRPr lang="en-US"/>
           </a:p>
@@ -5258,8 +5513,8 @@
           </a:p>
         </p:txBody>
       </p:sp>
-      <mc:AlternateContent xmlns:mc="http://schemas.openxmlformats.org/markup-compatibility/2006">
-        <mc:Choice xmlns:a14="http://schemas.microsoft.com/office/drawing/2010/main" Requires="a14">
+      <mc:AlternateContent xmlns:mc="http://schemas.openxmlformats.org/markup-compatibility/2006" xmlns:a14="http://schemas.microsoft.com/office/drawing/2010/main">
+        <mc:Choice Requires="a14">
           <p:sp>
             <p:nvSpPr>
               <p:cNvPr id="3" name="Rectangle 2">
@@ -5530,7 +5785,7 @@
             </p:txBody>
           </p:sp>
         </mc:Choice>
-        <mc:Fallback>
+        <mc:Fallback xmlns="">
           <p:sp>
             <p:nvSpPr>
               <p:cNvPr id="3" name="Rectangle 2">
@@ -5817,8 +6072,8 @@
           </a:fontRef>
         </p:style>
       </p:cxnSp>
-      <mc:AlternateContent xmlns:mc="http://schemas.openxmlformats.org/markup-compatibility/2006">
-        <mc:Choice xmlns:a14="http://schemas.microsoft.com/office/drawing/2010/main" Requires="a14">
+      <mc:AlternateContent xmlns:mc="http://schemas.openxmlformats.org/markup-compatibility/2006" xmlns:a14="http://schemas.microsoft.com/office/drawing/2010/main">
+        <mc:Choice Requires="a14">
           <p:sp>
             <p:nvSpPr>
               <p:cNvPr id="10" name="Rectangle 9">
@@ -6089,7 +6344,7 @@
             </p:txBody>
           </p:sp>
         </mc:Choice>
-        <mc:Fallback>
+        <mc:Fallback xmlns="">
           <p:sp>
             <p:nvSpPr>
               <p:cNvPr id="10" name="Rectangle 9">
@@ -6454,8 +6709,8 @@
           </a:p>
         </p:txBody>
       </p:sp>
-      <mc:AlternateContent xmlns:mc="http://schemas.openxmlformats.org/markup-compatibility/2006">
-        <mc:Choice xmlns:a14="http://schemas.microsoft.com/office/drawing/2010/main" Requires="a14">
+      <mc:AlternateContent xmlns:mc="http://schemas.openxmlformats.org/markup-compatibility/2006" xmlns:a14="http://schemas.microsoft.com/office/drawing/2010/main">
+        <mc:Choice Requires="a14">
           <p:sp>
             <p:nvSpPr>
               <p:cNvPr id="10" name="Rectangle 9">
@@ -6726,7 +6981,7 @@
             </p:txBody>
           </p:sp>
         </mc:Choice>
-        <mc:Fallback>
+        <mc:Fallback xmlns="">
           <p:sp>
             <p:nvSpPr>
               <p:cNvPr id="10" name="Rectangle 9">
@@ -9902,8 +10157,13 @@
             <a:pPr algn="ctr"/>
             <a:r>
               <a:rPr lang="en-US" dirty="0"/>
-              <a:t>Tree/Model Optimization</a:t>
-            </a:r>
+              <a:t>Tree Optimization and Feature </a:t>
+            </a:r>
+            <a:r>
+              <a:rPr lang="en-US" dirty="0" err="1"/>
+              <a:t>Importances</a:t>
+            </a:r>
+            <a:endParaRPr lang="en-US" dirty="0"/>
           </a:p>
         </p:txBody>
       </p:sp>
@@ -10615,12 +10875,31 @@
                       <m:jc m:val="centerGroup"/>
                     </m:oMathParaPr>
                     <m:oMath xmlns:m="http://schemas.openxmlformats.org/officeDocument/2006/math">
-                      <m:r>
-                        <a:rPr lang="en-US" i="1" smtClean="0">
-                          <a:latin typeface="Cambria Math" panose="02040503050406030204" pitchFamily="18" charset="0"/>
-                        </a:rPr>
-                        <m:t>𝐺</m:t>
-                      </m:r>
+                      <m:sSub>
+                        <m:sSubPr>
+                          <m:ctrlPr>
+                            <a:rPr lang="en-US" b="0" i="1" smtClean="0">
+                              <a:latin typeface="Cambria Math" panose="02040503050406030204" pitchFamily="18" charset="0"/>
+                            </a:rPr>
+                          </m:ctrlPr>
+                        </m:sSubPr>
+                        <m:e>
+                          <m:r>
+                            <a:rPr lang="en-US" i="1" smtClean="0">
+                              <a:latin typeface="Cambria Math" panose="02040503050406030204" pitchFamily="18" charset="0"/>
+                            </a:rPr>
+                            <m:t>𝐺</m:t>
+                          </m:r>
+                        </m:e>
+                        <m:sub>
+                          <m:r>
+                            <a:rPr lang="en-US" b="0" i="1" smtClean="0">
+                              <a:latin typeface="Cambria Math" panose="02040503050406030204" pitchFamily="18" charset="0"/>
+                            </a:rPr>
+                            <m:t>𝑛</m:t>
+                          </m:r>
+                        </m:sub>
+                      </m:sSub>
                       <m:r>
                         <a:rPr lang="en-US" i="1" smtClean="0">
                           <a:latin typeface="Cambria Math" panose="02040503050406030204" pitchFamily="18" charset="0"/>
@@ -10664,18 +10943,18 @@
                             </m:sSubPr>
                             <m:e>
                               <m:r>
-                                <a:rPr lang="en-US" i="1">
+                                <a:rPr lang="en-US" b="0" i="1" smtClean="0">
                                   <a:latin typeface="Cambria Math" panose="02040503050406030204" pitchFamily="18" charset="0"/>
                                 </a:rPr>
-                                <m:t>𝑁</m:t>
+                                <m:t>𝐶</m:t>
                               </m:r>
                             </m:e>
                             <m:sub>
                               <m:r>
-                                <a:rPr lang="en-US" i="1">
+                                <a:rPr lang="en-US" b="0" i="1" smtClean="0">
                                   <a:latin typeface="Cambria Math" panose="02040503050406030204" pitchFamily="18" charset="0"/>
                                 </a:rPr>
-                                <m:t>𝑐𝑙𝑎𝑠𝑠</m:t>
+                                <m:t>𝑛</m:t>
                               </m:r>
                             </m:sub>
                           </m:sSub>
@@ -10729,18 +11008,49 @@
                                             <a:rPr lang="en-US" b="0" i="1" smtClean="0">
                                               <a:latin typeface="Cambria Math" panose="02040503050406030204" pitchFamily="18" charset="0"/>
                                             </a:rPr>
+                                            <m:t>𝑛</m:t>
+                                          </m:r>
+                                          <m:r>
+                                            <a:rPr lang="en-US" b="0" i="1" smtClean="0">
+                                              <a:latin typeface="Cambria Math" panose="02040503050406030204" pitchFamily="18" charset="0"/>
+                                            </a:rPr>
+                                            <m:t>,</m:t>
+                                          </m:r>
+                                          <m:r>
+                                            <a:rPr lang="en-US" b="0" i="1" smtClean="0">
+                                              <a:latin typeface="Cambria Math" panose="02040503050406030204" pitchFamily="18" charset="0"/>
+                                            </a:rPr>
                                             <m:t>𝑖</m:t>
                                           </m:r>
                                         </m:sub>
                                       </m:sSub>
                                     </m:num>
                                     <m:den>
-                                      <m:r>
-                                        <a:rPr lang="en-US" b="0" i="1" smtClean="0">
-                                          <a:latin typeface="Cambria Math" panose="02040503050406030204" pitchFamily="18" charset="0"/>
-                                        </a:rPr>
-                                        <m:t>𝑇</m:t>
-                                      </m:r>
+                                      <m:sSub>
+                                        <m:sSubPr>
+                                          <m:ctrlPr>
+                                            <a:rPr lang="en-US" b="0" i="1" smtClean="0">
+                                              <a:latin typeface="Cambria Math" panose="02040503050406030204" pitchFamily="18" charset="0"/>
+                                            </a:rPr>
+                                          </m:ctrlPr>
+                                        </m:sSubPr>
+                                        <m:e>
+                                          <m:r>
+                                            <a:rPr lang="en-US" b="0" i="1" smtClean="0">
+                                              <a:latin typeface="Cambria Math" panose="02040503050406030204" pitchFamily="18" charset="0"/>
+                                            </a:rPr>
+                                            <m:t>𝑁</m:t>
+                                          </m:r>
+                                        </m:e>
+                                        <m:sub>
+                                          <m:r>
+                                            <a:rPr lang="en-US" b="0" i="1" smtClean="0">
+                                              <a:latin typeface="Cambria Math" panose="02040503050406030204" pitchFamily="18" charset="0"/>
+                                            </a:rPr>
+                                            <m:t>𝑛</m:t>
+                                          </m:r>
+                                        </m:sub>
+                                      </m:sSub>
                                     </m:den>
                                   </m:f>
                                 </m:e>
@@ -10827,7 +11137,7 @@
             <p:spPr>
               <a:xfrm>
                 <a:off x="838200" y="4929188"/>
-                <a:ext cx="6358279" cy="1354217"/>
+                <a:ext cx="5861669" cy="1383840"/>
               </a:xfrm>
               <a:prstGeom prst="rect">
                 <a:avLst/>
@@ -10847,12 +11157,31 @@
                       <m:jc m:val="left"/>
                     </m:oMathParaPr>
                     <m:oMath xmlns:m="http://schemas.openxmlformats.org/officeDocument/2006/math">
-                      <m:r>
-                        <a:rPr lang="en-US" sz="2200" b="0" i="1" smtClean="0">
-                          <a:latin typeface="Cambria Math" panose="02040503050406030204" pitchFamily="18" charset="0"/>
-                        </a:rPr>
-                        <m:t>𝐺</m:t>
-                      </m:r>
+                      <m:sSub>
+                        <m:sSubPr>
+                          <m:ctrlPr>
+                            <a:rPr lang="en-US" sz="2200" b="0" i="1" smtClean="0">
+                              <a:latin typeface="Cambria Math" panose="02040503050406030204" pitchFamily="18" charset="0"/>
+                            </a:rPr>
+                          </m:ctrlPr>
+                        </m:sSubPr>
+                        <m:e>
+                          <m:r>
+                            <a:rPr lang="en-US" sz="2200" b="0" i="1" smtClean="0">
+                              <a:latin typeface="Cambria Math" panose="02040503050406030204" pitchFamily="18" charset="0"/>
+                            </a:rPr>
+                            <m:t>𝐺</m:t>
+                          </m:r>
+                        </m:e>
+                        <m:sub>
+                          <m:r>
+                            <a:rPr lang="en-US" sz="2200" b="0" i="1" smtClean="0">
+                              <a:latin typeface="Cambria Math" panose="02040503050406030204" pitchFamily="18" charset="0"/>
+                            </a:rPr>
+                            <m:t>𝑛</m:t>
+                          </m:r>
+                        </m:sub>
+                      </m:sSub>
                       <m:r>
                         <a:rPr lang="en-US" sz="2200" b="0" i="1" smtClean="0">
                           <a:latin typeface="Cambria Math" panose="02040503050406030204" pitchFamily="18" charset="0"/>
@@ -10913,6 +11242,24 @@
                         </a:rPr>
                         <m:t>node</m:t>
                       </m:r>
+                      <m:r>
+                        <a:rPr lang="en-US" sz="2200" b="0" i="0" smtClean="0">
+                          <a:latin typeface="Cambria Math" panose="02040503050406030204" pitchFamily="18" charset="0"/>
+                        </a:rPr>
+                        <m:t> </m:t>
+                      </m:r>
+                      <m:r>
+                        <a:rPr lang="en-US" sz="2200" b="0" i="1" smtClean="0">
+                          <a:latin typeface="Cambria Math" panose="02040503050406030204" pitchFamily="18" charset="0"/>
+                        </a:rPr>
+                        <m:t>𝑛</m:t>
+                      </m:r>
+                      <m:r>
+                        <a:rPr lang="en-US" sz="2200" b="0" i="0" smtClean="0">
+                          <a:latin typeface="Cambria Math" panose="02040503050406030204" pitchFamily="18" charset="0"/>
+                        </a:rPr>
+                        <m:t> </m:t>
+                      </m:r>
                     </m:oMath>
                   </m:oMathPara>
                 </a14:m>
@@ -10941,7 +11288,7 @@
                             <a:rPr lang="en-US" sz="2200" b="0" i="1" smtClean="0">
                               <a:latin typeface="Cambria Math" panose="02040503050406030204" pitchFamily="18" charset="0"/>
                             </a:rPr>
-                            <m:t>𝑁</m:t>
+                            <m:t>𝐶</m:t>
                           </m:r>
                         </m:e>
                         <m:sub>
@@ -10949,7 +11296,7 @@
                             <a:rPr lang="en-US" sz="2200" b="0" i="1" smtClean="0">
                               <a:latin typeface="Cambria Math" panose="02040503050406030204" pitchFamily="18" charset="0"/>
                             </a:rPr>
-                            <m:t>𝑐𝑙𝑎𝑠𝑠</m:t>
+                            <m:t>𝑛</m:t>
                           </m:r>
                         </m:sub>
                       </m:sSub>
@@ -11043,6 +11390,18 @@
                         </a:rPr>
                         <m:t>node</m:t>
                       </m:r>
+                      <m:r>
+                        <a:rPr lang="en-US" sz="2200" b="0" i="0" smtClean="0">
+                          <a:latin typeface="Cambria Math" panose="02040503050406030204" pitchFamily="18" charset="0"/>
+                        </a:rPr>
+                        <m:t> </m:t>
+                      </m:r>
+                      <m:r>
+                        <a:rPr lang="en-US" sz="2200" b="0" i="1" smtClean="0">
+                          <a:latin typeface="Cambria Math" panose="02040503050406030204" pitchFamily="18" charset="0"/>
+                        </a:rPr>
+                        <m:t>𝑛</m:t>
+                      </m:r>
                     </m:oMath>
                   </m:oMathPara>
                 </a14:m>
@@ -11075,6 +11434,18 @@
                           </m:r>
                         </m:e>
                         <m:sub>
+                          <m:r>
+                            <a:rPr lang="en-US" sz="2200" b="0" i="1" smtClean="0">
+                              <a:latin typeface="Cambria Math" panose="02040503050406030204" pitchFamily="18" charset="0"/>
+                            </a:rPr>
+                            <m:t>𝑛</m:t>
+                          </m:r>
+                          <m:r>
+                            <a:rPr lang="en-US" sz="2200" b="0" i="1" smtClean="0">
+                              <a:latin typeface="Cambria Math" panose="02040503050406030204" pitchFamily="18" charset="0"/>
+                            </a:rPr>
+                            <m:t>,</m:t>
+                          </m:r>
                           <m:r>
                             <a:rPr lang="en-US" sz="2200" b="0" i="1" smtClean="0">
                               <a:latin typeface="Cambria Math" panose="02040503050406030204" pitchFamily="18" charset="0"/>
@@ -11126,7 +11497,7 @@
                         <a:rPr lang="en-US" sz="2200" b="0" i="0" smtClean="0">
                           <a:latin typeface="Cambria Math" panose="02040503050406030204" pitchFamily="18" charset="0"/>
                         </a:rPr>
-                        <m:t>items</m:t>
+                        <m:t>samples</m:t>
                       </m:r>
                       <m:r>
                         <a:rPr lang="en-US" sz="2200" b="0" i="0" smtClean="0">
@@ -11157,6 +11528,18 @@
                           <a:latin typeface="Cambria Math" panose="02040503050406030204" pitchFamily="18" charset="0"/>
                         </a:rPr>
                         <m:t>node</m:t>
+                      </m:r>
+                      <m:r>
+                        <a:rPr lang="en-US" sz="2200" b="0" i="0" smtClean="0">
+                          <a:latin typeface="Cambria Math" panose="02040503050406030204" pitchFamily="18" charset="0"/>
+                        </a:rPr>
+                        <m:t> </m:t>
+                      </m:r>
+                      <m:r>
+                        <a:rPr lang="en-US" sz="2200" b="0" i="1" smtClean="0">
+                          <a:latin typeface="Cambria Math" panose="02040503050406030204" pitchFamily="18" charset="0"/>
+                        </a:rPr>
+                        <m:t>𝑛</m:t>
                       </m:r>
                       <m:r>
                         <a:rPr lang="en-US" sz="2200" b="0" i="0" smtClean="0">
@@ -11200,11 +11583,49 @@
                         </a:rPr>
                         <m:t>𝑖</m:t>
                       </m:r>
+                    </m:oMath>
+                  </m:oMathPara>
+                </a14:m>
+                <a:endParaRPr lang="en-US" sz="2200" b="0" dirty="0"/>
+              </a:p>
+              <a:p>
+                <a:pPr/>
+                <a14:m>
+                  <m:oMathPara xmlns:m="http://schemas.openxmlformats.org/officeDocument/2006/math">
+                    <m:oMathParaPr>
+                      <m:jc m:val="left"/>
+                    </m:oMathParaPr>
+                    <m:oMath xmlns:m="http://schemas.openxmlformats.org/officeDocument/2006/math">
+                      <m:sSub>
+                        <m:sSubPr>
+                          <m:ctrlPr>
+                            <a:rPr lang="en-US" sz="2200" b="0" i="1" smtClean="0">
+                              <a:latin typeface="Cambria Math" panose="02040503050406030204" pitchFamily="18" charset="0"/>
+                            </a:rPr>
+                          </m:ctrlPr>
+                        </m:sSubPr>
+                        <m:e>
+                          <m:r>
+                            <a:rPr lang="en-US" sz="2200" b="0" i="1" smtClean="0">
+                              <a:latin typeface="Cambria Math" panose="02040503050406030204" pitchFamily="18" charset="0"/>
+                            </a:rPr>
+                            <m:t>𝑁</m:t>
+                          </m:r>
+                        </m:e>
+                        <m:sub>
+                          <m:r>
+                            <a:rPr lang="en-US" sz="2200" b="0" i="1" smtClean="0">
+                              <a:latin typeface="Cambria Math" panose="02040503050406030204" pitchFamily="18" charset="0"/>
+                            </a:rPr>
+                            <m:t>𝑛</m:t>
+                          </m:r>
+                        </m:sub>
+                      </m:sSub>
                       <m:r>
-                        <a:rPr lang="en-US" sz="2200" b="0" i="1" smtClean="0">
+                        <a:rPr lang="en-US" sz="2200" b="0" i="0" smtClean="0">
                           <a:latin typeface="Cambria Math" panose="02040503050406030204" pitchFamily="18" charset="0"/>
                         </a:rPr>
-                        <m:t> </m:t>
+                        <m:t>=</m:t>
                       </m:r>
                       <m:r>
                         <m:rPr>
@@ -11213,7 +11634,7 @@
                         <a:rPr lang="en-US" sz="2200" b="0" i="0" smtClean="0">
                           <a:latin typeface="Cambria Math" panose="02040503050406030204" pitchFamily="18" charset="0"/>
                         </a:rPr>
-                        <m:t>in</m:t>
+                        <m:t>Number</m:t>
                       </m:r>
                       <m:r>
                         <a:rPr lang="en-US" sz="2200" b="0" i="0" smtClean="0">
@@ -11228,41 +11649,7 @@
                         <a:rPr lang="en-US" sz="2200" b="0" i="0" smtClean="0">
                           <a:latin typeface="Cambria Math" panose="02040503050406030204" pitchFamily="18" charset="0"/>
                         </a:rPr>
-                        <m:t>sample</m:t>
-                      </m:r>
-                    </m:oMath>
-                  </m:oMathPara>
-                </a14:m>
-                <a:endParaRPr lang="en-US" sz="2200" b="0" dirty="0"/>
-              </a:p>
-              <a:p>
-                <a:pPr/>
-                <a14:m>
-                  <m:oMathPara xmlns:m="http://schemas.openxmlformats.org/officeDocument/2006/math">
-                    <m:oMathParaPr>
-                      <m:jc m:val="left"/>
-                    </m:oMathParaPr>
-                    <m:oMath xmlns:m="http://schemas.openxmlformats.org/officeDocument/2006/math">
-                      <m:r>
-                        <a:rPr lang="en-US" sz="2200" b="0" i="1" smtClean="0">
-                          <a:latin typeface="Cambria Math" panose="02040503050406030204" pitchFamily="18" charset="0"/>
-                        </a:rPr>
-                        <m:t>𝑇</m:t>
-                      </m:r>
-                      <m:r>
-                        <a:rPr lang="en-US" sz="2200" b="0" i="0" smtClean="0">
-                          <a:latin typeface="Cambria Math" panose="02040503050406030204" pitchFamily="18" charset="0"/>
-                        </a:rPr>
-                        <m:t>=</m:t>
-                      </m:r>
-                      <m:r>
-                        <m:rPr>
-                          <m:sty m:val="p"/>
-                        </m:rPr>
-                        <a:rPr lang="en-US" sz="2200" b="0" i="0" smtClean="0">
-                          <a:latin typeface="Cambria Math" panose="02040503050406030204" pitchFamily="18" charset="0"/>
-                        </a:rPr>
-                        <m:t>Total</m:t>
+                        <m:t>of</m:t>
                       </m:r>
                       <m:r>
                         <a:rPr lang="en-US" sz="2200" b="0" i="0" smtClean="0">
@@ -11309,6 +11696,18 @@
                         </a:rPr>
                         <m:t>node</m:t>
                       </m:r>
+                      <m:r>
+                        <a:rPr lang="en-US" sz="2200" b="0" i="0" smtClean="0">
+                          <a:latin typeface="Cambria Math" panose="02040503050406030204" pitchFamily="18" charset="0"/>
+                        </a:rPr>
+                        <m:t> </m:t>
+                      </m:r>
+                      <m:r>
+                        <a:rPr lang="en-US" sz="2200" b="0" i="1" smtClean="0">
+                          <a:latin typeface="Cambria Math" panose="02040503050406030204" pitchFamily="18" charset="0"/>
+                        </a:rPr>
+                        <m:t>𝑛</m:t>
+                      </m:r>
                     </m:oMath>
                   </m:oMathPara>
                 </a14:m>
@@ -11335,7 +11734,7 @@
             <p:spPr>
               <a:xfrm>
                 <a:off x="838200" y="4929188"/>
-                <a:ext cx="6358279" cy="1354217"/>
+                <a:ext cx="5861669" cy="1383840"/>
               </a:xfrm>
               <a:prstGeom prst="rect">
                 <a:avLst/>
@@ -11343,7 +11742,7 @@
               <a:blipFill>
                 <a:blip r:embed="rId3"/>
                 <a:stretch>
-                  <a:fillRect l="-1394" t="-926" b="-8333"/>
+                  <a:fillRect l="-1512" t="-909" b="-7273"/>
                 </a:stretch>
               </a:blipFill>
             </p:spPr>
@@ -11420,6 +11819,208 @@
           </a:p>
         </p:txBody>
       </p:sp>
+      <p:grpSp>
+        <p:nvGrpSpPr>
+          <p:cNvPr id="8" name="Group 7">
+            <a:extLst>
+              <a:ext uri="{FF2B5EF4-FFF2-40B4-BE49-F238E27FC236}">
+                <a16:creationId xmlns:a16="http://schemas.microsoft.com/office/drawing/2014/main" id="{350515A0-642D-BA43-9401-4A3FE2229A49}"/>
+              </a:ext>
+            </a:extLst>
+          </p:cNvPr>
+          <p:cNvGrpSpPr/>
+          <p:nvPr/>
+        </p:nvGrpSpPr>
+        <p:grpSpPr>
+          <a:xfrm>
+            <a:off x="976313" y="1690688"/>
+            <a:ext cx="5486400" cy="4341197"/>
+            <a:chOff x="590551" y="1690688"/>
+            <a:chExt cx="5486400" cy="4341197"/>
+          </a:xfrm>
+        </p:grpSpPr>
+        <p:pic>
+          <p:nvPicPr>
+            <p:cNvPr id="5" name="Picture 4">
+              <a:extLst>
+                <a:ext uri="{FF2B5EF4-FFF2-40B4-BE49-F238E27FC236}">
+                  <a16:creationId xmlns:a16="http://schemas.microsoft.com/office/drawing/2014/main" id="{F86111F8-CEC3-B64B-80C3-92F76D8571CE}"/>
+                </a:ext>
+              </a:extLst>
+            </p:cNvPr>
+            <p:cNvPicPr>
+              <a:picLocks noChangeAspect="1"/>
+            </p:cNvPicPr>
+            <p:nvPr/>
+          </p:nvPicPr>
+          <p:blipFill rotWithShape="1">
+            <a:blip r:embed="rId2"/>
+            <a:srcRect l="35341" r="15952" b="50684"/>
+            <a:stretch/>
+          </p:blipFill>
+          <p:spPr>
+            <a:xfrm>
+              <a:off x="590551" y="1690688"/>
+              <a:ext cx="5486400" cy="4341197"/>
+            </a:xfrm>
+            <a:prstGeom prst="rect">
+              <a:avLst/>
+            </a:prstGeom>
+          </p:spPr>
+        </p:pic>
+        <p:sp>
+          <p:nvSpPr>
+            <p:cNvPr id="7" name="Rectangle 6">
+              <a:extLst>
+                <a:ext uri="{FF2B5EF4-FFF2-40B4-BE49-F238E27FC236}">
+                  <a16:creationId xmlns:a16="http://schemas.microsoft.com/office/drawing/2014/main" id="{78BC23A0-30B2-1643-86BA-B78901363892}"/>
+                </a:ext>
+              </a:extLst>
+            </p:cNvPr>
+            <p:cNvSpPr/>
+            <p:nvPr/>
+          </p:nvSpPr>
+          <p:spPr>
+            <a:xfrm>
+              <a:off x="885826" y="4824730"/>
+              <a:ext cx="2447925" cy="1188720"/>
+            </a:xfrm>
+            <a:prstGeom prst="rect">
+              <a:avLst/>
+            </a:prstGeom>
+            <a:noFill/>
+            <a:ln w="63500">
+              <a:solidFill>
+                <a:srgbClr val="FF0000"/>
+              </a:solidFill>
+            </a:ln>
+          </p:spPr>
+          <p:style>
+            <a:lnRef idx="2">
+              <a:schemeClr val="accent1">
+                <a:shade val="50000"/>
+              </a:schemeClr>
+            </a:lnRef>
+            <a:fillRef idx="1">
+              <a:schemeClr val="accent1"/>
+            </a:fillRef>
+            <a:effectRef idx="0">
+              <a:schemeClr val="accent1"/>
+            </a:effectRef>
+            <a:fontRef idx="minor">
+              <a:schemeClr val="lt1"/>
+            </a:fontRef>
+          </p:style>
+          <p:txBody>
+            <a:bodyPr rtlCol="0" anchor="ctr"/>
+            <a:lstStyle/>
+            <a:p>
+              <a:pPr algn="ctr">
+                <a:lnSpc>
+                  <a:spcPct val="200000"/>
+                </a:lnSpc>
+              </a:pPr>
+              <a:endParaRPr lang="en-US" dirty="0">
+                <a:ln w="28575">
+                  <a:solidFill>
+                    <a:srgbClr val="FF0000"/>
+                  </a:solidFill>
+                </a:ln>
+                <a:highlight>
+                  <a:srgbClr val="FF0000"/>
+                </a:highlight>
+              </a:endParaRPr>
+            </a:p>
+          </p:txBody>
+        </p:sp>
+      </p:grpSp>
+      <p:cxnSp>
+        <p:nvCxnSpPr>
+          <p:cNvPr id="10" name="Straight Arrow Connector 9">
+            <a:extLst>
+              <a:ext uri="{FF2B5EF4-FFF2-40B4-BE49-F238E27FC236}">
+                <a16:creationId xmlns:a16="http://schemas.microsoft.com/office/drawing/2014/main" id="{653493B8-BF77-A34E-9788-2B5F85359427}"/>
+              </a:ext>
+            </a:extLst>
+          </p:cNvPr>
+          <p:cNvCxnSpPr>
+            <a:stCxn id="7" idx="3"/>
+          </p:cNvCxnSpPr>
+          <p:nvPr/>
+        </p:nvCxnSpPr>
+        <p:spPr>
+          <a:xfrm flipV="1">
+            <a:off x="3719513" y="4129088"/>
+            <a:ext cx="3824287" cy="1290002"/>
+          </a:xfrm>
+          <a:prstGeom prst="straightConnector1">
+            <a:avLst/>
+          </a:prstGeom>
+          <a:ln w="53975">
+            <a:solidFill>
+              <a:srgbClr val="FF0000"/>
+            </a:solidFill>
+            <a:tailEnd type="triangle"/>
+          </a:ln>
+        </p:spPr>
+        <p:style>
+          <a:lnRef idx="1">
+            <a:schemeClr val="accent1"/>
+          </a:lnRef>
+          <a:fillRef idx="0">
+            <a:schemeClr val="accent1"/>
+          </a:fillRef>
+          <a:effectRef idx="0">
+            <a:schemeClr val="accent1"/>
+          </a:effectRef>
+          <a:fontRef idx="minor">
+            <a:schemeClr val="tx1"/>
+          </a:fontRef>
+        </p:style>
+      </p:cxnSp>
+      <p:sp>
+        <p:nvSpPr>
+          <p:cNvPr id="11" name="TextBox 10">
+            <a:extLst>
+              <a:ext uri="{FF2B5EF4-FFF2-40B4-BE49-F238E27FC236}">
+                <a16:creationId xmlns:a16="http://schemas.microsoft.com/office/drawing/2014/main" id="{10F8016B-7F0A-2E44-8010-AF195C51C6D2}"/>
+              </a:ext>
+            </a:extLst>
+          </p:cNvPr>
+          <p:cNvSpPr txBox="1"/>
+          <p:nvPr/>
+        </p:nvSpPr>
+        <p:spPr>
+          <a:xfrm>
+            <a:off x="300038" y="6380946"/>
+            <a:ext cx="7243762" cy="477054"/>
+          </a:xfrm>
+          <a:prstGeom prst="rect">
+            <a:avLst/>
+          </a:prstGeom>
+          <a:noFill/>
+        </p:spPr>
+        <p:txBody>
+          <a:bodyPr wrap="square" rtlCol="0">
+            <a:spAutoFit/>
+          </a:bodyPr>
+          <a:lstStyle/>
+          <a:p>
+            <a:r>
+              <a:rPr lang="en-US" sz="2500" dirty="0"/>
+              <a:t>Splits decided such that the </a:t>
+            </a:r>
+            <a:r>
+              <a:rPr lang="en-US" sz="2500" dirty="0" err="1"/>
+              <a:t>gini</a:t>
+            </a:r>
+            <a:r>
+              <a:rPr lang="en-US" sz="2500" dirty="0"/>
+              <a:t> impurity is minimized</a:t>
+            </a:r>
+          </a:p>
+        </p:txBody>
+      </p:sp>
       <mc:AlternateContent xmlns:mc="http://schemas.openxmlformats.org/markup-compatibility/2006">
         <mc:Choice xmlns:a14="http://schemas.microsoft.com/office/drawing/2010/main" Requires="a14">
           <p:sp>
@@ -11459,14 +12060,33 @@
                       <m:jc m:val="centerGroup"/>
                     </m:oMathParaPr>
                     <m:oMath xmlns:m="http://schemas.openxmlformats.org/officeDocument/2006/math">
+                      <m:sSub>
+                        <m:sSubPr>
+                          <m:ctrlPr>
+                            <a:rPr lang="en-US" i="1" smtClean="0">
+                              <a:latin typeface="Cambria Math" panose="02040503050406030204" pitchFamily="18" charset="0"/>
+                            </a:rPr>
+                          </m:ctrlPr>
+                        </m:sSubPr>
+                        <m:e>
+                          <m:r>
+                            <a:rPr lang="en-US" i="1">
+                              <a:latin typeface="Cambria Math" panose="02040503050406030204" pitchFamily="18" charset="0"/>
+                            </a:rPr>
+                            <m:t>𝐺</m:t>
+                          </m:r>
+                        </m:e>
+                        <m:sub>
+                          <m:r>
+                            <a:rPr lang="en-US" i="1">
+                              <a:latin typeface="Cambria Math" panose="02040503050406030204" pitchFamily="18" charset="0"/>
+                            </a:rPr>
+                            <m:t>𝑛</m:t>
+                          </m:r>
+                        </m:sub>
+                      </m:sSub>
                       <m:r>
-                        <a:rPr lang="en-US" b="0" i="1" smtClean="0">
-                          <a:latin typeface="Cambria Math" panose="02040503050406030204" pitchFamily="18" charset="0"/>
-                        </a:rPr>
-                        <m:t>𝐺</m:t>
-                      </m:r>
-                      <m:r>
-                        <a:rPr lang="en-US" b="0" i="1" smtClean="0">
+                        <a:rPr lang="en-US" i="1">
                           <a:latin typeface="Cambria Math" panose="02040503050406030204" pitchFamily="18" charset="0"/>
                         </a:rPr>
                         <m:t>=1 −</m:t>
@@ -11475,7 +12095,7 @@
                         <m:naryPr>
                           <m:chr m:val="∑"/>
                           <m:ctrlPr>
-                            <a:rPr lang="en-US" b="0" i="1" smtClean="0">
+                            <a:rPr lang="en-US" i="1">
                               <a:latin typeface="Cambria Math" panose="02040503050406030204" pitchFamily="18" charset="0"/>
                             </a:rPr>
                           </m:ctrlPr>
@@ -11485,13 +12105,13 @@
                             <m:rPr>
                               <m:brk m:alnAt="23"/>
                             </m:rPr>
-                            <a:rPr lang="en-US" b="0" i="1" smtClean="0">
+                            <a:rPr lang="en-US" i="1">
                               <a:latin typeface="Cambria Math" panose="02040503050406030204" pitchFamily="18" charset="0"/>
                             </a:rPr>
                             <m:t>𝑖</m:t>
                           </m:r>
                           <m:r>
-                            <a:rPr lang="en-US" b="0" i="1" smtClean="0">
+                            <a:rPr lang="en-US" i="1">
                               <a:latin typeface="Cambria Math" panose="02040503050406030204" pitchFamily="18" charset="0"/>
                             </a:rPr>
                             <m:t>=0</m:t>
@@ -11501,7 +12121,7 @@
                           <m:sSub>
                             <m:sSubPr>
                               <m:ctrlPr>
-                                <a:rPr lang="en-US" b="0" i="1" smtClean="0">
+                                <a:rPr lang="en-US" i="1">
                                   <a:latin typeface="Cambria Math" panose="02040503050406030204" pitchFamily="18" charset="0"/>
                                 </a:rPr>
                               </m:ctrlPr>
@@ -11511,15 +12131,15 @@
                                 <a:rPr lang="en-US" b="0" i="1" smtClean="0">
                                   <a:latin typeface="Cambria Math" panose="02040503050406030204" pitchFamily="18" charset="0"/>
                                 </a:rPr>
-                                <m:t>𝑁</m:t>
+                                <m:t>𝐶</m:t>
                               </m:r>
                             </m:e>
                             <m:sub>
                               <m:r>
-                                <a:rPr lang="en-US" b="0" i="1" smtClean="0">
+                                <a:rPr lang="en-US" i="1">
                                   <a:latin typeface="Cambria Math" panose="02040503050406030204" pitchFamily="18" charset="0"/>
                                 </a:rPr>
-                                <m:t>𝑐𝑙𝑎𝑠𝑠</m:t>
+                                <m:t>𝑛</m:t>
                               </m:r>
                             </m:sub>
                           </m:sSub>
@@ -11528,7 +12148,7 @@
                           <m:sSup>
                             <m:sSupPr>
                               <m:ctrlPr>
-                                <a:rPr lang="en-US" b="0" i="1" smtClean="0">
+                                <a:rPr lang="en-US" i="1">
                                   <a:latin typeface="Cambria Math" panose="02040503050406030204" pitchFamily="18" charset="0"/>
                                 </a:rPr>
                               </m:ctrlPr>
@@ -11537,7 +12157,7 @@
                               <m:d>
                                 <m:dPr>
                                   <m:ctrlPr>
-                                    <a:rPr lang="en-US" b="0" i="1" smtClean="0">
+                                    <a:rPr lang="en-US" i="1">
                                       <a:latin typeface="Cambria Math" panose="02040503050406030204" pitchFamily="18" charset="0"/>
                                     </a:rPr>
                                   </m:ctrlPr>
@@ -11546,7 +12166,7 @@
                                   <m:f>
                                     <m:fPr>
                                       <m:ctrlPr>
-                                        <a:rPr lang="en-US" b="0" i="1" smtClean="0">
+                                        <a:rPr lang="en-US" i="1">
                                           <a:latin typeface="Cambria Math" panose="02040503050406030204" pitchFamily="18" charset="0"/>
                                         </a:rPr>
                                       </m:ctrlPr>
@@ -11555,7 +12175,46 @@
                                       <m:sSub>
                                         <m:sSubPr>
                                           <m:ctrlPr>
+                                            <a:rPr lang="en-US" i="1">
+                                              <a:latin typeface="Cambria Math" panose="02040503050406030204" pitchFamily="18" charset="0"/>
+                                            </a:rPr>
+                                          </m:ctrlPr>
+                                        </m:sSubPr>
+                                        <m:e>
+                                          <m:r>
+                                            <a:rPr lang="en-US" i="1">
+                                              <a:latin typeface="Cambria Math" panose="02040503050406030204" pitchFamily="18" charset="0"/>
+                                            </a:rPr>
+                                            <m:t>𝑁</m:t>
+                                          </m:r>
+                                        </m:e>
+                                        <m:sub>
+                                          <m:r>
+                                            <a:rPr lang="en-US" i="1">
+                                              <a:latin typeface="Cambria Math" panose="02040503050406030204" pitchFamily="18" charset="0"/>
+                                            </a:rPr>
+                                            <m:t>𝑛</m:t>
+                                          </m:r>
+                                          <m:r>
                                             <a:rPr lang="en-US" b="0" i="1" smtClean="0">
+                                              <a:latin typeface="Cambria Math" panose="02040503050406030204" pitchFamily="18" charset="0"/>
+                                            </a:rPr>
+                                            <m:t>,</m:t>
+                                          </m:r>
+                                          <m:r>
+                                            <a:rPr lang="en-US" b="0" i="1" smtClean="0">
+                                              <a:latin typeface="Cambria Math" panose="02040503050406030204" pitchFamily="18" charset="0"/>
+                                            </a:rPr>
+                                            <m:t>𝑖</m:t>
+                                          </m:r>
+                                        </m:sub>
+                                      </m:sSub>
+                                    </m:num>
+                                    <m:den>
+                                      <m:sSub>
+                                        <m:sSubPr>
+                                          <m:ctrlPr>
+                                            <a:rPr lang="en-US" i="1">
                                               <a:latin typeface="Cambria Math" panose="02040503050406030204" pitchFamily="18" charset="0"/>
                                             </a:rPr>
                                           </m:ctrlPr>
@@ -11570,21 +12229,13 @@
                                         </m:e>
                                         <m:sub>
                                           <m:r>
-                                            <a:rPr lang="en-US" b="0" i="1" smtClean="0">
+                                            <a:rPr lang="en-US" i="1">
                                               <a:latin typeface="Cambria Math" panose="02040503050406030204" pitchFamily="18" charset="0"/>
                                             </a:rPr>
-                                            <m:t>𝑖</m:t>
+                                            <m:t>𝑛</m:t>
                                           </m:r>
                                         </m:sub>
                                       </m:sSub>
-                                    </m:num>
-                                    <m:den>
-                                      <m:r>
-                                        <a:rPr lang="en-US" b="0" i="1" smtClean="0">
-                                          <a:latin typeface="Cambria Math" panose="02040503050406030204" pitchFamily="18" charset="0"/>
-                                        </a:rPr>
-                                        <m:t>𝑆</m:t>
-                                      </m:r>
                                     </m:den>
                                   </m:f>
                                 </m:e>
@@ -11592,7 +12243,7 @@
                             </m:e>
                             <m:sup>
                               <m:r>
-                                <a:rPr lang="en-US" b="0" i="1" smtClean="0">
+                                <a:rPr lang="en-US" i="1">
                                   <a:latin typeface="Cambria Math" panose="02040503050406030204" pitchFamily="18" charset="0"/>
                                 </a:rPr>
                                 <m:t>2</m:t>
@@ -11622,12 +12273,31 @@
                       <m:jc m:val="centerGroup"/>
                     </m:oMathParaPr>
                     <m:oMath xmlns:m="http://schemas.openxmlformats.org/officeDocument/2006/math">
-                      <m:r>
-                        <a:rPr lang="en-US" b="0" i="1" smtClean="0">
-                          <a:latin typeface="Cambria Math" panose="02040503050406030204" pitchFamily="18" charset="0"/>
-                        </a:rPr>
-                        <m:t>𝐺</m:t>
-                      </m:r>
+                      <m:sSub>
+                        <m:sSubPr>
+                          <m:ctrlPr>
+                            <a:rPr lang="en-US" b="0" i="1" smtClean="0">
+                              <a:latin typeface="Cambria Math" panose="02040503050406030204" pitchFamily="18" charset="0"/>
+                            </a:rPr>
+                          </m:ctrlPr>
+                        </m:sSubPr>
+                        <m:e>
+                          <m:r>
+                            <a:rPr lang="en-US" b="0" i="1" smtClean="0">
+                              <a:latin typeface="Cambria Math" panose="02040503050406030204" pitchFamily="18" charset="0"/>
+                            </a:rPr>
+                            <m:t>𝐺</m:t>
+                          </m:r>
+                        </m:e>
+                        <m:sub>
+                          <m:r>
+                            <a:rPr lang="en-US" b="0" i="1" smtClean="0">
+                              <a:latin typeface="Cambria Math" panose="02040503050406030204" pitchFamily="18" charset="0"/>
+                            </a:rPr>
+                            <m:t>𝑛</m:t>
+                          </m:r>
+                        </m:sub>
+                      </m:sSub>
                       <m:r>
                         <a:rPr lang="en-US" b="0" i="1" smtClean="0">
                           <a:latin typeface="Cambria Math" panose="02040503050406030204" pitchFamily="18" charset="0"/>
@@ -11657,7 +12327,7 @@
                               <m:d>
                                 <m:dPr>
                                   <m:ctrlPr>
-                                    <a:rPr lang="en-US" b="0" i="0" smtClean="0">
+                                    <a:rPr lang="en-US" b="0" i="1" smtClean="0">
                                       <a:latin typeface="Cambria Math" panose="02040503050406030204" pitchFamily="18" charset="0"/>
                                     </a:rPr>
                                   </m:ctrlPr>
@@ -11709,7 +12379,7 @@
                           <m:sSup>
                             <m:sSupPr>
                               <m:ctrlPr>
-                                <a:rPr lang="en-US" b="0" i="0" smtClean="0">
+                                <a:rPr lang="en-US" b="0" i="1" smtClean="0">
                                   <a:latin typeface="Cambria Math" panose="02040503050406030204" pitchFamily="18" charset="0"/>
                                 </a:rPr>
                               </m:ctrlPr>
@@ -11718,7 +12388,7 @@
                               <m:d>
                                 <m:dPr>
                                   <m:ctrlPr>
-                                    <a:rPr lang="en-US" b="0" i="0" smtClean="0">
+                                    <a:rPr lang="en-US" b="0" i="1" smtClean="0">
                                       <a:latin typeface="Cambria Math" panose="02040503050406030204" pitchFamily="18" charset="0"/>
                                     </a:rPr>
                                   </m:ctrlPr>
@@ -11727,7 +12397,7 @@
                                   <m:f>
                                     <m:fPr>
                                       <m:ctrlPr>
-                                        <a:rPr lang="en-US" b="0" i="0" smtClean="0">
+                                        <a:rPr lang="en-US" b="0" i="1" smtClean="0">
                                           <a:latin typeface="Cambria Math" panose="02040503050406030204" pitchFamily="18" charset="0"/>
                                         </a:rPr>
                                       </m:ctrlPr>
@@ -11845,12 +12515,31 @@
                       <m:jc m:val="centerGroup"/>
                     </m:oMathParaPr>
                     <m:oMath xmlns:m="http://schemas.openxmlformats.org/officeDocument/2006/math">
-                      <m:r>
-                        <a:rPr lang="en-US" b="0" i="1" smtClean="0">
-                          <a:latin typeface="Cambria Math" panose="02040503050406030204" pitchFamily="18" charset="0"/>
-                        </a:rPr>
-                        <m:t>𝐺</m:t>
-                      </m:r>
+                      <m:sSub>
+                        <m:sSubPr>
+                          <m:ctrlPr>
+                            <a:rPr lang="en-US" b="0" i="1" smtClean="0">
+                              <a:latin typeface="Cambria Math" panose="02040503050406030204" pitchFamily="18" charset="0"/>
+                            </a:rPr>
+                          </m:ctrlPr>
+                        </m:sSubPr>
+                        <m:e>
+                          <m:r>
+                            <a:rPr lang="en-US" b="0" i="1" smtClean="0">
+                              <a:latin typeface="Cambria Math" panose="02040503050406030204" pitchFamily="18" charset="0"/>
+                            </a:rPr>
+                            <m:t>𝐺</m:t>
+                          </m:r>
+                        </m:e>
+                        <m:sub>
+                          <m:r>
+                            <a:rPr lang="en-US" b="0" i="1" smtClean="0">
+                              <a:latin typeface="Cambria Math" panose="02040503050406030204" pitchFamily="18" charset="0"/>
+                            </a:rPr>
+                            <m:t>𝑛</m:t>
+                          </m:r>
+                        </m:sub>
+                      </m:sSub>
                       <m:r>
                         <a:rPr lang="en-US" b="0" i="1" smtClean="0">
                           <a:latin typeface="Cambria Math" panose="02040503050406030204" pitchFamily="18" charset="0"/>
@@ -11888,9 +12577,9 @@
                 <a:ext cx="5219700" cy="3538537"/>
               </a:xfrm>
               <a:blipFill>
-                <a:blip r:embed="rId2"/>
+                <a:blip r:embed="rId3"/>
                 <a:stretch>
-                  <a:fillRect t="-37500"/>
+                  <a:fillRect l="-243" t="-37500"/>
                 </a:stretch>
               </a:blipFill>
             </p:spPr>
@@ -11909,208 +12598,6 @@
           </p:sp>
         </mc:Fallback>
       </mc:AlternateContent>
-      <p:grpSp>
-        <p:nvGrpSpPr>
-          <p:cNvPr id="8" name="Group 7">
-            <a:extLst>
-              <a:ext uri="{FF2B5EF4-FFF2-40B4-BE49-F238E27FC236}">
-                <a16:creationId xmlns:a16="http://schemas.microsoft.com/office/drawing/2014/main" id="{350515A0-642D-BA43-9401-4A3FE2229A49}"/>
-              </a:ext>
-            </a:extLst>
-          </p:cNvPr>
-          <p:cNvGrpSpPr/>
-          <p:nvPr/>
-        </p:nvGrpSpPr>
-        <p:grpSpPr>
-          <a:xfrm>
-            <a:off x="976313" y="1690688"/>
-            <a:ext cx="5486400" cy="4341197"/>
-            <a:chOff x="590551" y="1690688"/>
-            <a:chExt cx="5486400" cy="4341197"/>
-          </a:xfrm>
-        </p:grpSpPr>
-        <p:pic>
-          <p:nvPicPr>
-            <p:cNvPr id="5" name="Picture 4">
-              <a:extLst>
-                <a:ext uri="{FF2B5EF4-FFF2-40B4-BE49-F238E27FC236}">
-                  <a16:creationId xmlns:a16="http://schemas.microsoft.com/office/drawing/2014/main" id="{F86111F8-CEC3-B64B-80C3-92F76D8571CE}"/>
-                </a:ext>
-              </a:extLst>
-            </p:cNvPr>
-            <p:cNvPicPr>
-              <a:picLocks noChangeAspect="1"/>
-            </p:cNvPicPr>
-            <p:nvPr/>
-          </p:nvPicPr>
-          <p:blipFill rotWithShape="1">
-            <a:blip r:embed="rId3"/>
-            <a:srcRect l="35341" r="15952" b="50684"/>
-            <a:stretch/>
-          </p:blipFill>
-          <p:spPr>
-            <a:xfrm>
-              <a:off x="590551" y="1690688"/>
-              <a:ext cx="5486400" cy="4341197"/>
-            </a:xfrm>
-            <a:prstGeom prst="rect">
-              <a:avLst/>
-            </a:prstGeom>
-          </p:spPr>
-        </p:pic>
-        <p:sp>
-          <p:nvSpPr>
-            <p:cNvPr id="7" name="Rectangle 6">
-              <a:extLst>
-                <a:ext uri="{FF2B5EF4-FFF2-40B4-BE49-F238E27FC236}">
-                  <a16:creationId xmlns:a16="http://schemas.microsoft.com/office/drawing/2014/main" id="{78BC23A0-30B2-1643-86BA-B78901363892}"/>
-                </a:ext>
-              </a:extLst>
-            </p:cNvPr>
-            <p:cNvSpPr/>
-            <p:nvPr/>
-          </p:nvSpPr>
-          <p:spPr>
-            <a:xfrm>
-              <a:off x="885826" y="4824730"/>
-              <a:ext cx="2447925" cy="1188720"/>
-            </a:xfrm>
-            <a:prstGeom prst="rect">
-              <a:avLst/>
-            </a:prstGeom>
-            <a:noFill/>
-            <a:ln w="63500">
-              <a:solidFill>
-                <a:srgbClr val="FF0000"/>
-              </a:solidFill>
-            </a:ln>
-          </p:spPr>
-          <p:style>
-            <a:lnRef idx="2">
-              <a:schemeClr val="accent1">
-                <a:shade val="50000"/>
-              </a:schemeClr>
-            </a:lnRef>
-            <a:fillRef idx="1">
-              <a:schemeClr val="accent1"/>
-            </a:fillRef>
-            <a:effectRef idx="0">
-              <a:schemeClr val="accent1"/>
-            </a:effectRef>
-            <a:fontRef idx="minor">
-              <a:schemeClr val="lt1"/>
-            </a:fontRef>
-          </p:style>
-          <p:txBody>
-            <a:bodyPr rtlCol="0" anchor="ctr"/>
-            <a:lstStyle/>
-            <a:p>
-              <a:pPr algn="ctr">
-                <a:lnSpc>
-                  <a:spcPct val="200000"/>
-                </a:lnSpc>
-              </a:pPr>
-              <a:endParaRPr lang="en-US" dirty="0">
-                <a:ln w="28575">
-                  <a:solidFill>
-                    <a:srgbClr val="FF0000"/>
-                  </a:solidFill>
-                </a:ln>
-                <a:highlight>
-                  <a:srgbClr val="FF0000"/>
-                </a:highlight>
-              </a:endParaRPr>
-            </a:p>
-          </p:txBody>
-        </p:sp>
-      </p:grpSp>
-      <p:cxnSp>
-        <p:nvCxnSpPr>
-          <p:cNvPr id="10" name="Straight Arrow Connector 9">
-            <a:extLst>
-              <a:ext uri="{FF2B5EF4-FFF2-40B4-BE49-F238E27FC236}">
-                <a16:creationId xmlns:a16="http://schemas.microsoft.com/office/drawing/2014/main" id="{653493B8-BF77-A34E-9788-2B5F85359427}"/>
-              </a:ext>
-            </a:extLst>
-          </p:cNvPr>
-          <p:cNvCxnSpPr>
-            <a:stCxn id="7" idx="3"/>
-          </p:cNvCxnSpPr>
-          <p:nvPr/>
-        </p:nvCxnSpPr>
-        <p:spPr>
-          <a:xfrm flipV="1">
-            <a:off x="3719513" y="4129088"/>
-            <a:ext cx="3824287" cy="1290002"/>
-          </a:xfrm>
-          <a:prstGeom prst="straightConnector1">
-            <a:avLst/>
-          </a:prstGeom>
-          <a:ln w="53975">
-            <a:solidFill>
-              <a:srgbClr val="FF0000"/>
-            </a:solidFill>
-            <a:tailEnd type="triangle"/>
-          </a:ln>
-        </p:spPr>
-        <p:style>
-          <a:lnRef idx="1">
-            <a:schemeClr val="accent1"/>
-          </a:lnRef>
-          <a:fillRef idx="0">
-            <a:schemeClr val="accent1"/>
-          </a:fillRef>
-          <a:effectRef idx="0">
-            <a:schemeClr val="accent1"/>
-          </a:effectRef>
-          <a:fontRef idx="minor">
-            <a:schemeClr val="tx1"/>
-          </a:fontRef>
-        </p:style>
-      </p:cxnSp>
-      <p:sp>
-        <p:nvSpPr>
-          <p:cNvPr id="11" name="TextBox 10">
-            <a:extLst>
-              <a:ext uri="{FF2B5EF4-FFF2-40B4-BE49-F238E27FC236}">
-                <a16:creationId xmlns:a16="http://schemas.microsoft.com/office/drawing/2014/main" id="{10F8016B-7F0A-2E44-8010-AF195C51C6D2}"/>
-              </a:ext>
-            </a:extLst>
-          </p:cNvPr>
-          <p:cNvSpPr txBox="1"/>
-          <p:nvPr/>
-        </p:nvSpPr>
-        <p:spPr>
-          <a:xfrm>
-            <a:off x="300038" y="6380946"/>
-            <a:ext cx="7243762" cy="477054"/>
-          </a:xfrm>
-          <a:prstGeom prst="rect">
-            <a:avLst/>
-          </a:prstGeom>
-          <a:noFill/>
-        </p:spPr>
-        <p:txBody>
-          <a:bodyPr wrap="square" rtlCol="0">
-            <a:spAutoFit/>
-          </a:bodyPr>
-          <a:lstStyle/>
-          <a:p>
-            <a:r>
-              <a:rPr lang="en-US" sz="2500" dirty="0"/>
-              <a:t>Splits decided such that the </a:t>
-            </a:r>
-            <a:r>
-              <a:rPr lang="en-US" sz="2500" dirty="0" err="1"/>
-              <a:t>gini</a:t>
-            </a:r>
-            <a:r>
-              <a:rPr lang="en-US" sz="2500" dirty="0"/>
-              <a:t> impurity is minimized</a:t>
-            </a:r>
-          </a:p>
-        </p:txBody>
-      </p:sp>
     </p:spTree>
     <p:extLst>
       <p:ext uri="{BB962C8B-B14F-4D97-AF65-F5344CB8AC3E}">
@@ -12164,17 +12651,17 @@
           <a:p>
             <a:r>
               <a:rPr lang="en-US" dirty="0"/>
-              <a:t>Model Optimization – Regularization</a:t>
+              <a:t>Feature Importance – Gini Impurity</a:t>
             </a:r>
           </a:p>
         </p:txBody>
       </p:sp>
       <p:sp>
         <p:nvSpPr>
-          <p:cNvPr id="4" name="Content Placeholder 3">
-            <a:extLst>
-              <a:ext uri="{FF2B5EF4-FFF2-40B4-BE49-F238E27FC236}">
-                <a16:creationId xmlns:a16="http://schemas.microsoft.com/office/drawing/2014/main" id="{9FB5DAB1-8EA4-0F4D-A76B-70DD8C40B9C0}"/>
+          <p:cNvPr id="3" name="Content Placeholder 2">
+            <a:extLst>
+              <a:ext uri="{FF2B5EF4-FFF2-40B4-BE49-F238E27FC236}">
+                <a16:creationId xmlns:a16="http://schemas.microsoft.com/office/drawing/2014/main" id="{CF57616D-AF21-9F4D-83CE-BC2A5BB08033}"/>
               </a:ext>
             </a:extLst>
           </p:cNvPr>
@@ -12187,75 +12674,2476 @@
         </p:nvSpPr>
         <p:spPr>
           <a:xfrm>
-            <a:off x="7443788" y="1563686"/>
-            <a:ext cx="3910012" cy="3076893"/>
+            <a:off x="838200" y="1538244"/>
+            <a:ext cx="10515600" cy="1247775"/>
           </a:xfrm>
         </p:spPr>
         <p:txBody>
-          <a:bodyPr>
-            <a:normAutofit/>
-          </a:bodyPr>
+          <a:bodyPr/>
           <a:lstStyle/>
           <a:p>
+            <a:pPr marL="0" indent="0">
+              <a:buNone/>
+            </a:pPr>
             <a:r>
               <a:rPr lang="en-US" dirty="0"/>
-              <a:t>Main complexity parameter is </a:t>
-            </a:r>
-            <a:r>
-              <a:rPr lang="en-US" i="1" dirty="0" err="1"/>
-              <a:t>max_depth</a:t>
+              <a:t>“</a:t>
             </a:r>
             <a:r>
               <a:rPr lang="en-US" i="1" dirty="0"/>
-              <a:t> </a:t>
+              <a:t>The importance of a feature is computed as the (normalized) total reduction of the criterion brought by that feature. It is also known as the Gini importance</a:t>
             </a:r>
             <a:r>
               <a:rPr lang="en-US" dirty="0"/>
-              <a:t>of the tree. </a:t>
-            </a:r>
-          </a:p>
-          <a:p>
-            <a:r>
-              <a:rPr lang="en-US" dirty="0"/>
-              <a:t>Deep trees can split the data up more, leading to overfitting.</a:t>
+              <a:t>.”</a:t>
             </a:r>
           </a:p>
         </p:txBody>
       </p:sp>
-      <p:pic>
-        <p:nvPicPr>
-          <p:cNvPr id="55" name="Picture 54">
-            <a:extLst>
-              <a:ext uri="{FF2B5EF4-FFF2-40B4-BE49-F238E27FC236}">
-                <a16:creationId xmlns:a16="http://schemas.microsoft.com/office/drawing/2014/main" id="{06E9868A-4E23-6C44-9713-D0740A40A8B6}"/>
-              </a:ext>
-            </a:extLst>
-          </p:cNvPr>
-          <p:cNvPicPr>
-            <a:picLocks noChangeAspect="1"/>
-          </p:cNvPicPr>
+      <mc:AlternateContent xmlns:mc="http://schemas.openxmlformats.org/markup-compatibility/2006">
+        <mc:Choice xmlns:a14="http://schemas.microsoft.com/office/drawing/2010/main" Requires="a14">
+          <p:sp>
+            <p:nvSpPr>
+              <p:cNvPr id="8" name="TextBox 7">
+                <a:extLst>
+                  <a:ext uri="{FF2B5EF4-FFF2-40B4-BE49-F238E27FC236}">
+                    <a16:creationId xmlns:a16="http://schemas.microsoft.com/office/drawing/2014/main" id="{5F7E8E14-A92E-2945-8BCD-0EA3AB693C38}"/>
+                  </a:ext>
+                </a:extLst>
+              </p:cNvPr>
+              <p:cNvSpPr txBox="1"/>
+              <p:nvPr/>
+            </p:nvSpPr>
+            <p:spPr>
+              <a:xfrm>
+                <a:off x="838200" y="4274286"/>
+                <a:ext cx="9380220" cy="2729978"/>
+              </a:xfrm>
+              <a:prstGeom prst="rect">
+                <a:avLst/>
+              </a:prstGeom>
+              <a:noFill/>
+            </p:spPr>
+            <p:txBody>
+              <a:bodyPr wrap="square" lIns="0" tIns="0" rIns="0" bIns="0" rtlCol="0">
+                <a:spAutoFit/>
+              </a:bodyPr>
+              <a:lstStyle/>
+              <a:p>
+                <a:pPr/>
+                <a14:m>
+                  <m:oMathPara xmlns:m="http://schemas.openxmlformats.org/officeDocument/2006/math">
+                    <m:oMathParaPr>
+                      <m:jc m:val="left"/>
+                    </m:oMathParaPr>
+                    <m:oMath xmlns:m="http://schemas.openxmlformats.org/officeDocument/2006/math">
+                      <m:sSub>
+                        <m:sSubPr>
+                          <m:ctrlPr>
+                            <a:rPr lang="en-US" sz="2000" b="0" i="1" smtClean="0">
+                              <a:latin typeface="Cambria Math" panose="02040503050406030204" pitchFamily="18" charset="0"/>
+                            </a:rPr>
+                          </m:ctrlPr>
+                        </m:sSubPr>
+                        <m:e>
+                          <m:r>
+                            <a:rPr lang="en-US" sz="2000" b="0" i="1" smtClean="0">
+                              <a:latin typeface="Cambria Math" panose="02040503050406030204" pitchFamily="18" charset="0"/>
+                            </a:rPr>
+                            <m:t>𝐼</m:t>
+                          </m:r>
+                        </m:e>
+                        <m:sub>
+                          <m:r>
+                            <a:rPr lang="en-US" sz="2000" b="0" i="1" smtClean="0">
+                              <a:latin typeface="Cambria Math" panose="02040503050406030204" pitchFamily="18" charset="0"/>
+                            </a:rPr>
+                            <m:t>𝑓</m:t>
+                          </m:r>
+                        </m:sub>
+                      </m:sSub>
+                      <m:r>
+                        <a:rPr lang="en-US" sz="2000" b="0" i="1" smtClean="0">
+                          <a:latin typeface="Cambria Math" panose="02040503050406030204" pitchFamily="18" charset="0"/>
+                        </a:rPr>
+                        <m:t>,</m:t>
+                      </m:r>
+                      <m:sSub>
+                        <m:sSubPr>
+                          <m:ctrlPr>
+                            <a:rPr lang="en-US" sz="2000" i="1">
+                              <a:latin typeface="Cambria Math" panose="02040503050406030204" pitchFamily="18" charset="0"/>
+                            </a:rPr>
+                          </m:ctrlPr>
+                        </m:sSubPr>
+                        <m:e>
+                          <m:acc>
+                            <m:accPr>
+                              <m:chr m:val="̃"/>
+                              <m:ctrlPr>
+                                <a:rPr lang="en-US" sz="2000" i="1">
+                                  <a:latin typeface="Cambria Math" panose="02040503050406030204" pitchFamily="18" charset="0"/>
+                                </a:rPr>
+                              </m:ctrlPr>
+                            </m:accPr>
+                            <m:e>
+                              <m:r>
+                                <a:rPr lang="en-US" sz="2000" i="1">
+                                  <a:latin typeface="Cambria Math" panose="02040503050406030204" pitchFamily="18" charset="0"/>
+                                </a:rPr>
+                                <m:t>𝐼</m:t>
+                              </m:r>
+                            </m:e>
+                          </m:acc>
+                        </m:e>
+                        <m:sub>
+                          <m:r>
+                            <a:rPr lang="en-US" sz="2000" i="1">
+                              <a:latin typeface="Cambria Math" panose="02040503050406030204" pitchFamily="18" charset="0"/>
+                            </a:rPr>
+                            <m:t>𝑓</m:t>
+                          </m:r>
+                        </m:sub>
+                      </m:sSub>
+                      <m:r>
+                        <a:rPr lang="en-US" sz="2000" b="0" i="1" smtClean="0">
+                          <a:latin typeface="Cambria Math" panose="02040503050406030204" pitchFamily="18" charset="0"/>
+                        </a:rPr>
+                        <m:t>=</m:t>
+                      </m:r>
+                      <m:r>
+                        <m:rPr>
+                          <m:sty m:val="p"/>
+                        </m:rPr>
+                        <a:rPr lang="en-US" sz="2000" b="0" i="0" smtClean="0">
+                          <a:latin typeface="Cambria Math" panose="02040503050406030204" pitchFamily="18" charset="0"/>
+                        </a:rPr>
+                        <m:t>Normalized</m:t>
+                      </m:r>
+                      <m:r>
+                        <a:rPr lang="en-US" sz="2000" b="0" i="0" smtClean="0">
+                          <a:latin typeface="Cambria Math" panose="02040503050406030204" pitchFamily="18" charset="0"/>
+                        </a:rPr>
+                        <m:t>/</m:t>
+                      </m:r>
+                      <m:r>
+                        <m:rPr>
+                          <m:sty m:val="p"/>
+                        </m:rPr>
+                        <a:rPr lang="en-US" sz="2000" b="0" i="0" smtClean="0">
+                          <a:latin typeface="Cambria Math" panose="02040503050406030204" pitchFamily="18" charset="0"/>
+                        </a:rPr>
+                        <m:t>Unnormalized</m:t>
+                      </m:r>
+                      <m:r>
+                        <a:rPr lang="en-US" sz="2000" b="0" i="0" smtClean="0">
+                          <a:latin typeface="Cambria Math" panose="02040503050406030204" pitchFamily="18" charset="0"/>
+                        </a:rPr>
+                        <m:t> </m:t>
+                      </m:r>
+                      <m:r>
+                        <m:rPr>
+                          <m:sty m:val="p"/>
+                        </m:rPr>
+                        <a:rPr lang="en-US" sz="2000" b="0" i="0" smtClean="0">
+                          <a:latin typeface="Cambria Math" panose="02040503050406030204" pitchFamily="18" charset="0"/>
+                        </a:rPr>
+                        <m:t>Importance</m:t>
+                      </m:r>
+                      <m:r>
+                        <a:rPr lang="en-US" sz="2000" b="0" i="0" smtClean="0">
+                          <a:latin typeface="Cambria Math" panose="02040503050406030204" pitchFamily="18" charset="0"/>
+                        </a:rPr>
+                        <m:t> </m:t>
+                      </m:r>
+                      <m:r>
+                        <m:rPr>
+                          <m:sty m:val="p"/>
+                        </m:rPr>
+                        <a:rPr lang="en-US" sz="2000" b="0" i="0" smtClean="0">
+                          <a:latin typeface="Cambria Math" panose="02040503050406030204" pitchFamily="18" charset="0"/>
+                        </a:rPr>
+                        <m:t>of</m:t>
+                      </m:r>
+                      <m:r>
+                        <a:rPr lang="en-US" sz="2000" b="0" i="0" smtClean="0">
+                          <a:latin typeface="Cambria Math" panose="02040503050406030204" pitchFamily="18" charset="0"/>
+                        </a:rPr>
+                        <m:t> </m:t>
+                      </m:r>
+                      <m:r>
+                        <m:rPr>
+                          <m:sty m:val="p"/>
+                        </m:rPr>
+                        <a:rPr lang="en-US" sz="2000" b="0" i="0" smtClean="0">
+                          <a:latin typeface="Cambria Math" panose="02040503050406030204" pitchFamily="18" charset="0"/>
+                        </a:rPr>
+                        <m:t>feature</m:t>
+                      </m:r>
+                      <m:r>
+                        <a:rPr lang="en-US" sz="2000" b="0" i="0" smtClean="0">
+                          <a:latin typeface="Cambria Math" panose="02040503050406030204" pitchFamily="18" charset="0"/>
+                        </a:rPr>
+                        <m:t> </m:t>
+                      </m:r>
+                      <m:r>
+                        <a:rPr lang="en-US" sz="2000" b="0" i="1" smtClean="0">
+                          <a:latin typeface="Cambria Math" panose="02040503050406030204" pitchFamily="18" charset="0"/>
+                        </a:rPr>
+                        <m:t>𝑓</m:t>
+                      </m:r>
+                    </m:oMath>
+                  </m:oMathPara>
+                </a14:m>
+                <a:endParaRPr lang="en-US" sz="2000" b="0" i="1" dirty="0">
+                  <a:latin typeface="Cambria Math" panose="02040503050406030204" pitchFamily="18" charset="0"/>
+                </a:endParaRPr>
+              </a:p>
+              <a:p>
+                <a:pPr/>
+                <a14:m>
+                  <m:oMathPara xmlns:m="http://schemas.openxmlformats.org/officeDocument/2006/math">
+                    <m:oMathParaPr>
+                      <m:jc m:val="left"/>
+                    </m:oMathParaPr>
+                    <m:oMath xmlns:m="http://schemas.openxmlformats.org/officeDocument/2006/math">
+                      <m:sSub>
+                        <m:sSubPr>
+                          <m:ctrlPr>
+                            <a:rPr lang="en-US" sz="2000" i="1">
+                              <a:latin typeface="Cambria Math" panose="02040503050406030204" pitchFamily="18" charset="0"/>
+                            </a:rPr>
+                          </m:ctrlPr>
+                        </m:sSubPr>
+                        <m:e>
+                          <m:r>
+                            <a:rPr lang="en-US" sz="2000" i="1">
+                              <a:latin typeface="Cambria Math" panose="02040503050406030204" pitchFamily="18" charset="0"/>
+                            </a:rPr>
+                            <m:t>𝑂</m:t>
+                          </m:r>
+                        </m:e>
+                        <m:sub>
+                          <m:r>
+                            <a:rPr lang="en-US" sz="2000" i="1">
+                              <a:latin typeface="Cambria Math" panose="02040503050406030204" pitchFamily="18" charset="0"/>
+                            </a:rPr>
+                            <m:t>𝑓</m:t>
+                          </m:r>
+                        </m:sub>
+                      </m:sSub>
+                      <m:r>
+                        <a:rPr lang="en-US" sz="2000" i="1">
+                          <a:latin typeface="Cambria Math" panose="02040503050406030204" pitchFamily="18" charset="0"/>
+                        </a:rPr>
+                        <m:t>=</m:t>
+                      </m:r>
+                      <m:r>
+                        <m:rPr>
+                          <m:sty m:val="p"/>
+                        </m:rPr>
+                        <a:rPr lang="en-US" sz="2000" b="0" i="0" smtClean="0">
+                          <a:latin typeface="Cambria Math" panose="02040503050406030204" pitchFamily="18" charset="0"/>
+                        </a:rPr>
+                        <m:t>Occurrences</m:t>
+                      </m:r>
+                      <m:r>
+                        <a:rPr lang="en-US" sz="2000" b="0" i="0" smtClean="0">
+                          <a:latin typeface="Cambria Math" panose="02040503050406030204" pitchFamily="18" charset="0"/>
+                        </a:rPr>
+                        <m:t> </m:t>
+                      </m:r>
+                      <m:r>
+                        <m:rPr>
+                          <m:sty m:val="p"/>
+                        </m:rPr>
+                        <a:rPr lang="en-US" sz="2000">
+                          <a:latin typeface="Cambria Math" panose="02040503050406030204" pitchFamily="18" charset="0"/>
+                        </a:rPr>
+                        <m:t>of</m:t>
+                      </m:r>
+                      <m:r>
+                        <a:rPr lang="en-US" sz="2000">
+                          <a:latin typeface="Cambria Math" panose="02040503050406030204" pitchFamily="18" charset="0"/>
+                        </a:rPr>
+                        <m:t> </m:t>
+                      </m:r>
+                      <m:r>
+                        <m:rPr>
+                          <m:sty m:val="p"/>
+                        </m:rPr>
+                        <a:rPr lang="en-US" sz="2000">
+                          <a:latin typeface="Cambria Math" panose="02040503050406030204" pitchFamily="18" charset="0"/>
+                        </a:rPr>
+                        <m:t>feature</m:t>
+                      </m:r>
+                      <m:r>
+                        <a:rPr lang="en-US" sz="2000" i="1">
+                          <a:latin typeface="Cambria Math" panose="02040503050406030204" pitchFamily="18" charset="0"/>
+                        </a:rPr>
+                        <m:t> </m:t>
+                      </m:r>
+                      <m:r>
+                        <a:rPr lang="en-US" sz="2000" i="1">
+                          <a:latin typeface="Cambria Math" panose="02040503050406030204" pitchFamily="18" charset="0"/>
+                        </a:rPr>
+                        <m:t>𝑓</m:t>
+                      </m:r>
+                      <m:r>
+                        <a:rPr lang="en-US" sz="2000" i="1">
+                          <a:latin typeface="Cambria Math" panose="02040503050406030204" pitchFamily="18" charset="0"/>
+                        </a:rPr>
+                        <m:t> </m:t>
+                      </m:r>
+                      <m:r>
+                        <m:rPr>
+                          <m:sty m:val="p"/>
+                        </m:rPr>
+                        <a:rPr lang="en-US" sz="2000">
+                          <a:latin typeface="Cambria Math" panose="02040503050406030204" pitchFamily="18" charset="0"/>
+                        </a:rPr>
+                        <m:t>in</m:t>
+                      </m:r>
+                      <m:r>
+                        <a:rPr lang="en-US" sz="2000">
+                          <a:latin typeface="Cambria Math" panose="02040503050406030204" pitchFamily="18" charset="0"/>
+                        </a:rPr>
+                        <m:t> </m:t>
+                      </m:r>
+                      <m:r>
+                        <m:rPr>
+                          <m:sty m:val="p"/>
+                        </m:rPr>
+                        <a:rPr lang="en-US" sz="2000">
+                          <a:latin typeface="Cambria Math" panose="02040503050406030204" pitchFamily="18" charset="0"/>
+                        </a:rPr>
+                        <m:t>tree</m:t>
+                      </m:r>
+                    </m:oMath>
+                  </m:oMathPara>
+                </a14:m>
+                <a:endParaRPr lang="en-US" sz="2000" b="0" i="1" dirty="0">
+                  <a:latin typeface="Cambria Math" panose="02040503050406030204" pitchFamily="18" charset="0"/>
+                </a:endParaRPr>
+              </a:p>
+              <a:p>
+                <a:pPr/>
+                <a14:m>
+                  <m:oMathPara xmlns:m="http://schemas.openxmlformats.org/officeDocument/2006/math">
+                    <m:oMathParaPr>
+                      <m:jc m:val="left"/>
+                    </m:oMathParaPr>
+                    <m:oMath xmlns:m="http://schemas.openxmlformats.org/officeDocument/2006/math">
+                      <m:sSub>
+                        <m:sSubPr>
+                          <m:ctrlPr>
+                            <a:rPr lang="en-US" sz="2000" b="0" i="1" smtClean="0">
+                              <a:latin typeface="Cambria Math" panose="02040503050406030204" pitchFamily="18" charset="0"/>
+                            </a:rPr>
+                          </m:ctrlPr>
+                        </m:sSubPr>
+                        <m:e>
+                          <m:r>
+                            <a:rPr lang="en-US" sz="2000" b="0" i="1" smtClean="0">
+                              <a:latin typeface="Cambria Math" panose="02040503050406030204" pitchFamily="18" charset="0"/>
+                            </a:rPr>
+                            <m:t>𝑁</m:t>
+                          </m:r>
+                        </m:e>
+                        <m:sub>
+                          <m:r>
+                            <a:rPr lang="en-US" sz="2000" b="0" i="1" smtClean="0">
+                              <a:latin typeface="Cambria Math" panose="02040503050406030204" pitchFamily="18" charset="0"/>
+                            </a:rPr>
+                            <m:t>𝑛</m:t>
+                          </m:r>
+                          <m:r>
+                            <a:rPr lang="en-US" sz="2000" b="0" i="1" smtClean="0">
+                              <a:latin typeface="Cambria Math" panose="02040503050406030204" pitchFamily="18" charset="0"/>
+                            </a:rPr>
+                            <m:t>,</m:t>
+                          </m:r>
+                          <m:r>
+                            <a:rPr lang="en-US" sz="2000" b="0" i="1" smtClean="0">
+                              <a:latin typeface="Cambria Math" panose="02040503050406030204" pitchFamily="18" charset="0"/>
+                            </a:rPr>
+                            <m:t>𝑗</m:t>
+                          </m:r>
+                        </m:sub>
+                      </m:sSub>
+                      <m:r>
+                        <a:rPr lang="en-US" sz="2000" b="0" i="1" smtClean="0">
+                          <a:latin typeface="Cambria Math" panose="02040503050406030204" pitchFamily="18" charset="0"/>
+                        </a:rPr>
+                        <m:t>=</m:t>
+                      </m:r>
+                      <m:r>
+                        <m:rPr>
+                          <m:sty m:val="p"/>
+                        </m:rPr>
+                        <a:rPr lang="en-US" sz="2000" b="0" i="0" smtClean="0">
+                          <a:latin typeface="Cambria Math" panose="02040503050406030204" pitchFamily="18" charset="0"/>
+                        </a:rPr>
+                        <m:t>number</m:t>
+                      </m:r>
+                      <m:r>
+                        <a:rPr lang="en-US" sz="2000" b="0" i="0" smtClean="0">
+                          <a:latin typeface="Cambria Math" panose="02040503050406030204" pitchFamily="18" charset="0"/>
+                        </a:rPr>
+                        <m:t> </m:t>
+                      </m:r>
+                      <m:r>
+                        <m:rPr>
+                          <m:sty m:val="p"/>
+                        </m:rPr>
+                        <a:rPr lang="en-US" sz="2000" b="0" i="0" smtClean="0">
+                          <a:latin typeface="Cambria Math" panose="02040503050406030204" pitchFamily="18" charset="0"/>
+                        </a:rPr>
+                        <m:t>of</m:t>
+                      </m:r>
+                      <m:r>
+                        <a:rPr lang="en-US" sz="2000" b="0" i="0" smtClean="0">
+                          <a:latin typeface="Cambria Math" panose="02040503050406030204" pitchFamily="18" charset="0"/>
+                        </a:rPr>
+                        <m:t> </m:t>
+                      </m:r>
+                      <m:r>
+                        <m:rPr>
+                          <m:sty m:val="p"/>
+                        </m:rPr>
+                        <a:rPr lang="en-US" sz="2000" b="0" i="0" smtClean="0">
+                          <a:latin typeface="Cambria Math" panose="02040503050406030204" pitchFamily="18" charset="0"/>
+                        </a:rPr>
+                        <m:t>samples</m:t>
+                      </m:r>
+                      <m:r>
+                        <a:rPr lang="en-US" sz="2000" b="0" i="0" smtClean="0">
+                          <a:latin typeface="Cambria Math" panose="02040503050406030204" pitchFamily="18" charset="0"/>
+                        </a:rPr>
+                        <m:t> </m:t>
+                      </m:r>
+                      <m:r>
+                        <m:rPr>
+                          <m:sty m:val="p"/>
+                        </m:rPr>
+                        <a:rPr lang="en-US" sz="2000" b="0" i="0" smtClean="0">
+                          <a:latin typeface="Cambria Math" panose="02040503050406030204" pitchFamily="18" charset="0"/>
+                        </a:rPr>
+                        <m:t>in</m:t>
+                      </m:r>
+                      <m:r>
+                        <a:rPr lang="en-US" sz="2000" b="0" i="0" smtClean="0">
+                          <a:latin typeface="Cambria Math" panose="02040503050406030204" pitchFamily="18" charset="0"/>
+                        </a:rPr>
+                        <m:t> </m:t>
+                      </m:r>
+                      <m:r>
+                        <m:rPr>
+                          <m:sty m:val="p"/>
+                        </m:rPr>
+                        <a:rPr lang="en-US" sz="2000" b="0" i="0" smtClean="0">
+                          <a:latin typeface="Cambria Math" panose="02040503050406030204" pitchFamily="18" charset="0"/>
+                        </a:rPr>
+                        <m:t>node</m:t>
+                      </m:r>
+                      <m:r>
+                        <a:rPr lang="en-US" sz="2000" b="0" i="0" smtClean="0">
+                          <a:latin typeface="Cambria Math" panose="02040503050406030204" pitchFamily="18" charset="0"/>
+                        </a:rPr>
+                        <m:t> </m:t>
+                      </m:r>
+                      <m:r>
+                        <a:rPr lang="en-US" sz="2000" b="0" i="1" smtClean="0">
+                          <a:latin typeface="Cambria Math" panose="02040503050406030204" pitchFamily="18" charset="0"/>
+                        </a:rPr>
+                        <m:t>𝑛</m:t>
+                      </m:r>
+                      <m:r>
+                        <a:rPr lang="en-US" sz="2000" b="0" i="1" smtClean="0">
+                          <a:latin typeface="Cambria Math" panose="02040503050406030204" pitchFamily="18" charset="0"/>
+                        </a:rPr>
+                        <m:t> </m:t>
+                      </m:r>
+                      <m:r>
+                        <a:rPr lang="en-US" sz="2000">
+                          <a:latin typeface="Cambria Math" panose="02040503050406030204" pitchFamily="18" charset="0"/>
+                        </a:rPr>
+                        <m:t>(</m:t>
+                      </m:r>
+                      <m:r>
+                        <m:rPr>
+                          <m:sty m:val="p"/>
+                        </m:rPr>
+                        <a:rPr lang="en-US" sz="2000">
+                          <a:latin typeface="Cambria Math" panose="02040503050406030204" pitchFamily="18" charset="0"/>
+                        </a:rPr>
+                        <m:t>for</m:t>
+                      </m:r>
+                      <m:r>
+                        <a:rPr lang="en-US" sz="2000">
+                          <a:latin typeface="Cambria Math" panose="02040503050406030204" pitchFamily="18" charset="0"/>
+                        </a:rPr>
+                        <m:t> </m:t>
+                      </m:r>
+                      <m:r>
+                        <m:rPr>
+                          <m:sty m:val="p"/>
+                        </m:rPr>
+                        <a:rPr lang="en-US" sz="2000">
+                          <a:latin typeface="Cambria Math" panose="02040503050406030204" pitchFamily="18" charset="0"/>
+                        </a:rPr>
+                        <m:t>feature</m:t>
+                      </m:r>
+                      <m:r>
+                        <a:rPr lang="en-US" sz="2000">
+                          <a:latin typeface="Cambria Math" panose="02040503050406030204" pitchFamily="18" charset="0"/>
+                        </a:rPr>
+                        <m:t> </m:t>
+                      </m:r>
+                      <m:r>
+                        <a:rPr lang="en-US" sz="2000" i="1">
+                          <a:latin typeface="Cambria Math" panose="02040503050406030204" pitchFamily="18" charset="0"/>
+                        </a:rPr>
+                        <m:t>𝑗</m:t>
+                      </m:r>
+                      <m:r>
+                        <a:rPr lang="en-US" sz="2000">
+                          <a:latin typeface="Cambria Math" panose="02040503050406030204" pitchFamily="18" charset="0"/>
+                        </a:rPr>
+                        <m:t>)</m:t>
+                      </m:r>
+                    </m:oMath>
+                  </m:oMathPara>
+                </a14:m>
+                <a:endParaRPr lang="en-US" sz="2000" dirty="0">
+                  <a:latin typeface="Cambria Math" panose="02040503050406030204" pitchFamily="18" charset="0"/>
+                </a:endParaRPr>
+              </a:p>
+              <a:p>
+                <a:pPr/>
+                <a14:m>
+                  <m:oMath xmlns:m="http://schemas.openxmlformats.org/officeDocument/2006/math">
+                    <m:r>
+                      <a:rPr lang="en-US" sz="2000" i="1">
+                        <a:latin typeface="Cambria Math" panose="02040503050406030204" pitchFamily="18" charset="0"/>
+                      </a:rPr>
+                      <m:t>𝑇</m:t>
+                    </m:r>
+                    <m:r>
+                      <a:rPr lang="en-US" sz="2000" i="1">
+                        <a:latin typeface="Cambria Math" panose="02040503050406030204" pitchFamily="18" charset="0"/>
+                      </a:rPr>
+                      <m:t>=</m:t>
+                    </m:r>
+                    <m:r>
+                      <m:rPr>
+                        <m:sty m:val="p"/>
+                      </m:rPr>
+                      <a:rPr lang="en-US" sz="2000">
+                        <a:latin typeface="Cambria Math" panose="02040503050406030204" pitchFamily="18" charset="0"/>
+                      </a:rPr>
+                      <m:t>total</m:t>
+                    </m:r>
+                    <m:r>
+                      <a:rPr lang="en-US" sz="2000">
+                        <a:latin typeface="Cambria Math" panose="02040503050406030204" pitchFamily="18" charset="0"/>
+                      </a:rPr>
+                      <m:t> </m:t>
+                    </m:r>
+                    <m:r>
+                      <m:rPr>
+                        <m:sty m:val="p"/>
+                      </m:rPr>
+                      <a:rPr lang="en-US" sz="2000">
+                        <a:latin typeface="Cambria Math" panose="02040503050406030204" pitchFamily="18" charset="0"/>
+                      </a:rPr>
+                      <m:t>number</m:t>
+                    </m:r>
+                    <m:r>
+                      <a:rPr lang="en-US" sz="2000">
+                        <a:latin typeface="Cambria Math" panose="02040503050406030204" pitchFamily="18" charset="0"/>
+                      </a:rPr>
+                      <m:t> </m:t>
+                    </m:r>
+                    <m:r>
+                      <m:rPr>
+                        <m:sty m:val="p"/>
+                      </m:rPr>
+                      <a:rPr lang="en-US" sz="2000">
+                        <a:latin typeface="Cambria Math" panose="02040503050406030204" pitchFamily="18" charset="0"/>
+                      </a:rPr>
+                      <m:t>of</m:t>
+                    </m:r>
+                    <m:r>
+                      <a:rPr lang="en-US" sz="2000">
+                        <a:latin typeface="Cambria Math" panose="02040503050406030204" pitchFamily="18" charset="0"/>
+                      </a:rPr>
+                      <m:t> </m:t>
+                    </m:r>
+                    <m:r>
+                      <m:rPr>
+                        <m:sty m:val="p"/>
+                      </m:rPr>
+                      <a:rPr lang="en-US" sz="2000">
+                        <a:latin typeface="Cambria Math" panose="02040503050406030204" pitchFamily="18" charset="0"/>
+                      </a:rPr>
+                      <m:t>samples</m:t>
+                    </m:r>
+                  </m:oMath>
+                </a14:m>
+                <a:r>
+                  <a:rPr lang="en-US" sz="2000" dirty="0">
+                    <a:latin typeface="Cambria Math" panose="02040503050406030204" pitchFamily="18" charset="0"/>
+                  </a:rPr>
+                  <a:t> </a:t>
+                </a:r>
+                <a:endParaRPr lang="en-US" sz="2000" b="0" dirty="0">
+                  <a:latin typeface="Cambria Math" panose="02040503050406030204" pitchFamily="18" charset="0"/>
+                </a:endParaRPr>
+              </a:p>
+              <a:p>
+                <a:pPr/>
+                <a14:m>
+                  <m:oMathPara xmlns:m="http://schemas.openxmlformats.org/officeDocument/2006/math">
+                    <m:oMathParaPr>
+                      <m:jc m:val="left"/>
+                    </m:oMathParaPr>
+                    <m:oMath xmlns:m="http://schemas.openxmlformats.org/officeDocument/2006/math">
+                      <m:sSub>
+                        <m:sSubPr>
+                          <m:ctrlPr>
+                            <a:rPr lang="en-US" sz="2000" i="1" smtClean="0">
+                              <a:latin typeface="Cambria Math" panose="02040503050406030204" pitchFamily="18" charset="0"/>
+                            </a:rPr>
+                          </m:ctrlPr>
+                        </m:sSubPr>
+                        <m:e>
+                          <m:r>
+                            <a:rPr lang="en-US" sz="2000" i="1">
+                              <a:latin typeface="Cambria Math" panose="02040503050406030204" pitchFamily="18" charset="0"/>
+                            </a:rPr>
+                            <m:t>𝐺</m:t>
+                          </m:r>
+                        </m:e>
+                        <m:sub>
+                          <m:sSub>
+                            <m:sSubPr>
+                              <m:ctrlPr>
+                                <a:rPr lang="en-US" sz="2000" b="0" i="1" smtClean="0">
+                                  <a:latin typeface="Cambria Math" panose="02040503050406030204" pitchFamily="18" charset="0"/>
+                                </a:rPr>
+                              </m:ctrlPr>
+                            </m:sSubPr>
+                            <m:e>
+                              <m:r>
+                                <a:rPr lang="en-US" sz="2000" i="1">
+                                  <a:latin typeface="Cambria Math" panose="02040503050406030204" pitchFamily="18" charset="0"/>
+                                </a:rPr>
+                                <m:t>𝑛</m:t>
+                              </m:r>
+                            </m:e>
+                            <m:sub>
+                              <m:r>
+                                <a:rPr lang="en-US" sz="2000" b="0" i="1" smtClean="0">
+                                  <a:latin typeface="Cambria Math" panose="02040503050406030204" pitchFamily="18" charset="0"/>
+                                </a:rPr>
+                                <m:t>𝑗</m:t>
+                              </m:r>
+                            </m:sub>
+                          </m:sSub>
+                        </m:sub>
+                      </m:sSub>
+                      <m:r>
+                        <a:rPr lang="en-US" sz="2000" i="1">
+                          <a:latin typeface="Cambria Math" panose="02040503050406030204" pitchFamily="18" charset="0"/>
+                        </a:rPr>
+                        <m:t>=</m:t>
+                      </m:r>
+                      <m:r>
+                        <m:rPr>
+                          <m:sty m:val="p"/>
+                        </m:rPr>
+                        <a:rPr lang="en-US" sz="2000">
+                          <a:latin typeface="Cambria Math" panose="02040503050406030204" pitchFamily="18" charset="0"/>
+                        </a:rPr>
+                        <m:t>Gini</m:t>
+                      </m:r>
+                      <m:r>
+                        <a:rPr lang="en-US" sz="2000">
+                          <a:latin typeface="Cambria Math" panose="02040503050406030204" pitchFamily="18" charset="0"/>
+                        </a:rPr>
+                        <m:t> </m:t>
+                      </m:r>
+                      <m:r>
+                        <m:rPr>
+                          <m:sty m:val="p"/>
+                        </m:rPr>
+                        <a:rPr lang="en-US" sz="2000">
+                          <a:latin typeface="Cambria Math" panose="02040503050406030204" pitchFamily="18" charset="0"/>
+                        </a:rPr>
+                        <m:t>Impurity</m:t>
+                      </m:r>
+                      <m:r>
+                        <a:rPr lang="en-US" sz="2000">
+                          <a:latin typeface="Cambria Math" panose="02040503050406030204" pitchFamily="18" charset="0"/>
+                        </a:rPr>
+                        <m:t> </m:t>
+                      </m:r>
+                      <m:r>
+                        <m:rPr>
+                          <m:sty m:val="p"/>
+                        </m:rPr>
+                        <a:rPr lang="en-US" sz="2000">
+                          <a:latin typeface="Cambria Math" panose="02040503050406030204" pitchFamily="18" charset="0"/>
+                        </a:rPr>
+                        <m:t>of</m:t>
+                      </m:r>
+                      <m:r>
+                        <a:rPr lang="en-US" sz="2000">
+                          <a:latin typeface="Cambria Math" panose="02040503050406030204" pitchFamily="18" charset="0"/>
+                        </a:rPr>
+                        <m:t> </m:t>
+                      </m:r>
+                      <m:r>
+                        <m:rPr>
+                          <m:sty m:val="p"/>
+                        </m:rPr>
+                        <a:rPr lang="en-US" sz="2000">
+                          <a:latin typeface="Cambria Math" panose="02040503050406030204" pitchFamily="18" charset="0"/>
+                        </a:rPr>
+                        <m:t>node</m:t>
+                      </m:r>
+                      <m:r>
+                        <a:rPr lang="en-US" sz="2000">
+                          <a:latin typeface="Cambria Math" panose="02040503050406030204" pitchFamily="18" charset="0"/>
+                        </a:rPr>
+                        <m:t> </m:t>
+                      </m:r>
+                      <m:r>
+                        <a:rPr lang="en-US" sz="2000" i="1">
+                          <a:latin typeface="Cambria Math" panose="02040503050406030204" pitchFamily="18" charset="0"/>
+                        </a:rPr>
+                        <m:t>𝑛</m:t>
+                      </m:r>
+                      <m:r>
+                        <a:rPr lang="en-US" sz="2000" b="0" i="1" smtClean="0">
+                          <a:latin typeface="Cambria Math" panose="02040503050406030204" pitchFamily="18" charset="0"/>
+                        </a:rPr>
+                        <m:t> </m:t>
+                      </m:r>
+                      <m:r>
+                        <a:rPr lang="en-US" sz="2000" smtClean="0">
+                          <a:latin typeface="Cambria Math" panose="02040503050406030204" pitchFamily="18" charset="0"/>
+                        </a:rPr>
+                        <m:t>(</m:t>
+                      </m:r>
+                      <m:r>
+                        <m:rPr>
+                          <m:sty m:val="p"/>
+                        </m:rPr>
+                        <a:rPr lang="en-US" sz="2000" b="0" i="0" smtClean="0">
+                          <a:latin typeface="Cambria Math" panose="02040503050406030204" pitchFamily="18" charset="0"/>
+                        </a:rPr>
+                        <m:t>for</m:t>
+                      </m:r>
+                      <m:r>
+                        <a:rPr lang="en-US" sz="2000" b="0" i="0" smtClean="0">
+                          <a:latin typeface="Cambria Math" panose="02040503050406030204" pitchFamily="18" charset="0"/>
+                        </a:rPr>
+                        <m:t> </m:t>
+                      </m:r>
+                      <m:r>
+                        <m:rPr>
+                          <m:sty m:val="p"/>
+                        </m:rPr>
+                        <a:rPr lang="en-US" sz="2000" b="0" i="0" smtClean="0">
+                          <a:latin typeface="Cambria Math" panose="02040503050406030204" pitchFamily="18" charset="0"/>
+                        </a:rPr>
+                        <m:t>feature</m:t>
+                      </m:r>
+                      <m:r>
+                        <a:rPr lang="en-US" sz="2000" b="0" i="0" smtClean="0">
+                          <a:latin typeface="Cambria Math" panose="02040503050406030204" pitchFamily="18" charset="0"/>
+                        </a:rPr>
+                        <m:t> </m:t>
+                      </m:r>
+                      <m:r>
+                        <a:rPr lang="en-US" sz="2000" b="0" i="1" smtClean="0">
+                          <a:latin typeface="Cambria Math" panose="02040503050406030204" pitchFamily="18" charset="0"/>
+                        </a:rPr>
+                        <m:t>𝑗</m:t>
+                      </m:r>
+                      <m:r>
+                        <a:rPr lang="en-US" sz="2000">
+                          <a:latin typeface="Cambria Math" panose="02040503050406030204" pitchFamily="18" charset="0"/>
+                        </a:rPr>
+                        <m:t>)</m:t>
+                      </m:r>
+                    </m:oMath>
+                  </m:oMathPara>
+                </a14:m>
+                <a:endParaRPr lang="en-US" sz="2000" b="0" dirty="0">
+                  <a:latin typeface="Cambria Math" panose="02040503050406030204" pitchFamily="18" charset="0"/>
+                </a:endParaRPr>
+              </a:p>
+              <a:p>
+                <a:pPr/>
+                <a14:m>
+                  <m:oMathPara xmlns:m="http://schemas.openxmlformats.org/officeDocument/2006/math">
+                    <m:oMathParaPr>
+                      <m:jc m:val="left"/>
+                    </m:oMathParaPr>
+                    <m:oMath xmlns:m="http://schemas.openxmlformats.org/officeDocument/2006/math">
+                      <m:sSub>
+                        <m:sSubPr>
+                          <m:ctrlPr>
+                            <a:rPr lang="en-US" sz="2000" b="0" i="1" smtClean="0">
+                              <a:latin typeface="Cambria Math" panose="02040503050406030204" pitchFamily="18" charset="0"/>
+                            </a:rPr>
+                          </m:ctrlPr>
+                        </m:sSubPr>
+                        <m:e>
+                          <m:r>
+                            <a:rPr lang="en-US" sz="2000" b="0" i="1" smtClean="0">
+                              <a:latin typeface="Cambria Math" panose="02040503050406030204" pitchFamily="18" charset="0"/>
+                            </a:rPr>
+                            <m:t>𝑁</m:t>
+                          </m:r>
+                        </m:e>
+                        <m:sub>
+                          <m:r>
+                            <a:rPr lang="en-US" sz="2000" b="0" i="1" smtClean="0">
+                              <a:latin typeface="Cambria Math" panose="02040503050406030204" pitchFamily="18" charset="0"/>
+                            </a:rPr>
+                            <m:t>𝐿</m:t>
+                          </m:r>
+                          <m:sSub>
+                            <m:sSubPr>
+                              <m:ctrlPr>
+                                <a:rPr lang="en-US" sz="2000" b="0" i="1" smtClean="0">
+                                  <a:latin typeface="Cambria Math" panose="02040503050406030204" pitchFamily="18" charset="0"/>
+                                </a:rPr>
+                              </m:ctrlPr>
+                            </m:sSubPr>
+                            <m:e>
+                              <m:r>
+                                <a:rPr lang="en-US" sz="2000" b="0" i="1" smtClean="0">
+                                  <a:latin typeface="Cambria Math" panose="02040503050406030204" pitchFamily="18" charset="0"/>
+                                </a:rPr>
+                                <m:t>𝐶</m:t>
+                              </m:r>
+                            </m:e>
+                            <m:sub>
+                              <m:r>
+                                <a:rPr lang="en-US" sz="2000" b="0" i="1" smtClean="0">
+                                  <a:latin typeface="Cambria Math" panose="02040503050406030204" pitchFamily="18" charset="0"/>
+                                </a:rPr>
+                                <m:t>𝑗</m:t>
+                              </m:r>
+                            </m:sub>
+                          </m:sSub>
+                        </m:sub>
+                      </m:sSub>
+                      <m:r>
+                        <a:rPr lang="en-US" sz="2000" b="0" i="1" smtClean="0">
+                          <a:latin typeface="Cambria Math" panose="02040503050406030204" pitchFamily="18" charset="0"/>
+                        </a:rPr>
+                        <m:t>,</m:t>
+                      </m:r>
+                      <m:sSub>
+                        <m:sSubPr>
+                          <m:ctrlPr>
+                            <a:rPr lang="en-US" sz="2000" i="1">
+                              <a:latin typeface="Cambria Math" panose="02040503050406030204" pitchFamily="18" charset="0"/>
+                            </a:rPr>
+                          </m:ctrlPr>
+                        </m:sSubPr>
+                        <m:e>
+                          <m:r>
+                            <a:rPr lang="en-US" sz="2000" i="1">
+                              <a:latin typeface="Cambria Math" panose="02040503050406030204" pitchFamily="18" charset="0"/>
+                            </a:rPr>
+                            <m:t>𝑁</m:t>
+                          </m:r>
+                        </m:e>
+                        <m:sub>
+                          <m:r>
+                            <a:rPr lang="en-US" sz="2000" b="0" i="1" smtClean="0">
+                              <a:latin typeface="Cambria Math" panose="02040503050406030204" pitchFamily="18" charset="0"/>
+                            </a:rPr>
+                            <m:t>𝑅</m:t>
+                          </m:r>
+                          <m:sSub>
+                            <m:sSubPr>
+                              <m:ctrlPr>
+                                <a:rPr lang="en-US" sz="2000" b="0" i="1" smtClean="0">
+                                  <a:latin typeface="Cambria Math" panose="02040503050406030204" pitchFamily="18" charset="0"/>
+                                </a:rPr>
+                              </m:ctrlPr>
+                            </m:sSubPr>
+                            <m:e>
+                              <m:r>
+                                <a:rPr lang="en-US" sz="2000" i="1">
+                                  <a:latin typeface="Cambria Math" panose="02040503050406030204" pitchFamily="18" charset="0"/>
+                                </a:rPr>
+                                <m:t>𝐶</m:t>
+                              </m:r>
+                            </m:e>
+                            <m:sub>
+                              <m:r>
+                                <a:rPr lang="en-US" sz="2000" b="0" i="1" smtClean="0">
+                                  <a:latin typeface="Cambria Math" panose="02040503050406030204" pitchFamily="18" charset="0"/>
+                                </a:rPr>
+                                <m:t>𝑗</m:t>
+                              </m:r>
+                            </m:sub>
+                          </m:sSub>
+                        </m:sub>
+                      </m:sSub>
+                      <m:r>
+                        <a:rPr lang="en-US" sz="2000" b="0" i="1" smtClean="0">
+                          <a:latin typeface="Cambria Math" panose="02040503050406030204" pitchFamily="18" charset="0"/>
+                        </a:rPr>
+                        <m:t>=</m:t>
+                      </m:r>
+                      <m:r>
+                        <m:rPr>
+                          <m:sty m:val="p"/>
+                        </m:rPr>
+                        <a:rPr lang="en-US" sz="2000" b="0" i="0" smtClean="0">
+                          <a:latin typeface="Cambria Math" panose="02040503050406030204" pitchFamily="18" charset="0"/>
+                        </a:rPr>
+                        <m:t>number</m:t>
+                      </m:r>
+                      <m:r>
+                        <a:rPr lang="en-US" sz="2000" b="0" i="0" smtClean="0">
+                          <a:latin typeface="Cambria Math" panose="02040503050406030204" pitchFamily="18" charset="0"/>
+                        </a:rPr>
+                        <m:t> </m:t>
+                      </m:r>
+                      <m:r>
+                        <m:rPr>
+                          <m:sty m:val="p"/>
+                        </m:rPr>
+                        <a:rPr lang="en-US" sz="2000" b="0" i="0" smtClean="0">
+                          <a:latin typeface="Cambria Math" panose="02040503050406030204" pitchFamily="18" charset="0"/>
+                        </a:rPr>
+                        <m:t>of</m:t>
+                      </m:r>
+                      <m:r>
+                        <a:rPr lang="en-US" sz="2000" b="0" i="0" smtClean="0">
+                          <a:latin typeface="Cambria Math" panose="02040503050406030204" pitchFamily="18" charset="0"/>
+                        </a:rPr>
+                        <m:t> </m:t>
+                      </m:r>
+                      <m:r>
+                        <m:rPr>
+                          <m:sty m:val="p"/>
+                        </m:rPr>
+                        <a:rPr lang="en-US" sz="2000" b="0" i="0" smtClean="0">
+                          <a:latin typeface="Cambria Math" panose="02040503050406030204" pitchFamily="18" charset="0"/>
+                        </a:rPr>
+                        <m:t>samples</m:t>
+                      </m:r>
+                      <m:r>
+                        <a:rPr lang="en-US" sz="2000" b="0" i="0" smtClean="0">
+                          <a:latin typeface="Cambria Math" panose="02040503050406030204" pitchFamily="18" charset="0"/>
+                        </a:rPr>
+                        <m:t> </m:t>
+                      </m:r>
+                      <m:r>
+                        <m:rPr>
+                          <m:sty m:val="p"/>
+                        </m:rPr>
+                        <a:rPr lang="en-US" sz="2000" b="0" i="0" smtClean="0">
+                          <a:latin typeface="Cambria Math" panose="02040503050406030204" pitchFamily="18" charset="0"/>
+                        </a:rPr>
+                        <m:t>in</m:t>
+                      </m:r>
+                      <m:r>
+                        <a:rPr lang="en-US" sz="2000" b="0" i="0" smtClean="0">
+                          <a:latin typeface="Cambria Math" panose="02040503050406030204" pitchFamily="18" charset="0"/>
+                        </a:rPr>
+                        <m:t> </m:t>
+                      </m:r>
+                      <m:r>
+                        <m:rPr>
+                          <m:sty m:val="p"/>
+                        </m:rPr>
+                        <a:rPr lang="en-US" sz="2000" b="0" i="0" smtClean="0">
+                          <a:latin typeface="Cambria Math" panose="02040503050406030204" pitchFamily="18" charset="0"/>
+                        </a:rPr>
+                        <m:t>left</m:t>
+                      </m:r>
+                      <m:r>
+                        <a:rPr lang="en-US" sz="2000" b="0" i="0" smtClean="0">
+                          <a:latin typeface="Cambria Math" panose="02040503050406030204" pitchFamily="18" charset="0"/>
+                        </a:rPr>
+                        <m:t>/</m:t>
+                      </m:r>
+                      <m:r>
+                        <m:rPr>
+                          <m:sty m:val="p"/>
+                        </m:rPr>
+                        <a:rPr lang="en-US" sz="2000" b="0" i="0" smtClean="0">
+                          <a:latin typeface="Cambria Math" panose="02040503050406030204" pitchFamily="18" charset="0"/>
+                        </a:rPr>
+                        <m:t>right</m:t>
+                      </m:r>
+                      <m:r>
+                        <a:rPr lang="en-US" sz="2000" b="0" i="0" smtClean="0">
+                          <a:latin typeface="Cambria Math" panose="02040503050406030204" pitchFamily="18" charset="0"/>
+                        </a:rPr>
+                        <m:t> </m:t>
+                      </m:r>
+                      <m:r>
+                        <m:rPr>
+                          <m:sty m:val="p"/>
+                        </m:rPr>
+                        <a:rPr lang="en-US" sz="2000" b="0" i="0" smtClean="0">
+                          <a:latin typeface="Cambria Math" panose="02040503050406030204" pitchFamily="18" charset="0"/>
+                        </a:rPr>
+                        <m:t>child</m:t>
+                      </m:r>
+                      <m:r>
+                        <a:rPr lang="en-US" sz="2000" b="0" i="0" smtClean="0">
+                          <a:latin typeface="Cambria Math" panose="02040503050406030204" pitchFamily="18" charset="0"/>
+                        </a:rPr>
+                        <m:t> </m:t>
+                      </m:r>
+                      <m:r>
+                        <m:rPr>
+                          <m:sty m:val="p"/>
+                        </m:rPr>
+                        <a:rPr lang="en-US" sz="2000" b="0" i="0" smtClean="0">
+                          <a:latin typeface="Cambria Math" panose="02040503050406030204" pitchFamily="18" charset="0"/>
+                        </a:rPr>
+                        <m:t>node</m:t>
+                      </m:r>
+                      <m:r>
+                        <a:rPr lang="en-US" sz="2000" b="0" i="0" smtClean="0">
+                          <a:latin typeface="Cambria Math" panose="02040503050406030204" pitchFamily="18" charset="0"/>
+                        </a:rPr>
+                        <m:t> (</m:t>
+                      </m:r>
+                      <m:r>
+                        <m:rPr>
+                          <m:sty m:val="p"/>
+                        </m:rPr>
+                        <a:rPr lang="en-US" sz="2000">
+                          <a:latin typeface="Cambria Math" panose="02040503050406030204" pitchFamily="18" charset="0"/>
+                        </a:rPr>
+                        <m:t>for</m:t>
+                      </m:r>
+                      <m:r>
+                        <a:rPr lang="en-US" sz="2000">
+                          <a:latin typeface="Cambria Math" panose="02040503050406030204" pitchFamily="18" charset="0"/>
+                        </a:rPr>
+                        <m:t> </m:t>
+                      </m:r>
+                      <m:r>
+                        <m:rPr>
+                          <m:sty m:val="p"/>
+                        </m:rPr>
+                        <a:rPr lang="en-US" sz="2000">
+                          <a:latin typeface="Cambria Math" panose="02040503050406030204" pitchFamily="18" charset="0"/>
+                        </a:rPr>
+                        <m:t>feature</m:t>
+                      </m:r>
+                      <m:r>
+                        <a:rPr lang="en-US" sz="2000">
+                          <a:latin typeface="Cambria Math" panose="02040503050406030204" pitchFamily="18" charset="0"/>
+                        </a:rPr>
+                        <m:t> </m:t>
+                      </m:r>
+                      <m:r>
+                        <a:rPr lang="en-US" sz="2000" i="1">
+                          <a:latin typeface="Cambria Math" panose="02040503050406030204" pitchFamily="18" charset="0"/>
+                        </a:rPr>
+                        <m:t>𝑗</m:t>
+                      </m:r>
+                      <m:r>
+                        <a:rPr lang="en-US" sz="2000">
+                          <a:latin typeface="Cambria Math" panose="02040503050406030204" pitchFamily="18" charset="0"/>
+                        </a:rPr>
+                        <m:t>)</m:t>
+                      </m:r>
+                    </m:oMath>
+                  </m:oMathPara>
+                </a14:m>
+                <a:endParaRPr lang="en-US" sz="2000" b="0" dirty="0"/>
+              </a:p>
+              <a:p>
+                <a:pPr/>
+                <a14:m>
+                  <m:oMathPara xmlns:m="http://schemas.openxmlformats.org/officeDocument/2006/math">
+                    <m:oMathParaPr>
+                      <m:jc m:val="left"/>
+                    </m:oMathParaPr>
+                    <m:oMath xmlns:m="http://schemas.openxmlformats.org/officeDocument/2006/math">
+                      <m:sSub>
+                        <m:sSubPr>
+                          <m:ctrlPr>
+                            <a:rPr lang="en-US" sz="2000" b="0" i="1" smtClean="0">
+                              <a:latin typeface="Cambria Math" panose="02040503050406030204" pitchFamily="18" charset="0"/>
+                            </a:rPr>
+                          </m:ctrlPr>
+                        </m:sSubPr>
+                        <m:e>
+                          <m:r>
+                            <a:rPr lang="en-US" sz="2000" b="0" i="1" smtClean="0">
+                              <a:latin typeface="Cambria Math" panose="02040503050406030204" pitchFamily="18" charset="0"/>
+                            </a:rPr>
+                            <m:t>𝐺</m:t>
+                          </m:r>
+                        </m:e>
+                        <m:sub>
+                          <m:r>
+                            <a:rPr lang="en-US" sz="2000" b="0" i="1" smtClean="0">
+                              <a:latin typeface="Cambria Math" panose="02040503050406030204" pitchFamily="18" charset="0"/>
+                            </a:rPr>
+                            <m:t>𝐿</m:t>
+                          </m:r>
+                          <m:sSub>
+                            <m:sSubPr>
+                              <m:ctrlPr>
+                                <a:rPr lang="en-US" sz="2000" b="0" i="1" smtClean="0">
+                                  <a:latin typeface="Cambria Math" panose="02040503050406030204" pitchFamily="18" charset="0"/>
+                                </a:rPr>
+                              </m:ctrlPr>
+                            </m:sSubPr>
+                            <m:e>
+                              <m:r>
+                                <a:rPr lang="en-US" sz="2000" b="0" i="1" smtClean="0">
+                                  <a:latin typeface="Cambria Math" panose="02040503050406030204" pitchFamily="18" charset="0"/>
+                                </a:rPr>
+                                <m:t>𝐶</m:t>
+                              </m:r>
+                            </m:e>
+                            <m:sub>
+                              <m:r>
+                                <a:rPr lang="en-US" sz="2000" b="0" i="1" smtClean="0">
+                                  <a:latin typeface="Cambria Math" panose="02040503050406030204" pitchFamily="18" charset="0"/>
+                                </a:rPr>
+                                <m:t>𝑗</m:t>
+                              </m:r>
+                            </m:sub>
+                          </m:sSub>
+                        </m:sub>
+                      </m:sSub>
+                      <m:r>
+                        <a:rPr lang="en-US" sz="2000" b="0" i="1" smtClean="0">
+                          <a:latin typeface="Cambria Math" panose="02040503050406030204" pitchFamily="18" charset="0"/>
+                        </a:rPr>
+                        <m:t>,</m:t>
+                      </m:r>
+                      <m:sSub>
+                        <m:sSubPr>
+                          <m:ctrlPr>
+                            <a:rPr lang="en-US" sz="2000" i="1">
+                              <a:latin typeface="Cambria Math" panose="02040503050406030204" pitchFamily="18" charset="0"/>
+                            </a:rPr>
+                          </m:ctrlPr>
+                        </m:sSubPr>
+                        <m:e>
+                          <m:r>
+                            <a:rPr lang="en-US" sz="2000" i="1">
+                              <a:latin typeface="Cambria Math" panose="02040503050406030204" pitchFamily="18" charset="0"/>
+                            </a:rPr>
+                            <m:t>𝐺</m:t>
+                          </m:r>
+                        </m:e>
+                        <m:sub>
+                          <m:r>
+                            <a:rPr lang="en-US" sz="2000" b="0" i="1" smtClean="0">
+                              <a:latin typeface="Cambria Math" panose="02040503050406030204" pitchFamily="18" charset="0"/>
+                            </a:rPr>
+                            <m:t>𝑅</m:t>
+                          </m:r>
+                          <m:sSub>
+                            <m:sSubPr>
+                              <m:ctrlPr>
+                                <a:rPr lang="en-US" sz="2000" b="0" i="1" smtClean="0">
+                                  <a:latin typeface="Cambria Math" panose="02040503050406030204" pitchFamily="18" charset="0"/>
+                                </a:rPr>
+                              </m:ctrlPr>
+                            </m:sSubPr>
+                            <m:e>
+                              <m:r>
+                                <a:rPr lang="en-US" sz="2000" b="0" i="1" smtClean="0">
+                                  <a:latin typeface="Cambria Math" panose="02040503050406030204" pitchFamily="18" charset="0"/>
+                                </a:rPr>
+                                <m:t>𝐶</m:t>
+                              </m:r>
+                            </m:e>
+                            <m:sub>
+                              <m:r>
+                                <a:rPr lang="en-US" sz="2000" b="0" i="1" smtClean="0">
+                                  <a:latin typeface="Cambria Math" panose="02040503050406030204" pitchFamily="18" charset="0"/>
+                                </a:rPr>
+                                <m:t>𝑗</m:t>
+                              </m:r>
+                            </m:sub>
+                          </m:sSub>
+                        </m:sub>
+                      </m:sSub>
+                      <m:r>
+                        <a:rPr lang="en-US" sz="2000" b="0" i="1" smtClean="0">
+                          <a:latin typeface="Cambria Math" panose="02040503050406030204" pitchFamily="18" charset="0"/>
+                        </a:rPr>
+                        <m:t>=</m:t>
+                      </m:r>
+                      <m:r>
+                        <m:rPr>
+                          <m:sty m:val="p"/>
+                        </m:rPr>
+                        <a:rPr lang="en-US" sz="2000">
+                          <a:latin typeface="Cambria Math" panose="02040503050406030204" pitchFamily="18" charset="0"/>
+                        </a:rPr>
+                        <m:t>Gini</m:t>
+                      </m:r>
+                      <m:r>
+                        <a:rPr lang="en-US" sz="2000">
+                          <a:latin typeface="Cambria Math" panose="02040503050406030204" pitchFamily="18" charset="0"/>
+                        </a:rPr>
+                        <m:t> </m:t>
+                      </m:r>
+                      <m:r>
+                        <m:rPr>
+                          <m:sty m:val="p"/>
+                        </m:rPr>
+                        <a:rPr lang="en-US" sz="2000">
+                          <a:latin typeface="Cambria Math" panose="02040503050406030204" pitchFamily="18" charset="0"/>
+                        </a:rPr>
+                        <m:t>Impurity</m:t>
+                      </m:r>
+                      <m:r>
+                        <a:rPr lang="en-US" sz="2000">
+                          <a:latin typeface="Cambria Math" panose="02040503050406030204" pitchFamily="18" charset="0"/>
+                        </a:rPr>
+                        <m:t> </m:t>
+                      </m:r>
+                      <m:r>
+                        <m:rPr>
+                          <m:sty m:val="p"/>
+                        </m:rPr>
+                        <a:rPr lang="en-US" sz="2000">
+                          <a:latin typeface="Cambria Math" panose="02040503050406030204" pitchFamily="18" charset="0"/>
+                        </a:rPr>
+                        <m:t>of</m:t>
+                      </m:r>
+                      <m:r>
+                        <a:rPr lang="en-US" sz="2000" b="0" i="0" smtClean="0">
+                          <a:latin typeface="Cambria Math" panose="02040503050406030204" pitchFamily="18" charset="0"/>
+                        </a:rPr>
+                        <m:t> </m:t>
+                      </m:r>
+                      <m:r>
+                        <m:rPr>
+                          <m:sty m:val="p"/>
+                        </m:rPr>
+                        <a:rPr lang="en-US" sz="2000">
+                          <a:latin typeface="Cambria Math" panose="02040503050406030204" pitchFamily="18" charset="0"/>
+                        </a:rPr>
+                        <m:t>left</m:t>
+                      </m:r>
+                      <m:r>
+                        <a:rPr lang="en-US" sz="2000">
+                          <a:latin typeface="Cambria Math" panose="02040503050406030204" pitchFamily="18" charset="0"/>
+                        </a:rPr>
+                        <m:t>/</m:t>
+                      </m:r>
+                      <m:r>
+                        <m:rPr>
+                          <m:sty m:val="p"/>
+                        </m:rPr>
+                        <a:rPr lang="en-US" sz="2000">
+                          <a:latin typeface="Cambria Math" panose="02040503050406030204" pitchFamily="18" charset="0"/>
+                        </a:rPr>
+                        <m:t>right</m:t>
+                      </m:r>
+                      <m:r>
+                        <a:rPr lang="en-US" sz="2000">
+                          <a:latin typeface="Cambria Math" panose="02040503050406030204" pitchFamily="18" charset="0"/>
+                        </a:rPr>
+                        <m:t> </m:t>
+                      </m:r>
+                      <m:r>
+                        <m:rPr>
+                          <m:sty m:val="p"/>
+                        </m:rPr>
+                        <a:rPr lang="en-US" sz="2000">
+                          <a:latin typeface="Cambria Math" panose="02040503050406030204" pitchFamily="18" charset="0"/>
+                        </a:rPr>
+                        <m:t>child</m:t>
+                      </m:r>
+                      <m:r>
+                        <a:rPr lang="en-US" sz="2000">
+                          <a:latin typeface="Cambria Math" panose="02040503050406030204" pitchFamily="18" charset="0"/>
+                        </a:rPr>
+                        <m:t> </m:t>
+                      </m:r>
+                      <m:r>
+                        <m:rPr>
+                          <m:sty m:val="p"/>
+                        </m:rPr>
+                        <a:rPr lang="en-US" sz="2000">
+                          <a:latin typeface="Cambria Math" panose="02040503050406030204" pitchFamily="18" charset="0"/>
+                        </a:rPr>
+                        <m:t>node</m:t>
+                      </m:r>
+                      <m:r>
+                        <a:rPr lang="en-US" sz="2000">
+                          <a:latin typeface="Cambria Math" panose="02040503050406030204" pitchFamily="18" charset="0"/>
+                        </a:rPr>
+                        <m:t> (</m:t>
+                      </m:r>
+                      <m:r>
+                        <m:rPr>
+                          <m:sty m:val="p"/>
+                        </m:rPr>
+                        <a:rPr lang="en-US" sz="2000">
+                          <a:latin typeface="Cambria Math" panose="02040503050406030204" pitchFamily="18" charset="0"/>
+                        </a:rPr>
+                        <m:t>for</m:t>
+                      </m:r>
+                      <m:r>
+                        <a:rPr lang="en-US" sz="2000">
+                          <a:latin typeface="Cambria Math" panose="02040503050406030204" pitchFamily="18" charset="0"/>
+                        </a:rPr>
+                        <m:t> </m:t>
+                      </m:r>
+                      <m:r>
+                        <m:rPr>
+                          <m:sty m:val="p"/>
+                        </m:rPr>
+                        <a:rPr lang="en-US" sz="2000">
+                          <a:latin typeface="Cambria Math" panose="02040503050406030204" pitchFamily="18" charset="0"/>
+                        </a:rPr>
+                        <m:t>feature</m:t>
+                      </m:r>
+                      <m:r>
+                        <a:rPr lang="en-US" sz="2000">
+                          <a:latin typeface="Cambria Math" panose="02040503050406030204" pitchFamily="18" charset="0"/>
+                        </a:rPr>
+                        <m:t> </m:t>
+                      </m:r>
+                      <m:r>
+                        <a:rPr lang="en-US" sz="2000" i="1">
+                          <a:latin typeface="Cambria Math" panose="02040503050406030204" pitchFamily="18" charset="0"/>
+                        </a:rPr>
+                        <m:t>𝑗</m:t>
+                      </m:r>
+                      <m:r>
+                        <a:rPr lang="en-US" sz="2000">
+                          <a:latin typeface="Cambria Math" panose="02040503050406030204" pitchFamily="18" charset="0"/>
+                        </a:rPr>
+                        <m:t>)</m:t>
+                      </m:r>
+                    </m:oMath>
+                  </m:oMathPara>
+                </a14:m>
+                <a:endParaRPr lang="en-US" sz="2000" dirty="0"/>
+              </a:p>
+              <a:p>
+                <a:pPr/>
+                <a:endParaRPr lang="en-US" sz="2000" dirty="0"/>
+              </a:p>
+            </p:txBody>
+          </p:sp>
+        </mc:Choice>
+        <mc:Fallback>
+          <p:sp>
+            <p:nvSpPr>
+              <p:cNvPr id="8" name="TextBox 7">
+                <a:extLst>
+                  <a:ext uri="{FF2B5EF4-FFF2-40B4-BE49-F238E27FC236}">
+                    <a16:creationId xmlns:a16="http://schemas.microsoft.com/office/drawing/2014/main" id="{5F7E8E14-A92E-2945-8BCD-0EA3AB693C38}"/>
+                  </a:ext>
+                </a:extLst>
+              </p:cNvPr>
+              <p:cNvSpPr txBox="1">
+                <a:spLocks noRot="1" noChangeAspect="1" noMove="1" noResize="1" noEditPoints="1" noAdjustHandles="1" noChangeArrowheads="1" noChangeShapeType="1" noTextEdit="1"/>
+              </p:cNvSpPr>
+              <p:nvPr/>
+            </p:nvSpPr>
+            <p:spPr>
+              <a:xfrm>
+                <a:off x="838200" y="4274286"/>
+                <a:ext cx="9380220" cy="2729978"/>
+              </a:xfrm>
+              <a:prstGeom prst="rect">
+                <a:avLst/>
+              </a:prstGeom>
+              <a:blipFill>
+                <a:blip r:embed="rId2"/>
+                <a:stretch>
+                  <a:fillRect l="-811" t="-926"/>
+                </a:stretch>
+              </a:blipFill>
+            </p:spPr>
+            <p:txBody>
+              <a:bodyPr/>
+              <a:lstStyle/>
+              <a:p>
+                <a:r>
+                  <a:rPr lang="en-US">
+                    <a:noFill/>
+                  </a:rPr>
+                  <a:t> </a:t>
+                </a:r>
+              </a:p>
+            </p:txBody>
+          </p:sp>
+        </mc:Fallback>
+      </mc:AlternateContent>
+      <p:grpSp>
+        <p:nvGrpSpPr>
+          <p:cNvPr id="5" name="Group 4">
+            <a:extLst>
+              <a:ext uri="{FF2B5EF4-FFF2-40B4-BE49-F238E27FC236}">
+                <a16:creationId xmlns:a16="http://schemas.microsoft.com/office/drawing/2014/main" id="{60866F58-2870-6C4D-BED6-4DB82E296F01}"/>
+              </a:ext>
+            </a:extLst>
+          </p:cNvPr>
+          <p:cNvGrpSpPr/>
           <p:nvPr/>
-        </p:nvPicPr>
-        <p:blipFill>
-          <a:blip r:embed="rId2"/>
-          <a:stretch>
-            <a:fillRect/>
-          </a:stretch>
-        </p:blipFill>
-        <p:spPr>
+        </p:nvGrpSpPr>
+        <p:grpSpPr>
           <a:xfrm>
-            <a:off x="381000" y="1443038"/>
-            <a:ext cx="6929014" cy="5414962"/>
+            <a:off x="838200" y="3063240"/>
+            <a:ext cx="8488680" cy="1500188"/>
+            <a:chOff x="838200" y="2924629"/>
+            <a:chExt cx="8488680" cy="1500188"/>
           </a:xfrm>
-          <a:prstGeom prst="rect">
-            <a:avLst/>
-          </a:prstGeom>
-        </p:spPr>
-      </p:pic>
+        </p:grpSpPr>
+        <mc:AlternateContent xmlns:mc="http://schemas.openxmlformats.org/markup-compatibility/2006">
+          <mc:Choice xmlns:a14="http://schemas.microsoft.com/office/drawing/2010/main" Requires="a14">
+            <p:sp>
+              <p:nvSpPr>
+                <p:cNvPr id="7" name="Content Placeholder 5">
+                  <a:extLst>
+                    <a:ext uri="{FF2B5EF4-FFF2-40B4-BE49-F238E27FC236}">
+                      <a16:creationId xmlns:a16="http://schemas.microsoft.com/office/drawing/2014/main" id="{90D20A04-BF33-C74D-BEEC-EDB9E183C817}"/>
+                    </a:ext>
+                  </a:extLst>
+                </p:cNvPr>
+                <p:cNvSpPr txBox="1">
+                  <a:spLocks/>
+                </p:cNvSpPr>
+                <p:nvPr/>
+              </p:nvSpPr>
+              <p:spPr>
+                <a:xfrm>
+                  <a:off x="838200" y="2924629"/>
+                  <a:ext cx="8488680" cy="1500188"/>
+                </a:xfrm>
+                <a:prstGeom prst="rect">
+                  <a:avLst/>
+                </a:prstGeom>
+              </p:spPr>
+              <p:txBody>
+                <a:bodyPr vert="horz" lIns="91440" tIns="45720" rIns="91440" bIns="45720" rtlCol="0">
+                  <a:normAutofit/>
+                </a:bodyPr>
+                <a:lstStyle>
+                  <a:lvl1pPr marL="228600" indent="-228600" algn="l" defTabSz="914400" rtl="0" eaLnBrk="1" latinLnBrk="0" hangingPunct="1">
+                    <a:lnSpc>
+                      <a:spcPct val="90000"/>
+                    </a:lnSpc>
+                    <a:spcBef>
+                      <a:spcPts val="1000"/>
+                    </a:spcBef>
+                    <a:buFont typeface="Arial" panose="020B0604020202020204" pitchFamily="34" charset="0"/>
+                    <a:buChar char="•"/>
+                    <a:defRPr sz="2800" kern="1200">
+                      <a:solidFill>
+                        <a:schemeClr val="tx1"/>
+                      </a:solidFill>
+                      <a:latin typeface="+mn-lt"/>
+                      <a:ea typeface="+mn-ea"/>
+                      <a:cs typeface="+mn-cs"/>
+                    </a:defRPr>
+                  </a:lvl1pPr>
+                  <a:lvl2pPr marL="685800" indent="-228600" algn="l" defTabSz="914400" rtl="0" eaLnBrk="1" latinLnBrk="0" hangingPunct="1">
+                    <a:lnSpc>
+                      <a:spcPct val="90000"/>
+                    </a:lnSpc>
+                    <a:spcBef>
+                      <a:spcPts val="500"/>
+                    </a:spcBef>
+                    <a:buFont typeface="Arial" panose="020B0604020202020204" pitchFamily="34" charset="0"/>
+                    <a:buChar char="•"/>
+                    <a:defRPr sz="2400" kern="1200">
+                      <a:solidFill>
+                        <a:schemeClr val="tx1"/>
+                      </a:solidFill>
+                      <a:latin typeface="+mn-lt"/>
+                      <a:ea typeface="+mn-ea"/>
+                      <a:cs typeface="+mn-cs"/>
+                    </a:defRPr>
+                  </a:lvl2pPr>
+                  <a:lvl3pPr marL="1143000" indent="-228600" algn="l" defTabSz="914400" rtl="0" eaLnBrk="1" latinLnBrk="0" hangingPunct="1">
+                    <a:lnSpc>
+                      <a:spcPct val="90000"/>
+                    </a:lnSpc>
+                    <a:spcBef>
+                      <a:spcPts val="500"/>
+                    </a:spcBef>
+                    <a:buFont typeface="Arial" panose="020B0604020202020204" pitchFamily="34" charset="0"/>
+                    <a:buChar char="•"/>
+                    <a:defRPr sz="2000" kern="1200">
+                      <a:solidFill>
+                        <a:schemeClr val="tx1"/>
+                      </a:solidFill>
+                      <a:latin typeface="+mn-lt"/>
+                      <a:ea typeface="+mn-ea"/>
+                      <a:cs typeface="+mn-cs"/>
+                    </a:defRPr>
+                  </a:lvl3pPr>
+                  <a:lvl4pPr marL="1600200" indent="-228600" algn="l" defTabSz="914400" rtl="0" eaLnBrk="1" latinLnBrk="0" hangingPunct="1">
+                    <a:lnSpc>
+                      <a:spcPct val="90000"/>
+                    </a:lnSpc>
+                    <a:spcBef>
+                      <a:spcPts val="500"/>
+                    </a:spcBef>
+                    <a:buFont typeface="Arial" panose="020B0604020202020204" pitchFamily="34" charset="0"/>
+                    <a:buChar char="•"/>
+                    <a:defRPr sz="1800" kern="1200">
+                      <a:solidFill>
+                        <a:schemeClr val="tx1"/>
+                      </a:solidFill>
+                      <a:latin typeface="+mn-lt"/>
+                      <a:ea typeface="+mn-ea"/>
+                      <a:cs typeface="+mn-cs"/>
+                    </a:defRPr>
+                  </a:lvl4pPr>
+                  <a:lvl5pPr marL="2057400" indent="-228600" algn="l" defTabSz="914400" rtl="0" eaLnBrk="1" latinLnBrk="0" hangingPunct="1">
+                    <a:lnSpc>
+                      <a:spcPct val="90000"/>
+                    </a:lnSpc>
+                    <a:spcBef>
+                      <a:spcPts val="500"/>
+                    </a:spcBef>
+                    <a:buFont typeface="Arial" panose="020B0604020202020204" pitchFamily="34" charset="0"/>
+                    <a:buChar char="•"/>
+                    <a:defRPr sz="1800" kern="1200">
+                      <a:solidFill>
+                        <a:schemeClr val="tx1"/>
+                      </a:solidFill>
+                      <a:latin typeface="+mn-lt"/>
+                      <a:ea typeface="+mn-ea"/>
+                      <a:cs typeface="+mn-cs"/>
+                    </a:defRPr>
+                  </a:lvl5pPr>
+                  <a:lvl6pPr marL="2514600" indent="-228600" algn="l" defTabSz="914400" rtl="0" eaLnBrk="1" latinLnBrk="0" hangingPunct="1">
+                    <a:lnSpc>
+                      <a:spcPct val="90000"/>
+                    </a:lnSpc>
+                    <a:spcBef>
+                      <a:spcPts val="500"/>
+                    </a:spcBef>
+                    <a:buFont typeface="Arial" panose="020B0604020202020204" pitchFamily="34" charset="0"/>
+                    <a:buChar char="•"/>
+                    <a:defRPr sz="1800" kern="1200">
+                      <a:solidFill>
+                        <a:schemeClr val="tx1"/>
+                      </a:solidFill>
+                      <a:latin typeface="+mn-lt"/>
+                      <a:ea typeface="+mn-ea"/>
+                      <a:cs typeface="+mn-cs"/>
+                    </a:defRPr>
+                  </a:lvl6pPr>
+                  <a:lvl7pPr marL="2971800" indent="-228600" algn="l" defTabSz="914400" rtl="0" eaLnBrk="1" latinLnBrk="0" hangingPunct="1">
+                    <a:lnSpc>
+                      <a:spcPct val="90000"/>
+                    </a:lnSpc>
+                    <a:spcBef>
+                      <a:spcPts val="500"/>
+                    </a:spcBef>
+                    <a:buFont typeface="Arial" panose="020B0604020202020204" pitchFamily="34" charset="0"/>
+                    <a:buChar char="•"/>
+                    <a:defRPr sz="1800" kern="1200">
+                      <a:solidFill>
+                        <a:schemeClr val="tx1"/>
+                      </a:solidFill>
+                      <a:latin typeface="+mn-lt"/>
+                      <a:ea typeface="+mn-ea"/>
+                      <a:cs typeface="+mn-cs"/>
+                    </a:defRPr>
+                  </a:lvl7pPr>
+                  <a:lvl8pPr marL="3429000" indent="-228600" algn="l" defTabSz="914400" rtl="0" eaLnBrk="1" latinLnBrk="0" hangingPunct="1">
+                    <a:lnSpc>
+                      <a:spcPct val="90000"/>
+                    </a:lnSpc>
+                    <a:spcBef>
+                      <a:spcPts val="500"/>
+                    </a:spcBef>
+                    <a:buFont typeface="Arial" panose="020B0604020202020204" pitchFamily="34" charset="0"/>
+                    <a:buChar char="•"/>
+                    <a:defRPr sz="1800" kern="1200">
+                      <a:solidFill>
+                        <a:schemeClr val="tx1"/>
+                      </a:solidFill>
+                      <a:latin typeface="+mn-lt"/>
+                      <a:ea typeface="+mn-ea"/>
+                      <a:cs typeface="+mn-cs"/>
+                    </a:defRPr>
+                  </a:lvl8pPr>
+                  <a:lvl9pPr marL="3886200" indent="-228600" algn="l" defTabSz="914400" rtl="0" eaLnBrk="1" latinLnBrk="0" hangingPunct="1">
+                    <a:lnSpc>
+                      <a:spcPct val="90000"/>
+                    </a:lnSpc>
+                    <a:spcBef>
+                      <a:spcPts val="500"/>
+                    </a:spcBef>
+                    <a:buFont typeface="Arial" panose="020B0604020202020204" pitchFamily="34" charset="0"/>
+                    <a:buChar char="•"/>
+                    <a:defRPr sz="1800" kern="1200">
+                      <a:solidFill>
+                        <a:schemeClr val="tx1"/>
+                      </a:solidFill>
+                      <a:latin typeface="+mn-lt"/>
+                      <a:ea typeface="+mn-ea"/>
+                      <a:cs typeface="+mn-cs"/>
+                    </a:defRPr>
+                  </a:lvl9pPr>
+                </a:lstStyle>
+                <a:p>
+                  <a:pPr marL="0" indent="0">
+                    <a:buNone/>
+                  </a:pPr>
+                  <a14:m>
+                    <m:oMath xmlns:m="http://schemas.openxmlformats.org/officeDocument/2006/math">
+                      <m:sSub>
+                        <m:sSubPr>
+                          <m:ctrlPr>
+                            <a:rPr lang="en-US" sz="2600" b="0" i="1" smtClean="0">
+                              <a:latin typeface="Cambria Math" panose="02040503050406030204" pitchFamily="18" charset="0"/>
+                            </a:rPr>
+                          </m:ctrlPr>
+                        </m:sSubPr>
+                        <m:e>
+                          <m:acc>
+                            <m:accPr>
+                              <m:chr m:val="̃"/>
+                              <m:ctrlPr>
+                                <a:rPr lang="en-US" sz="2600" b="0" i="1" smtClean="0">
+                                  <a:latin typeface="Cambria Math" panose="02040503050406030204" pitchFamily="18" charset="0"/>
+                                </a:rPr>
+                              </m:ctrlPr>
+                            </m:accPr>
+                            <m:e>
+                              <m:r>
+                                <a:rPr lang="en-US" sz="2600" i="1">
+                                  <a:latin typeface="Cambria Math" panose="02040503050406030204" pitchFamily="18" charset="0"/>
+                                </a:rPr>
+                                <m:t>𝐼</m:t>
+                              </m:r>
+                            </m:e>
+                          </m:acc>
+                        </m:e>
+                        <m:sub>
+                          <m:r>
+                            <a:rPr lang="en-US" sz="2600" b="0" i="1" smtClean="0">
+                              <a:latin typeface="Cambria Math" panose="02040503050406030204" pitchFamily="18" charset="0"/>
+                            </a:rPr>
+                            <m:t>𝑓</m:t>
+                          </m:r>
+                        </m:sub>
+                      </m:sSub>
+                      <m:r>
+                        <a:rPr lang="en-US" sz="2600" i="1" smtClean="0">
+                          <a:latin typeface="Cambria Math" panose="02040503050406030204" pitchFamily="18" charset="0"/>
+                        </a:rPr>
+                        <m:t>=</m:t>
+                      </m:r>
+                      <m:nary>
+                        <m:naryPr>
+                          <m:chr m:val="∑"/>
+                          <m:ctrlPr>
+                            <a:rPr lang="en-US" sz="2600" i="1" smtClean="0">
+                              <a:latin typeface="Cambria Math" panose="02040503050406030204" pitchFamily="18" charset="0"/>
+                            </a:rPr>
+                          </m:ctrlPr>
+                        </m:naryPr>
+                        <m:sub>
+                          <m:r>
+                            <m:rPr>
+                              <m:brk m:alnAt="23"/>
+                            </m:rPr>
+                            <a:rPr lang="en-US" sz="2600" b="0" i="1" smtClean="0">
+                              <a:latin typeface="Cambria Math" panose="02040503050406030204" pitchFamily="18" charset="0"/>
+                            </a:rPr>
+                            <m:t>𝑗</m:t>
+                          </m:r>
+                          <m:r>
+                            <a:rPr lang="en-US" sz="2600" b="0" i="1" smtClean="0">
+                              <a:latin typeface="Cambria Math" panose="02040503050406030204" pitchFamily="18" charset="0"/>
+                            </a:rPr>
+                            <m:t>=0</m:t>
+                          </m:r>
+                        </m:sub>
+                        <m:sup>
+                          <m:sSub>
+                            <m:sSubPr>
+                              <m:ctrlPr>
+                                <a:rPr lang="en-US" sz="2600" b="0" i="1" smtClean="0">
+                                  <a:latin typeface="Cambria Math" panose="02040503050406030204" pitchFamily="18" charset="0"/>
+                                </a:rPr>
+                              </m:ctrlPr>
+                            </m:sSubPr>
+                            <m:e>
+                              <m:r>
+                                <a:rPr lang="en-US" sz="2600" b="0" i="1" smtClean="0">
+                                  <a:latin typeface="Cambria Math" panose="02040503050406030204" pitchFamily="18" charset="0"/>
+                                </a:rPr>
+                                <m:t>𝑂</m:t>
+                              </m:r>
+                            </m:e>
+                            <m:sub>
+                              <m:r>
+                                <a:rPr lang="en-US" sz="2600" b="0" i="1" smtClean="0">
+                                  <a:latin typeface="Cambria Math" panose="02040503050406030204" pitchFamily="18" charset="0"/>
+                                </a:rPr>
+                                <m:t>𝑓</m:t>
+                              </m:r>
+                            </m:sub>
+                          </m:sSub>
+                        </m:sup>
+                        <m:e>
+                          <m:f>
+                            <m:fPr>
+                              <m:ctrlPr>
+                                <a:rPr lang="en-US" sz="2600" i="1">
+                                  <a:latin typeface="Cambria Math" panose="02040503050406030204" pitchFamily="18" charset="0"/>
+                                </a:rPr>
+                              </m:ctrlPr>
+                            </m:fPr>
+                            <m:num>
+                              <m:sSub>
+                                <m:sSubPr>
+                                  <m:ctrlPr>
+                                    <a:rPr lang="en-US" sz="2600" i="1">
+                                      <a:latin typeface="Cambria Math" panose="02040503050406030204" pitchFamily="18" charset="0"/>
+                                    </a:rPr>
+                                  </m:ctrlPr>
+                                </m:sSubPr>
+                                <m:e>
+                                  <m:r>
+                                    <a:rPr lang="en-US" sz="2600" i="1">
+                                      <a:latin typeface="Cambria Math" panose="02040503050406030204" pitchFamily="18" charset="0"/>
+                                    </a:rPr>
+                                    <m:t>𝑁</m:t>
+                                  </m:r>
+                                </m:e>
+                                <m:sub>
+                                  <m:sSub>
+                                    <m:sSubPr>
+                                      <m:ctrlPr>
+                                        <a:rPr lang="en-US" sz="2600" b="0" i="1" smtClean="0">
+                                          <a:latin typeface="Cambria Math" panose="02040503050406030204" pitchFamily="18" charset="0"/>
+                                        </a:rPr>
+                                      </m:ctrlPr>
+                                    </m:sSubPr>
+                                    <m:e>
+                                      <m:r>
+                                        <a:rPr lang="en-US" sz="2600" i="1">
+                                          <a:latin typeface="Cambria Math" panose="02040503050406030204" pitchFamily="18" charset="0"/>
+                                        </a:rPr>
+                                        <m:t>𝑛</m:t>
+                                      </m:r>
+                                    </m:e>
+                                    <m:sub>
+                                      <m:r>
+                                        <a:rPr lang="en-US" sz="2600" b="0" i="1" smtClean="0">
+                                          <a:latin typeface="Cambria Math" panose="02040503050406030204" pitchFamily="18" charset="0"/>
+                                        </a:rPr>
+                                        <m:t>𝑗</m:t>
+                                      </m:r>
+                                    </m:sub>
+                                  </m:sSub>
+                                </m:sub>
+                              </m:sSub>
+                            </m:num>
+                            <m:den>
+                              <m:r>
+                                <a:rPr lang="en-US" sz="2600" i="1">
+                                  <a:latin typeface="Cambria Math" panose="02040503050406030204" pitchFamily="18" charset="0"/>
+                                </a:rPr>
+                                <m:t>𝑇</m:t>
+                              </m:r>
+                            </m:den>
+                          </m:f>
+                          <m:r>
+                            <a:rPr lang="en-US" sz="2600" i="1">
+                              <a:latin typeface="Cambria Math" panose="02040503050406030204" pitchFamily="18" charset="0"/>
+                            </a:rPr>
+                            <m:t> </m:t>
+                          </m:r>
+                          <m:d>
+                            <m:dPr>
+                              <m:ctrlPr>
+                                <a:rPr lang="en-US" sz="2600" i="1">
+                                  <a:latin typeface="Cambria Math" panose="02040503050406030204" pitchFamily="18" charset="0"/>
+                                </a:rPr>
+                              </m:ctrlPr>
+                            </m:dPr>
+                            <m:e>
+                              <m:sSub>
+                                <m:sSubPr>
+                                  <m:ctrlPr>
+                                    <a:rPr lang="en-US" sz="2600" i="1">
+                                      <a:latin typeface="Cambria Math" panose="02040503050406030204" pitchFamily="18" charset="0"/>
+                                    </a:rPr>
+                                  </m:ctrlPr>
+                                </m:sSubPr>
+                                <m:e>
+                                  <m:r>
+                                    <a:rPr lang="en-US" sz="2600" i="1">
+                                      <a:latin typeface="Cambria Math" panose="02040503050406030204" pitchFamily="18" charset="0"/>
+                                    </a:rPr>
+                                    <m:t>𝐺</m:t>
+                                  </m:r>
+                                </m:e>
+                                <m:sub>
+                                  <m:sSub>
+                                    <m:sSubPr>
+                                      <m:ctrlPr>
+                                        <a:rPr lang="en-US" sz="2600" b="0" i="1" smtClean="0">
+                                          <a:latin typeface="Cambria Math" panose="02040503050406030204" pitchFamily="18" charset="0"/>
+                                        </a:rPr>
+                                      </m:ctrlPr>
+                                    </m:sSubPr>
+                                    <m:e>
+                                      <m:r>
+                                        <a:rPr lang="en-US" sz="2600" i="1">
+                                          <a:latin typeface="Cambria Math" panose="02040503050406030204" pitchFamily="18" charset="0"/>
+                                        </a:rPr>
+                                        <m:t>𝑛</m:t>
+                                      </m:r>
+                                    </m:e>
+                                    <m:sub>
+                                      <m:r>
+                                        <a:rPr lang="en-US" sz="2600" b="0" i="1" smtClean="0">
+                                          <a:latin typeface="Cambria Math" panose="02040503050406030204" pitchFamily="18" charset="0"/>
+                                        </a:rPr>
+                                        <m:t>𝑗</m:t>
+                                      </m:r>
+                                    </m:sub>
+                                  </m:sSub>
+                                </m:sub>
+                              </m:sSub>
+                              <m:r>
+                                <a:rPr lang="en-US" sz="2600" i="1">
+                                  <a:latin typeface="Cambria Math" panose="02040503050406030204" pitchFamily="18" charset="0"/>
+                                </a:rPr>
+                                <m:t> −</m:t>
+                              </m:r>
+                              <m:f>
+                                <m:fPr>
+                                  <m:ctrlPr>
+                                    <a:rPr lang="en-US" sz="2600" i="1">
+                                      <a:latin typeface="Cambria Math" panose="02040503050406030204" pitchFamily="18" charset="0"/>
+                                    </a:rPr>
+                                  </m:ctrlPr>
+                                </m:fPr>
+                                <m:num>
+                                  <m:sSub>
+                                    <m:sSubPr>
+                                      <m:ctrlPr>
+                                        <a:rPr lang="en-US" sz="2600" i="1">
+                                          <a:latin typeface="Cambria Math" panose="02040503050406030204" pitchFamily="18" charset="0"/>
+                                        </a:rPr>
+                                      </m:ctrlPr>
+                                    </m:sSubPr>
+                                    <m:e>
+                                      <m:r>
+                                        <a:rPr lang="en-US" sz="2600" i="1">
+                                          <a:latin typeface="Cambria Math" panose="02040503050406030204" pitchFamily="18" charset="0"/>
+                                        </a:rPr>
+                                        <m:t>𝑁</m:t>
+                                      </m:r>
+                                    </m:e>
+                                    <m:sub>
+                                      <m:r>
+                                        <a:rPr lang="en-US" sz="2600" i="1">
+                                          <a:latin typeface="Cambria Math" panose="02040503050406030204" pitchFamily="18" charset="0"/>
+                                        </a:rPr>
+                                        <m:t>𝐿</m:t>
+                                      </m:r>
+                                      <m:sSub>
+                                        <m:sSubPr>
+                                          <m:ctrlPr>
+                                            <a:rPr lang="en-US" sz="2600" b="0" i="1" smtClean="0">
+                                              <a:latin typeface="Cambria Math" panose="02040503050406030204" pitchFamily="18" charset="0"/>
+                                            </a:rPr>
+                                          </m:ctrlPr>
+                                        </m:sSubPr>
+                                        <m:e>
+                                          <m:r>
+                                            <a:rPr lang="en-US" sz="2600" i="1">
+                                              <a:latin typeface="Cambria Math" panose="02040503050406030204" pitchFamily="18" charset="0"/>
+                                            </a:rPr>
+                                            <m:t>𝐶</m:t>
+                                          </m:r>
+                                        </m:e>
+                                        <m:sub>
+                                          <m:r>
+                                            <a:rPr lang="en-US" sz="2600" b="0" i="1" smtClean="0">
+                                              <a:latin typeface="Cambria Math" panose="02040503050406030204" pitchFamily="18" charset="0"/>
+                                            </a:rPr>
+                                            <m:t>𝑗</m:t>
+                                          </m:r>
+                                        </m:sub>
+                                      </m:sSub>
+                                    </m:sub>
+                                  </m:sSub>
+                                </m:num>
+                                <m:den>
+                                  <m:sSub>
+                                    <m:sSubPr>
+                                      <m:ctrlPr>
+                                        <a:rPr lang="en-US" sz="2600" i="1">
+                                          <a:latin typeface="Cambria Math" panose="02040503050406030204" pitchFamily="18" charset="0"/>
+                                        </a:rPr>
+                                      </m:ctrlPr>
+                                    </m:sSubPr>
+                                    <m:e>
+                                      <m:r>
+                                        <a:rPr lang="en-US" sz="2600" i="1">
+                                          <a:latin typeface="Cambria Math" panose="02040503050406030204" pitchFamily="18" charset="0"/>
+                                        </a:rPr>
+                                        <m:t>𝑁</m:t>
+                                      </m:r>
+                                    </m:e>
+                                    <m:sub>
+                                      <m:sSub>
+                                        <m:sSubPr>
+                                          <m:ctrlPr>
+                                            <a:rPr lang="en-US" sz="2600" b="0" i="1" smtClean="0">
+                                              <a:latin typeface="Cambria Math" panose="02040503050406030204" pitchFamily="18" charset="0"/>
+                                            </a:rPr>
+                                          </m:ctrlPr>
+                                        </m:sSubPr>
+                                        <m:e>
+                                          <m:r>
+                                            <a:rPr lang="en-US" sz="2600" i="1">
+                                              <a:latin typeface="Cambria Math" panose="02040503050406030204" pitchFamily="18" charset="0"/>
+                                            </a:rPr>
+                                            <m:t>𝑛</m:t>
+                                          </m:r>
+                                        </m:e>
+                                        <m:sub>
+                                          <m:r>
+                                            <a:rPr lang="en-US" sz="2600" b="0" i="1" smtClean="0">
+                                              <a:latin typeface="Cambria Math" panose="02040503050406030204" pitchFamily="18" charset="0"/>
+                                            </a:rPr>
+                                            <m:t>𝑗</m:t>
+                                          </m:r>
+                                        </m:sub>
+                                      </m:sSub>
+                                    </m:sub>
+                                  </m:sSub>
+                                </m:den>
+                              </m:f>
+                              <m:sSub>
+                                <m:sSubPr>
+                                  <m:ctrlPr>
+                                    <a:rPr lang="en-US" sz="2600" i="1">
+                                      <a:latin typeface="Cambria Math" panose="02040503050406030204" pitchFamily="18" charset="0"/>
+                                    </a:rPr>
+                                  </m:ctrlPr>
+                                </m:sSubPr>
+                                <m:e>
+                                  <m:r>
+                                    <a:rPr lang="en-US" sz="2600" i="1">
+                                      <a:latin typeface="Cambria Math" panose="02040503050406030204" pitchFamily="18" charset="0"/>
+                                    </a:rPr>
+                                    <m:t>𝐺</m:t>
+                                  </m:r>
+                                </m:e>
+                                <m:sub>
+                                  <m:r>
+                                    <a:rPr lang="en-US" sz="2600" i="1">
+                                      <a:latin typeface="Cambria Math" panose="02040503050406030204" pitchFamily="18" charset="0"/>
+                                    </a:rPr>
+                                    <m:t>𝐿</m:t>
+                                  </m:r>
+                                  <m:sSub>
+                                    <m:sSubPr>
+                                      <m:ctrlPr>
+                                        <a:rPr lang="en-US" sz="2600" b="0" i="1" smtClean="0">
+                                          <a:latin typeface="Cambria Math" panose="02040503050406030204" pitchFamily="18" charset="0"/>
+                                        </a:rPr>
+                                      </m:ctrlPr>
+                                    </m:sSubPr>
+                                    <m:e>
+                                      <m:r>
+                                        <a:rPr lang="en-US" sz="2600" i="1">
+                                          <a:latin typeface="Cambria Math" panose="02040503050406030204" pitchFamily="18" charset="0"/>
+                                        </a:rPr>
+                                        <m:t>𝐶</m:t>
+                                      </m:r>
+                                    </m:e>
+                                    <m:sub>
+                                      <m:r>
+                                        <a:rPr lang="en-US" sz="2600" b="0" i="1" smtClean="0">
+                                          <a:latin typeface="Cambria Math" panose="02040503050406030204" pitchFamily="18" charset="0"/>
+                                        </a:rPr>
+                                        <m:t>𝑗</m:t>
+                                      </m:r>
+                                    </m:sub>
+                                  </m:sSub>
+                                </m:sub>
+                              </m:sSub>
+                              <m:r>
+                                <a:rPr lang="en-US" sz="2600" i="1">
+                                  <a:latin typeface="Cambria Math" panose="02040503050406030204" pitchFamily="18" charset="0"/>
+                                </a:rPr>
+                                <m:t> −</m:t>
+                              </m:r>
+                              <m:f>
+                                <m:fPr>
+                                  <m:ctrlPr>
+                                    <a:rPr lang="en-US" sz="2600" i="1">
+                                      <a:latin typeface="Cambria Math" panose="02040503050406030204" pitchFamily="18" charset="0"/>
+                                    </a:rPr>
+                                  </m:ctrlPr>
+                                </m:fPr>
+                                <m:num>
+                                  <m:sSub>
+                                    <m:sSubPr>
+                                      <m:ctrlPr>
+                                        <a:rPr lang="en-US" sz="2600" i="1">
+                                          <a:latin typeface="Cambria Math" panose="02040503050406030204" pitchFamily="18" charset="0"/>
+                                        </a:rPr>
+                                      </m:ctrlPr>
+                                    </m:sSubPr>
+                                    <m:e>
+                                      <m:r>
+                                        <a:rPr lang="en-US" sz="2600" i="1">
+                                          <a:latin typeface="Cambria Math" panose="02040503050406030204" pitchFamily="18" charset="0"/>
+                                        </a:rPr>
+                                        <m:t>𝑁</m:t>
+                                      </m:r>
+                                    </m:e>
+                                    <m:sub>
+                                      <m:r>
+                                        <a:rPr lang="en-US" sz="2600" i="1">
+                                          <a:latin typeface="Cambria Math" panose="02040503050406030204" pitchFamily="18" charset="0"/>
+                                        </a:rPr>
+                                        <m:t>𝑅</m:t>
+                                      </m:r>
+                                      <m:sSub>
+                                        <m:sSubPr>
+                                          <m:ctrlPr>
+                                            <a:rPr lang="en-US" sz="2600" b="0" i="1" smtClean="0">
+                                              <a:latin typeface="Cambria Math" panose="02040503050406030204" pitchFamily="18" charset="0"/>
+                                            </a:rPr>
+                                          </m:ctrlPr>
+                                        </m:sSubPr>
+                                        <m:e>
+                                          <m:r>
+                                            <a:rPr lang="en-US" sz="2600" i="1">
+                                              <a:latin typeface="Cambria Math" panose="02040503050406030204" pitchFamily="18" charset="0"/>
+                                            </a:rPr>
+                                            <m:t>𝐶</m:t>
+                                          </m:r>
+                                        </m:e>
+                                        <m:sub>
+                                          <m:r>
+                                            <a:rPr lang="en-US" sz="2600" b="0" i="1" smtClean="0">
+                                              <a:latin typeface="Cambria Math" panose="02040503050406030204" pitchFamily="18" charset="0"/>
+                                            </a:rPr>
+                                            <m:t>𝑗</m:t>
+                                          </m:r>
+                                        </m:sub>
+                                      </m:sSub>
+                                    </m:sub>
+                                  </m:sSub>
+                                </m:num>
+                                <m:den>
+                                  <m:sSub>
+                                    <m:sSubPr>
+                                      <m:ctrlPr>
+                                        <a:rPr lang="en-US" sz="2600" i="1">
+                                          <a:latin typeface="Cambria Math" panose="02040503050406030204" pitchFamily="18" charset="0"/>
+                                        </a:rPr>
+                                      </m:ctrlPr>
+                                    </m:sSubPr>
+                                    <m:e>
+                                      <m:r>
+                                        <a:rPr lang="en-US" sz="2600" i="1">
+                                          <a:latin typeface="Cambria Math" panose="02040503050406030204" pitchFamily="18" charset="0"/>
+                                        </a:rPr>
+                                        <m:t>𝑁</m:t>
+                                      </m:r>
+                                    </m:e>
+                                    <m:sub>
+                                      <m:sSub>
+                                        <m:sSubPr>
+                                          <m:ctrlPr>
+                                            <a:rPr lang="en-US" sz="2600" b="0" i="1" smtClean="0">
+                                              <a:latin typeface="Cambria Math" panose="02040503050406030204" pitchFamily="18" charset="0"/>
+                                            </a:rPr>
+                                          </m:ctrlPr>
+                                        </m:sSubPr>
+                                        <m:e>
+                                          <m:r>
+                                            <a:rPr lang="en-US" sz="2600" i="1">
+                                              <a:latin typeface="Cambria Math" panose="02040503050406030204" pitchFamily="18" charset="0"/>
+                                            </a:rPr>
+                                            <m:t>𝑛</m:t>
+                                          </m:r>
+                                        </m:e>
+                                        <m:sub>
+                                          <m:r>
+                                            <a:rPr lang="en-US" sz="2600" b="0" i="1" smtClean="0">
+                                              <a:latin typeface="Cambria Math" panose="02040503050406030204" pitchFamily="18" charset="0"/>
+                                            </a:rPr>
+                                            <m:t>𝑗</m:t>
+                                          </m:r>
+                                        </m:sub>
+                                      </m:sSub>
+                                    </m:sub>
+                                  </m:sSub>
+                                </m:den>
+                              </m:f>
+                              <m:sSub>
+                                <m:sSubPr>
+                                  <m:ctrlPr>
+                                    <a:rPr lang="en-US" sz="2600" i="1">
+                                      <a:latin typeface="Cambria Math" panose="02040503050406030204" pitchFamily="18" charset="0"/>
+                                    </a:rPr>
+                                  </m:ctrlPr>
+                                </m:sSubPr>
+                                <m:e>
+                                  <m:r>
+                                    <a:rPr lang="en-US" sz="2600" i="1">
+                                      <a:latin typeface="Cambria Math" panose="02040503050406030204" pitchFamily="18" charset="0"/>
+                                    </a:rPr>
+                                    <m:t>𝐺</m:t>
+                                  </m:r>
+                                </m:e>
+                                <m:sub>
+                                  <m:r>
+                                    <a:rPr lang="en-US" sz="2600" i="1">
+                                      <a:latin typeface="Cambria Math" panose="02040503050406030204" pitchFamily="18" charset="0"/>
+                                    </a:rPr>
+                                    <m:t>𝑅</m:t>
+                                  </m:r>
+                                  <m:sSub>
+                                    <m:sSubPr>
+                                      <m:ctrlPr>
+                                        <a:rPr lang="en-US" sz="2600" b="0" i="1" smtClean="0">
+                                          <a:latin typeface="Cambria Math" panose="02040503050406030204" pitchFamily="18" charset="0"/>
+                                        </a:rPr>
+                                      </m:ctrlPr>
+                                    </m:sSubPr>
+                                    <m:e>
+                                      <m:r>
+                                        <a:rPr lang="en-US" sz="2600" i="1">
+                                          <a:latin typeface="Cambria Math" panose="02040503050406030204" pitchFamily="18" charset="0"/>
+                                        </a:rPr>
+                                        <m:t>𝐶</m:t>
+                                      </m:r>
+                                    </m:e>
+                                    <m:sub>
+                                      <m:r>
+                                        <a:rPr lang="en-US" sz="2600" b="0" i="1" smtClean="0">
+                                          <a:latin typeface="Cambria Math" panose="02040503050406030204" pitchFamily="18" charset="0"/>
+                                        </a:rPr>
+                                        <m:t>𝑗</m:t>
+                                      </m:r>
+                                    </m:sub>
+                                  </m:sSub>
+                                </m:sub>
+                              </m:sSub>
+                            </m:e>
+                          </m:d>
+                        </m:e>
+                      </m:nary>
+                      <m:r>
+                        <a:rPr lang="en-US" sz="2600" b="0" i="1" smtClean="0">
+                          <a:latin typeface="Cambria Math" panose="02040503050406030204" pitchFamily="18" charset="0"/>
+                        </a:rPr>
+                        <m:t>, </m:t>
+                      </m:r>
+                    </m:oMath>
+                  </a14:m>
+                  <a:r>
+                    <a:rPr lang="en-US" sz="2600" dirty="0"/>
+                    <a:t> </a:t>
+                  </a:r>
+                </a:p>
+              </p:txBody>
+            </p:sp>
+          </mc:Choice>
+          <mc:Fallback>
+            <p:sp>
+              <p:nvSpPr>
+                <p:cNvPr id="7" name="Content Placeholder 5">
+                  <a:extLst>
+                    <a:ext uri="{FF2B5EF4-FFF2-40B4-BE49-F238E27FC236}">
+                      <a16:creationId xmlns:a16="http://schemas.microsoft.com/office/drawing/2014/main" id="{90D20A04-BF33-C74D-BEEC-EDB9E183C817}"/>
+                    </a:ext>
+                  </a:extLst>
+                </p:cNvPr>
+                <p:cNvSpPr txBox="1">
+                  <a:spLocks noRot="1" noChangeAspect="1" noMove="1" noResize="1" noEditPoints="1" noAdjustHandles="1" noChangeArrowheads="1" noChangeShapeType="1" noTextEdit="1"/>
+                </p:cNvSpPr>
+                <p:nvPr/>
+              </p:nvSpPr>
+              <p:spPr>
+                <a:xfrm>
+                  <a:off x="838200" y="2924629"/>
+                  <a:ext cx="8488680" cy="1500188"/>
+                </a:xfrm>
+                <a:prstGeom prst="rect">
+                  <a:avLst/>
+                </a:prstGeom>
+                <a:blipFill>
+                  <a:blip r:embed="rId3"/>
+                  <a:stretch>
+                    <a:fillRect l="-149" t="-30252" b="-10924"/>
+                  </a:stretch>
+                </a:blipFill>
+              </p:spPr>
+              <p:txBody>
+                <a:bodyPr/>
+                <a:lstStyle/>
+                <a:p>
+                  <a:r>
+                    <a:rPr lang="en-US">
+                      <a:noFill/>
+                    </a:rPr>
+                    <a:t> </a:t>
+                  </a:r>
+                </a:p>
+              </p:txBody>
+            </p:sp>
+          </mc:Fallback>
+        </mc:AlternateContent>
+        <mc:AlternateContent xmlns:mc="http://schemas.openxmlformats.org/markup-compatibility/2006">
+          <mc:Choice xmlns:a14="http://schemas.microsoft.com/office/drawing/2010/main" Requires="a14">
+            <p:sp>
+              <p:nvSpPr>
+                <p:cNvPr id="4" name="TextBox 3">
+                  <a:extLst>
+                    <a:ext uri="{FF2B5EF4-FFF2-40B4-BE49-F238E27FC236}">
+                      <a16:creationId xmlns:a16="http://schemas.microsoft.com/office/drawing/2014/main" id="{21A55911-4929-8348-8511-C869DC6192AE}"/>
+                    </a:ext>
+                  </a:extLst>
+                </p:cNvPr>
+                <p:cNvSpPr txBox="1"/>
+                <p:nvPr/>
+              </p:nvSpPr>
+              <p:spPr>
+                <a:xfrm>
+                  <a:off x="7491613" y="3068099"/>
+                  <a:ext cx="1613134" cy="447045"/>
+                </a:xfrm>
+                <a:prstGeom prst="rect">
+                  <a:avLst/>
+                </a:prstGeom>
+                <a:noFill/>
+              </p:spPr>
+              <p:txBody>
+                <a:bodyPr wrap="none" lIns="0" tIns="0" rIns="0" bIns="0" rtlCol="0">
+                  <a:spAutoFit/>
+                </a:bodyPr>
+                <a:lstStyle/>
+                <a:p>
+                  <a14:m>
+                    <m:oMath xmlns:m="http://schemas.openxmlformats.org/officeDocument/2006/math">
+                      <m:sSub>
+                        <m:sSubPr>
+                          <m:ctrlPr>
+                            <a:rPr lang="en-US" sz="2600" b="0" i="1" smtClean="0">
+                              <a:latin typeface="Cambria Math" panose="02040503050406030204" pitchFamily="18" charset="0"/>
+                            </a:rPr>
+                          </m:ctrlPr>
+                        </m:sSubPr>
+                        <m:e>
+                          <m:r>
+                            <a:rPr lang="en-US" sz="2600" b="0" i="1" smtClean="0">
+                              <a:latin typeface="Cambria Math" panose="02040503050406030204" pitchFamily="18" charset="0"/>
+                            </a:rPr>
+                            <m:t>𝐼</m:t>
+                          </m:r>
+                        </m:e>
+                        <m:sub>
+                          <m:r>
+                            <a:rPr lang="en-US" sz="2600" b="0" i="1" smtClean="0">
+                              <a:latin typeface="Cambria Math" panose="02040503050406030204" pitchFamily="18" charset="0"/>
+                            </a:rPr>
+                            <m:t>𝑓</m:t>
+                          </m:r>
+                        </m:sub>
+                      </m:sSub>
+                      <m:r>
+                        <a:rPr lang="en-US" sz="2600" b="0" i="1" smtClean="0">
+                          <a:latin typeface="Cambria Math" panose="02040503050406030204" pitchFamily="18" charset="0"/>
+                        </a:rPr>
+                        <m:t>=</m:t>
+                      </m:r>
+                      <m:sSub>
+                        <m:sSubPr>
+                          <m:ctrlPr>
+                            <a:rPr lang="en-US" sz="2600" i="1">
+                              <a:latin typeface="Cambria Math" panose="02040503050406030204" pitchFamily="18" charset="0"/>
+                            </a:rPr>
+                          </m:ctrlPr>
+                        </m:sSubPr>
+                        <m:e>
+                          <m:acc>
+                            <m:accPr>
+                              <m:chr m:val="̃"/>
+                              <m:ctrlPr>
+                                <a:rPr lang="en-US" sz="2600" i="1">
+                                  <a:latin typeface="Cambria Math" panose="02040503050406030204" pitchFamily="18" charset="0"/>
+                                </a:rPr>
+                              </m:ctrlPr>
+                            </m:accPr>
+                            <m:e>
+                              <m:r>
+                                <a:rPr lang="en-US" sz="2600" i="1">
+                                  <a:latin typeface="Cambria Math" panose="02040503050406030204" pitchFamily="18" charset="0"/>
+                                </a:rPr>
+                                <m:t>𝐼</m:t>
+                              </m:r>
+                            </m:e>
+                          </m:acc>
+                        </m:e>
+                        <m:sub>
+                          <m:r>
+                            <a:rPr lang="en-US" sz="2600" i="1">
+                              <a:latin typeface="Cambria Math" panose="02040503050406030204" pitchFamily="18" charset="0"/>
+                            </a:rPr>
+                            <m:t>𝑓</m:t>
+                          </m:r>
+                        </m:sub>
+                      </m:sSub>
+                    </m:oMath>
+                  </a14:m>
+                  <a:r>
+                    <a:rPr lang="en-US" sz="2600" dirty="0"/>
+                    <a:t>/</a:t>
+                  </a:r>
+                  <a14:m>
+                    <m:oMath xmlns:m="http://schemas.openxmlformats.org/officeDocument/2006/math">
+                      <m:nary>
+                        <m:naryPr>
+                          <m:chr m:val="∑"/>
+                          <m:subHide m:val="on"/>
+                          <m:supHide m:val="on"/>
+                          <m:ctrlPr>
+                            <a:rPr lang="en-US" sz="2600" i="1" dirty="0" smtClean="0">
+                              <a:latin typeface="Cambria Math" panose="02040503050406030204" pitchFamily="18" charset="0"/>
+                            </a:rPr>
+                          </m:ctrlPr>
+                        </m:naryPr>
+                        <m:sub/>
+                        <m:sup/>
+                        <m:e>
+                          <m:sSub>
+                            <m:sSubPr>
+                              <m:ctrlPr>
+                                <a:rPr lang="en-US" sz="2600" i="1">
+                                  <a:latin typeface="Cambria Math" panose="02040503050406030204" pitchFamily="18" charset="0"/>
+                                </a:rPr>
+                              </m:ctrlPr>
+                            </m:sSubPr>
+                            <m:e>
+                              <m:acc>
+                                <m:accPr>
+                                  <m:chr m:val="̃"/>
+                                  <m:ctrlPr>
+                                    <a:rPr lang="en-US" sz="2600" i="1">
+                                      <a:latin typeface="Cambria Math" panose="02040503050406030204" pitchFamily="18" charset="0"/>
+                                    </a:rPr>
+                                  </m:ctrlPr>
+                                </m:accPr>
+                                <m:e>
+                                  <m:r>
+                                    <a:rPr lang="en-US" sz="2600" i="1">
+                                      <a:latin typeface="Cambria Math" panose="02040503050406030204" pitchFamily="18" charset="0"/>
+                                    </a:rPr>
+                                    <m:t>𝐼</m:t>
+                                  </m:r>
+                                </m:e>
+                              </m:acc>
+                            </m:e>
+                            <m:sub>
+                              <m:r>
+                                <a:rPr lang="en-US" sz="2600" i="1">
+                                  <a:latin typeface="Cambria Math" panose="02040503050406030204" pitchFamily="18" charset="0"/>
+                                </a:rPr>
+                                <m:t>𝑓</m:t>
+                              </m:r>
+                            </m:sub>
+                          </m:sSub>
+                        </m:e>
+                      </m:nary>
+                    </m:oMath>
+                  </a14:m>
+                  <a:endParaRPr lang="en-US" sz="2600" dirty="0"/>
+                </a:p>
+              </p:txBody>
+            </p:sp>
+          </mc:Choice>
+          <mc:Fallback>
+            <p:sp>
+              <p:nvSpPr>
+                <p:cNvPr id="4" name="TextBox 3">
+                  <a:extLst>
+                    <a:ext uri="{FF2B5EF4-FFF2-40B4-BE49-F238E27FC236}">
+                      <a16:creationId xmlns:a16="http://schemas.microsoft.com/office/drawing/2014/main" id="{21A55911-4929-8348-8511-C869DC6192AE}"/>
+                    </a:ext>
+                  </a:extLst>
+                </p:cNvPr>
+                <p:cNvSpPr txBox="1">
+                  <a:spLocks noRot="1" noChangeAspect="1" noMove="1" noResize="1" noEditPoints="1" noAdjustHandles="1" noChangeArrowheads="1" noChangeShapeType="1" noTextEdit="1"/>
+                </p:cNvSpPr>
+                <p:nvPr/>
+              </p:nvSpPr>
+              <p:spPr>
+                <a:xfrm>
+                  <a:off x="7491613" y="3068099"/>
+                  <a:ext cx="1613134" cy="447045"/>
+                </a:xfrm>
+                <a:prstGeom prst="rect">
+                  <a:avLst/>
+                </a:prstGeom>
+                <a:blipFill>
+                  <a:blip r:embed="rId4"/>
+                  <a:stretch>
+                    <a:fillRect l="-6250" t="-147222" r="-3906" b="-219444"/>
+                  </a:stretch>
+                </a:blipFill>
+              </p:spPr>
+              <p:txBody>
+                <a:bodyPr/>
+                <a:lstStyle/>
+                <a:p>
+                  <a:r>
+                    <a:rPr lang="en-US">
+                      <a:noFill/>
+                    </a:rPr>
+                    <a:t> </a:t>
+                  </a:r>
+                </a:p>
+              </p:txBody>
+            </p:sp>
+          </mc:Fallback>
+        </mc:AlternateContent>
+      </p:grpSp>
     </p:spTree>
     <p:extLst>
       <p:ext uri="{BB962C8B-B14F-4D97-AF65-F5344CB8AC3E}">
-        <p14:creationId xmlns:p14="http://schemas.microsoft.com/office/powerpoint/2010/main" val="253566713"/>
+        <p14:creationId xmlns:p14="http://schemas.microsoft.com/office/powerpoint/2010/main" val="1935336871"/>
       </p:ext>
     </p:extLst>
   </p:cSld>
@@ -12305,82 +15193,17 @@
           <a:p>
             <a:r>
               <a:rPr lang="en-US" dirty="0"/>
-              <a:t>Model Optimization – Regularization</a:t>
+              <a:t>Feature Importance – Gini Impurity Example</a:t>
             </a:r>
           </a:p>
         </p:txBody>
       </p:sp>
       <p:pic>
         <p:nvPicPr>
-          <p:cNvPr id="49" name="Picture 48">
-            <a:extLst>
-              <a:ext uri="{FF2B5EF4-FFF2-40B4-BE49-F238E27FC236}">
-                <a16:creationId xmlns:a16="http://schemas.microsoft.com/office/drawing/2014/main" id="{B5290DF1-24AB-A044-B538-E8BD73751AE7}"/>
-              </a:ext>
-            </a:extLst>
-          </p:cNvPr>
-          <p:cNvPicPr>
-            <a:picLocks noChangeAspect="1"/>
-          </p:cNvPicPr>
-          <p:nvPr/>
-        </p:nvPicPr>
-        <p:blipFill>
-          <a:blip r:embed="rId2"/>
-          <a:stretch>
-            <a:fillRect/>
-          </a:stretch>
-        </p:blipFill>
-        <p:spPr>
-          <a:xfrm>
-            <a:off x="627239" y="2397760"/>
-            <a:ext cx="5163535" cy="3586163"/>
-          </a:xfrm>
-          <a:prstGeom prst="rect">
-            <a:avLst/>
-          </a:prstGeom>
-        </p:spPr>
-      </p:pic>
-      <p:sp>
-        <p:nvSpPr>
-          <p:cNvPr id="50" name="TextBox 49">
-            <a:extLst>
-              <a:ext uri="{FF2B5EF4-FFF2-40B4-BE49-F238E27FC236}">
-                <a16:creationId xmlns:a16="http://schemas.microsoft.com/office/drawing/2014/main" id="{758EAE12-B08A-EE40-B0FC-E8718CEEA9B9}"/>
-              </a:ext>
-            </a:extLst>
-          </p:cNvPr>
-          <p:cNvSpPr txBox="1"/>
-          <p:nvPr/>
-        </p:nvSpPr>
-        <p:spPr>
-          <a:xfrm>
-            <a:off x="2440120" y="2064777"/>
-            <a:ext cx="1779590" cy="477054"/>
-          </a:xfrm>
-          <a:prstGeom prst="rect">
-            <a:avLst/>
-          </a:prstGeom>
-          <a:noFill/>
-        </p:spPr>
-        <p:txBody>
-          <a:bodyPr wrap="none" rtlCol="0">
-            <a:spAutoFit/>
-          </a:bodyPr>
-          <a:lstStyle/>
-          <a:p>
-            <a:r>
-              <a:rPr lang="en-US" sz="2500" i="1" dirty="0"/>
-              <a:t>Deeper Tree</a:t>
-            </a:r>
-          </a:p>
-        </p:txBody>
-      </p:sp>
-      <p:pic>
-        <p:nvPicPr>
-          <p:cNvPr id="52" name="Picture 51">
-            <a:extLst>
-              <a:ext uri="{FF2B5EF4-FFF2-40B4-BE49-F238E27FC236}">
-                <a16:creationId xmlns:a16="http://schemas.microsoft.com/office/drawing/2014/main" id="{C5889D02-72DE-6A4D-8D74-0CC8B32F105B}"/>
+          <p:cNvPr id="9" name="Picture 8">
+            <a:extLst>
+              <a:ext uri="{FF2B5EF4-FFF2-40B4-BE49-F238E27FC236}">
+                <a16:creationId xmlns:a16="http://schemas.microsoft.com/office/drawing/2014/main" id="{BD0B113C-FC62-7E4B-BC05-4E27FD95EBBF}"/>
               </a:ext>
             </a:extLst>
           </p:cNvPr>
@@ -12397,53 +15220,1668 @@
         </p:blipFill>
         <p:spPr>
           <a:xfrm>
-            <a:off x="6190265" y="2397759"/>
-            <a:ext cx="5163535" cy="3586163"/>
+            <a:off x="230332" y="1506856"/>
+            <a:ext cx="5591348" cy="5125402"/>
           </a:xfrm>
           <a:prstGeom prst="rect">
             <a:avLst/>
           </a:prstGeom>
         </p:spPr>
       </p:pic>
-      <p:sp>
-        <p:nvSpPr>
-          <p:cNvPr id="53" name="TextBox 52">
-            <a:extLst>
-              <a:ext uri="{FF2B5EF4-FFF2-40B4-BE49-F238E27FC236}">
-                <a16:creationId xmlns:a16="http://schemas.microsoft.com/office/drawing/2014/main" id="{6E55351A-BDAC-054C-A966-855C98C25C85}"/>
-              </a:ext>
-            </a:extLst>
-          </p:cNvPr>
-          <p:cNvSpPr txBox="1"/>
-          <p:nvPr/>
-        </p:nvSpPr>
-        <p:spPr>
-          <a:xfrm>
-            <a:off x="7952295" y="2064777"/>
-            <a:ext cx="2104102" cy="477054"/>
-          </a:xfrm>
-          <a:prstGeom prst="rect">
-            <a:avLst/>
-          </a:prstGeom>
-          <a:noFill/>
-        </p:spPr>
-        <p:txBody>
-          <a:bodyPr wrap="none" rtlCol="0">
-            <a:spAutoFit/>
-          </a:bodyPr>
-          <a:lstStyle/>
-          <a:p>
-            <a:r>
-              <a:rPr lang="en-US" sz="2500" i="1" dirty="0"/>
-              <a:t>Shallower Tree</a:t>
-            </a:r>
-          </a:p>
-        </p:txBody>
-      </p:sp>
+      <mc:AlternateContent xmlns:mc="http://schemas.openxmlformats.org/markup-compatibility/2006">
+        <mc:Choice xmlns:a14="http://schemas.microsoft.com/office/drawing/2010/main" Requires="a14">
+          <p:sp>
+            <p:nvSpPr>
+              <p:cNvPr id="7" name="Content Placeholder 5">
+                <a:extLst>
+                  <a:ext uri="{FF2B5EF4-FFF2-40B4-BE49-F238E27FC236}">
+                    <a16:creationId xmlns:a16="http://schemas.microsoft.com/office/drawing/2014/main" id="{90D20A04-BF33-C74D-BEEC-EDB9E183C817}"/>
+                  </a:ext>
+                </a:extLst>
+              </p:cNvPr>
+              <p:cNvSpPr txBox="1">
+                <a:spLocks/>
+              </p:cNvSpPr>
+              <p:nvPr/>
+            </p:nvSpPr>
+            <p:spPr>
+              <a:xfrm>
+                <a:off x="5269230" y="1712596"/>
+                <a:ext cx="6800849" cy="4919662"/>
+              </a:xfrm>
+              <a:prstGeom prst="rect">
+                <a:avLst/>
+              </a:prstGeom>
+            </p:spPr>
+            <p:txBody>
+              <a:bodyPr vert="horz" lIns="91440" tIns="45720" rIns="91440" bIns="45720" rtlCol="0">
+                <a:normAutofit fontScale="85000" lnSpcReduction="20000"/>
+              </a:bodyPr>
+              <a:lstStyle>
+                <a:lvl1pPr marL="228600" indent="-228600" algn="l" defTabSz="914400" rtl="0" eaLnBrk="1" latinLnBrk="0" hangingPunct="1">
+                  <a:lnSpc>
+                    <a:spcPct val="90000"/>
+                  </a:lnSpc>
+                  <a:spcBef>
+                    <a:spcPts val="1000"/>
+                  </a:spcBef>
+                  <a:buFont typeface="Arial" panose="020B0604020202020204" pitchFamily="34" charset="0"/>
+                  <a:buChar char="•"/>
+                  <a:defRPr sz="2800" kern="1200">
+                    <a:solidFill>
+                      <a:schemeClr val="tx1"/>
+                    </a:solidFill>
+                    <a:latin typeface="+mn-lt"/>
+                    <a:ea typeface="+mn-ea"/>
+                    <a:cs typeface="+mn-cs"/>
+                  </a:defRPr>
+                </a:lvl1pPr>
+                <a:lvl2pPr marL="685800" indent="-228600" algn="l" defTabSz="914400" rtl="0" eaLnBrk="1" latinLnBrk="0" hangingPunct="1">
+                  <a:lnSpc>
+                    <a:spcPct val="90000"/>
+                  </a:lnSpc>
+                  <a:spcBef>
+                    <a:spcPts val="500"/>
+                  </a:spcBef>
+                  <a:buFont typeface="Arial" panose="020B0604020202020204" pitchFamily="34" charset="0"/>
+                  <a:buChar char="•"/>
+                  <a:defRPr sz="2400" kern="1200">
+                    <a:solidFill>
+                      <a:schemeClr val="tx1"/>
+                    </a:solidFill>
+                    <a:latin typeface="+mn-lt"/>
+                    <a:ea typeface="+mn-ea"/>
+                    <a:cs typeface="+mn-cs"/>
+                  </a:defRPr>
+                </a:lvl2pPr>
+                <a:lvl3pPr marL="1143000" indent="-228600" algn="l" defTabSz="914400" rtl="0" eaLnBrk="1" latinLnBrk="0" hangingPunct="1">
+                  <a:lnSpc>
+                    <a:spcPct val="90000"/>
+                  </a:lnSpc>
+                  <a:spcBef>
+                    <a:spcPts val="500"/>
+                  </a:spcBef>
+                  <a:buFont typeface="Arial" panose="020B0604020202020204" pitchFamily="34" charset="0"/>
+                  <a:buChar char="•"/>
+                  <a:defRPr sz="2000" kern="1200">
+                    <a:solidFill>
+                      <a:schemeClr val="tx1"/>
+                    </a:solidFill>
+                    <a:latin typeface="+mn-lt"/>
+                    <a:ea typeface="+mn-ea"/>
+                    <a:cs typeface="+mn-cs"/>
+                  </a:defRPr>
+                </a:lvl3pPr>
+                <a:lvl4pPr marL="1600200" indent="-228600" algn="l" defTabSz="914400" rtl="0" eaLnBrk="1" latinLnBrk="0" hangingPunct="1">
+                  <a:lnSpc>
+                    <a:spcPct val="90000"/>
+                  </a:lnSpc>
+                  <a:spcBef>
+                    <a:spcPts val="500"/>
+                  </a:spcBef>
+                  <a:buFont typeface="Arial" panose="020B0604020202020204" pitchFamily="34" charset="0"/>
+                  <a:buChar char="•"/>
+                  <a:defRPr sz="1800" kern="1200">
+                    <a:solidFill>
+                      <a:schemeClr val="tx1"/>
+                    </a:solidFill>
+                    <a:latin typeface="+mn-lt"/>
+                    <a:ea typeface="+mn-ea"/>
+                    <a:cs typeface="+mn-cs"/>
+                  </a:defRPr>
+                </a:lvl4pPr>
+                <a:lvl5pPr marL="2057400" indent="-228600" algn="l" defTabSz="914400" rtl="0" eaLnBrk="1" latinLnBrk="0" hangingPunct="1">
+                  <a:lnSpc>
+                    <a:spcPct val="90000"/>
+                  </a:lnSpc>
+                  <a:spcBef>
+                    <a:spcPts val="500"/>
+                  </a:spcBef>
+                  <a:buFont typeface="Arial" panose="020B0604020202020204" pitchFamily="34" charset="0"/>
+                  <a:buChar char="•"/>
+                  <a:defRPr sz="1800" kern="1200">
+                    <a:solidFill>
+                      <a:schemeClr val="tx1"/>
+                    </a:solidFill>
+                    <a:latin typeface="+mn-lt"/>
+                    <a:ea typeface="+mn-ea"/>
+                    <a:cs typeface="+mn-cs"/>
+                  </a:defRPr>
+                </a:lvl5pPr>
+                <a:lvl6pPr marL="2514600" indent="-228600" algn="l" defTabSz="914400" rtl="0" eaLnBrk="1" latinLnBrk="0" hangingPunct="1">
+                  <a:lnSpc>
+                    <a:spcPct val="90000"/>
+                  </a:lnSpc>
+                  <a:spcBef>
+                    <a:spcPts val="500"/>
+                  </a:spcBef>
+                  <a:buFont typeface="Arial" panose="020B0604020202020204" pitchFamily="34" charset="0"/>
+                  <a:buChar char="•"/>
+                  <a:defRPr sz="1800" kern="1200">
+                    <a:solidFill>
+                      <a:schemeClr val="tx1"/>
+                    </a:solidFill>
+                    <a:latin typeface="+mn-lt"/>
+                    <a:ea typeface="+mn-ea"/>
+                    <a:cs typeface="+mn-cs"/>
+                  </a:defRPr>
+                </a:lvl6pPr>
+                <a:lvl7pPr marL="2971800" indent="-228600" algn="l" defTabSz="914400" rtl="0" eaLnBrk="1" latinLnBrk="0" hangingPunct="1">
+                  <a:lnSpc>
+                    <a:spcPct val="90000"/>
+                  </a:lnSpc>
+                  <a:spcBef>
+                    <a:spcPts val="500"/>
+                  </a:spcBef>
+                  <a:buFont typeface="Arial" panose="020B0604020202020204" pitchFamily="34" charset="0"/>
+                  <a:buChar char="•"/>
+                  <a:defRPr sz="1800" kern="1200">
+                    <a:solidFill>
+                      <a:schemeClr val="tx1"/>
+                    </a:solidFill>
+                    <a:latin typeface="+mn-lt"/>
+                    <a:ea typeface="+mn-ea"/>
+                    <a:cs typeface="+mn-cs"/>
+                  </a:defRPr>
+                </a:lvl7pPr>
+                <a:lvl8pPr marL="3429000" indent="-228600" algn="l" defTabSz="914400" rtl="0" eaLnBrk="1" latinLnBrk="0" hangingPunct="1">
+                  <a:lnSpc>
+                    <a:spcPct val="90000"/>
+                  </a:lnSpc>
+                  <a:spcBef>
+                    <a:spcPts val="500"/>
+                  </a:spcBef>
+                  <a:buFont typeface="Arial" panose="020B0604020202020204" pitchFamily="34" charset="0"/>
+                  <a:buChar char="•"/>
+                  <a:defRPr sz="1800" kern="1200">
+                    <a:solidFill>
+                      <a:schemeClr val="tx1"/>
+                    </a:solidFill>
+                    <a:latin typeface="+mn-lt"/>
+                    <a:ea typeface="+mn-ea"/>
+                    <a:cs typeface="+mn-cs"/>
+                  </a:defRPr>
+                </a:lvl8pPr>
+                <a:lvl9pPr marL="3886200" indent="-228600" algn="l" defTabSz="914400" rtl="0" eaLnBrk="1" latinLnBrk="0" hangingPunct="1">
+                  <a:lnSpc>
+                    <a:spcPct val="90000"/>
+                  </a:lnSpc>
+                  <a:spcBef>
+                    <a:spcPts val="500"/>
+                  </a:spcBef>
+                  <a:buFont typeface="Arial" panose="020B0604020202020204" pitchFamily="34" charset="0"/>
+                  <a:buChar char="•"/>
+                  <a:defRPr sz="1800" kern="1200">
+                    <a:solidFill>
+                      <a:schemeClr val="tx1"/>
+                    </a:solidFill>
+                    <a:latin typeface="+mn-lt"/>
+                    <a:ea typeface="+mn-ea"/>
+                    <a:cs typeface="+mn-cs"/>
+                  </a:defRPr>
+                </a:lvl9pPr>
+              </a:lstStyle>
+              <a:p>
+                <a:pPr marL="0" indent="0">
+                  <a:buNone/>
+                </a:pPr>
+                <a14:m>
+                  <m:oMathPara xmlns:m="http://schemas.openxmlformats.org/officeDocument/2006/math">
+                    <m:oMathParaPr>
+                      <m:jc m:val="left"/>
+                    </m:oMathParaPr>
+                    <m:oMath xmlns:m="http://schemas.openxmlformats.org/officeDocument/2006/math">
+                      <m:sSub>
+                        <m:sSubPr>
+                          <m:ctrlPr>
+                            <a:rPr lang="en-US" sz="2000" i="1" smtClean="0">
+                              <a:latin typeface="Cambria Math" panose="02040503050406030204" pitchFamily="18" charset="0"/>
+                            </a:rPr>
+                          </m:ctrlPr>
+                        </m:sSubPr>
+                        <m:e>
+                          <m:acc>
+                            <m:accPr>
+                              <m:chr m:val="̃"/>
+                              <m:ctrlPr>
+                                <a:rPr lang="en-US" sz="2000" i="1" smtClean="0">
+                                  <a:latin typeface="Cambria Math" panose="02040503050406030204" pitchFamily="18" charset="0"/>
+                                </a:rPr>
+                              </m:ctrlPr>
+                            </m:accPr>
+                            <m:e>
+                              <m:r>
+                                <a:rPr lang="en-US" sz="2000" i="1">
+                                  <a:latin typeface="Cambria Math" panose="02040503050406030204" pitchFamily="18" charset="0"/>
+                                </a:rPr>
+                                <m:t>𝐼</m:t>
+                              </m:r>
+                            </m:e>
+                          </m:acc>
+                        </m:e>
+                        <m:sub>
+                          <m:r>
+                            <a:rPr lang="en-US" sz="2000" i="1">
+                              <a:latin typeface="Cambria Math" panose="02040503050406030204" pitchFamily="18" charset="0"/>
+                            </a:rPr>
+                            <m:t>𝑓</m:t>
+                          </m:r>
+                        </m:sub>
+                      </m:sSub>
+                      <m:r>
+                        <a:rPr lang="en-US" sz="2000" i="1">
+                          <a:latin typeface="Cambria Math" panose="02040503050406030204" pitchFamily="18" charset="0"/>
+                        </a:rPr>
+                        <m:t>=</m:t>
+                      </m:r>
+                      <m:nary>
+                        <m:naryPr>
+                          <m:chr m:val="∑"/>
+                          <m:ctrlPr>
+                            <a:rPr lang="en-US" sz="2000" i="1">
+                              <a:latin typeface="Cambria Math" panose="02040503050406030204" pitchFamily="18" charset="0"/>
+                            </a:rPr>
+                          </m:ctrlPr>
+                        </m:naryPr>
+                        <m:sub>
+                          <m:r>
+                            <m:rPr>
+                              <m:brk m:alnAt="23"/>
+                            </m:rPr>
+                            <a:rPr lang="en-US" sz="2000" i="1">
+                              <a:latin typeface="Cambria Math" panose="02040503050406030204" pitchFamily="18" charset="0"/>
+                            </a:rPr>
+                            <m:t>𝑗</m:t>
+                          </m:r>
+                          <m:r>
+                            <a:rPr lang="en-US" sz="2000" i="1">
+                              <a:latin typeface="Cambria Math" panose="02040503050406030204" pitchFamily="18" charset="0"/>
+                            </a:rPr>
+                            <m:t>=0</m:t>
+                          </m:r>
+                        </m:sub>
+                        <m:sup>
+                          <m:sSub>
+                            <m:sSubPr>
+                              <m:ctrlPr>
+                                <a:rPr lang="en-US" sz="2000" i="1">
+                                  <a:latin typeface="Cambria Math" panose="02040503050406030204" pitchFamily="18" charset="0"/>
+                                </a:rPr>
+                              </m:ctrlPr>
+                            </m:sSubPr>
+                            <m:e>
+                              <m:r>
+                                <a:rPr lang="en-US" sz="2000" i="1">
+                                  <a:latin typeface="Cambria Math" panose="02040503050406030204" pitchFamily="18" charset="0"/>
+                                </a:rPr>
+                                <m:t>𝑂</m:t>
+                              </m:r>
+                            </m:e>
+                            <m:sub>
+                              <m:r>
+                                <a:rPr lang="en-US" sz="2000" i="1">
+                                  <a:latin typeface="Cambria Math" panose="02040503050406030204" pitchFamily="18" charset="0"/>
+                                </a:rPr>
+                                <m:t>𝑓</m:t>
+                              </m:r>
+                            </m:sub>
+                          </m:sSub>
+                        </m:sup>
+                        <m:e>
+                          <m:f>
+                            <m:fPr>
+                              <m:ctrlPr>
+                                <a:rPr lang="en-US" sz="2000" i="1">
+                                  <a:latin typeface="Cambria Math" panose="02040503050406030204" pitchFamily="18" charset="0"/>
+                                </a:rPr>
+                              </m:ctrlPr>
+                            </m:fPr>
+                            <m:num>
+                              <m:sSub>
+                                <m:sSubPr>
+                                  <m:ctrlPr>
+                                    <a:rPr lang="en-US" sz="2000" i="1">
+                                      <a:latin typeface="Cambria Math" panose="02040503050406030204" pitchFamily="18" charset="0"/>
+                                    </a:rPr>
+                                  </m:ctrlPr>
+                                </m:sSubPr>
+                                <m:e>
+                                  <m:r>
+                                    <a:rPr lang="en-US" sz="2000" i="1">
+                                      <a:latin typeface="Cambria Math" panose="02040503050406030204" pitchFamily="18" charset="0"/>
+                                    </a:rPr>
+                                    <m:t>𝑁</m:t>
+                                  </m:r>
+                                </m:e>
+                                <m:sub>
+                                  <m:sSub>
+                                    <m:sSubPr>
+                                      <m:ctrlPr>
+                                        <a:rPr lang="en-US" sz="2000" i="1">
+                                          <a:latin typeface="Cambria Math" panose="02040503050406030204" pitchFamily="18" charset="0"/>
+                                        </a:rPr>
+                                      </m:ctrlPr>
+                                    </m:sSubPr>
+                                    <m:e>
+                                      <m:r>
+                                        <a:rPr lang="en-US" sz="2000" i="1">
+                                          <a:latin typeface="Cambria Math" panose="02040503050406030204" pitchFamily="18" charset="0"/>
+                                        </a:rPr>
+                                        <m:t>𝑛</m:t>
+                                      </m:r>
+                                    </m:e>
+                                    <m:sub>
+                                      <m:r>
+                                        <a:rPr lang="en-US" sz="2000" i="1">
+                                          <a:latin typeface="Cambria Math" panose="02040503050406030204" pitchFamily="18" charset="0"/>
+                                        </a:rPr>
+                                        <m:t>𝑗</m:t>
+                                      </m:r>
+                                    </m:sub>
+                                  </m:sSub>
+                                </m:sub>
+                              </m:sSub>
+                            </m:num>
+                            <m:den>
+                              <m:r>
+                                <a:rPr lang="en-US" sz="2000" i="1">
+                                  <a:latin typeface="Cambria Math" panose="02040503050406030204" pitchFamily="18" charset="0"/>
+                                </a:rPr>
+                                <m:t>𝑇</m:t>
+                              </m:r>
+                            </m:den>
+                          </m:f>
+                          <m:r>
+                            <a:rPr lang="en-US" sz="2000" i="1">
+                              <a:latin typeface="Cambria Math" panose="02040503050406030204" pitchFamily="18" charset="0"/>
+                            </a:rPr>
+                            <m:t> </m:t>
+                          </m:r>
+                          <m:d>
+                            <m:dPr>
+                              <m:ctrlPr>
+                                <a:rPr lang="en-US" sz="2000" i="1">
+                                  <a:latin typeface="Cambria Math" panose="02040503050406030204" pitchFamily="18" charset="0"/>
+                                </a:rPr>
+                              </m:ctrlPr>
+                            </m:dPr>
+                            <m:e>
+                              <m:sSub>
+                                <m:sSubPr>
+                                  <m:ctrlPr>
+                                    <a:rPr lang="en-US" sz="2000" i="1">
+                                      <a:latin typeface="Cambria Math" panose="02040503050406030204" pitchFamily="18" charset="0"/>
+                                    </a:rPr>
+                                  </m:ctrlPr>
+                                </m:sSubPr>
+                                <m:e>
+                                  <m:r>
+                                    <a:rPr lang="en-US" sz="2000" i="1">
+                                      <a:latin typeface="Cambria Math" panose="02040503050406030204" pitchFamily="18" charset="0"/>
+                                    </a:rPr>
+                                    <m:t>𝐺</m:t>
+                                  </m:r>
+                                </m:e>
+                                <m:sub>
+                                  <m:sSub>
+                                    <m:sSubPr>
+                                      <m:ctrlPr>
+                                        <a:rPr lang="en-US" sz="2000" i="1">
+                                          <a:latin typeface="Cambria Math" panose="02040503050406030204" pitchFamily="18" charset="0"/>
+                                        </a:rPr>
+                                      </m:ctrlPr>
+                                    </m:sSubPr>
+                                    <m:e>
+                                      <m:r>
+                                        <a:rPr lang="en-US" sz="2000" i="1">
+                                          <a:latin typeface="Cambria Math" panose="02040503050406030204" pitchFamily="18" charset="0"/>
+                                        </a:rPr>
+                                        <m:t>𝑛</m:t>
+                                      </m:r>
+                                    </m:e>
+                                    <m:sub>
+                                      <m:r>
+                                        <a:rPr lang="en-US" sz="2000" i="1">
+                                          <a:latin typeface="Cambria Math" panose="02040503050406030204" pitchFamily="18" charset="0"/>
+                                        </a:rPr>
+                                        <m:t>𝑗</m:t>
+                                      </m:r>
+                                    </m:sub>
+                                  </m:sSub>
+                                </m:sub>
+                              </m:sSub>
+                              <m:r>
+                                <a:rPr lang="en-US" sz="2000" i="1">
+                                  <a:latin typeface="Cambria Math" panose="02040503050406030204" pitchFamily="18" charset="0"/>
+                                </a:rPr>
+                                <m:t> −</m:t>
+                              </m:r>
+                              <m:f>
+                                <m:fPr>
+                                  <m:ctrlPr>
+                                    <a:rPr lang="en-US" sz="2000" i="1">
+                                      <a:latin typeface="Cambria Math" panose="02040503050406030204" pitchFamily="18" charset="0"/>
+                                    </a:rPr>
+                                  </m:ctrlPr>
+                                </m:fPr>
+                                <m:num>
+                                  <m:sSub>
+                                    <m:sSubPr>
+                                      <m:ctrlPr>
+                                        <a:rPr lang="en-US" sz="2000" i="1">
+                                          <a:latin typeface="Cambria Math" panose="02040503050406030204" pitchFamily="18" charset="0"/>
+                                        </a:rPr>
+                                      </m:ctrlPr>
+                                    </m:sSubPr>
+                                    <m:e>
+                                      <m:r>
+                                        <a:rPr lang="en-US" sz="2000" i="1">
+                                          <a:latin typeface="Cambria Math" panose="02040503050406030204" pitchFamily="18" charset="0"/>
+                                        </a:rPr>
+                                        <m:t>𝑁</m:t>
+                                      </m:r>
+                                    </m:e>
+                                    <m:sub>
+                                      <m:r>
+                                        <a:rPr lang="en-US" sz="2000" i="1">
+                                          <a:latin typeface="Cambria Math" panose="02040503050406030204" pitchFamily="18" charset="0"/>
+                                        </a:rPr>
+                                        <m:t>𝐿</m:t>
+                                      </m:r>
+                                      <m:sSub>
+                                        <m:sSubPr>
+                                          <m:ctrlPr>
+                                            <a:rPr lang="en-US" sz="2000" i="1">
+                                              <a:latin typeface="Cambria Math" panose="02040503050406030204" pitchFamily="18" charset="0"/>
+                                            </a:rPr>
+                                          </m:ctrlPr>
+                                        </m:sSubPr>
+                                        <m:e>
+                                          <m:r>
+                                            <a:rPr lang="en-US" sz="2000" i="1">
+                                              <a:latin typeface="Cambria Math" panose="02040503050406030204" pitchFamily="18" charset="0"/>
+                                            </a:rPr>
+                                            <m:t>𝐶</m:t>
+                                          </m:r>
+                                        </m:e>
+                                        <m:sub>
+                                          <m:r>
+                                            <a:rPr lang="en-US" sz="2000" i="1">
+                                              <a:latin typeface="Cambria Math" panose="02040503050406030204" pitchFamily="18" charset="0"/>
+                                            </a:rPr>
+                                            <m:t>𝑗</m:t>
+                                          </m:r>
+                                        </m:sub>
+                                      </m:sSub>
+                                    </m:sub>
+                                  </m:sSub>
+                                </m:num>
+                                <m:den>
+                                  <m:sSub>
+                                    <m:sSubPr>
+                                      <m:ctrlPr>
+                                        <a:rPr lang="en-US" sz="2000" i="1">
+                                          <a:latin typeface="Cambria Math" panose="02040503050406030204" pitchFamily="18" charset="0"/>
+                                        </a:rPr>
+                                      </m:ctrlPr>
+                                    </m:sSubPr>
+                                    <m:e>
+                                      <m:r>
+                                        <a:rPr lang="en-US" sz="2000" i="1">
+                                          <a:latin typeface="Cambria Math" panose="02040503050406030204" pitchFamily="18" charset="0"/>
+                                        </a:rPr>
+                                        <m:t>𝑁</m:t>
+                                      </m:r>
+                                    </m:e>
+                                    <m:sub>
+                                      <m:sSub>
+                                        <m:sSubPr>
+                                          <m:ctrlPr>
+                                            <a:rPr lang="en-US" sz="2000" i="1">
+                                              <a:latin typeface="Cambria Math" panose="02040503050406030204" pitchFamily="18" charset="0"/>
+                                            </a:rPr>
+                                          </m:ctrlPr>
+                                        </m:sSubPr>
+                                        <m:e>
+                                          <m:r>
+                                            <a:rPr lang="en-US" sz="2000" i="1">
+                                              <a:latin typeface="Cambria Math" panose="02040503050406030204" pitchFamily="18" charset="0"/>
+                                            </a:rPr>
+                                            <m:t>𝑛</m:t>
+                                          </m:r>
+                                        </m:e>
+                                        <m:sub>
+                                          <m:r>
+                                            <a:rPr lang="en-US" sz="2000" i="1">
+                                              <a:latin typeface="Cambria Math" panose="02040503050406030204" pitchFamily="18" charset="0"/>
+                                            </a:rPr>
+                                            <m:t>𝑗</m:t>
+                                          </m:r>
+                                        </m:sub>
+                                      </m:sSub>
+                                    </m:sub>
+                                  </m:sSub>
+                                </m:den>
+                              </m:f>
+                              <m:sSub>
+                                <m:sSubPr>
+                                  <m:ctrlPr>
+                                    <a:rPr lang="en-US" sz="2000" i="1">
+                                      <a:latin typeface="Cambria Math" panose="02040503050406030204" pitchFamily="18" charset="0"/>
+                                    </a:rPr>
+                                  </m:ctrlPr>
+                                </m:sSubPr>
+                                <m:e>
+                                  <m:r>
+                                    <a:rPr lang="en-US" sz="2000" i="1">
+                                      <a:latin typeface="Cambria Math" panose="02040503050406030204" pitchFamily="18" charset="0"/>
+                                    </a:rPr>
+                                    <m:t>𝐺</m:t>
+                                  </m:r>
+                                </m:e>
+                                <m:sub>
+                                  <m:r>
+                                    <a:rPr lang="en-US" sz="2000" i="1">
+                                      <a:latin typeface="Cambria Math" panose="02040503050406030204" pitchFamily="18" charset="0"/>
+                                    </a:rPr>
+                                    <m:t>𝐿</m:t>
+                                  </m:r>
+                                  <m:sSub>
+                                    <m:sSubPr>
+                                      <m:ctrlPr>
+                                        <a:rPr lang="en-US" sz="2000" i="1">
+                                          <a:latin typeface="Cambria Math" panose="02040503050406030204" pitchFamily="18" charset="0"/>
+                                        </a:rPr>
+                                      </m:ctrlPr>
+                                    </m:sSubPr>
+                                    <m:e>
+                                      <m:r>
+                                        <a:rPr lang="en-US" sz="2000" i="1">
+                                          <a:latin typeface="Cambria Math" panose="02040503050406030204" pitchFamily="18" charset="0"/>
+                                        </a:rPr>
+                                        <m:t>𝐶</m:t>
+                                      </m:r>
+                                    </m:e>
+                                    <m:sub>
+                                      <m:r>
+                                        <a:rPr lang="en-US" sz="2000" i="1">
+                                          <a:latin typeface="Cambria Math" panose="02040503050406030204" pitchFamily="18" charset="0"/>
+                                        </a:rPr>
+                                        <m:t>𝑗</m:t>
+                                      </m:r>
+                                    </m:sub>
+                                  </m:sSub>
+                                </m:sub>
+                              </m:sSub>
+                              <m:r>
+                                <a:rPr lang="en-US" sz="2000" i="1">
+                                  <a:latin typeface="Cambria Math" panose="02040503050406030204" pitchFamily="18" charset="0"/>
+                                </a:rPr>
+                                <m:t> −</m:t>
+                              </m:r>
+                              <m:f>
+                                <m:fPr>
+                                  <m:ctrlPr>
+                                    <a:rPr lang="en-US" sz="2000" i="1">
+                                      <a:latin typeface="Cambria Math" panose="02040503050406030204" pitchFamily="18" charset="0"/>
+                                    </a:rPr>
+                                  </m:ctrlPr>
+                                </m:fPr>
+                                <m:num>
+                                  <m:sSub>
+                                    <m:sSubPr>
+                                      <m:ctrlPr>
+                                        <a:rPr lang="en-US" sz="2000" i="1">
+                                          <a:latin typeface="Cambria Math" panose="02040503050406030204" pitchFamily="18" charset="0"/>
+                                        </a:rPr>
+                                      </m:ctrlPr>
+                                    </m:sSubPr>
+                                    <m:e>
+                                      <m:r>
+                                        <a:rPr lang="en-US" sz="2000" i="1">
+                                          <a:latin typeface="Cambria Math" panose="02040503050406030204" pitchFamily="18" charset="0"/>
+                                        </a:rPr>
+                                        <m:t>𝑁</m:t>
+                                      </m:r>
+                                    </m:e>
+                                    <m:sub>
+                                      <m:r>
+                                        <a:rPr lang="en-US" sz="2000" i="1">
+                                          <a:latin typeface="Cambria Math" panose="02040503050406030204" pitchFamily="18" charset="0"/>
+                                        </a:rPr>
+                                        <m:t>𝑅</m:t>
+                                      </m:r>
+                                      <m:sSub>
+                                        <m:sSubPr>
+                                          <m:ctrlPr>
+                                            <a:rPr lang="en-US" sz="2000" i="1">
+                                              <a:latin typeface="Cambria Math" panose="02040503050406030204" pitchFamily="18" charset="0"/>
+                                            </a:rPr>
+                                          </m:ctrlPr>
+                                        </m:sSubPr>
+                                        <m:e>
+                                          <m:r>
+                                            <a:rPr lang="en-US" sz="2000" i="1">
+                                              <a:latin typeface="Cambria Math" panose="02040503050406030204" pitchFamily="18" charset="0"/>
+                                            </a:rPr>
+                                            <m:t>𝐶</m:t>
+                                          </m:r>
+                                        </m:e>
+                                        <m:sub>
+                                          <m:r>
+                                            <a:rPr lang="en-US" sz="2000" i="1">
+                                              <a:latin typeface="Cambria Math" panose="02040503050406030204" pitchFamily="18" charset="0"/>
+                                            </a:rPr>
+                                            <m:t>𝑗</m:t>
+                                          </m:r>
+                                        </m:sub>
+                                      </m:sSub>
+                                    </m:sub>
+                                  </m:sSub>
+                                </m:num>
+                                <m:den>
+                                  <m:sSub>
+                                    <m:sSubPr>
+                                      <m:ctrlPr>
+                                        <a:rPr lang="en-US" sz="2000" i="1">
+                                          <a:latin typeface="Cambria Math" panose="02040503050406030204" pitchFamily="18" charset="0"/>
+                                        </a:rPr>
+                                      </m:ctrlPr>
+                                    </m:sSubPr>
+                                    <m:e>
+                                      <m:r>
+                                        <a:rPr lang="en-US" sz="2000" i="1">
+                                          <a:latin typeface="Cambria Math" panose="02040503050406030204" pitchFamily="18" charset="0"/>
+                                        </a:rPr>
+                                        <m:t>𝑁</m:t>
+                                      </m:r>
+                                    </m:e>
+                                    <m:sub>
+                                      <m:sSub>
+                                        <m:sSubPr>
+                                          <m:ctrlPr>
+                                            <a:rPr lang="en-US" sz="2000" i="1">
+                                              <a:latin typeface="Cambria Math" panose="02040503050406030204" pitchFamily="18" charset="0"/>
+                                            </a:rPr>
+                                          </m:ctrlPr>
+                                        </m:sSubPr>
+                                        <m:e>
+                                          <m:r>
+                                            <a:rPr lang="en-US" sz="2000" i="1">
+                                              <a:latin typeface="Cambria Math" panose="02040503050406030204" pitchFamily="18" charset="0"/>
+                                            </a:rPr>
+                                            <m:t>𝑛</m:t>
+                                          </m:r>
+                                        </m:e>
+                                        <m:sub>
+                                          <m:r>
+                                            <a:rPr lang="en-US" sz="2000" i="1">
+                                              <a:latin typeface="Cambria Math" panose="02040503050406030204" pitchFamily="18" charset="0"/>
+                                            </a:rPr>
+                                            <m:t>𝑗</m:t>
+                                          </m:r>
+                                        </m:sub>
+                                      </m:sSub>
+                                    </m:sub>
+                                  </m:sSub>
+                                </m:den>
+                              </m:f>
+                              <m:sSub>
+                                <m:sSubPr>
+                                  <m:ctrlPr>
+                                    <a:rPr lang="en-US" sz="2000" i="1">
+                                      <a:latin typeface="Cambria Math" panose="02040503050406030204" pitchFamily="18" charset="0"/>
+                                    </a:rPr>
+                                  </m:ctrlPr>
+                                </m:sSubPr>
+                                <m:e>
+                                  <m:r>
+                                    <a:rPr lang="en-US" sz="2000" i="1">
+                                      <a:latin typeface="Cambria Math" panose="02040503050406030204" pitchFamily="18" charset="0"/>
+                                    </a:rPr>
+                                    <m:t>𝐺</m:t>
+                                  </m:r>
+                                </m:e>
+                                <m:sub>
+                                  <m:r>
+                                    <a:rPr lang="en-US" sz="2000" i="1">
+                                      <a:latin typeface="Cambria Math" panose="02040503050406030204" pitchFamily="18" charset="0"/>
+                                    </a:rPr>
+                                    <m:t>𝑅</m:t>
+                                  </m:r>
+                                  <m:sSub>
+                                    <m:sSubPr>
+                                      <m:ctrlPr>
+                                        <a:rPr lang="en-US" sz="2000" i="1">
+                                          <a:latin typeface="Cambria Math" panose="02040503050406030204" pitchFamily="18" charset="0"/>
+                                        </a:rPr>
+                                      </m:ctrlPr>
+                                    </m:sSubPr>
+                                    <m:e>
+                                      <m:r>
+                                        <a:rPr lang="en-US" sz="2000" i="1">
+                                          <a:latin typeface="Cambria Math" panose="02040503050406030204" pitchFamily="18" charset="0"/>
+                                        </a:rPr>
+                                        <m:t>𝐶</m:t>
+                                      </m:r>
+                                    </m:e>
+                                    <m:sub>
+                                      <m:r>
+                                        <a:rPr lang="en-US" sz="2000" i="1">
+                                          <a:latin typeface="Cambria Math" panose="02040503050406030204" pitchFamily="18" charset="0"/>
+                                        </a:rPr>
+                                        <m:t>𝑗</m:t>
+                                      </m:r>
+                                    </m:sub>
+                                  </m:sSub>
+                                </m:sub>
+                              </m:sSub>
+                            </m:e>
+                          </m:d>
+                        </m:e>
+                      </m:nary>
+                    </m:oMath>
+                  </m:oMathPara>
+                </a14:m>
+                <a:endParaRPr lang="en-US" sz="2000" b="0" dirty="0"/>
+              </a:p>
+              <a:p>
+                <a:pPr marL="0" indent="0">
+                  <a:buNone/>
+                </a:pPr>
+                <a:r>
+                  <a:rPr lang="en-US" sz="2000" b="0" dirty="0"/>
+                  <a:t>------------------------------------------------------------</a:t>
+                </a:r>
+              </a:p>
+              <a:p>
+                <a:pPr marL="0" indent="0">
+                  <a:buNone/>
+                </a:pPr>
+                <a14:m>
+                  <m:oMathPara xmlns:m="http://schemas.openxmlformats.org/officeDocument/2006/math">
+                    <m:oMathParaPr>
+                      <m:jc m:val="left"/>
+                    </m:oMathParaPr>
+                    <m:oMath xmlns:m="http://schemas.openxmlformats.org/officeDocument/2006/math">
+                      <m:sSub>
+                        <m:sSubPr>
+                          <m:ctrlPr>
+                            <a:rPr lang="en-US" sz="2000" b="0" i="1" smtClean="0">
+                              <a:latin typeface="Cambria Math" panose="02040503050406030204" pitchFamily="18" charset="0"/>
+                            </a:rPr>
+                          </m:ctrlPr>
+                        </m:sSubPr>
+                        <m:e>
+                          <m:acc>
+                            <m:accPr>
+                              <m:chr m:val="̃"/>
+                              <m:ctrlPr>
+                                <a:rPr lang="en-US" sz="2000" i="1">
+                                  <a:latin typeface="Cambria Math" panose="02040503050406030204" pitchFamily="18" charset="0"/>
+                                </a:rPr>
+                              </m:ctrlPr>
+                            </m:accPr>
+                            <m:e>
+                              <m:r>
+                                <a:rPr lang="en-US" sz="2000" i="1">
+                                  <a:latin typeface="Cambria Math" panose="02040503050406030204" pitchFamily="18" charset="0"/>
+                                </a:rPr>
+                                <m:t>𝐼</m:t>
+                              </m:r>
+                            </m:e>
+                          </m:acc>
+                        </m:e>
+                        <m:sub>
+                          <m:r>
+                            <a:rPr lang="en-US" sz="2000" b="0" i="1" smtClean="0">
+                              <a:latin typeface="Cambria Math" panose="02040503050406030204" pitchFamily="18" charset="0"/>
+                            </a:rPr>
+                            <m:t>𝑋</m:t>
+                          </m:r>
+                          <m:r>
+                            <a:rPr lang="en-US" sz="2000" b="0" i="1" smtClean="0">
+                              <a:latin typeface="Cambria Math" panose="02040503050406030204" pitchFamily="18" charset="0"/>
+                            </a:rPr>
+                            <m:t>[0]</m:t>
+                          </m:r>
+                        </m:sub>
+                      </m:sSub>
+                      <m:r>
+                        <a:rPr lang="en-US" sz="2000" b="0" i="1" smtClean="0">
+                          <a:latin typeface="Cambria Math" panose="02040503050406030204" pitchFamily="18" charset="0"/>
+                        </a:rPr>
+                        <m:t>=</m:t>
+                      </m:r>
+                      <m:f>
+                        <m:fPr>
+                          <m:ctrlPr>
+                            <a:rPr lang="en-US" sz="2000" b="0" i="1" smtClean="0">
+                              <a:latin typeface="Cambria Math" panose="02040503050406030204" pitchFamily="18" charset="0"/>
+                            </a:rPr>
+                          </m:ctrlPr>
+                        </m:fPr>
+                        <m:num>
+                          <m:r>
+                            <a:rPr lang="en-US" sz="2000" b="0" i="1" smtClean="0">
+                              <a:latin typeface="Cambria Math" panose="02040503050406030204" pitchFamily="18" charset="0"/>
+                            </a:rPr>
+                            <m:t>2</m:t>
+                          </m:r>
+                        </m:num>
+                        <m:den>
+                          <m:r>
+                            <a:rPr lang="en-US" sz="2000" b="0" i="1" smtClean="0">
+                              <a:latin typeface="Cambria Math" panose="02040503050406030204" pitchFamily="18" charset="0"/>
+                            </a:rPr>
+                            <m:t>4</m:t>
+                          </m:r>
+                        </m:den>
+                      </m:f>
+                      <m:d>
+                        <m:dPr>
+                          <m:ctrlPr>
+                            <a:rPr lang="en-US" sz="2000" b="0" i="1" smtClean="0">
+                              <a:latin typeface="Cambria Math" panose="02040503050406030204" pitchFamily="18" charset="0"/>
+                            </a:rPr>
+                          </m:ctrlPr>
+                        </m:dPr>
+                        <m:e>
+                          <m:r>
+                            <a:rPr lang="en-US" sz="2000" b="0" i="1" smtClean="0">
+                              <a:latin typeface="Cambria Math" panose="02040503050406030204" pitchFamily="18" charset="0"/>
+                            </a:rPr>
+                            <m:t>0.5 −0 −0</m:t>
+                          </m:r>
+                        </m:e>
+                      </m:d>
+                      <m:r>
+                        <a:rPr lang="en-US" sz="2000" b="0" i="1" smtClean="0">
+                          <a:latin typeface="Cambria Math" panose="02040503050406030204" pitchFamily="18" charset="0"/>
+                        </a:rPr>
+                        <m:t>=0.25</m:t>
+                      </m:r>
+                    </m:oMath>
+                  </m:oMathPara>
+                </a14:m>
+                <a:endParaRPr lang="en-US" sz="2000" dirty="0"/>
+              </a:p>
+              <a:p>
+                <a:pPr marL="0" indent="0">
+                  <a:buNone/>
+                </a:pPr>
+                <a:endParaRPr lang="en-US" sz="800" dirty="0"/>
+              </a:p>
+              <a:p>
+                <a:pPr marL="0" indent="0">
+                  <a:buNone/>
+                </a:pPr>
+                <a14:m>
+                  <m:oMathPara xmlns:m="http://schemas.openxmlformats.org/officeDocument/2006/math">
+                    <m:oMathParaPr>
+                      <m:jc m:val="left"/>
+                    </m:oMathParaPr>
+                    <m:oMath xmlns:m="http://schemas.openxmlformats.org/officeDocument/2006/math">
+                      <m:sSub>
+                        <m:sSubPr>
+                          <m:ctrlPr>
+                            <a:rPr lang="en-US" sz="2000" b="0" i="1" smtClean="0">
+                              <a:latin typeface="Cambria Math" panose="02040503050406030204" pitchFamily="18" charset="0"/>
+                            </a:rPr>
+                          </m:ctrlPr>
+                        </m:sSubPr>
+                        <m:e>
+                          <m:acc>
+                            <m:accPr>
+                              <m:chr m:val="̃"/>
+                              <m:ctrlPr>
+                                <a:rPr lang="en-US" sz="2000" i="1">
+                                  <a:latin typeface="Cambria Math" panose="02040503050406030204" pitchFamily="18" charset="0"/>
+                                </a:rPr>
+                              </m:ctrlPr>
+                            </m:accPr>
+                            <m:e>
+                              <m:r>
+                                <a:rPr lang="en-US" sz="2000" i="1">
+                                  <a:latin typeface="Cambria Math" panose="02040503050406030204" pitchFamily="18" charset="0"/>
+                                </a:rPr>
+                                <m:t>𝐼</m:t>
+                              </m:r>
+                            </m:e>
+                          </m:acc>
+                        </m:e>
+                        <m:sub>
+                          <m:r>
+                            <a:rPr lang="en-US" sz="2000" b="0" i="1" smtClean="0">
+                              <a:latin typeface="Cambria Math" panose="02040503050406030204" pitchFamily="18" charset="0"/>
+                            </a:rPr>
+                            <m:t>𝑋</m:t>
+                          </m:r>
+                          <m:d>
+                            <m:dPr>
+                              <m:begChr m:val="["/>
+                              <m:endChr m:val="]"/>
+                              <m:ctrlPr>
+                                <a:rPr lang="en-US" sz="2000" b="0" i="1" smtClean="0">
+                                  <a:latin typeface="Cambria Math" panose="02040503050406030204" pitchFamily="18" charset="0"/>
+                                </a:rPr>
+                              </m:ctrlPr>
+                            </m:dPr>
+                            <m:e>
+                              <m:r>
+                                <a:rPr lang="en-US" sz="2000" b="0" i="1" smtClean="0">
+                                  <a:latin typeface="Cambria Math" panose="02040503050406030204" pitchFamily="18" charset="0"/>
+                                </a:rPr>
+                                <m:t>1</m:t>
+                              </m:r>
+                            </m:e>
+                          </m:d>
+                        </m:sub>
+                      </m:sSub>
+                      <m:r>
+                        <a:rPr lang="en-US" sz="2000" b="0" i="1" smtClean="0">
+                          <a:latin typeface="Cambria Math" panose="02040503050406030204" pitchFamily="18" charset="0"/>
+                        </a:rPr>
+                        <m:t>=</m:t>
+                      </m:r>
+                      <m:f>
+                        <m:fPr>
+                          <m:ctrlPr>
+                            <a:rPr lang="en-US" sz="2000" b="0" i="1" smtClean="0">
+                              <a:latin typeface="Cambria Math" panose="02040503050406030204" pitchFamily="18" charset="0"/>
+                            </a:rPr>
+                          </m:ctrlPr>
+                        </m:fPr>
+                        <m:num>
+                          <m:r>
+                            <a:rPr lang="en-US" sz="2000" b="0" i="1" smtClean="0">
+                              <a:latin typeface="Cambria Math" panose="02040503050406030204" pitchFamily="18" charset="0"/>
+                            </a:rPr>
+                            <m:t>3</m:t>
+                          </m:r>
+                        </m:num>
+                        <m:den>
+                          <m:r>
+                            <a:rPr lang="en-US" sz="2000" b="0" i="1" smtClean="0">
+                              <a:latin typeface="Cambria Math" panose="02040503050406030204" pitchFamily="18" charset="0"/>
+                            </a:rPr>
+                            <m:t>4</m:t>
+                          </m:r>
+                        </m:den>
+                      </m:f>
+                      <m:d>
+                        <m:dPr>
+                          <m:ctrlPr>
+                            <a:rPr lang="en-US" sz="2000" b="0" i="1" smtClean="0">
+                              <a:latin typeface="Cambria Math" panose="02040503050406030204" pitchFamily="18" charset="0"/>
+                            </a:rPr>
+                          </m:ctrlPr>
+                        </m:dPr>
+                        <m:e>
+                          <m:r>
+                            <a:rPr lang="en-US" sz="2000" b="0" i="1" smtClean="0">
+                              <a:latin typeface="Cambria Math" panose="02040503050406030204" pitchFamily="18" charset="0"/>
+                            </a:rPr>
+                            <m:t>0.444−</m:t>
+                          </m:r>
+                          <m:d>
+                            <m:dPr>
+                              <m:ctrlPr>
+                                <a:rPr lang="en-US" sz="2000" b="0" i="1" smtClean="0">
+                                  <a:latin typeface="Cambria Math" panose="02040503050406030204" pitchFamily="18" charset="0"/>
+                                </a:rPr>
+                              </m:ctrlPr>
+                            </m:dPr>
+                            <m:e>
+                              <m:f>
+                                <m:fPr>
+                                  <m:ctrlPr>
+                                    <a:rPr lang="en-US" sz="2000" b="0" i="1" smtClean="0">
+                                      <a:latin typeface="Cambria Math" panose="02040503050406030204" pitchFamily="18" charset="0"/>
+                                    </a:rPr>
+                                  </m:ctrlPr>
+                                </m:fPr>
+                                <m:num>
+                                  <m:r>
+                                    <a:rPr lang="en-US" sz="2000" b="0" i="1" smtClean="0">
+                                      <a:latin typeface="Cambria Math" panose="02040503050406030204" pitchFamily="18" charset="0"/>
+                                    </a:rPr>
+                                    <m:t>2</m:t>
+                                  </m:r>
+                                </m:num>
+                                <m:den>
+                                  <m:r>
+                                    <a:rPr lang="en-US" sz="2000" b="0" i="1" smtClean="0">
+                                      <a:latin typeface="Cambria Math" panose="02040503050406030204" pitchFamily="18" charset="0"/>
+                                    </a:rPr>
+                                    <m:t>3</m:t>
+                                  </m:r>
+                                </m:den>
+                              </m:f>
+                            </m:e>
+                          </m:d>
+                          <m:r>
+                            <a:rPr lang="en-US" sz="2000" b="0" i="1" smtClean="0">
+                              <a:latin typeface="Cambria Math" panose="02040503050406030204" pitchFamily="18" charset="0"/>
+                            </a:rPr>
+                            <m:t>0.5 −0</m:t>
+                          </m:r>
+                        </m:e>
+                      </m:d>
+                      <m:r>
+                        <a:rPr lang="en-US" sz="2000" b="0" i="1" smtClean="0">
+                          <a:latin typeface="Cambria Math" panose="02040503050406030204" pitchFamily="18" charset="0"/>
+                        </a:rPr>
+                        <m:t>=0.083</m:t>
+                      </m:r>
+                    </m:oMath>
+                  </m:oMathPara>
+                </a14:m>
+                <a:endParaRPr lang="en-US" sz="2000" dirty="0"/>
+              </a:p>
+              <a:p>
+                <a:pPr marL="0" indent="0">
+                  <a:buNone/>
+                </a:pPr>
+                <a:endParaRPr lang="en-US" sz="800" dirty="0"/>
+              </a:p>
+              <a:p>
+                <a:pPr marL="0" indent="0">
+                  <a:buNone/>
+                </a:pPr>
+                <a14:m>
+                  <m:oMathPara xmlns:m="http://schemas.openxmlformats.org/officeDocument/2006/math">
+                    <m:oMathParaPr>
+                      <m:jc m:val="left"/>
+                    </m:oMathParaPr>
+                    <m:oMath xmlns:m="http://schemas.openxmlformats.org/officeDocument/2006/math">
+                      <m:sSub>
+                        <m:sSubPr>
+                          <m:ctrlPr>
+                            <a:rPr lang="en-US" sz="2000" b="0" i="1" smtClean="0">
+                              <a:latin typeface="Cambria Math" panose="02040503050406030204" pitchFamily="18" charset="0"/>
+                            </a:rPr>
+                          </m:ctrlPr>
+                        </m:sSubPr>
+                        <m:e>
+                          <m:acc>
+                            <m:accPr>
+                              <m:chr m:val="̃"/>
+                              <m:ctrlPr>
+                                <a:rPr lang="en-US" sz="2000" i="1">
+                                  <a:latin typeface="Cambria Math" panose="02040503050406030204" pitchFamily="18" charset="0"/>
+                                </a:rPr>
+                              </m:ctrlPr>
+                            </m:accPr>
+                            <m:e>
+                              <m:r>
+                                <a:rPr lang="en-US" sz="2000" i="1">
+                                  <a:latin typeface="Cambria Math" panose="02040503050406030204" pitchFamily="18" charset="0"/>
+                                </a:rPr>
+                                <m:t>𝐼</m:t>
+                              </m:r>
+                            </m:e>
+                          </m:acc>
+                        </m:e>
+                        <m:sub>
+                          <m:r>
+                            <a:rPr lang="en-US" sz="2000" b="0" i="1" smtClean="0">
+                              <a:latin typeface="Cambria Math" panose="02040503050406030204" pitchFamily="18" charset="0"/>
+                            </a:rPr>
+                            <m:t>𝑋</m:t>
+                          </m:r>
+                          <m:d>
+                            <m:dPr>
+                              <m:begChr m:val="["/>
+                              <m:endChr m:val="]"/>
+                              <m:ctrlPr>
+                                <a:rPr lang="en-US" sz="2000" b="0" i="1" smtClean="0">
+                                  <a:latin typeface="Cambria Math" panose="02040503050406030204" pitchFamily="18" charset="0"/>
+                                </a:rPr>
+                              </m:ctrlPr>
+                            </m:dPr>
+                            <m:e>
+                              <m:r>
+                                <a:rPr lang="en-US" sz="2000" b="0" i="1" smtClean="0">
+                                  <a:latin typeface="Cambria Math" panose="02040503050406030204" pitchFamily="18" charset="0"/>
+                                </a:rPr>
+                                <m:t>2</m:t>
+                              </m:r>
+                            </m:e>
+                          </m:d>
+                        </m:sub>
+                      </m:sSub>
+                      <m:r>
+                        <a:rPr lang="en-US" sz="2000" b="0" i="1" smtClean="0">
+                          <a:latin typeface="Cambria Math" panose="02040503050406030204" pitchFamily="18" charset="0"/>
+                        </a:rPr>
+                        <m:t>=</m:t>
+                      </m:r>
+                      <m:f>
+                        <m:fPr>
+                          <m:ctrlPr>
+                            <a:rPr lang="en-US" sz="2000" b="0" i="1" smtClean="0">
+                              <a:latin typeface="Cambria Math" panose="02040503050406030204" pitchFamily="18" charset="0"/>
+                            </a:rPr>
+                          </m:ctrlPr>
+                        </m:fPr>
+                        <m:num>
+                          <m:r>
+                            <a:rPr lang="en-US" sz="2000" b="0" i="1" smtClean="0">
+                              <a:latin typeface="Cambria Math" panose="02040503050406030204" pitchFamily="18" charset="0"/>
+                            </a:rPr>
+                            <m:t>4</m:t>
+                          </m:r>
+                        </m:num>
+                        <m:den>
+                          <m:r>
+                            <a:rPr lang="en-US" sz="2000" b="0" i="1" smtClean="0">
+                              <a:latin typeface="Cambria Math" panose="02040503050406030204" pitchFamily="18" charset="0"/>
+                            </a:rPr>
+                            <m:t>4</m:t>
+                          </m:r>
+                        </m:den>
+                      </m:f>
+                      <m:d>
+                        <m:dPr>
+                          <m:ctrlPr>
+                            <a:rPr lang="en-US" sz="2000" b="0" i="1" smtClean="0">
+                              <a:latin typeface="Cambria Math" panose="02040503050406030204" pitchFamily="18" charset="0"/>
+                            </a:rPr>
+                          </m:ctrlPr>
+                        </m:dPr>
+                        <m:e>
+                          <m:r>
+                            <a:rPr lang="en-US" sz="2000" b="0" i="1" smtClean="0">
+                              <a:latin typeface="Cambria Math" panose="02040503050406030204" pitchFamily="18" charset="0"/>
+                            </a:rPr>
+                            <m:t>0.375 −</m:t>
+                          </m:r>
+                          <m:d>
+                            <m:dPr>
+                              <m:ctrlPr>
+                                <a:rPr lang="en-US" sz="2000" b="0" i="1" smtClean="0">
+                                  <a:latin typeface="Cambria Math" panose="02040503050406030204" pitchFamily="18" charset="0"/>
+                                </a:rPr>
+                              </m:ctrlPr>
+                            </m:dPr>
+                            <m:e>
+                              <m:f>
+                                <m:fPr>
+                                  <m:ctrlPr>
+                                    <a:rPr lang="en-US" sz="2000" b="0" i="1" smtClean="0">
+                                      <a:latin typeface="Cambria Math" panose="02040503050406030204" pitchFamily="18" charset="0"/>
+                                    </a:rPr>
+                                  </m:ctrlPr>
+                                </m:fPr>
+                                <m:num>
+                                  <m:r>
+                                    <a:rPr lang="en-US" sz="2000" b="0" i="1" smtClean="0">
+                                      <a:latin typeface="Cambria Math" panose="02040503050406030204" pitchFamily="18" charset="0"/>
+                                    </a:rPr>
+                                    <m:t>3</m:t>
+                                  </m:r>
+                                </m:num>
+                                <m:den>
+                                  <m:r>
+                                    <a:rPr lang="en-US" sz="2000" b="0" i="1" smtClean="0">
+                                      <a:latin typeface="Cambria Math" panose="02040503050406030204" pitchFamily="18" charset="0"/>
+                                    </a:rPr>
+                                    <m:t>4</m:t>
+                                  </m:r>
+                                </m:den>
+                              </m:f>
+                            </m:e>
+                          </m:d>
+                          <m:r>
+                            <a:rPr lang="en-US" sz="2000" b="0" i="1" smtClean="0">
+                              <a:latin typeface="Cambria Math" panose="02040503050406030204" pitchFamily="18" charset="0"/>
+                            </a:rPr>
+                            <m:t>0.444 −0</m:t>
+                          </m:r>
+                        </m:e>
+                      </m:d>
+                      <m:r>
+                        <a:rPr lang="en-US" sz="2000" b="0" i="1" smtClean="0">
+                          <a:latin typeface="Cambria Math" panose="02040503050406030204" pitchFamily="18" charset="0"/>
+                        </a:rPr>
+                        <m:t>=0.042</m:t>
+                      </m:r>
+                    </m:oMath>
+                  </m:oMathPara>
+                </a14:m>
+                <a:endParaRPr lang="en-US" sz="2000" dirty="0"/>
+              </a:p>
+              <a:p>
+                <a:pPr marL="0" indent="0">
+                  <a:buNone/>
+                </a:pPr>
+                <a:r>
+                  <a:rPr lang="en-US" sz="2000" dirty="0"/>
+                  <a:t>------------------------------------------------------------</a:t>
+                </a:r>
+              </a:p>
+              <a:p>
+                <a:pPr marL="0" indent="0">
+                  <a:buNone/>
+                </a:pPr>
+                <a14:m>
+                  <m:oMathPara xmlns:m="http://schemas.openxmlformats.org/officeDocument/2006/math">
+                    <m:oMathParaPr>
+                      <m:jc m:val="left"/>
+                    </m:oMathParaPr>
+                    <m:oMath xmlns:m="http://schemas.openxmlformats.org/officeDocument/2006/math">
+                      <m:sSub>
+                        <m:sSubPr>
+                          <m:ctrlPr>
+                            <a:rPr lang="en-US" sz="2000" b="1" i="1">
+                              <a:latin typeface="Cambria Math" panose="02040503050406030204" pitchFamily="18" charset="0"/>
+                            </a:rPr>
+                          </m:ctrlPr>
+                        </m:sSubPr>
+                        <m:e>
+                          <m:r>
+                            <a:rPr lang="en-US" sz="2000" b="1" i="1" smtClean="0">
+                              <a:latin typeface="Cambria Math" panose="02040503050406030204" pitchFamily="18" charset="0"/>
+                            </a:rPr>
+                            <m:t>𝑰</m:t>
+                          </m:r>
+                        </m:e>
+                        <m:sub>
+                          <m:r>
+                            <a:rPr lang="en-US" sz="2000" b="1" i="1">
+                              <a:latin typeface="Cambria Math" panose="02040503050406030204" pitchFamily="18" charset="0"/>
+                            </a:rPr>
+                            <m:t>𝑿</m:t>
+                          </m:r>
+                          <m:r>
+                            <a:rPr lang="en-US" sz="2000" b="1" i="1">
+                              <a:latin typeface="Cambria Math" panose="02040503050406030204" pitchFamily="18" charset="0"/>
+                            </a:rPr>
+                            <m:t>[</m:t>
+                          </m:r>
+                          <m:r>
+                            <a:rPr lang="en-US" sz="2000" b="1" i="1">
+                              <a:latin typeface="Cambria Math" panose="02040503050406030204" pitchFamily="18" charset="0"/>
+                            </a:rPr>
+                            <m:t>𝟎</m:t>
+                          </m:r>
+                          <m:r>
+                            <a:rPr lang="en-US" sz="2000" b="1" i="1">
+                              <a:latin typeface="Cambria Math" panose="02040503050406030204" pitchFamily="18" charset="0"/>
+                            </a:rPr>
+                            <m:t>]</m:t>
+                          </m:r>
+                        </m:sub>
+                      </m:sSub>
+                      <m:r>
+                        <a:rPr lang="en-US" sz="2000" b="1" i="1" smtClean="0">
+                          <a:latin typeface="Cambria Math" panose="02040503050406030204" pitchFamily="18" charset="0"/>
+                        </a:rPr>
+                        <m:t>=</m:t>
+                      </m:r>
+                      <m:f>
+                        <m:fPr>
+                          <m:ctrlPr>
+                            <a:rPr lang="en-US" sz="2000" i="1" smtClean="0">
+                              <a:latin typeface="Cambria Math" panose="02040503050406030204" pitchFamily="18" charset="0"/>
+                            </a:rPr>
+                          </m:ctrlPr>
+                        </m:fPr>
+                        <m:num>
+                          <m:r>
+                            <a:rPr lang="en-US" sz="2000" b="0" i="1" smtClean="0">
+                              <a:latin typeface="Cambria Math" panose="02040503050406030204" pitchFamily="18" charset="0"/>
+                            </a:rPr>
+                            <m:t>0.25</m:t>
+                          </m:r>
+                        </m:num>
+                        <m:den>
+                          <m:r>
+                            <a:rPr lang="en-US" sz="2000" b="0" i="1" smtClean="0">
+                              <a:latin typeface="Cambria Math" panose="02040503050406030204" pitchFamily="18" charset="0"/>
+                            </a:rPr>
+                            <m:t>0.25+0.083+0.042</m:t>
+                          </m:r>
+                        </m:den>
+                      </m:f>
+                      <m:r>
+                        <a:rPr lang="en-US" sz="2000" b="1" i="1" smtClean="0">
+                          <a:latin typeface="Cambria Math" panose="02040503050406030204" pitchFamily="18" charset="0"/>
+                        </a:rPr>
+                        <m:t>=</m:t>
+                      </m:r>
+                      <m:r>
+                        <a:rPr lang="en-US" sz="2000" b="1" i="1" smtClean="0">
+                          <a:latin typeface="Cambria Math" panose="02040503050406030204" pitchFamily="18" charset="0"/>
+                        </a:rPr>
+                        <m:t>𝟎</m:t>
+                      </m:r>
+                      <m:r>
+                        <a:rPr lang="en-US" sz="2000" b="1" i="1" smtClean="0">
+                          <a:latin typeface="Cambria Math" panose="02040503050406030204" pitchFamily="18" charset="0"/>
+                        </a:rPr>
+                        <m:t>.</m:t>
+                      </m:r>
+                      <m:r>
+                        <a:rPr lang="en-US" sz="2000" b="1" i="1" smtClean="0">
+                          <a:latin typeface="Cambria Math" panose="02040503050406030204" pitchFamily="18" charset="0"/>
+                        </a:rPr>
+                        <m:t>𝟔𝟕</m:t>
+                      </m:r>
+                    </m:oMath>
+                  </m:oMathPara>
+                </a14:m>
+                <a:endParaRPr lang="en-US" sz="2000" b="1" dirty="0"/>
+              </a:p>
+              <a:p>
+                <a:pPr marL="0" indent="0">
+                  <a:buNone/>
+                </a:pPr>
+                <a:endParaRPr lang="en-US" sz="900" b="1" dirty="0"/>
+              </a:p>
+              <a:p>
+                <a:pPr marL="0" indent="0">
+                  <a:buNone/>
+                </a:pPr>
+                <a14:m>
+                  <m:oMathPara xmlns:m="http://schemas.openxmlformats.org/officeDocument/2006/math">
+                    <m:oMathParaPr>
+                      <m:jc m:val="left"/>
+                    </m:oMathParaPr>
+                    <m:oMath xmlns:m="http://schemas.openxmlformats.org/officeDocument/2006/math">
+                      <m:sSub>
+                        <m:sSubPr>
+                          <m:ctrlPr>
+                            <a:rPr lang="en-US" sz="2000" b="1" i="1">
+                              <a:latin typeface="Cambria Math" panose="02040503050406030204" pitchFamily="18" charset="0"/>
+                            </a:rPr>
+                          </m:ctrlPr>
+                        </m:sSubPr>
+                        <m:e>
+                          <m:r>
+                            <a:rPr lang="en-US" sz="2000" b="1" i="1">
+                              <a:latin typeface="Cambria Math" panose="02040503050406030204" pitchFamily="18" charset="0"/>
+                            </a:rPr>
+                            <m:t>𝑰</m:t>
+                          </m:r>
+                        </m:e>
+                        <m:sub>
+                          <m:r>
+                            <a:rPr lang="en-US" sz="2000" b="1" i="1">
+                              <a:latin typeface="Cambria Math" panose="02040503050406030204" pitchFamily="18" charset="0"/>
+                            </a:rPr>
+                            <m:t>𝑿</m:t>
+                          </m:r>
+                          <m:r>
+                            <a:rPr lang="en-US" sz="2000" b="1" i="1">
+                              <a:latin typeface="Cambria Math" panose="02040503050406030204" pitchFamily="18" charset="0"/>
+                            </a:rPr>
+                            <m:t>[</m:t>
+                          </m:r>
+                          <m:r>
+                            <a:rPr lang="en-US" sz="2000" b="1" i="1" smtClean="0">
+                              <a:latin typeface="Cambria Math" panose="02040503050406030204" pitchFamily="18" charset="0"/>
+                            </a:rPr>
+                            <m:t>𝟏</m:t>
+                          </m:r>
+                          <m:r>
+                            <a:rPr lang="en-US" sz="2000" b="1" i="1">
+                              <a:latin typeface="Cambria Math" panose="02040503050406030204" pitchFamily="18" charset="0"/>
+                            </a:rPr>
+                            <m:t>]</m:t>
+                          </m:r>
+                        </m:sub>
+                      </m:sSub>
+                      <m:r>
+                        <a:rPr lang="en-US" sz="2000" b="1" i="1">
+                          <a:latin typeface="Cambria Math" panose="02040503050406030204" pitchFamily="18" charset="0"/>
+                        </a:rPr>
+                        <m:t>=</m:t>
+                      </m:r>
+                      <m:f>
+                        <m:fPr>
+                          <m:ctrlPr>
+                            <a:rPr lang="en-US" sz="2000" i="1">
+                              <a:latin typeface="Cambria Math" panose="02040503050406030204" pitchFamily="18" charset="0"/>
+                            </a:rPr>
+                          </m:ctrlPr>
+                        </m:fPr>
+                        <m:num>
+                          <m:r>
+                            <a:rPr lang="en-US" sz="2000" b="0" i="1" smtClean="0">
+                              <a:latin typeface="Cambria Math" panose="02040503050406030204" pitchFamily="18" charset="0"/>
+                            </a:rPr>
+                            <m:t>0.083</m:t>
+                          </m:r>
+                        </m:num>
+                        <m:den>
+                          <m:r>
+                            <a:rPr lang="en-US" sz="2000" b="0" i="1">
+                              <a:latin typeface="Cambria Math" panose="02040503050406030204" pitchFamily="18" charset="0"/>
+                            </a:rPr>
+                            <m:t>0.25+0.083+0.042</m:t>
+                          </m:r>
+                        </m:den>
+                      </m:f>
+                      <m:r>
+                        <a:rPr lang="en-US" sz="2000" b="1" i="1">
+                          <a:latin typeface="Cambria Math" panose="02040503050406030204" pitchFamily="18" charset="0"/>
+                        </a:rPr>
+                        <m:t>=</m:t>
+                      </m:r>
+                      <m:r>
+                        <a:rPr lang="en-US" sz="2000" b="1" i="1">
+                          <a:latin typeface="Cambria Math" panose="02040503050406030204" pitchFamily="18" charset="0"/>
+                        </a:rPr>
+                        <m:t>𝟎</m:t>
+                      </m:r>
+                      <m:r>
+                        <a:rPr lang="en-US" sz="2000" b="1" i="1">
+                          <a:latin typeface="Cambria Math" panose="02040503050406030204" pitchFamily="18" charset="0"/>
+                        </a:rPr>
+                        <m:t>.</m:t>
+                      </m:r>
+                      <m:r>
+                        <a:rPr lang="en-US" sz="2000" b="1" i="1" smtClean="0">
+                          <a:latin typeface="Cambria Math" panose="02040503050406030204" pitchFamily="18" charset="0"/>
+                        </a:rPr>
+                        <m:t>𝟐𝟐</m:t>
+                      </m:r>
+                    </m:oMath>
+                  </m:oMathPara>
+                </a14:m>
+                <a:endParaRPr lang="en-US" sz="2000" b="1" dirty="0"/>
+              </a:p>
+              <a:p>
+                <a:pPr marL="0" indent="0">
+                  <a:buNone/>
+                </a:pPr>
+                <a:endParaRPr lang="en-US" sz="1000" b="1" dirty="0"/>
+              </a:p>
+              <a:p>
+                <a:pPr marL="0" indent="0">
+                  <a:buNone/>
+                </a:pPr>
+                <a14:m>
+                  <m:oMathPara xmlns:m="http://schemas.openxmlformats.org/officeDocument/2006/math">
+                    <m:oMathParaPr>
+                      <m:jc m:val="left"/>
+                    </m:oMathParaPr>
+                    <m:oMath xmlns:m="http://schemas.openxmlformats.org/officeDocument/2006/math">
+                      <m:sSub>
+                        <m:sSubPr>
+                          <m:ctrlPr>
+                            <a:rPr lang="en-US" sz="2000" b="1" i="1">
+                              <a:latin typeface="Cambria Math" panose="02040503050406030204" pitchFamily="18" charset="0"/>
+                            </a:rPr>
+                          </m:ctrlPr>
+                        </m:sSubPr>
+                        <m:e>
+                          <m:r>
+                            <a:rPr lang="en-US" sz="2000" b="1" i="1">
+                              <a:latin typeface="Cambria Math" panose="02040503050406030204" pitchFamily="18" charset="0"/>
+                            </a:rPr>
+                            <m:t>𝑰</m:t>
+                          </m:r>
+                        </m:e>
+                        <m:sub>
+                          <m:r>
+                            <a:rPr lang="en-US" sz="2000" b="1" i="1">
+                              <a:latin typeface="Cambria Math" panose="02040503050406030204" pitchFamily="18" charset="0"/>
+                            </a:rPr>
+                            <m:t>𝑿</m:t>
+                          </m:r>
+                          <m:r>
+                            <a:rPr lang="en-US" sz="2000" b="1" i="1">
+                              <a:latin typeface="Cambria Math" panose="02040503050406030204" pitchFamily="18" charset="0"/>
+                            </a:rPr>
+                            <m:t>[</m:t>
+                          </m:r>
+                          <m:r>
+                            <a:rPr lang="en-US" sz="2000" b="1" i="1" smtClean="0">
+                              <a:latin typeface="Cambria Math" panose="02040503050406030204" pitchFamily="18" charset="0"/>
+                            </a:rPr>
+                            <m:t>𝟐</m:t>
+                          </m:r>
+                          <m:r>
+                            <a:rPr lang="en-US" sz="2000" b="1" i="1">
+                              <a:latin typeface="Cambria Math" panose="02040503050406030204" pitchFamily="18" charset="0"/>
+                            </a:rPr>
+                            <m:t>]</m:t>
+                          </m:r>
+                        </m:sub>
+                      </m:sSub>
+                      <m:r>
+                        <a:rPr lang="en-US" sz="2000" b="1" i="1">
+                          <a:latin typeface="Cambria Math" panose="02040503050406030204" pitchFamily="18" charset="0"/>
+                        </a:rPr>
+                        <m:t>=</m:t>
+                      </m:r>
+                      <m:f>
+                        <m:fPr>
+                          <m:ctrlPr>
+                            <a:rPr lang="en-US" sz="2000" i="1">
+                              <a:latin typeface="Cambria Math" panose="02040503050406030204" pitchFamily="18" charset="0"/>
+                            </a:rPr>
+                          </m:ctrlPr>
+                        </m:fPr>
+                        <m:num>
+                          <m:r>
+                            <a:rPr lang="en-US" sz="2000" b="0" i="1">
+                              <a:latin typeface="Cambria Math" panose="02040503050406030204" pitchFamily="18" charset="0"/>
+                            </a:rPr>
+                            <m:t>0.</m:t>
+                          </m:r>
+                          <m:r>
+                            <a:rPr lang="en-US" sz="2000" b="0" i="1" smtClean="0">
+                              <a:latin typeface="Cambria Math" panose="02040503050406030204" pitchFamily="18" charset="0"/>
+                            </a:rPr>
+                            <m:t>042</m:t>
+                          </m:r>
+                        </m:num>
+                        <m:den>
+                          <m:r>
+                            <a:rPr lang="en-US" sz="2000" b="0" i="1">
+                              <a:latin typeface="Cambria Math" panose="02040503050406030204" pitchFamily="18" charset="0"/>
+                            </a:rPr>
+                            <m:t>0.25+0.083+0.042</m:t>
+                          </m:r>
+                        </m:den>
+                      </m:f>
+                      <m:r>
+                        <a:rPr lang="en-US" sz="2000" b="1" i="1">
+                          <a:latin typeface="Cambria Math" panose="02040503050406030204" pitchFamily="18" charset="0"/>
+                        </a:rPr>
+                        <m:t>=</m:t>
+                      </m:r>
+                      <m:r>
+                        <a:rPr lang="en-US" sz="2000" b="1" i="1">
+                          <a:latin typeface="Cambria Math" panose="02040503050406030204" pitchFamily="18" charset="0"/>
+                        </a:rPr>
+                        <m:t>𝟎</m:t>
+                      </m:r>
+                      <m:r>
+                        <a:rPr lang="en-US" sz="2000" b="1" i="1">
+                          <a:latin typeface="Cambria Math" panose="02040503050406030204" pitchFamily="18" charset="0"/>
+                        </a:rPr>
+                        <m:t>.</m:t>
+                      </m:r>
+                      <m:r>
+                        <a:rPr lang="en-US" sz="2000" b="1" i="1" smtClean="0">
+                          <a:latin typeface="Cambria Math" panose="02040503050406030204" pitchFamily="18" charset="0"/>
+                        </a:rPr>
+                        <m:t>𝟏𝟏</m:t>
+                      </m:r>
+                    </m:oMath>
+                  </m:oMathPara>
+                </a14:m>
+                <a:endParaRPr lang="en-US" sz="2000" b="1" dirty="0"/>
+              </a:p>
+              <a:p>
+                <a:pPr marL="0" indent="0">
+                  <a:buNone/>
+                </a:pPr>
+                <a:endParaRPr lang="en-US" sz="2400" dirty="0"/>
+              </a:p>
+              <a:p>
+                <a:pPr marL="0" indent="0">
+                  <a:buNone/>
+                </a:pPr>
+                <a:endParaRPr lang="en-US" sz="2400" dirty="0"/>
+              </a:p>
+            </p:txBody>
+          </p:sp>
+        </mc:Choice>
+        <mc:Fallback>
+          <p:sp>
+            <p:nvSpPr>
+              <p:cNvPr id="7" name="Content Placeholder 5">
+                <a:extLst>
+                  <a:ext uri="{FF2B5EF4-FFF2-40B4-BE49-F238E27FC236}">
+                    <a16:creationId xmlns:a16="http://schemas.microsoft.com/office/drawing/2014/main" id="{90D20A04-BF33-C74D-BEEC-EDB9E183C817}"/>
+                  </a:ext>
+                </a:extLst>
+              </p:cNvPr>
+              <p:cNvSpPr txBox="1">
+                <a:spLocks noRot="1" noChangeAspect="1" noMove="1" noResize="1" noEditPoints="1" noAdjustHandles="1" noChangeArrowheads="1" noChangeShapeType="1" noTextEdit="1"/>
+              </p:cNvSpPr>
+              <p:nvPr/>
+            </p:nvSpPr>
+            <p:spPr>
+              <a:xfrm>
+                <a:off x="5269230" y="1712596"/>
+                <a:ext cx="6800849" cy="4919662"/>
+              </a:xfrm>
+              <a:prstGeom prst="rect">
+                <a:avLst/>
+              </a:prstGeom>
+              <a:blipFill>
+                <a:blip r:embed="rId4"/>
+                <a:stretch>
+                  <a:fillRect l="-3918" t="-16495" b="-515"/>
+                </a:stretch>
+              </a:blipFill>
+            </p:spPr>
+            <p:txBody>
+              <a:bodyPr/>
+              <a:lstStyle/>
+              <a:p>
+                <a:r>
+                  <a:rPr lang="en-US">
+                    <a:noFill/>
+                  </a:rPr>
+                  <a:t> </a:t>
+                </a:r>
+              </a:p>
+            </p:txBody>
+          </p:sp>
+        </mc:Fallback>
+      </mc:AlternateContent>
     </p:spTree>
     <p:extLst>
       <p:ext uri="{BB962C8B-B14F-4D97-AF65-F5344CB8AC3E}">
-        <p14:creationId xmlns:p14="http://schemas.microsoft.com/office/powerpoint/2010/main" val="3546099516"/>
+        <p14:creationId xmlns:p14="http://schemas.microsoft.com/office/powerpoint/2010/main" val="665620781"/>
       </p:ext>
     </p:extLst>
   </p:cSld>
@@ -12563,7 +17001,7 @@
           <p:cNvPr id="2" name="Title 1">
             <a:extLst>
               <a:ext uri="{FF2B5EF4-FFF2-40B4-BE49-F238E27FC236}">
-                <a16:creationId xmlns:a16="http://schemas.microsoft.com/office/drawing/2014/main" id="{316ECA3C-8DBE-184E-B758-A1B2DBC9CAB0}"/>
+                <a16:creationId xmlns:a16="http://schemas.microsoft.com/office/drawing/2014/main" id="{4667CB1E-1E61-9D40-B785-77FA42A868B4}"/>
               </a:ext>
             </a:extLst>
           </p:cNvPr>
@@ -12574,58 +17012,20 @@
             <p:ph type="title"/>
           </p:nvPr>
         </p:nvSpPr>
-        <p:spPr/>
+        <p:spPr>
+          <a:xfrm>
+            <a:off x="852487" y="2722563"/>
+            <a:ext cx="10515600" cy="1325563"/>
+          </a:xfrm>
+        </p:spPr>
         <p:txBody>
           <a:bodyPr/>
           <a:lstStyle/>
           <a:p>
+            <a:pPr algn="ctr"/>
             <a:r>
               <a:rPr lang="en-US" dirty="0"/>
-              <a:t>Great Demo</a:t>
-            </a:r>
-          </a:p>
-        </p:txBody>
-      </p:sp>
-      <p:sp>
-        <p:nvSpPr>
-          <p:cNvPr id="3" name="Content Placeholder 2">
-            <a:extLst>
-              <a:ext uri="{FF2B5EF4-FFF2-40B4-BE49-F238E27FC236}">
-                <a16:creationId xmlns:a16="http://schemas.microsoft.com/office/drawing/2014/main" id="{AA95C71A-BD15-6A43-8C89-888856336E89}"/>
-              </a:ext>
-            </a:extLst>
-          </p:cNvPr>
-          <p:cNvSpPr>
-            <a:spLocks noGrp="1"/>
-          </p:cNvSpPr>
-          <p:nvPr>
-            <p:ph idx="1"/>
-          </p:nvPr>
-        </p:nvSpPr>
-        <p:spPr>
-          <a:xfrm>
-            <a:off x="838200" y="1825625"/>
-            <a:ext cx="10515600" cy="1046163"/>
-          </a:xfrm>
-        </p:spPr>
-        <p:txBody>
-          <a:bodyPr>
-            <a:normAutofit/>
-          </a:bodyPr>
-          <a:lstStyle/>
-          <a:p>
-            <a:pPr marL="0" indent="0">
-              <a:buNone/>
-            </a:pPr>
-            <a:r>
-              <a:rPr lang="en-US" sz="2600" dirty="0">
-                <a:hlinkClick r:id="rId2"/>
-              </a:rPr>
-              <a:t>https://cs.stanford.edu/people/karpathy/svmjs/demo/demoforest.html</a:t>
-            </a:r>
-            <a:r>
-              <a:rPr lang="en-US" sz="2600" dirty="0"/>
-              <a:t> </a:t>
+              <a:t>Model Regularization</a:t>
             </a:r>
           </a:p>
         </p:txBody>
@@ -12633,7 +17033,7 @@
     </p:spTree>
     <p:extLst>
       <p:ext uri="{BB962C8B-B14F-4D97-AF65-F5344CB8AC3E}">
-        <p14:creationId xmlns:p14="http://schemas.microsoft.com/office/powerpoint/2010/main" val="417356656"/>
+        <p14:creationId xmlns:p14="http://schemas.microsoft.com/office/powerpoint/2010/main" val="1310574693"/>
       </p:ext>
     </p:extLst>
   </p:cSld>
@@ -12676,6 +17076,507 @@
             <p:ph type="title"/>
           </p:nvPr>
         </p:nvSpPr>
+        <p:spPr/>
+        <p:txBody>
+          <a:bodyPr/>
+          <a:lstStyle/>
+          <a:p>
+            <a:r>
+              <a:rPr lang="en-US" dirty="0"/>
+              <a:t>Model Regularization</a:t>
+            </a:r>
+          </a:p>
+        </p:txBody>
+      </p:sp>
+      <p:sp>
+        <p:nvSpPr>
+          <p:cNvPr id="4" name="Content Placeholder 3">
+            <a:extLst>
+              <a:ext uri="{FF2B5EF4-FFF2-40B4-BE49-F238E27FC236}">
+                <a16:creationId xmlns:a16="http://schemas.microsoft.com/office/drawing/2014/main" id="{9FB5DAB1-8EA4-0F4D-A76B-70DD8C40B9C0}"/>
+              </a:ext>
+            </a:extLst>
+          </p:cNvPr>
+          <p:cNvSpPr>
+            <a:spLocks noGrp="1"/>
+          </p:cNvSpPr>
+          <p:nvPr>
+            <p:ph idx="1"/>
+          </p:nvPr>
+        </p:nvSpPr>
+        <p:spPr>
+          <a:xfrm>
+            <a:off x="7443788" y="1563686"/>
+            <a:ext cx="3910012" cy="3076893"/>
+          </a:xfrm>
+        </p:spPr>
+        <p:txBody>
+          <a:bodyPr>
+            <a:normAutofit/>
+          </a:bodyPr>
+          <a:lstStyle/>
+          <a:p>
+            <a:r>
+              <a:rPr lang="en-US" sz="2400" dirty="0"/>
+              <a:t>Main complexity parameter is </a:t>
+            </a:r>
+            <a:r>
+              <a:rPr lang="en-US" sz="2400" i="1" dirty="0" err="1"/>
+              <a:t>max_depth</a:t>
+            </a:r>
+            <a:r>
+              <a:rPr lang="en-US" sz="2400" i="1" dirty="0"/>
+              <a:t> </a:t>
+            </a:r>
+            <a:r>
+              <a:rPr lang="en-US" sz="2400" dirty="0"/>
+              <a:t>of the tree. </a:t>
+            </a:r>
+          </a:p>
+          <a:p>
+            <a:r>
+              <a:rPr lang="en-US" sz="2400" dirty="0"/>
+              <a:t>Deep trees can split the data up more, leading to overfitting.</a:t>
+            </a:r>
+          </a:p>
+          <a:p>
+            <a:r>
+              <a:rPr lang="en-US" sz="2400" dirty="0"/>
+              <a:t>Some nodes here have a single sample in it!</a:t>
+            </a:r>
+          </a:p>
+        </p:txBody>
+      </p:sp>
+      <p:pic>
+        <p:nvPicPr>
+          <p:cNvPr id="55" name="Picture 54">
+            <a:extLst>
+              <a:ext uri="{FF2B5EF4-FFF2-40B4-BE49-F238E27FC236}">
+                <a16:creationId xmlns:a16="http://schemas.microsoft.com/office/drawing/2014/main" id="{06E9868A-4E23-6C44-9713-D0740A40A8B6}"/>
+              </a:ext>
+            </a:extLst>
+          </p:cNvPr>
+          <p:cNvPicPr>
+            <a:picLocks noChangeAspect="1"/>
+          </p:cNvPicPr>
+          <p:nvPr/>
+        </p:nvPicPr>
+        <p:blipFill>
+          <a:blip r:embed="rId3"/>
+          <a:stretch>
+            <a:fillRect/>
+          </a:stretch>
+        </p:blipFill>
+        <p:spPr>
+          <a:xfrm>
+            <a:off x="175260" y="1443038"/>
+            <a:ext cx="6929014" cy="5414962"/>
+          </a:xfrm>
+          <a:prstGeom prst="rect">
+            <a:avLst/>
+          </a:prstGeom>
+        </p:spPr>
+      </p:pic>
+    </p:spTree>
+    <p:extLst>
+      <p:ext uri="{BB962C8B-B14F-4D97-AF65-F5344CB8AC3E}">
+        <p14:creationId xmlns:p14="http://schemas.microsoft.com/office/powerpoint/2010/main" val="253566713"/>
+      </p:ext>
+    </p:extLst>
+  </p:cSld>
+  <p:clrMapOvr>
+    <a:masterClrMapping/>
+  </p:clrMapOvr>
+</p:sld>
+</file>
+
+<file path=ppt/slides/slide32.xml><?xml version="1.0" encoding="utf-8"?>
+<p:sld xmlns:a="http://schemas.openxmlformats.org/drawingml/2006/main" xmlns:r="http://schemas.openxmlformats.org/officeDocument/2006/relationships" xmlns:p="http://schemas.openxmlformats.org/presentationml/2006/main">
+  <p:cSld>
+    <p:spTree>
+      <p:nvGrpSpPr>
+        <p:cNvPr id="1" name=""/>
+        <p:cNvGrpSpPr/>
+        <p:nvPr/>
+      </p:nvGrpSpPr>
+      <p:grpSpPr>
+        <a:xfrm>
+          <a:off x="0" y="0"/>
+          <a:ext cx="0" cy="0"/>
+          <a:chOff x="0" y="0"/>
+          <a:chExt cx="0" cy="0"/>
+        </a:xfrm>
+      </p:grpSpPr>
+      <p:sp>
+        <p:nvSpPr>
+          <p:cNvPr id="2" name="Title 1">
+            <a:extLst>
+              <a:ext uri="{FF2B5EF4-FFF2-40B4-BE49-F238E27FC236}">
+                <a16:creationId xmlns:a16="http://schemas.microsoft.com/office/drawing/2014/main" id="{0D835D96-178B-294F-9A49-3D4D06889803}"/>
+              </a:ext>
+            </a:extLst>
+          </p:cNvPr>
+          <p:cNvSpPr>
+            <a:spLocks noGrp="1"/>
+          </p:cNvSpPr>
+          <p:nvPr>
+            <p:ph type="title"/>
+          </p:nvPr>
+        </p:nvSpPr>
+        <p:spPr/>
+        <p:txBody>
+          <a:bodyPr/>
+          <a:lstStyle/>
+          <a:p>
+            <a:r>
+              <a:rPr lang="en-US" dirty="0"/>
+              <a:t>Model Regularization</a:t>
+            </a:r>
+          </a:p>
+        </p:txBody>
+      </p:sp>
+      <p:pic>
+        <p:nvPicPr>
+          <p:cNvPr id="49" name="Picture 48">
+            <a:extLst>
+              <a:ext uri="{FF2B5EF4-FFF2-40B4-BE49-F238E27FC236}">
+                <a16:creationId xmlns:a16="http://schemas.microsoft.com/office/drawing/2014/main" id="{B5290DF1-24AB-A044-B538-E8BD73751AE7}"/>
+              </a:ext>
+            </a:extLst>
+          </p:cNvPr>
+          <p:cNvPicPr>
+            <a:picLocks noChangeAspect="1"/>
+          </p:cNvPicPr>
+          <p:nvPr/>
+        </p:nvPicPr>
+        <p:blipFill>
+          <a:blip r:embed="rId2"/>
+          <a:stretch>
+            <a:fillRect/>
+          </a:stretch>
+        </p:blipFill>
+        <p:spPr>
+          <a:xfrm>
+            <a:off x="627239" y="2397760"/>
+            <a:ext cx="5163535" cy="3586163"/>
+          </a:xfrm>
+          <a:prstGeom prst="rect">
+            <a:avLst/>
+          </a:prstGeom>
+        </p:spPr>
+      </p:pic>
+      <p:sp>
+        <p:nvSpPr>
+          <p:cNvPr id="50" name="TextBox 49">
+            <a:extLst>
+              <a:ext uri="{FF2B5EF4-FFF2-40B4-BE49-F238E27FC236}">
+                <a16:creationId xmlns:a16="http://schemas.microsoft.com/office/drawing/2014/main" id="{758EAE12-B08A-EE40-B0FC-E8718CEEA9B9}"/>
+              </a:ext>
+            </a:extLst>
+          </p:cNvPr>
+          <p:cNvSpPr txBox="1"/>
+          <p:nvPr/>
+        </p:nvSpPr>
+        <p:spPr>
+          <a:xfrm>
+            <a:off x="1813979" y="2064777"/>
+            <a:ext cx="3466975" cy="477054"/>
+          </a:xfrm>
+          <a:prstGeom prst="rect">
+            <a:avLst/>
+          </a:prstGeom>
+          <a:noFill/>
+        </p:spPr>
+        <p:txBody>
+          <a:bodyPr wrap="none" rtlCol="0">
+            <a:spAutoFit/>
+          </a:bodyPr>
+          <a:lstStyle/>
+          <a:p>
+            <a:r>
+              <a:rPr lang="en-US" sz="2500" i="1" dirty="0"/>
+              <a:t>Deep, Unregularized Tree</a:t>
+            </a:r>
+          </a:p>
+        </p:txBody>
+      </p:sp>
+      <p:pic>
+        <p:nvPicPr>
+          <p:cNvPr id="52" name="Picture 51">
+            <a:extLst>
+              <a:ext uri="{FF2B5EF4-FFF2-40B4-BE49-F238E27FC236}">
+                <a16:creationId xmlns:a16="http://schemas.microsoft.com/office/drawing/2014/main" id="{C5889D02-72DE-6A4D-8D74-0CC8B32F105B}"/>
+              </a:ext>
+            </a:extLst>
+          </p:cNvPr>
+          <p:cNvPicPr>
+            <a:picLocks noChangeAspect="1"/>
+          </p:cNvPicPr>
+          <p:nvPr/>
+        </p:nvPicPr>
+        <p:blipFill>
+          <a:blip r:embed="rId3"/>
+          <a:stretch>
+            <a:fillRect/>
+          </a:stretch>
+        </p:blipFill>
+        <p:spPr>
+          <a:xfrm>
+            <a:off x="6190265" y="2397759"/>
+            <a:ext cx="5163535" cy="3586163"/>
+          </a:xfrm>
+          <a:prstGeom prst="rect">
+            <a:avLst/>
+          </a:prstGeom>
+        </p:spPr>
+      </p:pic>
+      <p:sp>
+        <p:nvSpPr>
+          <p:cNvPr id="53" name="TextBox 52">
+            <a:extLst>
+              <a:ext uri="{FF2B5EF4-FFF2-40B4-BE49-F238E27FC236}">
+                <a16:creationId xmlns:a16="http://schemas.microsoft.com/office/drawing/2014/main" id="{6E55351A-BDAC-054C-A966-855C98C25C85}"/>
+              </a:ext>
+            </a:extLst>
+          </p:cNvPr>
+          <p:cNvSpPr txBox="1"/>
+          <p:nvPr/>
+        </p:nvSpPr>
+        <p:spPr>
+          <a:xfrm>
+            <a:off x="7335075" y="2064777"/>
+            <a:ext cx="3740255" cy="477054"/>
+          </a:xfrm>
+          <a:prstGeom prst="rect">
+            <a:avLst/>
+          </a:prstGeom>
+          <a:noFill/>
+        </p:spPr>
+        <p:txBody>
+          <a:bodyPr wrap="none" rtlCol="0">
+            <a:spAutoFit/>
+          </a:bodyPr>
+          <a:lstStyle/>
+          <a:p>
+            <a:r>
+              <a:rPr lang="en-US" sz="2500" i="1" dirty="0"/>
+              <a:t>Shallower, Regularized Tree</a:t>
+            </a:r>
+          </a:p>
+        </p:txBody>
+      </p:sp>
+    </p:spTree>
+    <p:extLst>
+      <p:ext uri="{BB962C8B-B14F-4D97-AF65-F5344CB8AC3E}">
+        <p14:creationId xmlns:p14="http://schemas.microsoft.com/office/powerpoint/2010/main" val="3546099516"/>
+      </p:ext>
+    </p:extLst>
+  </p:cSld>
+  <p:clrMapOvr>
+    <a:masterClrMapping/>
+  </p:clrMapOvr>
+</p:sld>
+</file>
+
+<file path=ppt/slides/slide33.xml><?xml version="1.0" encoding="utf-8"?>
+<p:sld xmlns:a="http://schemas.openxmlformats.org/drawingml/2006/main" xmlns:r="http://schemas.openxmlformats.org/officeDocument/2006/relationships" xmlns:p="http://schemas.openxmlformats.org/presentationml/2006/main">
+  <p:cSld>
+    <p:spTree>
+      <p:nvGrpSpPr>
+        <p:cNvPr id="1" name=""/>
+        <p:cNvGrpSpPr/>
+        <p:nvPr/>
+      </p:nvGrpSpPr>
+      <p:grpSpPr>
+        <a:xfrm>
+          <a:off x="0" y="0"/>
+          <a:ext cx="0" cy="0"/>
+          <a:chOff x="0" y="0"/>
+          <a:chExt cx="0" cy="0"/>
+        </a:xfrm>
+      </p:grpSpPr>
+      <p:sp>
+        <p:nvSpPr>
+          <p:cNvPr id="2" name="Title 1">
+            <a:extLst>
+              <a:ext uri="{FF2B5EF4-FFF2-40B4-BE49-F238E27FC236}">
+                <a16:creationId xmlns:a16="http://schemas.microsoft.com/office/drawing/2014/main" id="{4667CB1E-1E61-9D40-B785-77FA42A868B4}"/>
+              </a:ext>
+            </a:extLst>
+          </p:cNvPr>
+          <p:cNvSpPr>
+            <a:spLocks noGrp="1"/>
+          </p:cNvSpPr>
+          <p:nvPr>
+            <p:ph type="title"/>
+          </p:nvPr>
+        </p:nvSpPr>
+        <p:spPr>
+          <a:xfrm>
+            <a:off x="852487" y="2722563"/>
+            <a:ext cx="10515600" cy="1325563"/>
+          </a:xfrm>
+        </p:spPr>
+        <p:txBody>
+          <a:bodyPr/>
+          <a:lstStyle/>
+          <a:p>
+            <a:pPr algn="ctr"/>
+            <a:r>
+              <a:rPr lang="en-US" dirty="0"/>
+              <a:t>Closing Notes</a:t>
+            </a:r>
+          </a:p>
+        </p:txBody>
+      </p:sp>
+    </p:spTree>
+    <p:extLst>
+      <p:ext uri="{BB962C8B-B14F-4D97-AF65-F5344CB8AC3E}">
+        <p14:creationId xmlns:p14="http://schemas.microsoft.com/office/powerpoint/2010/main" val="1203950771"/>
+      </p:ext>
+    </p:extLst>
+  </p:cSld>
+  <p:clrMapOvr>
+    <a:masterClrMapping/>
+  </p:clrMapOvr>
+</p:sld>
+</file>
+
+<file path=ppt/slides/slide34.xml><?xml version="1.0" encoding="utf-8"?>
+<p:sld xmlns:a="http://schemas.openxmlformats.org/drawingml/2006/main" xmlns:r="http://schemas.openxmlformats.org/officeDocument/2006/relationships" xmlns:p="http://schemas.openxmlformats.org/presentationml/2006/main">
+  <p:cSld>
+    <p:spTree>
+      <p:nvGrpSpPr>
+        <p:cNvPr id="1" name=""/>
+        <p:cNvGrpSpPr/>
+        <p:nvPr/>
+      </p:nvGrpSpPr>
+      <p:grpSpPr>
+        <a:xfrm>
+          <a:off x="0" y="0"/>
+          <a:ext cx="0" cy="0"/>
+          <a:chOff x="0" y="0"/>
+          <a:chExt cx="0" cy="0"/>
+        </a:xfrm>
+      </p:grpSpPr>
+      <p:sp>
+        <p:nvSpPr>
+          <p:cNvPr id="2" name="Title 1">
+            <a:extLst>
+              <a:ext uri="{FF2B5EF4-FFF2-40B4-BE49-F238E27FC236}">
+                <a16:creationId xmlns:a16="http://schemas.microsoft.com/office/drawing/2014/main" id="{316ECA3C-8DBE-184E-B758-A1B2DBC9CAB0}"/>
+              </a:ext>
+            </a:extLst>
+          </p:cNvPr>
+          <p:cNvSpPr>
+            <a:spLocks noGrp="1"/>
+          </p:cNvSpPr>
+          <p:nvPr>
+            <p:ph type="title"/>
+          </p:nvPr>
+        </p:nvSpPr>
+        <p:spPr/>
+        <p:txBody>
+          <a:bodyPr/>
+          <a:lstStyle/>
+          <a:p>
+            <a:r>
+              <a:rPr lang="en-US" dirty="0"/>
+              <a:t>Great Demo</a:t>
+            </a:r>
+          </a:p>
+        </p:txBody>
+      </p:sp>
+      <p:sp>
+        <p:nvSpPr>
+          <p:cNvPr id="3" name="Content Placeholder 2">
+            <a:extLst>
+              <a:ext uri="{FF2B5EF4-FFF2-40B4-BE49-F238E27FC236}">
+                <a16:creationId xmlns:a16="http://schemas.microsoft.com/office/drawing/2014/main" id="{AA95C71A-BD15-6A43-8C89-888856336E89}"/>
+              </a:ext>
+            </a:extLst>
+          </p:cNvPr>
+          <p:cNvSpPr>
+            <a:spLocks noGrp="1"/>
+          </p:cNvSpPr>
+          <p:nvPr>
+            <p:ph idx="1"/>
+          </p:nvPr>
+        </p:nvSpPr>
+        <p:spPr>
+          <a:xfrm>
+            <a:off x="838200" y="1825625"/>
+            <a:ext cx="10515600" cy="1046163"/>
+          </a:xfrm>
+        </p:spPr>
+        <p:txBody>
+          <a:bodyPr>
+            <a:normAutofit/>
+          </a:bodyPr>
+          <a:lstStyle/>
+          <a:p>
+            <a:pPr marL="0" indent="0">
+              <a:buNone/>
+            </a:pPr>
+            <a:r>
+              <a:rPr lang="en-US" sz="2600" dirty="0">
+                <a:hlinkClick r:id="rId2"/>
+              </a:rPr>
+              <a:t>https://cs.stanford.edu/people/karpathy/svmjs/demo/demoforest.html</a:t>
+            </a:r>
+            <a:r>
+              <a:rPr lang="en-US" sz="2600" dirty="0"/>
+              <a:t> </a:t>
+            </a:r>
+          </a:p>
+        </p:txBody>
+      </p:sp>
+    </p:spTree>
+    <p:extLst>
+      <p:ext uri="{BB962C8B-B14F-4D97-AF65-F5344CB8AC3E}">
+        <p14:creationId xmlns:p14="http://schemas.microsoft.com/office/powerpoint/2010/main" val="417356656"/>
+      </p:ext>
+    </p:extLst>
+  </p:cSld>
+  <p:clrMapOvr>
+    <a:masterClrMapping/>
+  </p:clrMapOvr>
+</p:sld>
+</file>
+
+<file path=ppt/slides/slide35.xml><?xml version="1.0" encoding="utf-8"?>
+<p:sld xmlns:a="http://schemas.openxmlformats.org/drawingml/2006/main" xmlns:r="http://schemas.openxmlformats.org/officeDocument/2006/relationships" xmlns:p="http://schemas.openxmlformats.org/presentationml/2006/main">
+  <p:cSld>
+    <p:spTree>
+      <p:nvGrpSpPr>
+        <p:cNvPr id="1" name=""/>
+        <p:cNvGrpSpPr/>
+        <p:nvPr/>
+      </p:nvGrpSpPr>
+      <p:grpSpPr>
+        <a:xfrm>
+          <a:off x="0" y="0"/>
+          <a:ext cx="0" cy="0"/>
+          <a:chOff x="0" y="0"/>
+          <a:chExt cx="0" cy="0"/>
+        </a:xfrm>
+      </p:grpSpPr>
+      <p:sp>
+        <p:nvSpPr>
+          <p:cNvPr id="2" name="Title 1">
+            <a:extLst>
+              <a:ext uri="{FF2B5EF4-FFF2-40B4-BE49-F238E27FC236}">
+                <a16:creationId xmlns:a16="http://schemas.microsoft.com/office/drawing/2014/main" id="{0D835D96-178B-294F-9A49-3D4D06889803}"/>
+              </a:ext>
+            </a:extLst>
+          </p:cNvPr>
+          <p:cNvSpPr>
+            <a:spLocks noGrp="1"/>
+          </p:cNvSpPr>
+          <p:nvPr>
+            <p:ph type="title"/>
+          </p:nvPr>
+        </p:nvSpPr>
         <p:spPr>
           <a:ln>
             <a:noFill/>
@@ -12759,7 +17660,7 @@
 </p:sld>
 </file>
 
-<file path=ppt/slides/slide32.xml><?xml version="1.0" encoding="utf-8"?>
+<file path=ppt/slides/slide36.xml><?xml version="1.0" encoding="utf-8"?>
 <p:sld xmlns:a="http://schemas.openxmlformats.org/drawingml/2006/main" xmlns:r="http://schemas.openxmlformats.org/officeDocument/2006/relationships" xmlns:p="http://schemas.openxmlformats.org/presentationml/2006/main">
   <p:cSld>
     <p:spTree>
@@ -13056,8 +17957,8 @@
         </p:nvSpPr>
         <p:spPr>
           <a:xfrm>
-            <a:off x="3242174" y="2382778"/>
-            <a:ext cx="1528762" cy="1015663"/>
+            <a:off x="2663009" y="2542496"/>
+            <a:ext cx="1959156" cy="707886"/>
           </a:xfrm>
           <a:prstGeom prst="rect">
             <a:avLst/>
@@ -13077,8 +17978,8 @@
           </a:p>
         </p:txBody>
       </p:sp>
-      <mc:AlternateContent xmlns:mc="http://schemas.openxmlformats.org/markup-compatibility/2006">
-        <mc:Choice xmlns:a14="http://schemas.microsoft.com/office/drawing/2010/main" Requires="a14">
+      <mc:AlternateContent xmlns:mc="http://schemas.openxmlformats.org/markup-compatibility/2006" xmlns:a14="http://schemas.microsoft.com/office/drawing/2010/main">
+        <mc:Choice Requires="a14">
           <p:sp>
             <p:nvSpPr>
               <p:cNvPr id="16" name="TextBox 15">
@@ -13107,6 +18008,7 @@
               </a:bodyPr>
               <a:lstStyle/>
               <a:p>
+                <a:pPr/>
                 <a14:m>
                   <m:oMathPara xmlns:m="http://schemas.openxmlformats.org/officeDocument/2006/math">
                     <m:oMathParaPr>
@@ -13140,7 +18042,7 @@
                       <m:sSub>
                         <m:sSubPr>
                           <m:ctrlPr>
-                            <a:rPr lang="en-US" sz="2200" b="0" smtClean="0">
+                            <a:rPr lang="en-US" sz="2200" b="0" i="1" smtClean="0">
                               <a:latin typeface="Cambria Math" panose="02040503050406030204" pitchFamily="18" charset="0"/>
                             </a:rPr>
                           </m:ctrlPr>
@@ -13173,7 +18075,7 @@
             </p:txBody>
           </p:sp>
         </mc:Choice>
-        <mc:Fallback>
+        <mc:Fallback xmlns="">
           <p:sp>
             <p:nvSpPr>
               <p:cNvPr id="16" name="TextBox 15">
@@ -13231,7 +18133,7 @@
 </p:sld>
 </file>
 
-<file path=ppt/slides/slide33.xml><?xml version="1.0" encoding="utf-8"?>
+<file path=ppt/slides/slide37.xml><?xml version="1.0" encoding="utf-8"?>
 <p:sld xmlns:a="http://schemas.openxmlformats.org/drawingml/2006/main" xmlns:r="http://schemas.openxmlformats.org/officeDocument/2006/relationships" xmlns:p="http://schemas.openxmlformats.org/presentationml/2006/main">
   <p:cSld>
     <p:spTree>
@@ -13292,9 +18194,16 @@
             <p:ph idx="1"/>
           </p:nvPr>
         </p:nvSpPr>
-        <p:spPr/>
+        <p:spPr>
+          <a:xfrm>
+            <a:off x="838200" y="1825624"/>
+            <a:ext cx="10515600" cy="4746625"/>
+          </a:xfrm>
+        </p:spPr>
         <p:txBody>
-          <a:bodyPr/>
+          <a:bodyPr>
+            <a:normAutofit fontScale="77500" lnSpcReduction="20000"/>
+          </a:bodyPr>
           <a:lstStyle/>
           <a:p>
             <a:r>
@@ -13341,6 +18250,54 @@
                 <a:hlinkClick r:id="rId6"/>
               </a:rPr>
               <a:t>http://www2.stat.duke.edu/~rcs46/lectures_2017/08-trees/08-tree-advanced.pdf</a:t>
+            </a:r>
+            <a:r>
+              <a:rPr lang="en-US" dirty="0"/>
+              <a:t> </a:t>
+            </a:r>
+          </a:p>
+          <a:p>
+            <a:r>
+              <a:rPr lang="en-US" dirty="0">
+                <a:hlinkClick r:id="rId7"/>
+              </a:rPr>
+              <a:t>https://stackoverflow.com/questions/49170296/scikit-learn-feature-importance-calculation-in-decision-trees</a:t>
+            </a:r>
+            <a:r>
+              <a:rPr lang="en-US" dirty="0"/>
+              <a:t> </a:t>
+            </a:r>
+          </a:p>
+          <a:p>
+            <a:r>
+              <a:rPr lang="en-US" dirty="0">
+                <a:hlinkClick r:id="rId8"/>
+              </a:rPr>
+              <a:t>https://github.com/scikit-learn/scikit-learn/blob/18cdaa69c14a5c84ab03fce4fb5dc6cd77619e35/sklearn/tree/_tree.pyx#L1056</a:t>
+            </a:r>
+            <a:r>
+              <a:rPr lang="en-US" dirty="0"/>
+              <a:t> </a:t>
+            </a:r>
+          </a:p>
+          <a:p>
+            <a:r>
+              <a:rPr lang="en-US" dirty="0">
+                <a:hlinkClick r:id="rId9"/>
+              </a:rPr>
+              <a:t>https://github.com/scikit-learn/scikit-learn/blob/master/sklearn/tree/_criterion.pyx</a:t>
+            </a:r>
+            <a:r>
+              <a:rPr lang="en-US" dirty="0"/>
+              <a:t> </a:t>
+            </a:r>
+          </a:p>
+          <a:p>
+            <a:r>
+              <a:rPr lang="en-US" dirty="0">
+                <a:hlinkClick r:id="rId10"/>
+              </a:rPr>
+              <a:t>https://medium.com/@srnghn/the-mathematics-of-decision-trees-random-forest-and-feature-importance-in-scikit-learn-and-spark-f2861df67e3</a:t>
             </a:r>
             <a:r>
               <a:rPr lang="en-US" dirty="0"/>
@@ -13447,7 +18404,13 @@
           <a:p>
             <a:r>
               <a:rPr lang="en-US" dirty="0"/>
-              <a:t>Optimization (Gini Criterion, Regularization)</a:t>
+              <a:t>Tree Optimization and Feature Importance (Gini Criterion)</a:t>
+            </a:r>
+          </a:p>
+          <a:p>
+            <a:r>
+              <a:rPr lang="en-US" dirty="0"/>
+              <a:t>Model Regularization</a:t>
             </a:r>
           </a:p>
           <a:p>

--- a/presentation.pptx
+++ b/presentation.pptx
@@ -5,7 +5,7 @@
     <p:sldMasterId id="2147483648" r:id="rId1"/>
   </p:sldMasterIdLst>
   <p:notesMasterIdLst>
-    <p:notesMasterId r:id="rId39"/>
+    <p:notesMasterId r:id="rId41"/>
   </p:notesMasterIdLst>
   <p:sldIdLst>
     <p:sldId id="256" r:id="rId2"/>
@@ -37,14 +37,16 @@
     <p:sldId id="264" r:id="rId28"/>
     <p:sldId id="295" r:id="rId29"/>
     <p:sldId id="296" r:id="rId30"/>
-    <p:sldId id="291" r:id="rId31"/>
-    <p:sldId id="282" r:id="rId32"/>
-    <p:sldId id="289" r:id="rId33"/>
-    <p:sldId id="292" r:id="rId34"/>
-    <p:sldId id="274" r:id="rId35"/>
-    <p:sldId id="281" r:id="rId36"/>
-    <p:sldId id="290" r:id="rId37"/>
-    <p:sldId id="261" r:id="rId38"/>
+    <p:sldId id="297" r:id="rId31"/>
+    <p:sldId id="299" r:id="rId32"/>
+    <p:sldId id="291" r:id="rId33"/>
+    <p:sldId id="282" r:id="rId34"/>
+    <p:sldId id="289" r:id="rId35"/>
+    <p:sldId id="292" r:id="rId36"/>
+    <p:sldId id="274" r:id="rId37"/>
+    <p:sldId id="281" r:id="rId38"/>
+    <p:sldId id="290" r:id="rId39"/>
+    <p:sldId id="261" r:id="rId40"/>
   </p:sldIdLst>
   <p:sldSz cx="12192000" cy="6858000"/>
   <p:notesSz cx="6858000" cy="9144000"/>
@@ -233,7 +235,7 @@
           <a:p>
             <a:fld id="{08AF7D33-D743-8B41-8683-06420F75D03D}" type="datetimeFigureOut">
               <a:rPr lang="en-US" smtClean="0"/>
-              <a:t>7/8/18</a:t>
+              <a:t>7/9/18</a:t>
             </a:fld>
             <a:endParaRPr lang="en-US"/>
           </a:p>
@@ -1075,7 +1077,7 @@
           <a:p>
             <a:fld id="{F8E7675B-F641-1042-8CF6-5B751F5EF7F4}" type="slidenum">
               <a:rPr lang="en-US" smtClean="0"/>
-              <a:t>31</a:t>
+              <a:t>33</a:t>
             </a:fld>
             <a:endParaRPr lang="en-US"/>
           </a:p>
@@ -1241,7 +1243,7 @@
           <a:p>
             <a:fld id="{AC6E1538-F2F2-8048-A35B-447926DE1575}" type="datetimeFigureOut">
               <a:rPr lang="en-US" smtClean="0"/>
-              <a:t>7/8/18</a:t>
+              <a:t>7/9/18</a:t>
             </a:fld>
             <a:endParaRPr lang="en-US"/>
           </a:p>
@@ -1439,7 +1441,7 @@
           <a:p>
             <a:fld id="{AC6E1538-F2F2-8048-A35B-447926DE1575}" type="datetimeFigureOut">
               <a:rPr lang="en-US" smtClean="0"/>
-              <a:t>7/8/18</a:t>
+              <a:t>7/9/18</a:t>
             </a:fld>
             <a:endParaRPr lang="en-US"/>
           </a:p>
@@ -1647,7 +1649,7 @@
           <a:p>
             <a:fld id="{AC6E1538-F2F2-8048-A35B-447926DE1575}" type="datetimeFigureOut">
               <a:rPr lang="en-US" smtClean="0"/>
-              <a:t>7/8/18</a:t>
+              <a:t>7/9/18</a:t>
             </a:fld>
             <a:endParaRPr lang="en-US"/>
           </a:p>
@@ -1845,7 +1847,7 @@
           <a:p>
             <a:fld id="{AC6E1538-F2F2-8048-A35B-447926DE1575}" type="datetimeFigureOut">
               <a:rPr lang="en-US" smtClean="0"/>
-              <a:t>7/8/18</a:t>
+              <a:t>7/9/18</a:t>
             </a:fld>
             <a:endParaRPr lang="en-US"/>
           </a:p>
@@ -2120,7 +2122,7 @@
           <a:p>
             <a:fld id="{AC6E1538-F2F2-8048-A35B-447926DE1575}" type="datetimeFigureOut">
               <a:rPr lang="en-US" smtClean="0"/>
-              <a:t>7/8/18</a:t>
+              <a:t>7/9/18</a:t>
             </a:fld>
             <a:endParaRPr lang="en-US"/>
           </a:p>
@@ -2385,7 +2387,7 @@
           <a:p>
             <a:fld id="{AC6E1538-F2F2-8048-A35B-447926DE1575}" type="datetimeFigureOut">
               <a:rPr lang="en-US" smtClean="0"/>
-              <a:t>7/8/18</a:t>
+              <a:t>7/9/18</a:t>
             </a:fld>
             <a:endParaRPr lang="en-US"/>
           </a:p>
@@ -2797,7 +2799,7 @@
           <a:p>
             <a:fld id="{AC6E1538-F2F2-8048-A35B-447926DE1575}" type="datetimeFigureOut">
               <a:rPr lang="en-US" smtClean="0"/>
-              <a:t>7/8/18</a:t>
+              <a:t>7/9/18</a:t>
             </a:fld>
             <a:endParaRPr lang="en-US"/>
           </a:p>
@@ -2938,7 +2940,7 @@
           <a:p>
             <a:fld id="{AC6E1538-F2F2-8048-A35B-447926DE1575}" type="datetimeFigureOut">
               <a:rPr lang="en-US" smtClean="0"/>
-              <a:t>7/8/18</a:t>
+              <a:t>7/9/18</a:t>
             </a:fld>
             <a:endParaRPr lang="en-US"/>
           </a:p>
@@ -3051,7 +3053,7 @@
           <a:p>
             <a:fld id="{AC6E1538-F2F2-8048-A35B-447926DE1575}" type="datetimeFigureOut">
               <a:rPr lang="en-US" smtClean="0"/>
-              <a:t>7/8/18</a:t>
+              <a:t>7/9/18</a:t>
             </a:fld>
             <a:endParaRPr lang="en-US"/>
           </a:p>
@@ -3362,7 +3364,7 @@
           <a:p>
             <a:fld id="{AC6E1538-F2F2-8048-A35B-447926DE1575}" type="datetimeFigureOut">
               <a:rPr lang="en-US" smtClean="0"/>
-              <a:t>7/8/18</a:t>
+              <a:t>7/9/18</a:t>
             </a:fld>
             <a:endParaRPr lang="en-US"/>
           </a:p>
@@ -3650,7 +3652,7 @@
           <a:p>
             <a:fld id="{AC6E1538-F2F2-8048-A35B-447926DE1575}" type="datetimeFigureOut">
               <a:rPr lang="en-US" smtClean="0"/>
-              <a:t>7/8/18</a:t>
+              <a:t>7/9/18</a:t>
             </a:fld>
             <a:endParaRPr lang="en-US"/>
           </a:p>
@@ -3894,7 +3896,7 @@
           <a:p>
             <a:fld id="{AC6E1538-F2F2-8048-A35B-447926DE1575}" type="datetimeFigureOut">
               <a:rPr lang="en-US" smtClean="0"/>
-              <a:t>7/8/18</a:t>
+              <a:t>7/9/18</a:t>
             </a:fld>
             <a:endParaRPr lang="en-US"/>
           </a:p>
@@ -4412,6 +4414,47 @@
           </a:prstGeom>
         </p:spPr>
       </p:pic>
+      <p:sp>
+        <p:nvSpPr>
+          <p:cNvPr id="4" name="TextBox 3">
+            <a:extLst>
+              <a:ext uri="{FF2B5EF4-FFF2-40B4-BE49-F238E27FC236}">
+                <a16:creationId xmlns:a16="http://schemas.microsoft.com/office/drawing/2014/main" id="{C162CCD1-1589-434F-8442-796283C19778}"/>
+              </a:ext>
+            </a:extLst>
+          </p:cNvPr>
+          <p:cNvSpPr txBox="1"/>
+          <p:nvPr/>
+        </p:nvSpPr>
+        <p:spPr>
+          <a:xfrm>
+            <a:off x="4067322" y="2767521"/>
+            <a:ext cx="4046429" cy="369332"/>
+          </a:xfrm>
+          <a:prstGeom prst="rect">
+            <a:avLst/>
+          </a:prstGeom>
+          <a:noFill/>
+        </p:spPr>
+        <p:txBody>
+          <a:bodyPr wrap="none" rtlCol="0">
+            <a:spAutoFit/>
+          </a:bodyPr>
+          <a:lstStyle/>
+          <a:p>
+            <a:r>
+              <a:rPr lang="en-US" dirty="0">
+                <a:hlinkClick r:id="rId3"/>
+              </a:rPr>
+              <a:t>https://github.com/silburt/RF_DeepDive</a:t>
+            </a:r>
+            <a:r>
+              <a:rPr lang="en-US" dirty="0"/>
+              <a:t> </a:t>
+            </a:r>
+          </a:p>
+        </p:txBody>
+      </p:sp>
     </p:spTree>
     <p:extLst>
       <p:ext uri="{BB962C8B-B14F-4D97-AF65-F5344CB8AC3E}">
@@ -10033,7 +10076,7 @@
             </a:pPr>
             <a:r>
               <a:rPr lang="en-US" dirty="0"/>
-              <a:t>More: Trees become more correlated, training of each tree improved. </a:t>
+              <a:t>More: Trees become more correlated, but training of each tree improved. </a:t>
             </a:r>
           </a:p>
           <a:p>
@@ -10063,7 +10106,7 @@
             </a:pPr>
             <a:r>
               <a:rPr lang="en-US" dirty="0"/>
-              <a:t>More: Trees become more correlated, training of each tree improved. </a:t>
+              <a:t>More: Trees become more correlated, but training of each tree improved. </a:t>
             </a:r>
           </a:p>
         </p:txBody>
@@ -10671,8 +10714,8 @@
           </a:p>
         </p:txBody>
       </p:sp>
-      <mc:AlternateContent xmlns:mc="http://schemas.openxmlformats.org/markup-compatibility/2006">
-        <mc:Choice xmlns:a14="http://schemas.microsoft.com/office/drawing/2010/main" Requires="a14">
+      <mc:AlternateContent xmlns:mc="http://schemas.openxmlformats.org/markup-compatibility/2006" xmlns:a14="http://schemas.microsoft.com/office/drawing/2010/main">
+        <mc:Choice Requires="a14">
           <p:sp>
             <p:nvSpPr>
               <p:cNvPr id="7" name="Content Placeholder 5">
@@ -11075,7 +11118,7 @@
             </p:txBody>
           </p:sp>
         </mc:Choice>
-        <mc:Fallback>
+        <mc:Fallback xmlns="">
           <p:sp>
             <p:nvSpPr>
               <p:cNvPr id="7" name="Content Placeholder 5">
@@ -11120,8 +11163,8 @@
           </p:sp>
         </mc:Fallback>
       </mc:AlternateContent>
-      <mc:AlternateContent xmlns:mc="http://schemas.openxmlformats.org/markup-compatibility/2006">
-        <mc:Choice xmlns:a14="http://schemas.microsoft.com/office/drawing/2010/main" Requires="a14">
+      <mc:AlternateContent xmlns:mc="http://schemas.openxmlformats.org/markup-compatibility/2006" xmlns:a14="http://schemas.microsoft.com/office/drawing/2010/main">
+        <mc:Choice Requires="a14">
           <p:sp>
             <p:nvSpPr>
               <p:cNvPr id="8" name="TextBox 7">
@@ -11716,7 +11759,7 @@
             </p:txBody>
           </p:sp>
         </mc:Choice>
-        <mc:Fallback>
+        <mc:Fallback xmlns="">
           <p:sp>
             <p:nvSpPr>
               <p:cNvPr id="8" name="TextBox 7">
@@ -12021,8 +12064,8 @@
           </a:p>
         </p:txBody>
       </p:sp>
-      <mc:AlternateContent xmlns:mc="http://schemas.openxmlformats.org/markup-compatibility/2006">
-        <mc:Choice xmlns:a14="http://schemas.microsoft.com/office/drawing/2010/main" Requires="a14">
+      <mc:AlternateContent xmlns:mc="http://schemas.openxmlformats.org/markup-compatibility/2006" xmlns:a14="http://schemas.microsoft.com/office/drawing/2010/main">
+        <mc:Choice Requires="a14">
           <p:sp>
             <p:nvSpPr>
               <p:cNvPr id="6" name="Content Placeholder 5">
@@ -12554,7 +12597,7 @@
             </p:txBody>
           </p:sp>
         </mc:Choice>
-        <mc:Fallback>
+        <mc:Fallback xmlns="">
           <p:sp>
             <p:nvSpPr>
               <p:cNvPr id="6" name="Content Placeholder 5">
@@ -12717,7 +12760,7 @@
             <p:spPr>
               <a:xfrm>
                 <a:off x="838200" y="4274286"/>
-                <a:ext cx="9380220" cy="2729978"/>
+                <a:ext cx="9380220" cy="2766078"/>
               </a:xfrm>
               <a:prstGeom prst="rect">
                 <a:avLst/>
@@ -13051,24 +13094,31 @@
                           </m:r>
                         </m:e>
                         <m:sub>
-                          <m:r>
-                            <a:rPr lang="en-US" sz="2000" b="0" i="1" smtClean="0">
-                              <a:latin typeface="Cambria Math" panose="02040503050406030204" pitchFamily="18" charset="0"/>
-                            </a:rPr>
-                            <m:t>𝑛</m:t>
-                          </m:r>
-                          <m:r>
-                            <a:rPr lang="en-US" sz="2000" b="0" i="1" smtClean="0">
-                              <a:latin typeface="Cambria Math" panose="02040503050406030204" pitchFamily="18" charset="0"/>
-                            </a:rPr>
-                            <m:t>,</m:t>
-                          </m:r>
-                          <m:r>
-                            <a:rPr lang="en-US" sz="2000" b="0" i="1" smtClean="0">
-                              <a:latin typeface="Cambria Math" panose="02040503050406030204" pitchFamily="18" charset="0"/>
-                            </a:rPr>
-                            <m:t>𝑗</m:t>
-                          </m:r>
+                          <m:sSub>
+                            <m:sSubPr>
+                              <m:ctrlPr>
+                                <a:rPr lang="en-US" sz="2000" b="0" i="1" smtClean="0">
+                                  <a:latin typeface="Cambria Math" panose="02040503050406030204" pitchFamily="18" charset="0"/>
+                                </a:rPr>
+                              </m:ctrlPr>
+                            </m:sSubPr>
+                            <m:e>
+                              <m:r>
+                                <a:rPr lang="en-US" sz="2000" b="0" i="1" smtClean="0">
+                                  <a:latin typeface="Cambria Math" panose="02040503050406030204" pitchFamily="18" charset="0"/>
+                                </a:rPr>
+                                <m:t>𝑛</m:t>
+                              </m:r>
+                            </m:e>
+                            <m:sub>
+                              <m:r>
+                                <a:rPr lang="en-US" sz="2000" b="0" i="1" smtClean="0">
+                                  <a:latin typeface="Cambria Math" panose="02040503050406030204" pitchFamily="18" charset="0"/>
+                                </a:rPr>
+                                <m:t>𝑗</m:t>
+                              </m:r>
+                            </m:sub>
+                          </m:sSub>
                         </m:sub>
                       </m:sSub>
                       <m:r>
@@ -13220,7 +13270,6 @@
                 </a:endParaRPr>
               </a:p>
               <a:p>
-                <a:pPr/>
                 <a14:m>
                   <m:oMath xmlns:m="http://schemas.openxmlformats.org/officeDocument/2006/math">
                     <m:r>
@@ -14046,7 +14095,6 @@
                 <a:endParaRPr lang="en-US" sz="2000" dirty="0"/>
               </a:p>
               <a:p>
-                <a:pPr/>
                 <a:endParaRPr lang="en-US" sz="2000" dirty="0"/>
               </a:p>
             </p:txBody>
@@ -14070,7 +14118,7 @@
             <p:spPr>
               <a:xfrm>
                 <a:off x="838200" y="4274286"/>
-                <a:ext cx="9380220" cy="2729978"/>
+                <a:ext cx="9380220" cy="2766078"/>
               </a:xfrm>
               <a:prstGeom prst="rect">
                 <a:avLst/>
@@ -14078,7 +14126,7 @@
               <a:blipFill>
                 <a:blip r:embed="rId2"/>
                 <a:stretch>
-                  <a:fillRect l="-811" t="-926"/>
+                  <a:fillRect l="-811" t="-917"/>
                 </a:stretch>
               </a:blipFill>
             </p:spPr>
@@ -14117,8 +14165,8 @@
             <a:chExt cx="8488680" cy="1500188"/>
           </a:xfrm>
         </p:grpSpPr>
-        <mc:AlternateContent xmlns:mc="http://schemas.openxmlformats.org/markup-compatibility/2006">
-          <mc:Choice xmlns:a14="http://schemas.microsoft.com/office/drawing/2010/main" Requires="a14">
+        <mc:AlternateContent xmlns:mc="http://schemas.openxmlformats.org/markup-compatibility/2006" xmlns:a14="http://schemas.microsoft.com/office/drawing/2010/main">
+          <mc:Choice Requires="a14">
             <p:sp>
               <p:nvSpPr>
                 <p:cNvPr id="7" name="Content Placeholder 5">
@@ -14881,7 +14929,7 @@
               </p:txBody>
             </p:sp>
           </mc:Choice>
-          <mc:Fallback>
+          <mc:Fallback xmlns="">
             <p:sp>
               <p:nvSpPr>
                 <p:cNvPr id="7" name="Content Placeholder 5">
@@ -14926,8 +14974,8 @@
             </p:sp>
           </mc:Fallback>
         </mc:AlternateContent>
-        <mc:AlternateContent xmlns:mc="http://schemas.openxmlformats.org/markup-compatibility/2006">
-          <mc:Choice xmlns:a14="http://schemas.microsoft.com/office/drawing/2010/main" Requires="a14">
+        <mc:AlternateContent xmlns:mc="http://schemas.openxmlformats.org/markup-compatibility/2006" xmlns:a14="http://schemas.microsoft.com/office/drawing/2010/main">
+          <mc:Choice Requires="a14">
             <p:sp>
               <p:nvSpPr>
                 <p:cNvPr id="4" name="TextBox 3">
@@ -15094,7 +15142,7 @@
               </p:txBody>
             </p:sp>
           </mc:Choice>
-          <mc:Fallback>
+          <mc:Fallback xmlns="">
             <p:sp>
               <p:nvSpPr>
                 <p:cNvPr id="4" name="TextBox 3">
@@ -15228,8 +15276,8 @@
           </a:prstGeom>
         </p:spPr>
       </p:pic>
-      <mc:AlternateContent xmlns:mc="http://schemas.openxmlformats.org/markup-compatibility/2006">
-        <mc:Choice xmlns:a14="http://schemas.microsoft.com/office/drawing/2010/main" Requires="a14">
+      <mc:AlternateContent xmlns:mc="http://schemas.openxmlformats.org/markup-compatibility/2006" xmlns:a14="http://schemas.microsoft.com/office/drawing/2010/main">
+        <mc:Choice Requires="a14">
           <p:sp>
             <p:nvSpPr>
               <p:cNvPr id="7" name="Content Placeholder 5">
@@ -16833,7 +16881,7 @@
             </p:txBody>
           </p:sp>
         </mc:Choice>
-        <mc:Fallback>
+        <mc:Fallback xmlns="">
           <p:sp>
             <p:nvSpPr>
               <p:cNvPr id="7" name="Content Placeholder 5">
@@ -17001,6 +17049,2139 @@
           <p:cNvPr id="2" name="Title 1">
             <a:extLst>
               <a:ext uri="{FF2B5EF4-FFF2-40B4-BE49-F238E27FC236}">
+                <a16:creationId xmlns:a16="http://schemas.microsoft.com/office/drawing/2014/main" id="{73FF7C2D-58F5-E742-B811-ECCE09D272BF}"/>
+              </a:ext>
+            </a:extLst>
+          </p:cNvPr>
+          <p:cNvSpPr>
+            <a:spLocks noGrp="1"/>
+          </p:cNvSpPr>
+          <p:nvPr>
+            <p:ph type="title"/>
+          </p:nvPr>
+        </p:nvSpPr>
+        <p:spPr>
+          <a:xfrm>
+            <a:off x="319087" y="387985"/>
+            <a:ext cx="10515600" cy="1325563"/>
+          </a:xfrm>
+        </p:spPr>
+        <p:txBody>
+          <a:bodyPr>
+            <a:noAutofit/>
+          </a:bodyPr>
+          <a:lstStyle/>
+          <a:p>
+            <a:r>
+              <a:rPr lang="en-US" sz="4800" dirty="0"/>
+              <a:t>Feature Importance </a:t>
+            </a:r>
+            <a:r>
+              <a:rPr lang="en-US" sz="4500" dirty="0"/>
+              <a:t>– Intuition Check</a:t>
+            </a:r>
+          </a:p>
+        </p:txBody>
+      </p:sp>
+      <p:pic>
+        <p:nvPicPr>
+          <p:cNvPr id="4" name="Picture 3">
+            <a:extLst>
+              <a:ext uri="{FF2B5EF4-FFF2-40B4-BE49-F238E27FC236}">
+                <a16:creationId xmlns:a16="http://schemas.microsoft.com/office/drawing/2014/main" id="{DBDBF612-D009-ED4F-827A-108E60DAAC19}"/>
+              </a:ext>
+            </a:extLst>
+          </p:cNvPr>
+          <p:cNvPicPr>
+            <a:picLocks noChangeAspect="1"/>
+          </p:cNvPicPr>
+          <p:nvPr/>
+        </p:nvPicPr>
+        <p:blipFill>
+          <a:blip r:embed="rId2"/>
+          <a:stretch>
+            <a:fillRect/>
+          </a:stretch>
+        </p:blipFill>
+        <p:spPr>
+          <a:xfrm>
+            <a:off x="9415966" y="253899"/>
+            <a:ext cx="2456946" cy="2460726"/>
+          </a:xfrm>
+          <a:prstGeom prst="rect">
+            <a:avLst/>
+          </a:prstGeom>
+        </p:spPr>
+      </p:pic>
+      <p:sp>
+        <p:nvSpPr>
+          <p:cNvPr id="8" name="Content Placeholder 2">
+            <a:extLst>
+              <a:ext uri="{FF2B5EF4-FFF2-40B4-BE49-F238E27FC236}">
+                <a16:creationId xmlns:a16="http://schemas.microsoft.com/office/drawing/2014/main" id="{DA56CA24-A02B-544B-85BA-4F8F7CB6725F}"/>
+              </a:ext>
+            </a:extLst>
+          </p:cNvPr>
+          <p:cNvSpPr txBox="1">
+            <a:spLocks/>
+          </p:cNvSpPr>
+          <p:nvPr/>
+        </p:nvSpPr>
+        <p:spPr>
+          <a:xfrm>
+            <a:off x="319087" y="3703320"/>
+            <a:ext cx="6607493" cy="628650"/>
+          </a:xfrm>
+          <a:prstGeom prst="rect">
+            <a:avLst/>
+          </a:prstGeom>
+        </p:spPr>
+        <p:txBody>
+          <a:bodyPr vert="horz" lIns="91440" tIns="45720" rIns="91440" bIns="45720" rtlCol="0">
+            <a:normAutofit/>
+          </a:bodyPr>
+          <a:lstStyle>
+            <a:lvl1pPr marL="228600" indent="-228600" algn="l" defTabSz="914400" rtl="0" eaLnBrk="1" latinLnBrk="0" hangingPunct="1">
+              <a:lnSpc>
+                <a:spcPct val="90000"/>
+              </a:lnSpc>
+              <a:spcBef>
+                <a:spcPts val="1000"/>
+              </a:spcBef>
+              <a:buFont typeface="Arial" panose="020B0604020202020204" pitchFamily="34" charset="0"/>
+              <a:buChar char="•"/>
+              <a:defRPr sz="2800" kern="1200">
+                <a:solidFill>
+                  <a:schemeClr val="tx1"/>
+                </a:solidFill>
+                <a:latin typeface="+mn-lt"/>
+                <a:ea typeface="+mn-ea"/>
+                <a:cs typeface="+mn-cs"/>
+              </a:defRPr>
+            </a:lvl1pPr>
+            <a:lvl2pPr marL="685800" indent="-228600" algn="l" defTabSz="914400" rtl="0" eaLnBrk="1" latinLnBrk="0" hangingPunct="1">
+              <a:lnSpc>
+                <a:spcPct val="90000"/>
+              </a:lnSpc>
+              <a:spcBef>
+                <a:spcPts val="500"/>
+              </a:spcBef>
+              <a:buFont typeface="Arial" panose="020B0604020202020204" pitchFamily="34" charset="0"/>
+              <a:buChar char="•"/>
+              <a:defRPr sz="2400" kern="1200">
+                <a:solidFill>
+                  <a:schemeClr val="tx1"/>
+                </a:solidFill>
+                <a:latin typeface="+mn-lt"/>
+                <a:ea typeface="+mn-ea"/>
+                <a:cs typeface="+mn-cs"/>
+              </a:defRPr>
+            </a:lvl2pPr>
+            <a:lvl3pPr marL="1143000" indent="-228600" algn="l" defTabSz="914400" rtl="0" eaLnBrk="1" latinLnBrk="0" hangingPunct="1">
+              <a:lnSpc>
+                <a:spcPct val="90000"/>
+              </a:lnSpc>
+              <a:spcBef>
+                <a:spcPts val="500"/>
+              </a:spcBef>
+              <a:buFont typeface="Arial" panose="020B0604020202020204" pitchFamily="34" charset="0"/>
+              <a:buChar char="•"/>
+              <a:defRPr sz="2000" kern="1200">
+                <a:solidFill>
+                  <a:schemeClr val="tx1"/>
+                </a:solidFill>
+                <a:latin typeface="+mn-lt"/>
+                <a:ea typeface="+mn-ea"/>
+                <a:cs typeface="+mn-cs"/>
+              </a:defRPr>
+            </a:lvl3pPr>
+            <a:lvl4pPr marL="1600200" indent="-228600" algn="l" defTabSz="914400" rtl="0" eaLnBrk="1" latinLnBrk="0" hangingPunct="1">
+              <a:lnSpc>
+                <a:spcPct val="90000"/>
+              </a:lnSpc>
+              <a:spcBef>
+                <a:spcPts val="500"/>
+              </a:spcBef>
+              <a:buFont typeface="Arial" panose="020B0604020202020204" pitchFamily="34" charset="0"/>
+              <a:buChar char="•"/>
+              <a:defRPr sz="1800" kern="1200">
+                <a:solidFill>
+                  <a:schemeClr val="tx1"/>
+                </a:solidFill>
+                <a:latin typeface="+mn-lt"/>
+                <a:ea typeface="+mn-ea"/>
+                <a:cs typeface="+mn-cs"/>
+              </a:defRPr>
+            </a:lvl4pPr>
+            <a:lvl5pPr marL="2057400" indent="-228600" algn="l" defTabSz="914400" rtl="0" eaLnBrk="1" latinLnBrk="0" hangingPunct="1">
+              <a:lnSpc>
+                <a:spcPct val="90000"/>
+              </a:lnSpc>
+              <a:spcBef>
+                <a:spcPts val="500"/>
+              </a:spcBef>
+              <a:buFont typeface="Arial" panose="020B0604020202020204" pitchFamily="34" charset="0"/>
+              <a:buChar char="•"/>
+              <a:defRPr sz="1800" kern="1200">
+                <a:solidFill>
+                  <a:schemeClr val="tx1"/>
+                </a:solidFill>
+                <a:latin typeface="+mn-lt"/>
+                <a:ea typeface="+mn-ea"/>
+                <a:cs typeface="+mn-cs"/>
+              </a:defRPr>
+            </a:lvl5pPr>
+            <a:lvl6pPr marL="2514600" indent="-228600" algn="l" defTabSz="914400" rtl="0" eaLnBrk="1" latinLnBrk="0" hangingPunct="1">
+              <a:lnSpc>
+                <a:spcPct val="90000"/>
+              </a:lnSpc>
+              <a:spcBef>
+                <a:spcPts val="500"/>
+              </a:spcBef>
+              <a:buFont typeface="Arial" panose="020B0604020202020204" pitchFamily="34" charset="0"/>
+              <a:buChar char="•"/>
+              <a:defRPr sz="1800" kern="1200">
+                <a:solidFill>
+                  <a:schemeClr val="tx1"/>
+                </a:solidFill>
+                <a:latin typeface="+mn-lt"/>
+                <a:ea typeface="+mn-ea"/>
+                <a:cs typeface="+mn-cs"/>
+              </a:defRPr>
+            </a:lvl6pPr>
+            <a:lvl7pPr marL="2971800" indent="-228600" algn="l" defTabSz="914400" rtl="0" eaLnBrk="1" latinLnBrk="0" hangingPunct="1">
+              <a:lnSpc>
+                <a:spcPct val="90000"/>
+              </a:lnSpc>
+              <a:spcBef>
+                <a:spcPts val="500"/>
+              </a:spcBef>
+              <a:buFont typeface="Arial" panose="020B0604020202020204" pitchFamily="34" charset="0"/>
+              <a:buChar char="•"/>
+              <a:defRPr sz="1800" kern="1200">
+                <a:solidFill>
+                  <a:schemeClr val="tx1"/>
+                </a:solidFill>
+                <a:latin typeface="+mn-lt"/>
+                <a:ea typeface="+mn-ea"/>
+                <a:cs typeface="+mn-cs"/>
+              </a:defRPr>
+            </a:lvl7pPr>
+            <a:lvl8pPr marL="3429000" indent="-228600" algn="l" defTabSz="914400" rtl="0" eaLnBrk="1" latinLnBrk="0" hangingPunct="1">
+              <a:lnSpc>
+                <a:spcPct val="90000"/>
+              </a:lnSpc>
+              <a:spcBef>
+                <a:spcPts val="500"/>
+              </a:spcBef>
+              <a:buFont typeface="Arial" panose="020B0604020202020204" pitchFamily="34" charset="0"/>
+              <a:buChar char="•"/>
+              <a:defRPr sz="1800" kern="1200">
+                <a:solidFill>
+                  <a:schemeClr val="tx1"/>
+                </a:solidFill>
+                <a:latin typeface="+mn-lt"/>
+                <a:ea typeface="+mn-ea"/>
+                <a:cs typeface="+mn-cs"/>
+              </a:defRPr>
+            </a:lvl8pPr>
+            <a:lvl9pPr marL="3886200" indent="-228600" algn="l" defTabSz="914400" rtl="0" eaLnBrk="1" latinLnBrk="0" hangingPunct="1">
+              <a:lnSpc>
+                <a:spcPct val="90000"/>
+              </a:lnSpc>
+              <a:spcBef>
+                <a:spcPts val="500"/>
+              </a:spcBef>
+              <a:buFont typeface="Arial" panose="020B0604020202020204" pitchFamily="34" charset="0"/>
+              <a:buChar char="•"/>
+              <a:defRPr sz="1800" kern="1200">
+                <a:solidFill>
+                  <a:schemeClr val="tx1"/>
+                </a:solidFill>
+                <a:latin typeface="+mn-lt"/>
+                <a:ea typeface="+mn-ea"/>
+                <a:cs typeface="+mn-cs"/>
+              </a:defRPr>
+            </a:lvl9pPr>
+          </a:lstStyle>
+          <a:p>
+            <a:pPr marL="0" indent="0">
+              <a:buNone/>
+            </a:pPr>
+            <a:r>
+              <a:rPr lang="en-US" u="sng" dirty="0"/>
+              <a:t>What factors maximize feature importance?</a:t>
+            </a:r>
+          </a:p>
+          <a:p>
+            <a:pPr marL="0" indent="0">
+              <a:buFont typeface="Arial" panose="020B0604020202020204" pitchFamily="34" charset="0"/>
+              <a:buNone/>
+            </a:pPr>
+            <a:endParaRPr lang="en-US" dirty="0"/>
+          </a:p>
+          <a:p>
+            <a:pPr marL="0" indent="0">
+              <a:buFont typeface="Arial" panose="020B0604020202020204" pitchFamily="34" charset="0"/>
+              <a:buNone/>
+            </a:pPr>
+            <a:endParaRPr lang="en-US" dirty="0"/>
+          </a:p>
+          <a:p>
+            <a:pPr marL="0" indent="0">
+              <a:buFont typeface="Arial" panose="020B0604020202020204" pitchFamily="34" charset="0"/>
+              <a:buNone/>
+            </a:pPr>
+            <a:endParaRPr lang="en-US" dirty="0"/>
+          </a:p>
+        </p:txBody>
+      </p:sp>
+      <mc:AlternateContent xmlns:mc="http://schemas.openxmlformats.org/markup-compatibility/2006">
+        <mc:Choice xmlns:a14="http://schemas.microsoft.com/office/drawing/2010/main" Requires="a14">
+          <p:sp>
+            <p:nvSpPr>
+              <p:cNvPr id="3" name="Rectangle 2">
+                <a:extLst>
+                  <a:ext uri="{FF2B5EF4-FFF2-40B4-BE49-F238E27FC236}">
+                    <a16:creationId xmlns:a16="http://schemas.microsoft.com/office/drawing/2014/main" id="{19199C73-9652-8041-A09B-E0632775F512}"/>
+                  </a:ext>
+                </a:extLst>
+              </p:cNvPr>
+              <p:cNvSpPr/>
+              <p:nvPr/>
+            </p:nvSpPr>
+            <p:spPr>
+              <a:xfrm>
+                <a:off x="319087" y="1847634"/>
+                <a:ext cx="6846891" cy="1206484"/>
+              </a:xfrm>
+              <a:prstGeom prst="rect">
+                <a:avLst/>
+              </a:prstGeom>
+            </p:spPr>
+            <p:txBody>
+              <a:bodyPr wrap="square">
+                <a:spAutoFit/>
+              </a:bodyPr>
+              <a:lstStyle/>
+              <a:p>
+                <a14:m>
+                  <m:oMathPara xmlns:m="http://schemas.openxmlformats.org/officeDocument/2006/math">
+                    <m:oMathParaPr>
+                      <m:jc m:val="centerGroup"/>
+                    </m:oMathParaPr>
+                    <m:oMath xmlns:m="http://schemas.openxmlformats.org/officeDocument/2006/math">
+                      <m:sSub>
+                        <m:sSubPr>
+                          <m:ctrlPr>
+                            <a:rPr lang="en-US" sz="2400" i="1">
+                              <a:latin typeface="Cambria Math" panose="02040503050406030204" pitchFamily="18" charset="0"/>
+                            </a:rPr>
+                          </m:ctrlPr>
+                        </m:sSubPr>
+                        <m:e>
+                          <m:acc>
+                            <m:accPr>
+                              <m:chr m:val="̃"/>
+                              <m:ctrlPr>
+                                <a:rPr lang="en-US" sz="2400" i="1">
+                                  <a:latin typeface="Cambria Math" panose="02040503050406030204" pitchFamily="18" charset="0"/>
+                                </a:rPr>
+                              </m:ctrlPr>
+                            </m:accPr>
+                            <m:e>
+                              <m:r>
+                                <a:rPr lang="en-US" sz="2400" i="1">
+                                  <a:latin typeface="Cambria Math" panose="02040503050406030204" pitchFamily="18" charset="0"/>
+                                </a:rPr>
+                                <m:t>𝐼</m:t>
+                              </m:r>
+                            </m:e>
+                          </m:acc>
+                        </m:e>
+                        <m:sub>
+                          <m:r>
+                            <a:rPr lang="en-US" sz="2400" i="1">
+                              <a:latin typeface="Cambria Math" panose="02040503050406030204" pitchFamily="18" charset="0"/>
+                            </a:rPr>
+                            <m:t>𝑓</m:t>
+                          </m:r>
+                        </m:sub>
+                      </m:sSub>
+                      <m:r>
+                        <a:rPr lang="en-US" sz="2400" i="1">
+                          <a:latin typeface="Cambria Math" panose="02040503050406030204" pitchFamily="18" charset="0"/>
+                        </a:rPr>
+                        <m:t>=</m:t>
+                      </m:r>
+                      <m:nary>
+                        <m:naryPr>
+                          <m:chr m:val="∑"/>
+                          <m:ctrlPr>
+                            <a:rPr lang="en-US" sz="2400" i="1">
+                              <a:latin typeface="Cambria Math" panose="02040503050406030204" pitchFamily="18" charset="0"/>
+                            </a:rPr>
+                          </m:ctrlPr>
+                        </m:naryPr>
+                        <m:sub>
+                          <m:r>
+                            <m:rPr>
+                              <m:brk m:alnAt="23"/>
+                            </m:rPr>
+                            <a:rPr lang="en-US" sz="2400" i="1">
+                              <a:latin typeface="Cambria Math" panose="02040503050406030204" pitchFamily="18" charset="0"/>
+                            </a:rPr>
+                            <m:t>𝑗</m:t>
+                          </m:r>
+                          <m:r>
+                            <a:rPr lang="en-US" sz="2400" i="1">
+                              <a:latin typeface="Cambria Math" panose="02040503050406030204" pitchFamily="18" charset="0"/>
+                            </a:rPr>
+                            <m:t>=0</m:t>
+                          </m:r>
+                        </m:sub>
+                        <m:sup>
+                          <m:sSub>
+                            <m:sSubPr>
+                              <m:ctrlPr>
+                                <a:rPr lang="en-US" sz="2400" i="1">
+                                  <a:latin typeface="Cambria Math" panose="02040503050406030204" pitchFamily="18" charset="0"/>
+                                </a:rPr>
+                              </m:ctrlPr>
+                            </m:sSubPr>
+                            <m:e>
+                              <m:r>
+                                <a:rPr lang="en-US" sz="2400" i="1">
+                                  <a:latin typeface="Cambria Math" panose="02040503050406030204" pitchFamily="18" charset="0"/>
+                                </a:rPr>
+                                <m:t>𝑂</m:t>
+                              </m:r>
+                            </m:e>
+                            <m:sub>
+                              <m:r>
+                                <a:rPr lang="en-US" sz="2400" i="1">
+                                  <a:latin typeface="Cambria Math" panose="02040503050406030204" pitchFamily="18" charset="0"/>
+                                </a:rPr>
+                                <m:t>𝑓</m:t>
+                              </m:r>
+                            </m:sub>
+                          </m:sSub>
+                        </m:sup>
+                        <m:e>
+                          <m:f>
+                            <m:fPr>
+                              <m:ctrlPr>
+                                <a:rPr lang="en-US" sz="2400" i="1">
+                                  <a:latin typeface="Cambria Math" panose="02040503050406030204" pitchFamily="18" charset="0"/>
+                                </a:rPr>
+                              </m:ctrlPr>
+                            </m:fPr>
+                            <m:num>
+                              <m:sSub>
+                                <m:sSubPr>
+                                  <m:ctrlPr>
+                                    <a:rPr lang="en-US" sz="2400" i="1">
+                                      <a:latin typeface="Cambria Math" panose="02040503050406030204" pitchFamily="18" charset="0"/>
+                                    </a:rPr>
+                                  </m:ctrlPr>
+                                </m:sSubPr>
+                                <m:e>
+                                  <m:r>
+                                    <a:rPr lang="en-US" sz="2400" i="1">
+                                      <a:latin typeface="Cambria Math" panose="02040503050406030204" pitchFamily="18" charset="0"/>
+                                    </a:rPr>
+                                    <m:t>𝑁</m:t>
+                                  </m:r>
+                                </m:e>
+                                <m:sub>
+                                  <m:sSub>
+                                    <m:sSubPr>
+                                      <m:ctrlPr>
+                                        <a:rPr lang="en-US" sz="2400" i="1">
+                                          <a:latin typeface="Cambria Math" panose="02040503050406030204" pitchFamily="18" charset="0"/>
+                                        </a:rPr>
+                                      </m:ctrlPr>
+                                    </m:sSubPr>
+                                    <m:e>
+                                      <m:r>
+                                        <a:rPr lang="en-US" sz="2400" i="1">
+                                          <a:latin typeface="Cambria Math" panose="02040503050406030204" pitchFamily="18" charset="0"/>
+                                        </a:rPr>
+                                        <m:t>𝑛</m:t>
+                                      </m:r>
+                                    </m:e>
+                                    <m:sub>
+                                      <m:r>
+                                        <a:rPr lang="en-US" sz="2400" i="1">
+                                          <a:latin typeface="Cambria Math" panose="02040503050406030204" pitchFamily="18" charset="0"/>
+                                        </a:rPr>
+                                        <m:t>𝑗</m:t>
+                                      </m:r>
+                                    </m:sub>
+                                  </m:sSub>
+                                </m:sub>
+                              </m:sSub>
+                            </m:num>
+                            <m:den>
+                              <m:r>
+                                <a:rPr lang="en-US" sz="2400" i="1">
+                                  <a:latin typeface="Cambria Math" panose="02040503050406030204" pitchFamily="18" charset="0"/>
+                                </a:rPr>
+                                <m:t>𝑇</m:t>
+                              </m:r>
+                            </m:den>
+                          </m:f>
+                          <m:r>
+                            <a:rPr lang="en-US" sz="2400" i="1">
+                              <a:latin typeface="Cambria Math" panose="02040503050406030204" pitchFamily="18" charset="0"/>
+                            </a:rPr>
+                            <m:t> </m:t>
+                          </m:r>
+                          <m:d>
+                            <m:dPr>
+                              <m:ctrlPr>
+                                <a:rPr lang="en-US" sz="2400" i="1">
+                                  <a:latin typeface="Cambria Math" panose="02040503050406030204" pitchFamily="18" charset="0"/>
+                                </a:rPr>
+                              </m:ctrlPr>
+                            </m:dPr>
+                            <m:e>
+                              <m:sSub>
+                                <m:sSubPr>
+                                  <m:ctrlPr>
+                                    <a:rPr lang="en-US" sz="2400" i="1">
+                                      <a:latin typeface="Cambria Math" panose="02040503050406030204" pitchFamily="18" charset="0"/>
+                                    </a:rPr>
+                                  </m:ctrlPr>
+                                </m:sSubPr>
+                                <m:e>
+                                  <m:r>
+                                    <a:rPr lang="en-US" sz="2400" i="1">
+                                      <a:latin typeface="Cambria Math" panose="02040503050406030204" pitchFamily="18" charset="0"/>
+                                    </a:rPr>
+                                    <m:t>𝐺</m:t>
+                                  </m:r>
+                                </m:e>
+                                <m:sub>
+                                  <m:sSub>
+                                    <m:sSubPr>
+                                      <m:ctrlPr>
+                                        <a:rPr lang="en-US" sz="2400" i="1">
+                                          <a:latin typeface="Cambria Math" panose="02040503050406030204" pitchFamily="18" charset="0"/>
+                                        </a:rPr>
+                                      </m:ctrlPr>
+                                    </m:sSubPr>
+                                    <m:e>
+                                      <m:r>
+                                        <a:rPr lang="en-US" sz="2400" i="1">
+                                          <a:latin typeface="Cambria Math" panose="02040503050406030204" pitchFamily="18" charset="0"/>
+                                        </a:rPr>
+                                        <m:t>𝑛</m:t>
+                                      </m:r>
+                                    </m:e>
+                                    <m:sub>
+                                      <m:r>
+                                        <a:rPr lang="en-US" sz="2400" i="1">
+                                          <a:latin typeface="Cambria Math" panose="02040503050406030204" pitchFamily="18" charset="0"/>
+                                        </a:rPr>
+                                        <m:t>𝑗</m:t>
+                                      </m:r>
+                                    </m:sub>
+                                  </m:sSub>
+                                </m:sub>
+                              </m:sSub>
+                              <m:r>
+                                <a:rPr lang="en-US" sz="2400" i="1">
+                                  <a:latin typeface="Cambria Math" panose="02040503050406030204" pitchFamily="18" charset="0"/>
+                                </a:rPr>
+                                <m:t> −</m:t>
+                              </m:r>
+                              <m:f>
+                                <m:fPr>
+                                  <m:ctrlPr>
+                                    <a:rPr lang="en-US" sz="2400" i="1">
+                                      <a:latin typeface="Cambria Math" panose="02040503050406030204" pitchFamily="18" charset="0"/>
+                                    </a:rPr>
+                                  </m:ctrlPr>
+                                </m:fPr>
+                                <m:num>
+                                  <m:sSub>
+                                    <m:sSubPr>
+                                      <m:ctrlPr>
+                                        <a:rPr lang="en-US" sz="2400" i="1">
+                                          <a:latin typeface="Cambria Math" panose="02040503050406030204" pitchFamily="18" charset="0"/>
+                                        </a:rPr>
+                                      </m:ctrlPr>
+                                    </m:sSubPr>
+                                    <m:e>
+                                      <m:r>
+                                        <a:rPr lang="en-US" sz="2400" i="1">
+                                          <a:latin typeface="Cambria Math" panose="02040503050406030204" pitchFamily="18" charset="0"/>
+                                        </a:rPr>
+                                        <m:t>𝑁</m:t>
+                                      </m:r>
+                                    </m:e>
+                                    <m:sub>
+                                      <m:r>
+                                        <a:rPr lang="en-US" sz="2400" i="1">
+                                          <a:latin typeface="Cambria Math" panose="02040503050406030204" pitchFamily="18" charset="0"/>
+                                        </a:rPr>
+                                        <m:t>𝐿</m:t>
+                                      </m:r>
+                                      <m:sSub>
+                                        <m:sSubPr>
+                                          <m:ctrlPr>
+                                            <a:rPr lang="en-US" sz="2400" i="1">
+                                              <a:latin typeface="Cambria Math" panose="02040503050406030204" pitchFamily="18" charset="0"/>
+                                            </a:rPr>
+                                          </m:ctrlPr>
+                                        </m:sSubPr>
+                                        <m:e>
+                                          <m:r>
+                                            <a:rPr lang="en-US" sz="2400" i="1">
+                                              <a:latin typeface="Cambria Math" panose="02040503050406030204" pitchFamily="18" charset="0"/>
+                                            </a:rPr>
+                                            <m:t>𝐶</m:t>
+                                          </m:r>
+                                        </m:e>
+                                        <m:sub>
+                                          <m:r>
+                                            <a:rPr lang="en-US" sz="2400" i="1">
+                                              <a:latin typeface="Cambria Math" panose="02040503050406030204" pitchFamily="18" charset="0"/>
+                                            </a:rPr>
+                                            <m:t>𝑗</m:t>
+                                          </m:r>
+                                        </m:sub>
+                                      </m:sSub>
+                                    </m:sub>
+                                  </m:sSub>
+                                </m:num>
+                                <m:den>
+                                  <m:sSub>
+                                    <m:sSubPr>
+                                      <m:ctrlPr>
+                                        <a:rPr lang="en-US" sz="2400" i="1">
+                                          <a:latin typeface="Cambria Math" panose="02040503050406030204" pitchFamily="18" charset="0"/>
+                                        </a:rPr>
+                                      </m:ctrlPr>
+                                    </m:sSubPr>
+                                    <m:e>
+                                      <m:r>
+                                        <a:rPr lang="en-US" sz="2400" i="1">
+                                          <a:latin typeface="Cambria Math" panose="02040503050406030204" pitchFamily="18" charset="0"/>
+                                        </a:rPr>
+                                        <m:t>𝑁</m:t>
+                                      </m:r>
+                                    </m:e>
+                                    <m:sub>
+                                      <m:sSub>
+                                        <m:sSubPr>
+                                          <m:ctrlPr>
+                                            <a:rPr lang="en-US" sz="2400" i="1">
+                                              <a:latin typeface="Cambria Math" panose="02040503050406030204" pitchFamily="18" charset="0"/>
+                                            </a:rPr>
+                                          </m:ctrlPr>
+                                        </m:sSubPr>
+                                        <m:e>
+                                          <m:r>
+                                            <a:rPr lang="en-US" sz="2400" i="1">
+                                              <a:latin typeface="Cambria Math" panose="02040503050406030204" pitchFamily="18" charset="0"/>
+                                            </a:rPr>
+                                            <m:t>𝑛</m:t>
+                                          </m:r>
+                                        </m:e>
+                                        <m:sub>
+                                          <m:r>
+                                            <a:rPr lang="en-US" sz="2400" i="1">
+                                              <a:latin typeface="Cambria Math" panose="02040503050406030204" pitchFamily="18" charset="0"/>
+                                            </a:rPr>
+                                            <m:t>𝑗</m:t>
+                                          </m:r>
+                                        </m:sub>
+                                      </m:sSub>
+                                    </m:sub>
+                                  </m:sSub>
+                                </m:den>
+                              </m:f>
+                              <m:sSub>
+                                <m:sSubPr>
+                                  <m:ctrlPr>
+                                    <a:rPr lang="en-US" sz="2400" i="1">
+                                      <a:latin typeface="Cambria Math" panose="02040503050406030204" pitchFamily="18" charset="0"/>
+                                    </a:rPr>
+                                  </m:ctrlPr>
+                                </m:sSubPr>
+                                <m:e>
+                                  <m:r>
+                                    <a:rPr lang="en-US" sz="2400" i="1">
+                                      <a:latin typeface="Cambria Math" panose="02040503050406030204" pitchFamily="18" charset="0"/>
+                                    </a:rPr>
+                                    <m:t>𝐺</m:t>
+                                  </m:r>
+                                </m:e>
+                                <m:sub>
+                                  <m:r>
+                                    <a:rPr lang="en-US" sz="2400" i="1">
+                                      <a:latin typeface="Cambria Math" panose="02040503050406030204" pitchFamily="18" charset="0"/>
+                                    </a:rPr>
+                                    <m:t>𝐿</m:t>
+                                  </m:r>
+                                  <m:sSub>
+                                    <m:sSubPr>
+                                      <m:ctrlPr>
+                                        <a:rPr lang="en-US" sz="2400" i="1">
+                                          <a:latin typeface="Cambria Math" panose="02040503050406030204" pitchFamily="18" charset="0"/>
+                                        </a:rPr>
+                                      </m:ctrlPr>
+                                    </m:sSubPr>
+                                    <m:e>
+                                      <m:r>
+                                        <a:rPr lang="en-US" sz="2400" i="1">
+                                          <a:latin typeface="Cambria Math" panose="02040503050406030204" pitchFamily="18" charset="0"/>
+                                        </a:rPr>
+                                        <m:t>𝐶</m:t>
+                                      </m:r>
+                                    </m:e>
+                                    <m:sub>
+                                      <m:r>
+                                        <a:rPr lang="en-US" sz="2400" i="1">
+                                          <a:latin typeface="Cambria Math" panose="02040503050406030204" pitchFamily="18" charset="0"/>
+                                        </a:rPr>
+                                        <m:t>𝑗</m:t>
+                                      </m:r>
+                                    </m:sub>
+                                  </m:sSub>
+                                </m:sub>
+                              </m:sSub>
+                              <m:r>
+                                <a:rPr lang="en-US" sz="2400" i="1">
+                                  <a:latin typeface="Cambria Math" panose="02040503050406030204" pitchFamily="18" charset="0"/>
+                                </a:rPr>
+                                <m:t> −</m:t>
+                              </m:r>
+                              <m:f>
+                                <m:fPr>
+                                  <m:ctrlPr>
+                                    <a:rPr lang="en-US" sz="2400" i="1">
+                                      <a:latin typeface="Cambria Math" panose="02040503050406030204" pitchFamily="18" charset="0"/>
+                                    </a:rPr>
+                                  </m:ctrlPr>
+                                </m:fPr>
+                                <m:num>
+                                  <m:sSub>
+                                    <m:sSubPr>
+                                      <m:ctrlPr>
+                                        <a:rPr lang="en-US" sz="2400" i="1">
+                                          <a:latin typeface="Cambria Math" panose="02040503050406030204" pitchFamily="18" charset="0"/>
+                                        </a:rPr>
+                                      </m:ctrlPr>
+                                    </m:sSubPr>
+                                    <m:e>
+                                      <m:r>
+                                        <a:rPr lang="en-US" sz="2400" i="1">
+                                          <a:latin typeface="Cambria Math" panose="02040503050406030204" pitchFamily="18" charset="0"/>
+                                        </a:rPr>
+                                        <m:t>𝑁</m:t>
+                                      </m:r>
+                                    </m:e>
+                                    <m:sub>
+                                      <m:r>
+                                        <a:rPr lang="en-US" sz="2400" i="1">
+                                          <a:latin typeface="Cambria Math" panose="02040503050406030204" pitchFamily="18" charset="0"/>
+                                        </a:rPr>
+                                        <m:t>𝑅</m:t>
+                                      </m:r>
+                                      <m:sSub>
+                                        <m:sSubPr>
+                                          <m:ctrlPr>
+                                            <a:rPr lang="en-US" sz="2400" i="1">
+                                              <a:latin typeface="Cambria Math" panose="02040503050406030204" pitchFamily="18" charset="0"/>
+                                            </a:rPr>
+                                          </m:ctrlPr>
+                                        </m:sSubPr>
+                                        <m:e>
+                                          <m:r>
+                                            <a:rPr lang="en-US" sz="2400" i="1">
+                                              <a:latin typeface="Cambria Math" panose="02040503050406030204" pitchFamily="18" charset="0"/>
+                                            </a:rPr>
+                                            <m:t>𝐶</m:t>
+                                          </m:r>
+                                        </m:e>
+                                        <m:sub>
+                                          <m:r>
+                                            <a:rPr lang="en-US" sz="2400" i="1">
+                                              <a:latin typeface="Cambria Math" panose="02040503050406030204" pitchFamily="18" charset="0"/>
+                                            </a:rPr>
+                                            <m:t>𝑗</m:t>
+                                          </m:r>
+                                        </m:sub>
+                                      </m:sSub>
+                                    </m:sub>
+                                  </m:sSub>
+                                </m:num>
+                                <m:den>
+                                  <m:sSub>
+                                    <m:sSubPr>
+                                      <m:ctrlPr>
+                                        <a:rPr lang="en-US" sz="2400" i="1">
+                                          <a:latin typeface="Cambria Math" panose="02040503050406030204" pitchFamily="18" charset="0"/>
+                                        </a:rPr>
+                                      </m:ctrlPr>
+                                    </m:sSubPr>
+                                    <m:e>
+                                      <m:r>
+                                        <a:rPr lang="en-US" sz="2400" i="1">
+                                          <a:latin typeface="Cambria Math" panose="02040503050406030204" pitchFamily="18" charset="0"/>
+                                        </a:rPr>
+                                        <m:t>𝑁</m:t>
+                                      </m:r>
+                                    </m:e>
+                                    <m:sub>
+                                      <m:sSub>
+                                        <m:sSubPr>
+                                          <m:ctrlPr>
+                                            <a:rPr lang="en-US" sz="2400" i="1">
+                                              <a:latin typeface="Cambria Math" panose="02040503050406030204" pitchFamily="18" charset="0"/>
+                                            </a:rPr>
+                                          </m:ctrlPr>
+                                        </m:sSubPr>
+                                        <m:e>
+                                          <m:r>
+                                            <a:rPr lang="en-US" sz="2400" i="1">
+                                              <a:latin typeface="Cambria Math" panose="02040503050406030204" pitchFamily="18" charset="0"/>
+                                            </a:rPr>
+                                            <m:t>𝑛</m:t>
+                                          </m:r>
+                                        </m:e>
+                                        <m:sub>
+                                          <m:r>
+                                            <a:rPr lang="en-US" sz="2400" i="1">
+                                              <a:latin typeface="Cambria Math" panose="02040503050406030204" pitchFamily="18" charset="0"/>
+                                            </a:rPr>
+                                            <m:t>𝑗</m:t>
+                                          </m:r>
+                                        </m:sub>
+                                      </m:sSub>
+                                    </m:sub>
+                                  </m:sSub>
+                                </m:den>
+                              </m:f>
+                              <m:sSub>
+                                <m:sSubPr>
+                                  <m:ctrlPr>
+                                    <a:rPr lang="en-US" sz="2400" i="1">
+                                      <a:latin typeface="Cambria Math" panose="02040503050406030204" pitchFamily="18" charset="0"/>
+                                    </a:rPr>
+                                  </m:ctrlPr>
+                                </m:sSubPr>
+                                <m:e>
+                                  <m:r>
+                                    <a:rPr lang="en-US" sz="2400" i="1">
+                                      <a:latin typeface="Cambria Math" panose="02040503050406030204" pitchFamily="18" charset="0"/>
+                                    </a:rPr>
+                                    <m:t>𝐺</m:t>
+                                  </m:r>
+                                </m:e>
+                                <m:sub>
+                                  <m:r>
+                                    <a:rPr lang="en-US" sz="2400" i="1">
+                                      <a:latin typeface="Cambria Math" panose="02040503050406030204" pitchFamily="18" charset="0"/>
+                                    </a:rPr>
+                                    <m:t>𝑅</m:t>
+                                  </m:r>
+                                  <m:sSub>
+                                    <m:sSubPr>
+                                      <m:ctrlPr>
+                                        <a:rPr lang="en-US" sz="2400" i="1">
+                                          <a:latin typeface="Cambria Math" panose="02040503050406030204" pitchFamily="18" charset="0"/>
+                                        </a:rPr>
+                                      </m:ctrlPr>
+                                    </m:sSubPr>
+                                    <m:e>
+                                      <m:r>
+                                        <a:rPr lang="en-US" sz="2400" i="1">
+                                          <a:latin typeface="Cambria Math" panose="02040503050406030204" pitchFamily="18" charset="0"/>
+                                        </a:rPr>
+                                        <m:t>𝐶</m:t>
+                                      </m:r>
+                                    </m:e>
+                                    <m:sub>
+                                      <m:r>
+                                        <a:rPr lang="en-US" sz="2400" i="1">
+                                          <a:latin typeface="Cambria Math" panose="02040503050406030204" pitchFamily="18" charset="0"/>
+                                        </a:rPr>
+                                        <m:t>𝑗</m:t>
+                                      </m:r>
+                                    </m:sub>
+                                  </m:sSub>
+                                </m:sub>
+                              </m:sSub>
+                            </m:e>
+                          </m:d>
+                        </m:e>
+                      </m:nary>
+                    </m:oMath>
+                  </m:oMathPara>
+                </a14:m>
+                <a:endParaRPr lang="en-US" sz="2400" dirty="0"/>
+              </a:p>
+            </p:txBody>
+          </p:sp>
+        </mc:Choice>
+        <mc:Fallback>
+          <p:sp>
+            <p:nvSpPr>
+              <p:cNvPr id="3" name="Rectangle 2">
+                <a:extLst>
+                  <a:ext uri="{FF2B5EF4-FFF2-40B4-BE49-F238E27FC236}">
+                    <a16:creationId xmlns:a16="http://schemas.microsoft.com/office/drawing/2014/main" id="{19199C73-9652-8041-A09B-E0632775F512}"/>
+                  </a:ext>
+                </a:extLst>
+              </p:cNvPr>
+              <p:cNvSpPr>
+                <a:spLocks noRot="1" noChangeAspect="1" noMove="1" noResize="1" noEditPoints="1" noAdjustHandles="1" noChangeArrowheads="1" noChangeShapeType="1" noTextEdit="1"/>
+              </p:cNvSpPr>
+              <p:nvPr/>
+            </p:nvSpPr>
+            <p:spPr>
+              <a:xfrm>
+                <a:off x="319087" y="1847634"/>
+                <a:ext cx="6846891" cy="1206484"/>
+              </a:xfrm>
+              <a:prstGeom prst="rect">
+                <a:avLst/>
+              </a:prstGeom>
+              <a:blipFill>
+                <a:blip r:embed="rId3"/>
+                <a:stretch>
+                  <a:fillRect t="-91667" b="-144792"/>
+                </a:stretch>
+              </a:blipFill>
+            </p:spPr>
+            <p:txBody>
+              <a:bodyPr/>
+              <a:lstStyle/>
+              <a:p>
+                <a:r>
+                  <a:rPr lang="en-US">
+                    <a:noFill/>
+                  </a:rPr>
+                  <a:t> </a:t>
+                </a:r>
+              </a:p>
+            </p:txBody>
+          </p:sp>
+        </mc:Fallback>
+      </mc:AlternateContent>
+      <p:pic>
+        <p:nvPicPr>
+          <p:cNvPr id="7" name="Picture 6">
+            <a:extLst>
+              <a:ext uri="{FF2B5EF4-FFF2-40B4-BE49-F238E27FC236}">
+                <a16:creationId xmlns:a16="http://schemas.microsoft.com/office/drawing/2014/main" id="{6923F7C5-1454-F44C-BC77-8B2837C33C96}"/>
+              </a:ext>
+            </a:extLst>
+          </p:cNvPr>
+          <p:cNvPicPr>
+            <a:picLocks noChangeAspect="1"/>
+          </p:cNvPicPr>
+          <p:nvPr/>
+        </p:nvPicPr>
+        <p:blipFill rotWithShape="1">
+          <a:blip r:embed="rId4"/>
+          <a:srcRect l="35341" r="28818" b="68819"/>
+          <a:stretch/>
+        </p:blipFill>
+        <p:spPr>
+          <a:xfrm>
+            <a:off x="8316277" y="3374491"/>
+            <a:ext cx="3497131" cy="2363369"/>
+          </a:xfrm>
+          <a:prstGeom prst="rect">
+            <a:avLst/>
+          </a:prstGeom>
+        </p:spPr>
+      </p:pic>
+    </p:spTree>
+    <p:extLst>
+      <p:ext uri="{BB962C8B-B14F-4D97-AF65-F5344CB8AC3E}">
+        <p14:creationId xmlns:p14="http://schemas.microsoft.com/office/powerpoint/2010/main" val="3600563611"/>
+      </p:ext>
+    </p:extLst>
+  </p:cSld>
+  <p:clrMapOvr>
+    <a:masterClrMapping/>
+  </p:clrMapOvr>
+</p:sld>
+</file>
+
+<file path=ppt/slides/slide31.xml><?xml version="1.0" encoding="utf-8"?>
+<p:sld xmlns:a="http://schemas.openxmlformats.org/drawingml/2006/main" xmlns:r="http://schemas.openxmlformats.org/officeDocument/2006/relationships" xmlns:p="http://schemas.openxmlformats.org/presentationml/2006/main">
+  <p:cSld>
+    <p:spTree>
+      <p:nvGrpSpPr>
+        <p:cNvPr id="1" name=""/>
+        <p:cNvGrpSpPr/>
+        <p:nvPr/>
+      </p:nvGrpSpPr>
+      <p:grpSpPr>
+        <a:xfrm>
+          <a:off x="0" y="0"/>
+          <a:ext cx="0" cy="0"/>
+          <a:chOff x="0" y="0"/>
+          <a:chExt cx="0" cy="0"/>
+        </a:xfrm>
+      </p:grpSpPr>
+      <p:sp>
+        <p:nvSpPr>
+          <p:cNvPr id="2" name="Title 1">
+            <a:extLst>
+              <a:ext uri="{FF2B5EF4-FFF2-40B4-BE49-F238E27FC236}">
+                <a16:creationId xmlns:a16="http://schemas.microsoft.com/office/drawing/2014/main" id="{73FF7C2D-58F5-E742-B811-ECCE09D272BF}"/>
+              </a:ext>
+            </a:extLst>
+          </p:cNvPr>
+          <p:cNvSpPr>
+            <a:spLocks noGrp="1"/>
+          </p:cNvSpPr>
+          <p:nvPr>
+            <p:ph type="title"/>
+          </p:nvPr>
+        </p:nvSpPr>
+        <p:spPr>
+          <a:xfrm>
+            <a:off x="319087" y="387985"/>
+            <a:ext cx="10515600" cy="1325563"/>
+          </a:xfrm>
+        </p:spPr>
+        <p:txBody>
+          <a:bodyPr>
+            <a:noAutofit/>
+          </a:bodyPr>
+          <a:lstStyle/>
+          <a:p>
+            <a:r>
+              <a:rPr lang="en-US" sz="4800" dirty="0"/>
+              <a:t>Feature Importance </a:t>
+            </a:r>
+            <a:r>
+              <a:rPr lang="en-US" sz="4500" dirty="0"/>
+              <a:t>– Intuition Check</a:t>
+            </a:r>
+          </a:p>
+        </p:txBody>
+      </p:sp>
+      <p:pic>
+        <p:nvPicPr>
+          <p:cNvPr id="4" name="Picture 3">
+            <a:extLst>
+              <a:ext uri="{FF2B5EF4-FFF2-40B4-BE49-F238E27FC236}">
+                <a16:creationId xmlns:a16="http://schemas.microsoft.com/office/drawing/2014/main" id="{DBDBF612-D009-ED4F-827A-108E60DAAC19}"/>
+              </a:ext>
+            </a:extLst>
+          </p:cNvPr>
+          <p:cNvPicPr>
+            <a:picLocks noChangeAspect="1"/>
+          </p:cNvPicPr>
+          <p:nvPr/>
+        </p:nvPicPr>
+        <p:blipFill>
+          <a:blip r:embed="rId2"/>
+          <a:stretch>
+            <a:fillRect/>
+          </a:stretch>
+        </p:blipFill>
+        <p:spPr>
+          <a:xfrm>
+            <a:off x="9415966" y="253899"/>
+            <a:ext cx="2456946" cy="2460726"/>
+          </a:xfrm>
+          <a:prstGeom prst="rect">
+            <a:avLst/>
+          </a:prstGeom>
+        </p:spPr>
+      </p:pic>
+      <p:sp>
+        <p:nvSpPr>
+          <p:cNvPr id="8" name="Content Placeholder 2">
+            <a:extLst>
+              <a:ext uri="{FF2B5EF4-FFF2-40B4-BE49-F238E27FC236}">
+                <a16:creationId xmlns:a16="http://schemas.microsoft.com/office/drawing/2014/main" id="{DA56CA24-A02B-544B-85BA-4F8F7CB6725F}"/>
+              </a:ext>
+            </a:extLst>
+          </p:cNvPr>
+          <p:cNvSpPr txBox="1">
+            <a:spLocks/>
+          </p:cNvSpPr>
+          <p:nvPr/>
+        </p:nvSpPr>
+        <p:spPr>
+          <a:xfrm>
+            <a:off x="319087" y="3703320"/>
+            <a:ext cx="7819073" cy="2788920"/>
+          </a:xfrm>
+          <a:prstGeom prst="rect">
+            <a:avLst/>
+          </a:prstGeom>
+        </p:spPr>
+        <p:txBody>
+          <a:bodyPr vert="horz" lIns="91440" tIns="45720" rIns="91440" bIns="45720" rtlCol="0">
+            <a:normAutofit/>
+          </a:bodyPr>
+          <a:lstStyle>
+            <a:lvl1pPr marL="228600" indent="-228600" algn="l" defTabSz="914400" rtl="0" eaLnBrk="1" latinLnBrk="0" hangingPunct="1">
+              <a:lnSpc>
+                <a:spcPct val="90000"/>
+              </a:lnSpc>
+              <a:spcBef>
+                <a:spcPts val="1000"/>
+              </a:spcBef>
+              <a:buFont typeface="Arial" panose="020B0604020202020204" pitchFamily="34" charset="0"/>
+              <a:buChar char="•"/>
+              <a:defRPr sz="2800" kern="1200">
+                <a:solidFill>
+                  <a:schemeClr val="tx1"/>
+                </a:solidFill>
+                <a:latin typeface="+mn-lt"/>
+                <a:ea typeface="+mn-ea"/>
+                <a:cs typeface="+mn-cs"/>
+              </a:defRPr>
+            </a:lvl1pPr>
+            <a:lvl2pPr marL="685800" indent="-228600" algn="l" defTabSz="914400" rtl="0" eaLnBrk="1" latinLnBrk="0" hangingPunct="1">
+              <a:lnSpc>
+                <a:spcPct val="90000"/>
+              </a:lnSpc>
+              <a:spcBef>
+                <a:spcPts val="500"/>
+              </a:spcBef>
+              <a:buFont typeface="Arial" panose="020B0604020202020204" pitchFamily="34" charset="0"/>
+              <a:buChar char="•"/>
+              <a:defRPr sz="2400" kern="1200">
+                <a:solidFill>
+                  <a:schemeClr val="tx1"/>
+                </a:solidFill>
+                <a:latin typeface="+mn-lt"/>
+                <a:ea typeface="+mn-ea"/>
+                <a:cs typeface="+mn-cs"/>
+              </a:defRPr>
+            </a:lvl2pPr>
+            <a:lvl3pPr marL="1143000" indent="-228600" algn="l" defTabSz="914400" rtl="0" eaLnBrk="1" latinLnBrk="0" hangingPunct="1">
+              <a:lnSpc>
+                <a:spcPct val="90000"/>
+              </a:lnSpc>
+              <a:spcBef>
+                <a:spcPts val="500"/>
+              </a:spcBef>
+              <a:buFont typeface="Arial" panose="020B0604020202020204" pitchFamily="34" charset="0"/>
+              <a:buChar char="•"/>
+              <a:defRPr sz="2000" kern="1200">
+                <a:solidFill>
+                  <a:schemeClr val="tx1"/>
+                </a:solidFill>
+                <a:latin typeface="+mn-lt"/>
+                <a:ea typeface="+mn-ea"/>
+                <a:cs typeface="+mn-cs"/>
+              </a:defRPr>
+            </a:lvl3pPr>
+            <a:lvl4pPr marL="1600200" indent="-228600" algn="l" defTabSz="914400" rtl="0" eaLnBrk="1" latinLnBrk="0" hangingPunct="1">
+              <a:lnSpc>
+                <a:spcPct val="90000"/>
+              </a:lnSpc>
+              <a:spcBef>
+                <a:spcPts val="500"/>
+              </a:spcBef>
+              <a:buFont typeface="Arial" panose="020B0604020202020204" pitchFamily="34" charset="0"/>
+              <a:buChar char="•"/>
+              <a:defRPr sz="1800" kern="1200">
+                <a:solidFill>
+                  <a:schemeClr val="tx1"/>
+                </a:solidFill>
+                <a:latin typeface="+mn-lt"/>
+                <a:ea typeface="+mn-ea"/>
+                <a:cs typeface="+mn-cs"/>
+              </a:defRPr>
+            </a:lvl4pPr>
+            <a:lvl5pPr marL="2057400" indent="-228600" algn="l" defTabSz="914400" rtl="0" eaLnBrk="1" latinLnBrk="0" hangingPunct="1">
+              <a:lnSpc>
+                <a:spcPct val="90000"/>
+              </a:lnSpc>
+              <a:spcBef>
+                <a:spcPts val="500"/>
+              </a:spcBef>
+              <a:buFont typeface="Arial" panose="020B0604020202020204" pitchFamily="34" charset="0"/>
+              <a:buChar char="•"/>
+              <a:defRPr sz="1800" kern="1200">
+                <a:solidFill>
+                  <a:schemeClr val="tx1"/>
+                </a:solidFill>
+                <a:latin typeface="+mn-lt"/>
+                <a:ea typeface="+mn-ea"/>
+                <a:cs typeface="+mn-cs"/>
+              </a:defRPr>
+            </a:lvl5pPr>
+            <a:lvl6pPr marL="2514600" indent="-228600" algn="l" defTabSz="914400" rtl="0" eaLnBrk="1" latinLnBrk="0" hangingPunct="1">
+              <a:lnSpc>
+                <a:spcPct val="90000"/>
+              </a:lnSpc>
+              <a:spcBef>
+                <a:spcPts val="500"/>
+              </a:spcBef>
+              <a:buFont typeface="Arial" panose="020B0604020202020204" pitchFamily="34" charset="0"/>
+              <a:buChar char="•"/>
+              <a:defRPr sz="1800" kern="1200">
+                <a:solidFill>
+                  <a:schemeClr val="tx1"/>
+                </a:solidFill>
+                <a:latin typeface="+mn-lt"/>
+                <a:ea typeface="+mn-ea"/>
+                <a:cs typeface="+mn-cs"/>
+              </a:defRPr>
+            </a:lvl6pPr>
+            <a:lvl7pPr marL="2971800" indent="-228600" algn="l" defTabSz="914400" rtl="0" eaLnBrk="1" latinLnBrk="0" hangingPunct="1">
+              <a:lnSpc>
+                <a:spcPct val="90000"/>
+              </a:lnSpc>
+              <a:spcBef>
+                <a:spcPts val="500"/>
+              </a:spcBef>
+              <a:buFont typeface="Arial" panose="020B0604020202020204" pitchFamily="34" charset="0"/>
+              <a:buChar char="•"/>
+              <a:defRPr sz="1800" kern="1200">
+                <a:solidFill>
+                  <a:schemeClr val="tx1"/>
+                </a:solidFill>
+                <a:latin typeface="+mn-lt"/>
+                <a:ea typeface="+mn-ea"/>
+                <a:cs typeface="+mn-cs"/>
+              </a:defRPr>
+            </a:lvl7pPr>
+            <a:lvl8pPr marL="3429000" indent="-228600" algn="l" defTabSz="914400" rtl="0" eaLnBrk="1" latinLnBrk="0" hangingPunct="1">
+              <a:lnSpc>
+                <a:spcPct val="90000"/>
+              </a:lnSpc>
+              <a:spcBef>
+                <a:spcPts val="500"/>
+              </a:spcBef>
+              <a:buFont typeface="Arial" panose="020B0604020202020204" pitchFamily="34" charset="0"/>
+              <a:buChar char="•"/>
+              <a:defRPr sz="1800" kern="1200">
+                <a:solidFill>
+                  <a:schemeClr val="tx1"/>
+                </a:solidFill>
+                <a:latin typeface="+mn-lt"/>
+                <a:ea typeface="+mn-ea"/>
+                <a:cs typeface="+mn-cs"/>
+              </a:defRPr>
+            </a:lvl8pPr>
+            <a:lvl9pPr marL="3886200" indent="-228600" algn="l" defTabSz="914400" rtl="0" eaLnBrk="1" latinLnBrk="0" hangingPunct="1">
+              <a:lnSpc>
+                <a:spcPct val="90000"/>
+              </a:lnSpc>
+              <a:spcBef>
+                <a:spcPts val="500"/>
+              </a:spcBef>
+              <a:buFont typeface="Arial" panose="020B0604020202020204" pitchFamily="34" charset="0"/>
+              <a:buChar char="•"/>
+              <a:defRPr sz="1800" kern="1200">
+                <a:solidFill>
+                  <a:schemeClr val="tx1"/>
+                </a:solidFill>
+                <a:latin typeface="+mn-lt"/>
+                <a:ea typeface="+mn-ea"/>
+                <a:cs typeface="+mn-cs"/>
+              </a:defRPr>
+            </a:lvl9pPr>
+          </a:lstStyle>
+          <a:p>
+            <a:pPr marL="0" indent="0">
+              <a:buNone/>
+            </a:pPr>
+            <a:r>
+              <a:rPr lang="en-US" u="sng" dirty="0"/>
+              <a:t>What factors maximize feature importance?</a:t>
+            </a:r>
+          </a:p>
+          <a:p>
+            <a:pPr marL="0" indent="0">
+              <a:buNone/>
+            </a:pPr>
+            <a:r>
+              <a:rPr lang="en-US" dirty="0"/>
+              <a:t>Features used at the top of the tree contribute to the final prediction decision of a larger fraction of the input samples. The </a:t>
+            </a:r>
+            <a:r>
+              <a:rPr lang="en-US" b="1" dirty="0"/>
+              <a:t>expected fraction of the samples</a:t>
+            </a:r>
+            <a:r>
+              <a:rPr lang="en-US" dirty="0"/>
+              <a:t> they contribute to can thus be used as an estimate of the </a:t>
+            </a:r>
+            <a:r>
+              <a:rPr lang="en-US" b="1" dirty="0"/>
+              <a:t>relative importance of the features</a:t>
+            </a:r>
+            <a:r>
+              <a:rPr lang="en-US" dirty="0"/>
+              <a:t>.</a:t>
+            </a:r>
+          </a:p>
+          <a:p>
+            <a:pPr marL="0" indent="0">
+              <a:buFont typeface="Arial" panose="020B0604020202020204" pitchFamily="34" charset="0"/>
+              <a:buNone/>
+            </a:pPr>
+            <a:endParaRPr lang="en-US" dirty="0"/>
+          </a:p>
+          <a:p>
+            <a:pPr marL="0" indent="0">
+              <a:buFont typeface="Arial" panose="020B0604020202020204" pitchFamily="34" charset="0"/>
+              <a:buNone/>
+            </a:pPr>
+            <a:endParaRPr lang="en-US" dirty="0"/>
+          </a:p>
+          <a:p>
+            <a:pPr marL="0" indent="0">
+              <a:buFont typeface="Arial" panose="020B0604020202020204" pitchFamily="34" charset="0"/>
+              <a:buNone/>
+            </a:pPr>
+            <a:endParaRPr lang="en-US" dirty="0"/>
+          </a:p>
+        </p:txBody>
+      </p:sp>
+      <p:pic>
+        <p:nvPicPr>
+          <p:cNvPr id="7" name="Picture 6">
+            <a:extLst>
+              <a:ext uri="{FF2B5EF4-FFF2-40B4-BE49-F238E27FC236}">
+                <a16:creationId xmlns:a16="http://schemas.microsoft.com/office/drawing/2014/main" id="{6923F7C5-1454-F44C-BC77-8B2837C33C96}"/>
+              </a:ext>
+            </a:extLst>
+          </p:cNvPr>
+          <p:cNvPicPr>
+            <a:picLocks noChangeAspect="1"/>
+          </p:cNvPicPr>
+          <p:nvPr/>
+        </p:nvPicPr>
+        <p:blipFill rotWithShape="1">
+          <a:blip r:embed="rId3"/>
+          <a:srcRect l="35341" r="28818" b="68819"/>
+          <a:stretch/>
+        </p:blipFill>
+        <p:spPr>
+          <a:xfrm>
+            <a:off x="8316277" y="3374491"/>
+            <a:ext cx="3497131" cy="2363369"/>
+          </a:xfrm>
+          <a:prstGeom prst="rect">
+            <a:avLst/>
+          </a:prstGeom>
+        </p:spPr>
+      </p:pic>
+      <mc:AlternateContent xmlns:mc="http://schemas.openxmlformats.org/markup-compatibility/2006">
+        <mc:Choice xmlns:a14="http://schemas.microsoft.com/office/drawing/2010/main" Requires="a14">
+          <p:sp>
+            <p:nvSpPr>
+              <p:cNvPr id="9" name="Rectangle 8">
+                <a:extLst>
+                  <a:ext uri="{FF2B5EF4-FFF2-40B4-BE49-F238E27FC236}">
+                    <a16:creationId xmlns:a16="http://schemas.microsoft.com/office/drawing/2014/main" id="{E85751A4-3F3F-F949-893D-DC0851383983}"/>
+                  </a:ext>
+                </a:extLst>
+              </p:cNvPr>
+              <p:cNvSpPr/>
+              <p:nvPr/>
+            </p:nvSpPr>
+            <p:spPr>
+              <a:xfrm>
+                <a:off x="319087" y="1847634"/>
+                <a:ext cx="6846891" cy="1206484"/>
+              </a:xfrm>
+              <a:prstGeom prst="rect">
+                <a:avLst/>
+              </a:prstGeom>
+            </p:spPr>
+            <p:txBody>
+              <a:bodyPr wrap="square">
+                <a:spAutoFit/>
+              </a:bodyPr>
+              <a:lstStyle/>
+              <a:p>
+                <a14:m>
+                  <m:oMathPara xmlns:m="http://schemas.openxmlformats.org/officeDocument/2006/math">
+                    <m:oMathParaPr>
+                      <m:jc m:val="centerGroup"/>
+                    </m:oMathParaPr>
+                    <m:oMath xmlns:m="http://schemas.openxmlformats.org/officeDocument/2006/math">
+                      <m:sSub>
+                        <m:sSubPr>
+                          <m:ctrlPr>
+                            <a:rPr lang="en-US" sz="2400" i="1">
+                              <a:latin typeface="Cambria Math" panose="02040503050406030204" pitchFamily="18" charset="0"/>
+                            </a:rPr>
+                          </m:ctrlPr>
+                        </m:sSubPr>
+                        <m:e>
+                          <m:acc>
+                            <m:accPr>
+                              <m:chr m:val="̃"/>
+                              <m:ctrlPr>
+                                <a:rPr lang="en-US" sz="2400" i="1">
+                                  <a:latin typeface="Cambria Math" panose="02040503050406030204" pitchFamily="18" charset="0"/>
+                                </a:rPr>
+                              </m:ctrlPr>
+                            </m:accPr>
+                            <m:e>
+                              <m:r>
+                                <a:rPr lang="en-US" sz="2400" i="1">
+                                  <a:latin typeface="Cambria Math" panose="02040503050406030204" pitchFamily="18" charset="0"/>
+                                </a:rPr>
+                                <m:t>𝐼</m:t>
+                              </m:r>
+                            </m:e>
+                          </m:acc>
+                        </m:e>
+                        <m:sub>
+                          <m:r>
+                            <a:rPr lang="en-US" sz="2400" i="1">
+                              <a:latin typeface="Cambria Math" panose="02040503050406030204" pitchFamily="18" charset="0"/>
+                            </a:rPr>
+                            <m:t>𝑓</m:t>
+                          </m:r>
+                        </m:sub>
+                      </m:sSub>
+                      <m:r>
+                        <a:rPr lang="en-US" sz="2400" i="1">
+                          <a:latin typeface="Cambria Math" panose="02040503050406030204" pitchFamily="18" charset="0"/>
+                        </a:rPr>
+                        <m:t>=</m:t>
+                      </m:r>
+                      <m:nary>
+                        <m:naryPr>
+                          <m:chr m:val="∑"/>
+                          <m:ctrlPr>
+                            <a:rPr lang="en-US" sz="2400" i="1">
+                              <a:latin typeface="Cambria Math" panose="02040503050406030204" pitchFamily="18" charset="0"/>
+                            </a:rPr>
+                          </m:ctrlPr>
+                        </m:naryPr>
+                        <m:sub>
+                          <m:r>
+                            <m:rPr>
+                              <m:brk m:alnAt="23"/>
+                            </m:rPr>
+                            <a:rPr lang="en-US" sz="2400" i="1">
+                              <a:latin typeface="Cambria Math" panose="02040503050406030204" pitchFamily="18" charset="0"/>
+                            </a:rPr>
+                            <m:t>𝑗</m:t>
+                          </m:r>
+                          <m:r>
+                            <a:rPr lang="en-US" sz="2400" i="1">
+                              <a:latin typeface="Cambria Math" panose="02040503050406030204" pitchFamily="18" charset="0"/>
+                            </a:rPr>
+                            <m:t>=0</m:t>
+                          </m:r>
+                        </m:sub>
+                        <m:sup>
+                          <m:sSub>
+                            <m:sSubPr>
+                              <m:ctrlPr>
+                                <a:rPr lang="en-US" sz="2400" i="1">
+                                  <a:latin typeface="Cambria Math" panose="02040503050406030204" pitchFamily="18" charset="0"/>
+                                </a:rPr>
+                              </m:ctrlPr>
+                            </m:sSubPr>
+                            <m:e>
+                              <m:r>
+                                <a:rPr lang="en-US" sz="2400" i="1">
+                                  <a:latin typeface="Cambria Math" panose="02040503050406030204" pitchFamily="18" charset="0"/>
+                                </a:rPr>
+                                <m:t>𝑂</m:t>
+                              </m:r>
+                            </m:e>
+                            <m:sub>
+                              <m:r>
+                                <a:rPr lang="en-US" sz="2400" i="1">
+                                  <a:latin typeface="Cambria Math" panose="02040503050406030204" pitchFamily="18" charset="0"/>
+                                </a:rPr>
+                                <m:t>𝑓</m:t>
+                              </m:r>
+                            </m:sub>
+                          </m:sSub>
+                        </m:sup>
+                        <m:e>
+                          <m:f>
+                            <m:fPr>
+                              <m:ctrlPr>
+                                <a:rPr lang="en-US" sz="2400" i="1">
+                                  <a:latin typeface="Cambria Math" panose="02040503050406030204" pitchFamily="18" charset="0"/>
+                                </a:rPr>
+                              </m:ctrlPr>
+                            </m:fPr>
+                            <m:num>
+                              <m:sSub>
+                                <m:sSubPr>
+                                  <m:ctrlPr>
+                                    <a:rPr lang="en-US" sz="2400" i="1" smtClean="0">
+                                      <a:solidFill>
+                                        <a:srgbClr val="00B050"/>
+                                      </a:solidFill>
+                                      <a:latin typeface="Cambria Math" panose="02040503050406030204" pitchFamily="18" charset="0"/>
+                                    </a:rPr>
+                                  </m:ctrlPr>
+                                </m:sSubPr>
+                                <m:e>
+                                  <m:r>
+                                    <a:rPr lang="en-US" sz="2400" i="1">
+                                      <a:solidFill>
+                                        <a:srgbClr val="00B050"/>
+                                      </a:solidFill>
+                                      <a:latin typeface="Cambria Math" panose="02040503050406030204" pitchFamily="18" charset="0"/>
+                                    </a:rPr>
+                                    <m:t>𝑁</m:t>
+                                  </m:r>
+                                </m:e>
+                                <m:sub>
+                                  <m:sSub>
+                                    <m:sSubPr>
+                                      <m:ctrlPr>
+                                        <a:rPr lang="en-US" sz="2400" i="1">
+                                          <a:solidFill>
+                                            <a:srgbClr val="00B050"/>
+                                          </a:solidFill>
+                                          <a:latin typeface="Cambria Math" panose="02040503050406030204" pitchFamily="18" charset="0"/>
+                                        </a:rPr>
+                                      </m:ctrlPr>
+                                    </m:sSubPr>
+                                    <m:e>
+                                      <m:r>
+                                        <a:rPr lang="en-US" sz="2400" i="1">
+                                          <a:solidFill>
+                                            <a:srgbClr val="00B050"/>
+                                          </a:solidFill>
+                                          <a:latin typeface="Cambria Math" panose="02040503050406030204" pitchFamily="18" charset="0"/>
+                                        </a:rPr>
+                                        <m:t>𝑛</m:t>
+                                      </m:r>
+                                    </m:e>
+                                    <m:sub>
+                                      <m:r>
+                                        <a:rPr lang="en-US" sz="2400" i="1">
+                                          <a:solidFill>
+                                            <a:srgbClr val="00B050"/>
+                                          </a:solidFill>
+                                          <a:latin typeface="Cambria Math" panose="02040503050406030204" pitchFamily="18" charset="0"/>
+                                        </a:rPr>
+                                        <m:t>𝑗</m:t>
+                                      </m:r>
+                                    </m:sub>
+                                  </m:sSub>
+                                </m:sub>
+                              </m:sSub>
+                            </m:num>
+                            <m:den>
+                              <m:r>
+                                <a:rPr lang="en-US" sz="2400" i="1">
+                                  <a:latin typeface="Cambria Math" panose="02040503050406030204" pitchFamily="18" charset="0"/>
+                                </a:rPr>
+                                <m:t>𝑇</m:t>
+                              </m:r>
+                            </m:den>
+                          </m:f>
+                          <m:r>
+                            <a:rPr lang="en-US" sz="2400" i="1">
+                              <a:latin typeface="Cambria Math" panose="02040503050406030204" pitchFamily="18" charset="0"/>
+                            </a:rPr>
+                            <m:t> </m:t>
+                          </m:r>
+                          <m:d>
+                            <m:dPr>
+                              <m:ctrlPr>
+                                <a:rPr lang="en-US" sz="2400" i="1">
+                                  <a:latin typeface="Cambria Math" panose="02040503050406030204" pitchFamily="18" charset="0"/>
+                                </a:rPr>
+                              </m:ctrlPr>
+                            </m:dPr>
+                            <m:e>
+                              <m:sSub>
+                                <m:sSubPr>
+                                  <m:ctrlPr>
+                                    <a:rPr lang="en-US" sz="2400" i="1" smtClean="0">
+                                      <a:solidFill>
+                                        <a:srgbClr val="00B050"/>
+                                      </a:solidFill>
+                                      <a:latin typeface="Cambria Math" panose="02040503050406030204" pitchFamily="18" charset="0"/>
+                                    </a:rPr>
+                                  </m:ctrlPr>
+                                </m:sSubPr>
+                                <m:e>
+                                  <m:r>
+                                    <a:rPr lang="en-US" sz="2400" i="1">
+                                      <a:solidFill>
+                                        <a:srgbClr val="00B050"/>
+                                      </a:solidFill>
+                                      <a:latin typeface="Cambria Math" panose="02040503050406030204" pitchFamily="18" charset="0"/>
+                                    </a:rPr>
+                                    <m:t>𝐺</m:t>
+                                  </m:r>
+                                </m:e>
+                                <m:sub>
+                                  <m:sSub>
+                                    <m:sSubPr>
+                                      <m:ctrlPr>
+                                        <a:rPr lang="en-US" sz="2400" i="1">
+                                          <a:solidFill>
+                                            <a:srgbClr val="00B050"/>
+                                          </a:solidFill>
+                                          <a:latin typeface="Cambria Math" panose="02040503050406030204" pitchFamily="18" charset="0"/>
+                                        </a:rPr>
+                                      </m:ctrlPr>
+                                    </m:sSubPr>
+                                    <m:e>
+                                      <m:r>
+                                        <a:rPr lang="en-US" sz="2400" i="1">
+                                          <a:solidFill>
+                                            <a:srgbClr val="00B050"/>
+                                          </a:solidFill>
+                                          <a:latin typeface="Cambria Math" panose="02040503050406030204" pitchFamily="18" charset="0"/>
+                                        </a:rPr>
+                                        <m:t>𝑛</m:t>
+                                      </m:r>
+                                    </m:e>
+                                    <m:sub>
+                                      <m:r>
+                                        <a:rPr lang="en-US" sz="2400" i="1">
+                                          <a:solidFill>
+                                            <a:srgbClr val="00B050"/>
+                                          </a:solidFill>
+                                          <a:latin typeface="Cambria Math" panose="02040503050406030204" pitchFamily="18" charset="0"/>
+                                        </a:rPr>
+                                        <m:t>𝑗</m:t>
+                                      </m:r>
+                                    </m:sub>
+                                  </m:sSub>
+                                </m:sub>
+                              </m:sSub>
+                              <m:r>
+                                <a:rPr lang="en-US" sz="2400" i="1">
+                                  <a:latin typeface="Cambria Math" panose="02040503050406030204" pitchFamily="18" charset="0"/>
+                                </a:rPr>
+                                <m:t> −</m:t>
+                              </m:r>
+                              <m:f>
+                                <m:fPr>
+                                  <m:ctrlPr>
+                                    <a:rPr lang="en-US" sz="2400" i="1">
+                                      <a:latin typeface="Cambria Math" panose="02040503050406030204" pitchFamily="18" charset="0"/>
+                                    </a:rPr>
+                                  </m:ctrlPr>
+                                </m:fPr>
+                                <m:num>
+                                  <m:sSub>
+                                    <m:sSubPr>
+                                      <m:ctrlPr>
+                                        <a:rPr lang="en-US" sz="2400" i="1" smtClean="0">
+                                          <a:solidFill>
+                                            <a:srgbClr val="FF0000"/>
+                                          </a:solidFill>
+                                          <a:latin typeface="Cambria Math" panose="02040503050406030204" pitchFamily="18" charset="0"/>
+                                        </a:rPr>
+                                      </m:ctrlPr>
+                                    </m:sSubPr>
+                                    <m:e>
+                                      <m:r>
+                                        <a:rPr lang="en-US" sz="2400" i="1">
+                                          <a:solidFill>
+                                            <a:srgbClr val="FF0000"/>
+                                          </a:solidFill>
+                                          <a:latin typeface="Cambria Math" panose="02040503050406030204" pitchFamily="18" charset="0"/>
+                                        </a:rPr>
+                                        <m:t>𝑁</m:t>
+                                      </m:r>
+                                    </m:e>
+                                    <m:sub>
+                                      <m:r>
+                                        <a:rPr lang="en-US" sz="2400" i="1">
+                                          <a:solidFill>
+                                            <a:srgbClr val="FF0000"/>
+                                          </a:solidFill>
+                                          <a:latin typeface="Cambria Math" panose="02040503050406030204" pitchFamily="18" charset="0"/>
+                                        </a:rPr>
+                                        <m:t>𝐿</m:t>
+                                      </m:r>
+                                      <m:sSub>
+                                        <m:sSubPr>
+                                          <m:ctrlPr>
+                                            <a:rPr lang="en-US" sz="2400" i="1">
+                                              <a:solidFill>
+                                                <a:srgbClr val="FF0000"/>
+                                              </a:solidFill>
+                                              <a:latin typeface="Cambria Math" panose="02040503050406030204" pitchFamily="18" charset="0"/>
+                                            </a:rPr>
+                                          </m:ctrlPr>
+                                        </m:sSubPr>
+                                        <m:e>
+                                          <m:r>
+                                            <a:rPr lang="en-US" sz="2400" i="1">
+                                              <a:solidFill>
+                                                <a:srgbClr val="FF0000"/>
+                                              </a:solidFill>
+                                              <a:latin typeface="Cambria Math" panose="02040503050406030204" pitchFamily="18" charset="0"/>
+                                            </a:rPr>
+                                            <m:t>𝐶</m:t>
+                                          </m:r>
+                                        </m:e>
+                                        <m:sub>
+                                          <m:r>
+                                            <a:rPr lang="en-US" sz="2400" i="1">
+                                              <a:solidFill>
+                                                <a:srgbClr val="FF0000"/>
+                                              </a:solidFill>
+                                              <a:latin typeface="Cambria Math" panose="02040503050406030204" pitchFamily="18" charset="0"/>
+                                            </a:rPr>
+                                            <m:t>𝑗</m:t>
+                                          </m:r>
+                                        </m:sub>
+                                      </m:sSub>
+                                    </m:sub>
+                                  </m:sSub>
+                                </m:num>
+                                <m:den>
+                                  <m:sSub>
+                                    <m:sSubPr>
+                                      <m:ctrlPr>
+                                        <a:rPr lang="en-US" sz="2400" i="1" smtClean="0">
+                                          <a:solidFill>
+                                            <a:schemeClr val="accent6"/>
+                                          </a:solidFill>
+                                          <a:latin typeface="Cambria Math" panose="02040503050406030204" pitchFamily="18" charset="0"/>
+                                        </a:rPr>
+                                      </m:ctrlPr>
+                                    </m:sSubPr>
+                                    <m:e>
+                                      <m:r>
+                                        <a:rPr lang="en-US" sz="2400" i="1">
+                                          <a:solidFill>
+                                            <a:schemeClr val="accent6"/>
+                                          </a:solidFill>
+                                          <a:latin typeface="Cambria Math" panose="02040503050406030204" pitchFamily="18" charset="0"/>
+                                        </a:rPr>
+                                        <m:t>𝑁</m:t>
+                                      </m:r>
+                                    </m:e>
+                                    <m:sub>
+                                      <m:sSub>
+                                        <m:sSubPr>
+                                          <m:ctrlPr>
+                                            <a:rPr lang="en-US" sz="2400" i="1">
+                                              <a:solidFill>
+                                                <a:schemeClr val="accent6"/>
+                                              </a:solidFill>
+                                              <a:latin typeface="Cambria Math" panose="02040503050406030204" pitchFamily="18" charset="0"/>
+                                            </a:rPr>
+                                          </m:ctrlPr>
+                                        </m:sSubPr>
+                                        <m:e>
+                                          <m:r>
+                                            <a:rPr lang="en-US" sz="2400" i="1">
+                                              <a:solidFill>
+                                                <a:schemeClr val="accent6"/>
+                                              </a:solidFill>
+                                              <a:latin typeface="Cambria Math" panose="02040503050406030204" pitchFamily="18" charset="0"/>
+                                            </a:rPr>
+                                            <m:t>𝑛</m:t>
+                                          </m:r>
+                                        </m:e>
+                                        <m:sub>
+                                          <m:r>
+                                            <a:rPr lang="en-US" sz="2400" i="1">
+                                              <a:solidFill>
+                                                <a:schemeClr val="accent6"/>
+                                              </a:solidFill>
+                                              <a:latin typeface="Cambria Math" panose="02040503050406030204" pitchFamily="18" charset="0"/>
+                                            </a:rPr>
+                                            <m:t>𝑗</m:t>
+                                          </m:r>
+                                        </m:sub>
+                                      </m:sSub>
+                                    </m:sub>
+                                  </m:sSub>
+                                </m:den>
+                              </m:f>
+                              <m:sSub>
+                                <m:sSubPr>
+                                  <m:ctrlPr>
+                                    <a:rPr lang="en-US" sz="2400" i="1" smtClean="0">
+                                      <a:solidFill>
+                                        <a:srgbClr val="FF0000"/>
+                                      </a:solidFill>
+                                      <a:latin typeface="Cambria Math" panose="02040503050406030204" pitchFamily="18" charset="0"/>
+                                    </a:rPr>
+                                  </m:ctrlPr>
+                                </m:sSubPr>
+                                <m:e>
+                                  <m:r>
+                                    <a:rPr lang="en-US" sz="2400" i="1">
+                                      <a:solidFill>
+                                        <a:srgbClr val="FF0000"/>
+                                      </a:solidFill>
+                                      <a:latin typeface="Cambria Math" panose="02040503050406030204" pitchFamily="18" charset="0"/>
+                                    </a:rPr>
+                                    <m:t>𝐺</m:t>
+                                  </m:r>
+                                </m:e>
+                                <m:sub>
+                                  <m:r>
+                                    <a:rPr lang="en-US" sz="2400" i="1">
+                                      <a:solidFill>
+                                        <a:srgbClr val="FF0000"/>
+                                      </a:solidFill>
+                                      <a:latin typeface="Cambria Math" panose="02040503050406030204" pitchFamily="18" charset="0"/>
+                                    </a:rPr>
+                                    <m:t>𝐿</m:t>
+                                  </m:r>
+                                  <m:sSub>
+                                    <m:sSubPr>
+                                      <m:ctrlPr>
+                                        <a:rPr lang="en-US" sz="2400" i="1">
+                                          <a:solidFill>
+                                            <a:srgbClr val="FF0000"/>
+                                          </a:solidFill>
+                                          <a:latin typeface="Cambria Math" panose="02040503050406030204" pitchFamily="18" charset="0"/>
+                                        </a:rPr>
+                                      </m:ctrlPr>
+                                    </m:sSubPr>
+                                    <m:e>
+                                      <m:r>
+                                        <a:rPr lang="en-US" sz="2400" i="1">
+                                          <a:solidFill>
+                                            <a:srgbClr val="FF0000"/>
+                                          </a:solidFill>
+                                          <a:latin typeface="Cambria Math" panose="02040503050406030204" pitchFamily="18" charset="0"/>
+                                        </a:rPr>
+                                        <m:t>𝐶</m:t>
+                                      </m:r>
+                                    </m:e>
+                                    <m:sub>
+                                      <m:r>
+                                        <a:rPr lang="en-US" sz="2400" i="1">
+                                          <a:solidFill>
+                                            <a:srgbClr val="FF0000"/>
+                                          </a:solidFill>
+                                          <a:latin typeface="Cambria Math" panose="02040503050406030204" pitchFamily="18" charset="0"/>
+                                        </a:rPr>
+                                        <m:t>𝑗</m:t>
+                                      </m:r>
+                                    </m:sub>
+                                  </m:sSub>
+                                </m:sub>
+                              </m:sSub>
+                              <m:r>
+                                <a:rPr lang="en-US" sz="2400" i="1">
+                                  <a:latin typeface="Cambria Math" panose="02040503050406030204" pitchFamily="18" charset="0"/>
+                                </a:rPr>
+                                <m:t> −</m:t>
+                              </m:r>
+                              <m:f>
+                                <m:fPr>
+                                  <m:ctrlPr>
+                                    <a:rPr lang="en-US" sz="2400" i="1">
+                                      <a:latin typeface="Cambria Math" panose="02040503050406030204" pitchFamily="18" charset="0"/>
+                                    </a:rPr>
+                                  </m:ctrlPr>
+                                </m:fPr>
+                                <m:num>
+                                  <m:sSub>
+                                    <m:sSubPr>
+                                      <m:ctrlPr>
+                                        <a:rPr lang="en-US" sz="2400" i="1" smtClean="0">
+                                          <a:solidFill>
+                                            <a:srgbClr val="FF0000"/>
+                                          </a:solidFill>
+                                          <a:latin typeface="Cambria Math" panose="02040503050406030204" pitchFamily="18" charset="0"/>
+                                        </a:rPr>
+                                      </m:ctrlPr>
+                                    </m:sSubPr>
+                                    <m:e>
+                                      <m:r>
+                                        <a:rPr lang="en-US" sz="2400" i="1">
+                                          <a:solidFill>
+                                            <a:srgbClr val="FF0000"/>
+                                          </a:solidFill>
+                                          <a:latin typeface="Cambria Math" panose="02040503050406030204" pitchFamily="18" charset="0"/>
+                                        </a:rPr>
+                                        <m:t>𝑁</m:t>
+                                      </m:r>
+                                    </m:e>
+                                    <m:sub>
+                                      <m:r>
+                                        <a:rPr lang="en-US" sz="2400" i="1">
+                                          <a:solidFill>
+                                            <a:srgbClr val="FF0000"/>
+                                          </a:solidFill>
+                                          <a:latin typeface="Cambria Math" panose="02040503050406030204" pitchFamily="18" charset="0"/>
+                                        </a:rPr>
+                                        <m:t>𝑅</m:t>
+                                      </m:r>
+                                      <m:sSub>
+                                        <m:sSubPr>
+                                          <m:ctrlPr>
+                                            <a:rPr lang="en-US" sz="2400" i="1">
+                                              <a:solidFill>
+                                                <a:srgbClr val="FF0000"/>
+                                              </a:solidFill>
+                                              <a:latin typeface="Cambria Math" panose="02040503050406030204" pitchFamily="18" charset="0"/>
+                                            </a:rPr>
+                                          </m:ctrlPr>
+                                        </m:sSubPr>
+                                        <m:e>
+                                          <m:r>
+                                            <a:rPr lang="en-US" sz="2400" i="1">
+                                              <a:solidFill>
+                                                <a:srgbClr val="FF0000"/>
+                                              </a:solidFill>
+                                              <a:latin typeface="Cambria Math" panose="02040503050406030204" pitchFamily="18" charset="0"/>
+                                            </a:rPr>
+                                            <m:t>𝐶</m:t>
+                                          </m:r>
+                                        </m:e>
+                                        <m:sub>
+                                          <m:r>
+                                            <a:rPr lang="en-US" sz="2400" i="1">
+                                              <a:solidFill>
+                                                <a:srgbClr val="FF0000"/>
+                                              </a:solidFill>
+                                              <a:latin typeface="Cambria Math" panose="02040503050406030204" pitchFamily="18" charset="0"/>
+                                            </a:rPr>
+                                            <m:t>𝑗</m:t>
+                                          </m:r>
+                                        </m:sub>
+                                      </m:sSub>
+                                    </m:sub>
+                                  </m:sSub>
+                                </m:num>
+                                <m:den>
+                                  <m:sSub>
+                                    <m:sSubPr>
+                                      <m:ctrlPr>
+                                        <a:rPr lang="en-US" sz="2400" i="1" smtClean="0">
+                                          <a:solidFill>
+                                            <a:schemeClr val="accent6"/>
+                                          </a:solidFill>
+                                          <a:latin typeface="Cambria Math" panose="02040503050406030204" pitchFamily="18" charset="0"/>
+                                        </a:rPr>
+                                      </m:ctrlPr>
+                                    </m:sSubPr>
+                                    <m:e>
+                                      <m:r>
+                                        <a:rPr lang="en-US" sz="2400" i="1">
+                                          <a:solidFill>
+                                            <a:schemeClr val="accent6"/>
+                                          </a:solidFill>
+                                          <a:latin typeface="Cambria Math" panose="02040503050406030204" pitchFamily="18" charset="0"/>
+                                        </a:rPr>
+                                        <m:t>𝑁</m:t>
+                                      </m:r>
+                                    </m:e>
+                                    <m:sub>
+                                      <m:sSub>
+                                        <m:sSubPr>
+                                          <m:ctrlPr>
+                                            <a:rPr lang="en-US" sz="2400" i="1">
+                                              <a:solidFill>
+                                                <a:schemeClr val="accent6"/>
+                                              </a:solidFill>
+                                              <a:latin typeface="Cambria Math" panose="02040503050406030204" pitchFamily="18" charset="0"/>
+                                            </a:rPr>
+                                          </m:ctrlPr>
+                                        </m:sSubPr>
+                                        <m:e>
+                                          <m:r>
+                                            <a:rPr lang="en-US" sz="2400" i="1">
+                                              <a:solidFill>
+                                                <a:schemeClr val="accent6"/>
+                                              </a:solidFill>
+                                              <a:latin typeface="Cambria Math" panose="02040503050406030204" pitchFamily="18" charset="0"/>
+                                            </a:rPr>
+                                            <m:t>𝑛</m:t>
+                                          </m:r>
+                                        </m:e>
+                                        <m:sub>
+                                          <m:r>
+                                            <a:rPr lang="en-US" sz="2400" i="1">
+                                              <a:solidFill>
+                                                <a:schemeClr val="accent6"/>
+                                              </a:solidFill>
+                                              <a:latin typeface="Cambria Math" panose="02040503050406030204" pitchFamily="18" charset="0"/>
+                                            </a:rPr>
+                                            <m:t>𝑗</m:t>
+                                          </m:r>
+                                        </m:sub>
+                                      </m:sSub>
+                                    </m:sub>
+                                  </m:sSub>
+                                </m:den>
+                              </m:f>
+                              <m:sSub>
+                                <m:sSubPr>
+                                  <m:ctrlPr>
+                                    <a:rPr lang="en-US" sz="2400" i="1" smtClean="0">
+                                      <a:solidFill>
+                                        <a:srgbClr val="FF0000"/>
+                                      </a:solidFill>
+                                      <a:latin typeface="Cambria Math" panose="02040503050406030204" pitchFamily="18" charset="0"/>
+                                    </a:rPr>
+                                  </m:ctrlPr>
+                                </m:sSubPr>
+                                <m:e>
+                                  <m:r>
+                                    <a:rPr lang="en-US" sz="2400" i="1">
+                                      <a:solidFill>
+                                        <a:srgbClr val="FF0000"/>
+                                      </a:solidFill>
+                                      <a:latin typeface="Cambria Math" panose="02040503050406030204" pitchFamily="18" charset="0"/>
+                                    </a:rPr>
+                                    <m:t>𝐺</m:t>
+                                  </m:r>
+                                </m:e>
+                                <m:sub>
+                                  <m:r>
+                                    <a:rPr lang="en-US" sz="2400" i="1">
+                                      <a:solidFill>
+                                        <a:srgbClr val="FF0000"/>
+                                      </a:solidFill>
+                                      <a:latin typeface="Cambria Math" panose="02040503050406030204" pitchFamily="18" charset="0"/>
+                                    </a:rPr>
+                                    <m:t>𝑅</m:t>
+                                  </m:r>
+                                  <m:sSub>
+                                    <m:sSubPr>
+                                      <m:ctrlPr>
+                                        <a:rPr lang="en-US" sz="2400" i="1">
+                                          <a:solidFill>
+                                            <a:srgbClr val="FF0000"/>
+                                          </a:solidFill>
+                                          <a:latin typeface="Cambria Math" panose="02040503050406030204" pitchFamily="18" charset="0"/>
+                                        </a:rPr>
+                                      </m:ctrlPr>
+                                    </m:sSubPr>
+                                    <m:e>
+                                      <m:r>
+                                        <a:rPr lang="en-US" sz="2400" i="1">
+                                          <a:solidFill>
+                                            <a:srgbClr val="FF0000"/>
+                                          </a:solidFill>
+                                          <a:latin typeface="Cambria Math" panose="02040503050406030204" pitchFamily="18" charset="0"/>
+                                        </a:rPr>
+                                        <m:t>𝐶</m:t>
+                                      </m:r>
+                                    </m:e>
+                                    <m:sub>
+                                      <m:r>
+                                        <a:rPr lang="en-US" sz="2400" i="1">
+                                          <a:solidFill>
+                                            <a:srgbClr val="FF0000"/>
+                                          </a:solidFill>
+                                          <a:latin typeface="Cambria Math" panose="02040503050406030204" pitchFamily="18" charset="0"/>
+                                        </a:rPr>
+                                        <m:t>𝑗</m:t>
+                                      </m:r>
+                                    </m:sub>
+                                  </m:sSub>
+                                </m:sub>
+                              </m:sSub>
+                            </m:e>
+                          </m:d>
+                        </m:e>
+                      </m:nary>
+                    </m:oMath>
+                  </m:oMathPara>
+                </a14:m>
+                <a:endParaRPr lang="en-US" sz="2400" dirty="0"/>
+              </a:p>
+            </p:txBody>
+          </p:sp>
+        </mc:Choice>
+        <mc:Fallback>
+          <p:sp>
+            <p:nvSpPr>
+              <p:cNvPr id="9" name="Rectangle 8">
+                <a:extLst>
+                  <a:ext uri="{FF2B5EF4-FFF2-40B4-BE49-F238E27FC236}">
+                    <a16:creationId xmlns:a16="http://schemas.microsoft.com/office/drawing/2014/main" id="{E85751A4-3F3F-F949-893D-DC0851383983}"/>
+                  </a:ext>
+                </a:extLst>
+              </p:cNvPr>
+              <p:cNvSpPr>
+                <a:spLocks noRot="1" noChangeAspect="1" noMove="1" noResize="1" noEditPoints="1" noAdjustHandles="1" noChangeArrowheads="1" noChangeShapeType="1" noTextEdit="1"/>
+              </p:cNvSpPr>
+              <p:nvPr/>
+            </p:nvSpPr>
+            <p:spPr>
+              <a:xfrm>
+                <a:off x="319087" y="1847634"/>
+                <a:ext cx="6846891" cy="1206484"/>
+              </a:xfrm>
+              <a:prstGeom prst="rect">
+                <a:avLst/>
+              </a:prstGeom>
+              <a:blipFill>
+                <a:blip r:embed="rId4"/>
+                <a:stretch>
+                  <a:fillRect t="-91667" b="-144792"/>
+                </a:stretch>
+              </a:blipFill>
+            </p:spPr>
+            <p:txBody>
+              <a:bodyPr/>
+              <a:lstStyle/>
+              <a:p>
+                <a:r>
+                  <a:rPr lang="en-US">
+                    <a:noFill/>
+                  </a:rPr>
+                  <a:t> </a:t>
+                </a:r>
+              </a:p>
+            </p:txBody>
+          </p:sp>
+        </mc:Fallback>
+      </mc:AlternateContent>
+    </p:spTree>
+    <p:extLst>
+      <p:ext uri="{BB962C8B-B14F-4D97-AF65-F5344CB8AC3E}">
+        <p14:creationId xmlns:p14="http://schemas.microsoft.com/office/powerpoint/2010/main" val="1143342963"/>
+      </p:ext>
+    </p:extLst>
+  </p:cSld>
+  <p:clrMapOvr>
+    <a:masterClrMapping/>
+  </p:clrMapOvr>
+</p:sld>
+</file>
+
+<file path=ppt/slides/slide32.xml><?xml version="1.0" encoding="utf-8"?>
+<p:sld xmlns:a="http://schemas.openxmlformats.org/drawingml/2006/main" xmlns:r="http://schemas.openxmlformats.org/officeDocument/2006/relationships" xmlns:p="http://schemas.openxmlformats.org/presentationml/2006/main">
+  <p:cSld>
+    <p:spTree>
+      <p:nvGrpSpPr>
+        <p:cNvPr id="1" name=""/>
+        <p:cNvGrpSpPr/>
+        <p:nvPr/>
+      </p:nvGrpSpPr>
+      <p:grpSpPr>
+        <a:xfrm>
+          <a:off x="0" y="0"/>
+          <a:ext cx="0" cy="0"/>
+          <a:chOff x="0" y="0"/>
+          <a:chExt cx="0" cy="0"/>
+        </a:xfrm>
+      </p:grpSpPr>
+      <p:sp>
+        <p:nvSpPr>
+          <p:cNvPr id="2" name="Title 1">
+            <a:extLst>
+              <a:ext uri="{FF2B5EF4-FFF2-40B4-BE49-F238E27FC236}">
                 <a16:creationId xmlns:a16="http://schemas.microsoft.com/office/drawing/2014/main" id="{4667CB1E-1E61-9D40-B785-77FA42A868B4}"/>
               </a:ext>
             </a:extLst>
@@ -17043,7 +19224,7 @@
 </p:sld>
 </file>
 
-<file path=ppt/slides/slide31.xml><?xml version="1.0" encoding="utf-8"?>
+<file path=ppt/slides/slide33.xml><?xml version="1.0" encoding="utf-8"?>
 <p:sld xmlns:a="http://schemas.openxmlformats.org/drawingml/2006/main" xmlns:r="http://schemas.openxmlformats.org/officeDocument/2006/relationships" xmlns:p="http://schemas.openxmlformats.org/presentationml/2006/main">
   <p:cSld>
     <p:spTree>
@@ -17190,7 +19371,7 @@
 </p:sld>
 </file>
 
-<file path=ppt/slides/slide32.xml><?xml version="1.0" encoding="utf-8"?>
+<file path=ppt/slides/slide34.xml><?xml version="1.0" encoding="utf-8"?>
 <p:sld xmlns:a="http://schemas.openxmlformats.org/drawingml/2006/main" xmlns:r="http://schemas.openxmlformats.org/officeDocument/2006/relationships" xmlns:p="http://schemas.openxmlformats.org/presentationml/2006/main">
   <p:cSld>
     <p:spTree>
@@ -17378,7 +19559,7 @@
 </p:sld>
 </file>
 
-<file path=ppt/slides/slide33.xml><?xml version="1.0" encoding="utf-8"?>
+<file path=ppt/slides/slide35.xml><?xml version="1.0" encoding="utf-8"?>
 <p:sld xmlns:a="http://schemas.openxmlformats.org/drawingml/2006/main" xmlns:r="http://schemas.openxmlformats.org/officeDocument/2006/relationships" xmlns:p="http://schemas.openxmlformats.org/presentationml/2006/main">
   <p:cSld>
     <p:spTree>
@@ -17442,7 +19623,7 @@
 </p:sld>
 </file>
 
-<file path=ppt/slides/slide34.xml><?xml version="1.0" encoding="utf-8"?>
+<file path=ppt/slides/slide36.xml><?xml version="1.0" encoding="utf-8"?>
 <p:sld xmlns:a="http://schemas.openxmlformats.org/drawingml/2006/main" xmlns:r="http://schemas.openxmlformats.org/officeDocument/2006/relationships" xmlns:p="http://schemas.openxmlformats.org/presentationml/2006/main">
   <p:cSld>
     <p:spTree>
@@ -17544,7 +19725,7 @@
 </p:sld>
 </file>
 
-<file path=ppt/slides/slide35.xml><?xml version="1.0" encoding="utf-8"?>
+<file path=ppt/slides/slide37.xml><?xml version="1.0" encoding="utf-8"?>
 <p:sld xmlns:a="http://schemas.openxmlformats.org/drawingml/2006/main" xmlns:r="http://schemas.openxmlformats.org/officeDocument/2006/relationships" xmlns:p="http://schemas.openxmlformats.org/presentationml/2006/main">
   <p:cSld>
     <p:spTree>
@@ -17660,7 +19841,7 @@
 </p:sld>
 </file>
 
-<file path=ppt/slides/slide36.xml><?xml version="1.0" encoding="utf-8"?>
+<file path=ppt/slides/slide38.xml><?xml version="1.0" encoding="utf-8"?>
 <p:sld xmlns:a="http://schemas.openxmlformats.org/drawingml/2006/main" xmlns:r="http://schemas.openxmlformats.org/officeDocument/2006/relationships" xmlns:p="http://schemas.openxmlformats.org/presentationml/2006/main">
   <p:cSld>
     <p:spTree>
@@ -18133,7 +20314,7 @@
 </p:sld>
 </file>
 
-<file path=ppt/slides/slide37.xml><?xml version="1.0" encoding="utf-8"?>
+<file path=ppt/slides/slide39.xml><?xml version="1.0" encoding="utf-8"?>
 <p:sld xmlns:a="http://schemas.openxmlformats.org/drawingml/2006/main" xmlns:r="http://schemas.openxmlformats.org/officeDocument/2006/relationships" xmlns:p="http://schemas.openxmlformats.org/presentationml/2006/main">
   <p:cSld>
     <p:spTree>

--- a/presentation.pptx
+++ b/presentation.pptx
@@ -5,7 +5,7 @@
     <p:sldMasterId id="2147483648" r:id="rId1"/>
   </p:sldMasterIdLst>
   <p:notesMasterIdLst>
-    <p:notesMasterId r:id="rId41"/>
+    <p:notesMasterId r:id="rId42"/>
   </p:notesMasterIdLst>
   <p:sldIdLst>
     <p:sldId id="256" r:id="rId2"/>
@@ -24,29 +24,30 @@
     <p:sldId id="270" r:id="rId15"/>
     <p:sldId id="276" r:id="rId16"/>
     <p:sldId id="285" r:id="rId17"/>
-    <p:sldId id="271" r:id="rId18"/>
-    <p:sldId id="272" r:id="rId19"/>
-    <p:sldId id="273" r:id="rId20"/>
-    <p:sldId id="283" r:id="rId21"/>
-    <p:sldId id="284" r:id="rId22"/>
-    <p:sldId id="279" r:id="rId23"/>
-    <p:sldId id="263" r:id="rId24"/>
-    <p:sldId id="288" r:id="rId25"/>
-    <p:sldId id="287" r:id="rId26"/>
-    <p:sldId id="280" r:id="rId27"/>
-    <p:sldId id="264" r:id="rId28"/>
-    <p:sldId id="295" r:id="rId29"/>
-    <p:sldId id="296" r:id="rId30"/>
-    <p:sldId id="297" r:id="rId31"/>
-    <p:sldId id="299" r:id="rId32"/>
-    <p:sldId id="291" r:id="rId33"/>
-    <p:sldId id="282" r:id="rId34"/>
-    <p:sldId id="289" r:id="rId35"/>
-    <p:sldId id="292" r:id="rId36"/>
-    <p:sldId id="274" r:id="rId37"/>
-    <p:sldId id="281" r:id="rId38"/>
-    <p:sldId id="290" r:id="rId39"/>
-    <p:sldId id="261" r:id="rId40"/>
+    <p:sldId id="300" r:id="rId18"/>
+    <p:sldId id="271" r:id="rId19"/>
+    <p:sldId id="272" r:id="rId20"/>
+    <p:sldId id="273" r:id="rId21"/>
+    <p:sldId id="283" r:id="rId22"/>
+    <p:sldId id="284" r:id="rId23"/>
+    <p:sldId id="279" r:id="rId24"/>
+    <p:sldId id="263" r:id="rId25"/>
+    <p:sldId id="288" r:id="rId26"/>
+    <p:sldId id="287" r:id="rId27"/>
+    <p:sldId id="280" r:id="rId28"/>
+    <p:sldId id="264" r:id="rId29"/>
+    <p:sldId id="295" r:id="rId30"/>
+    <p:sldId id="296" r:id="rId31"/>
+    <p:sldId id="297" r:id="rId32"/>
+    <p:sldId id="299" r:id="rId33"/>
+    <p:sldId id="291" r:id="rId34"/>
+    <p:sldId id="282" r:id="rId35"/>
+    <p:sldId id="289" r:id="rId36"/>
+    <p:sldId id="292" r:id="rId37"/>
+    <p:sldId id="274" r:id="rId38"/>
+    <p:sldId id="281" r:id="rId39"/>
+    <p:sldId id="290" r:id="rId40"/>
+    <p:sldId id="261" r:id="rId41"/>
   </p:sldIdLst>
   <p:sldSz cx="12192000" cy="6858000"/>
   <p:notesSz cx="6858000" cy="9144000"/>
@@ -235,7 +236,7 @@
           <a:p>
             <a:fld id="{08AF7D33-D743-8B41-8683-06420F75D03D}" type="datetimeFigureOut">
               <a:rPr lang="en-US" smtClean="0"/>
-              <a:t>7/9/18</a:t>
+              <a:t>7/10/18</a:t>
             </a:fld>
             <a:endParaRPr lang="en-US"/>
           </a:p>
@@ -896,80 +897,8 @@
           <a:p>
             <a:r>
               <a:rPr lang="en-US" dirty="0"/>
-              <a:t>-When feature shows up multiple times, sum over them.</a:t>
-            </a:r>
-          </a:p>
-          <a:p>
-            <a:r>
-              <a:rPr lang="en-US" dirty="0"/>
-              <a:t>-For Random forest, sum over all trees. </a:t>
-            </a:r>
-          </a:p>
-          <a:p>
-            <a:endParaRPr lang="en-US" dirty="0"/>
-          </a:p>
-          <a:p>
-            <a:r>
-              <a:rPr lang="en-US" sz="1200" b="0" i="0" kern="1200" dirty="0">
-                <a:solidFill>
-                  <a:schemeClr val="tx1"/>
-                </a:solidFill>
-                <a:effectLst/>
-                <a:latin typeface="+mn-lt"/>
-                <a:ea typeface="+mn-ea"/>
-                <a:cs typeface="+mn-cs"/>
-              </a:rPr>
-              <a:t>Features used at the top of the tree contribute to the final prediction decision of a larger fraction of the input samples. The </a:t>
-            </a:r>
-            <a:r>
-              <a:rPr lang="en-US" sz="1200" b="1" i="0" kern="1200" dirty="0">
-                <a:solidFill>
-                  <a:schemeClr val="tx1"/>
-                </a:solidFill>
-                <a:effectLst/>
-                <a:latin typeface="+mn-lt"/>
-                <a:ea typeface="+mn-ea"/>
-                <a:cs typeface="+mn-cs"/>
-              </a:rPr>
-              <a:t>expected fraction of the samples</a:t>
-            </a:r>
-            <a:r>
-              <a:rPr lang="en-US" sz="1200" b="0" i="0" kern="1200" dirty="0">
-                <a:solidFill>
-                  <a:schemeClr val="tx1"/>
-                </a:solidFill>
-                <a:effectLst/>
-                <a:latin typeface="+mn-lt"/>
-                <a:ea typeface="+mn-ea"/>
-                <a:cs typeface="+mn-cs"/>
-              </a:rPr>
-              <a:t> they contribute to can thus be used as an estimate of the </a:t>
-            </a:r>
-            <a:r>
-              <a:rPr lang="en-US" sz="1200" b="1" i="0" kern="1200" dirty="0">
-                <a:solidFill>
-                  <a:schemeClr val="tx1"/>
-                </a:solidFill>
-                <a:effectLst/>
-                <a:latin typeface="+mn-lt"/>
-                <a:ea typeface="+mn-ea"/>
-                <a:cs typeface="+mn-cs"/>
-              </a:rPr>
-              <a:t>relative importance of the features</a:t>
-            </a:r>
-            <a:r>
-              <a:rPr lang="en-US" sz="1200" b="0" i="0" kern="1200" dirty="0">
-                <a:solidFill>
-                  <a:schemeClr val="tx1"/>
-                </a:solidFill>
-                <a:effectLst/>
-                <a:latin typeface="+mn-lt"/>
-                <a:ea typeface="+mn-ea"/>
-                <a:cs typeface="+mn-cs"/>
-              </a:rPr>
-              <a:t>.</a:t>
-            </a:r>
-            <a:endParaRPr lang="en-US" dirty="0"/>
+              <a:t>So how do we make the trees uncorrelated and independent?</a:t>
+            </a:r>
           </a:p>
         </p:txBody>
       </p:sp>
@@ -990,7 +919,7 @@
           <a:p>
             <a:fld id="{F8E7675B-F641-1042-8CF6-5B751F5EF7F4}" type="slidenum">
               <a:rPr lang="en-US" smtClean="0"/>
-              <a:t>29</a:t>
+              <a:t>17</a:t>
             </a:fld>
             <a:endParaRPr lang="en-US"/>
           </a:p>
@@ -999,7 +928,7 @@
     </p:spTree>
     <p:extLst>
       <p:ext uri="{BB962C8B-B14F-4D97-AF65-F5344CB8AC3E}">
-        <p14:creationId xmlns:p14="http://schemas.microsoft.com/office/powerpoint/2010/main" val="2415863962"/>
+        <p14:creationId xmlns:p14="http://schemas.microsoft.com/office/powerpoint/2010/main" val="3489925912"/>
       </p:ext>
     </p:extLst>
   </p:cSld>
@@ -1055,8 +984,80 @@
           <a:p>
             <a:r>
               <a:rPr lang="en-US" dirty="0"/>
-              <a:t>Can see that some leaves have a single sample in it (out of 150 total samples). </a:t>
-            </a:r>
+              <a:t>-When feature shows up multiple times, sum over them.</a:t>
+            </a:r>
+          </a:p>
+          <a:p>
+            <a:r>
+              <a:rPr lang="en-US" dirty="0"/>
+              <a:t>-For Random forest, sum over all trees. </a:t>
+            </a:r>
+          </a:p>
+          <a:p>
+            <a:endParaRPr lang="en-US" dirty="0"/>
+          </a:p>
+          <a:p>
+            <a:r>
+              <a:rPr lang="en-US" sz="1200" b="0" i="0" kern="1200" dirty="0">
+                <a:solidFill>
+                  <a:schemeClr val="tx1"/>
+                </a:solidFill>
+                <a:effectLst/>
+                <a:latin typeface="+mn-lt"/>
+                <a:ea typeface="+mn-ea"/>
+                <a:cs typeface="+mn-cs"/>
+              </a:rPr>
+              <a:t>Features used at the top of the tree contribute to the final prediction decision of a larger fraction of the input samples. The </a:t>
+            </a:r>
+            <a:r>
+              <a:rPr lang="en-US" sz="1200" b="1" i="0" kern="1200" dirty="0">
+                <a:solidFill>
+                  <a:schemeClr val="tx1"/>
+                </a:solidFill>
+                <a:effectLst/>
+                <a:latin typeface="+mn-lt"/>
+                <a:ea typeface="+mn-ea"/>
+                <a:cs typeface="+mn-cs"/>
+              </a:rPr>
+              <a:t>expected fraction of the samples</a:t>
+            </a:r>
+            <a:r>
+              <a:rPr lang="en-US" sz="1200" b="0" i="0" kern="1200" dirty="0">
+                <a:solidFill>
+                  <a:schemeClr val="tx1"/>
+                </a:solidFill>
+                <a:effectLst/>
+                <a:latin typeface="+mn-lt"/>
+                <a:ea typeface="+mn-ea"/>
+                <a:cs typeface="+mn-cs"/>
+              </a:rPr>
+              <a:t> they contribute to can thus be used as an estimate of the </a:t>
+            </a:r>
+            <a:r>
+              <a:rPr lang="en-US" sz="1200" b="1" i="0" kern="1200" dirty="0">
+                <a:solidFill>
+                  <a:schemeClr val="tx1"/>
+                </a:solidFill>
+                <a:effectLst/>
+                <a:latin typeface="+mn-lt"/>
+                <a:ea typeface="+mn-ea"/>
+                <a:cs typeface="+mn-cs"/>
+              </a:rPr>
+              <a:t>relative importance of the features</a:t>
+            </a:r>
+            <a:r>
+              <a:rPr lang="en-US" sz="1200" b="0" i="0" kern="1200" dirty="0">
+                <a:solidFill>
+                  <a:schemeClr val="tx1"/>
+                </a:solidFill>
+                <a:effectLst/>
+                <a:latin typeface="+mn-lt"/>
+                <a:ea typeface="+mn-ea"/>
+                <a:cs typeface="+mn-cs"/>
+              </a:rPr>
+              <a:t>.</a:t>
+            </a:r>
+            <a:endParaRPr lang="en-US" dirty="0"/>
           </a:p>
         </p:txBody>
       </p:sp>
@@ -1077,7 +1078,94 @@
           <a:p>
             <a:fld id="{F8E7675B-F641-1042-8CF6-5B751F5EF7F4}" type="slidenum">
               <a:rPr lang="en-US" smtClean="0"/>
-              <a:t>33</a:t>
+              <a:t>30</a:t>
+            </a:fld>
+            <a:endParaRPr lang="en-US"/>
+          </a:p>
+        </p:txBody>
+      </p:sp>
+    </p:spTree>
+    <p:extLst>
+      <p:ext uri="{BB962C8B-B14F-4D97-AF65-F5344CB8AC3E}">
+        <p14:creationId xmlns:p14="http://schemas.microsoft.com/office/powerpoint/2010/main" val="2415863962"/>
+      </p:ext>
+    </p:extLst>
+  </p:cSld>
+  <p:clrMapOvr>
+    <a:masterClrMapping/>
+  </p:clrMapOvr>
+</p:notes>
+</file>
+
+<file path=ppt/notesSlides/notesSlide7.xml><?xml version="1.0" encoding="utf-8"?>
+<p:notes xmlns:a="http://schemas.openxmlformats.org/drawingml/2006/main" xmlns:r="http://schemas.openxmlformats.org/officeDocument/2006/relationships" xmlns:p="http://schemas.openxmlformats.org/presentationml/2006/main">
+  <p:cSld>
+    <p:spTree>
+      <p:nvGrpSpPr>
+        <p:cNvPr id="1" name=""/>
+        <p:cNvGrpSpPr/>
+        <p:nvPr/>
+      </p:nvGrpSpPr>
+      <p:grpSpPr>
+        <a:xfrm>
+          <a:off x="0" y="0"/>
+          <a:ext cx="0" cy="0"/>
+          <a:chOff x="0" y="0"/>
+          <a:chExt cx="0" cy="0"/>
+        </a:xfrm>
+      </p:grpSpPr>
+      <p:sp>
+        <p:nvSpPr>
+          <p:cNvPr id="2" name="Slide Image Placeholder 1"/>
+          <p:cNvSpPr>
+            <a:spLocks noGrp="1" noRot="1" noChangeAspect="1"/>
+          </p:cNvSpPr>
+          <p:nvPr>
+            <p:ph type="sldImg"/>
+          </p:nvPr>
+        </p:nvSpPr>
+        <p:spPr/>
+      </p:sp>
+      <p:sp>
+        <p:nvSpPr>
+          <p:cNvPr id="3" name="Notes Placeholder 2"/>
+          <p:cNvSpPr>
+            <a:spLocks noGrp="1"/>
+          </p:cNvSpPr>
+          <p:nvPr>
+            <p:ph type="body" idx="1"/>
+          </p:nvPr>
+        </p:nvSpPr>
+        <p:spPr/>
+        <p:txBody>
+          <a:bodyPr/>
+          <a:lstStyle/>
+          <a:p>
+            <a:r>
+              <a:rPr lang="en-US" dirty="0"/>
+              <a:t>Can see that some leaves have a single sample in it (out of 150 total samples). </a:t>
+            </a:r>
+          </a:p>
+        </p:txBody>
+      </p:sp>
+      <p:sp>
+        <p:nvSpPr>
+          <p:cNvPr id="4" name="Slide Number Placeholder 3"/>
+          <p:cNvSpPr>
+            <a:spLocks noGrp="1"/>
+          </p:cNvSpPr>
+          <p:nvPr>
+            <p:ph type="sldNum" sz="quarter" idx="10"/>
+          </p:nvPr>
+        </p:nvSpPr>
+        <p:spPr/>
+        <p:txBody>
+          <a:bodyPr/>
+          <a:lstStyle/>
+          <a:p>
+            <a:fld id="{F8E7675B-F641-1042-8CF6-5B751F5EF7F4}" type="slidenum">
+              <a:rPr lang="en-US" smtClean="0"/>
+              <a:t>34</a:t>
             </a:fld>
             <a:endParaRPr lang="en-US"/>
           </a:p>
@@ -1243,7 +1331,7 @@
           <a:p>
             <a:fld id="{AC6E1538-F2F2-8048-A35B-447926DE1575}" type="datetimeFigureOut">
               <a:rPr lang="en-US" smtClean="0"/>
-              <a:t>7/9/18</a:t>
+              <a:t>7/10/18</a:t>
             </a:fld>
             <a:endParaRPr lang="en-US"/>
           </a:p>
@@ -1441,7 +1529,7 @@
           <a:p>
             <a:fld id="{AC6E1538-F2F2-8048-A35B-447926DE1575}" type="datetimeFigureOut">
               <a:rPr lang="en-US" smtClean="0"/>
-              <a:t>7/9/18</a:t>
+              <a:t>7/10/18</a:t>
             </a:fld>
             <a:endParaRPr lang="en-US"/>
           </a:p>
@@ -1649,7 +1737,7 @@
           <a:p>
             <a:fld id="{AC6E1538-F2F2-8048-A35B-447926DE1575}" type="datetimeFigureOut">
               <a:rPr lang="en-US" smtClean="0"/>
-              <a:t>7/9/18</a:t>
+              <a:t>7/10/18</a:t>
             </a:fld>
             <a:endParaRPr lang="en-US"/>
           </a:p>
@@ -1847,7 +1935,7 @@
           <a:p>
             <a:fld id="{AC6E1538-F2F2-8048-A35B-447926DE1575}" type="datetimeFigureOut">
               <a:rPr lang="en-US" smtClean="0"/>
-              <a:t>7/9/18</a:t>
+              <a:t>7/10/18</a:t>
             </a:fld>
             <a:endParaRPr lang="en-US"/>
           </a:p>
@@ -2122,7 +2210,7 @@
           <a:p>
             <a:fld id="{AC6E1538-F2F2-8048-A35B-447926DE1575}" type="datetimeFigureOut">
               <a:rPr lang="en-US" smtClean="0"/>
-              <a:t>7/9/18</a:t>
+              <a:t>7/10/18</a:t>
             </a:fld>
             <a:endParaRPr lang="en-US"/>
           </a:p>
@@ -2387,7 +2475,7 @@
           <a:p>
             <a:fld id="{AC6E1538-F2F2-8048-A35B-447926DE1575}" type="datetimeFigureOut">
               <a:rPr lang="en-US" smtClean="0"/>
-              <a:t>7/9/18</a:t>
+              <a:t>7/10/18</a:t>
             </a:fld>
             <a:endParaRPr lang="en-US"/>
           </a:p>
@@ -2799,7 +2887,7 @@
           <a:p>
             <a:fld id="{AC6E1538-F2F2-8048-A35B-447926DE1575}" type="datetimeFigureOut">
               <a:rPr lang="en-US" smtClean="0"/>
-              <a:t>7/9/18</a:t>
+              <a:t>7/10/18</a:t>
             </a:fld>
             <a:endParaRPr lang="en-US"/>
           </a:p>
@@ -2940,7 +3028,7 @@
           <a:p>
             <a:fld id="{AC6E1538-F2F2-8048-A35B-447926DE1575}" type="datetimeFigureOut">
               <a:rPr lang="en-US" smtClean="0"/>
-              <a:t>7/9/18</a:t>
+              <a:t>7/10/18</a:t>
             </a:fld>
             <a:endParaRPr lang="en-US"/>
           </a:p>
@@ -3053,7 +3141,7 @@
           <a:p>
             <a:fld id="{AC6E1538-F2F2-8048-A35B-447926DE1575}" type="datetimeFigureOut">
               <a:rPr lang="en-US" smtClean="0"/>
-              <a:t>7/9/18</a:t>
+              <a:t>7/10/18</a:t>
             </a:fld>
             <a:endParaRPr lang="en-US"/>
           </a:p>
@@ -3364,7 +3452,7 @@
           <a:p>
             <a:fld id="{AC6E1538-F2F2-8048-A35B-447926DE1575}" type="datetimeFigureOut">
               <a:rPr lang="en-US" smtClean="0"/>
-              <a:t>7/9/18</a:t>
+              <a:t>7/10/18</a:t>
             </a:fld>
             <a:endParaRPr lang="en-US"/>
           </a:p>
@@ -3652,7 +3740,7 @@
           <a:p>
             <a:fld id="{AC6E1538-F2F2-8048-A35B-447926DE1575}" type="datetimeFigureOut">
               <a:rPr lang="en-US" smtClean="0"/>
-              <a:t>7/9/18</a:t>
+              <a:t>7/10/18</a:t>
             </a:fld>
             <a:endParaRPr lang="en-US"/>
           </a:p>
@@ -3896,7 +3984,7 @@
           <a:p>
             <a:fld id="{AC6E1538-F2F2-8048-A35B-447926DE1575}" type="datetimeFigureOut">
               <a:rPr lang="en-US" smtClean="0"/>
-              <a:t>7/9/18</a:t>
+              <a:t>7/10/18</a:t>
             </a:fld>
             <a:endParaRPr lang="en-US"/>
           </a:p>
@@ -7301,44 +7389,81 @@
           <a:p>
             <a:r>
               <a:rPr lang="en-US" dirty="0"/>
-              <a:t>Random Forests – Randomize Data</a:t>
+              <a:t>Random Forests – Many Decision Trees</a:t>
+            </a:r>
+          </a:p>
+        </p:txBody>
+      </p:sp>
+      <p:sp>
+        <p:nvSpPr>
+          <p:cNvPr id="5" name="Content Placeholder 4">
+            <a:extLst>
+              <a:ext uri="{FF2B5EF4-FFF2-40B4-BE49-F238E27FC236}">
+                <a16:creationId xmlns:a16="http://schemas.microsoft.com/office/drawing/2014/main" id="{95C0748B-F43C-E543-B1D2-FEAED9698F31}"/>
+              </a:ext>
+            </a:extLst>
+          </p:cNvPr>
+          <p:cNvSpPr>
+            <a:spLocks noGrp="1"/>
+          </p:cNvSpPr>
+          <p:nvPr>
+            <p:ph idx="1"/>
+          </p:nvPr>
+        </p:nvSpPr>
+        <p:spPr>
+          <a:xfrm>
+            <a:off x="838201" y="1690688"/>
+            <a:ext cx="8691562" cy="3981450"/>
+          </a:xfrm>
+          <a:ln>
+            <a:noFill/>
+          </a:ln>
+        </p:spPr>
+        <p:txBody>
+          <a:bodyPr/>
+          <a:lstStyle/>
+          <a:p>
+            <a:r>
+              <a:rPr lang="en-US" dirty="0"/>
+              <a:t>How do we make trees as independent and uncorrelated as possible?</a:t>
             </a:r>
           </a:p>
         </p:txBody>
       </p:sp>
       <p:pic>
         <p:nvPicPr>
-          <p:cNvPr id="8" name="Content Placeholder 7">
+          <p:cNvPr id="16" name="Picture 15">
             <a:extLst>
               <a:ext uri="{FF2B5EF4-FFF2-40B4-BE49-F238E27FC236}">
-                <a16:creationId xmlns:a16="http://schemas.microsoft.com/office/drawing/2014/main" id="{52DCE023-8B89-724F-A353-944802A18B2E}"/>
+                <a16:creationId xmlns:a16="http://schemas.microsoft.com/office/drawing/2014/main" id="{AEB000A0-0F42-B245-BC68-1AE999D23F9B}"/>
               </a:ext>
             </a:extLst>
           </p:cNvPr>
           <p:cNvPicPr>
-            <a:picLocks noGrp="1" noChangeAspect="1"/>
+            <a:picLocks noChangeAspect="1"/>
           </p:cNvPicPr>
-          <p:nvPr>
-            <p:ph idx="1"/>
-          </p:nvPr>
+          <p:nvPr/>
         </p:nvPicPr>
         <p:blipFill>
-          <a:blip r:embed="rId2"/>
+          <a:blip r:embed="rId3"/>
           <a:stretch>
             <a:fillRect/>
           </a:stretch>
         </p:blipFill>
         <p:spPr>
           <a:xfrm>
-            <a:off x="578750" y="1690688"/>
-            <a:ext cx="10382993" cy="4689475"/>
+            <a:off x="9220289" y="2628900"/>
+            <a:ext cx="2724720" cy="2728912"/>
           </a:xfrm>
+          <a:prstGeom prst="rect">
+            <a:avLst/>
+          </a:prstGeom>
         </p:spPr>
       </p:pic>
     </p:spTree>
     <p:extLst>
       <p:ext uri="{BB962C8B-B14F-4D97-AF65-F5344CB8AC3E}">
-        <p14:creationId xmlns:p14="http://schemas.microsoft.com/office/powerpoint/2010/main" val="2249894843"/>
+        <p14:creationId xmlns:p14="http://schemas.microsoft.com/office/powerpoint/2010/main" val="3532996560"/>
       </p:ext>
     </p:extLst>
   </p:cSld>
@@ -7395,6 +7520,93 @@
       </p:sp>
       <p:pic>
         <p:nvPicPr>
+          <p:cNvPr id="8" name="Content Placeholder 7">
+            <a:extLst>
+              <a:ext uri="{FF2B5EF4-FFF2-40B4-BE49-F238E27FC236}">
+                <a16:creationId xmlns:a16="http://schemas.microsoft.com/office/drawing/2014/main" id="{52DCE023-8B89-724F-A353-944802A18B2E}"/>
+              </a:ext>
+            </a:extLst>
+          </p:cNvPr>
+          <p:cNvPicPr>
+            <a:picLocks noGrp="1" noChangeAspect="1"/>
+          </p:cNvPicPr>
+          <p:nvPr>
+            <p:ph idx="1"/>
+          </p:nvPr>
+        </p:nvPicPr>
+        <p:blipFill>
+          <a:blip r:embed="rId2"/>
+          <a:stretch>
+            <a:fillRect/>
+          </a:stretch>
+        </p:blipFill>
+        <p:spPr>
+          <a:xfrm>
+            <a:off x="578750" y="1690688"/>
+            <a:ext cx="10382993" cy="4689475"/>
+          </a:xfrm>
+        </p:spPr>
+      </p:pic>
+    </p:spTree>
+    <p:extLst>
+      <p:ext uri="{BB962C8B-B14F-4D97-AF65-F5344CB8AC3E}">
+        <p14:creationId xmlns:p14="http://schemas.microsoft.com/office/powerpoint/2010/main" val="2249894843"/>
+      </p:ext>
+    </p:extLst>
+  </p:cSld>
+  <p:clrMapOvr>
+    <a:masterClrMapping/>
+  </p:clrMapOvr>
+</p:sld>
+</file>
+
+<file path=ppt/slides/slide19.xml><?xml version="1.0" encoding="utf-8"?>
+<p:sld xmlns:a="http://schemas.openxmlformats.org/drawingml/2006/main" xmlns:r="http://schemas.openxmlformats.org/officeDocument/2006/relationships" xmlns:p="http://schemas.openxmlformats.org/presentationml/2006/main">
+  <p:cSld>
+    <p:spTree>
+      <p:nvGrpSpPr>
+        <p:cNvPr id="1" name=""/>
+        <p:cNvGrpSpPr/>
+        <p:nvPr/>
+      </p:nvGrpSpPr>
+      <p:grpSpPr>
+        <a:xfrm>
+          <a:off x="0" y="0"/>
+          <a:ext cx="0" cy="0"/>
+          <a:chOff x="0" y="0"/>
+          <a:chExt cx="0" cy="0"/>
+        </a:xfrm>
+      </p:grpSpPr>
+      <p:sp>
+        <p:nvSpPr>
+          <p:cNvPr id="2" name="Title 1">
+            <a:extLst>
+              <a:ext uri="{FF2B5EF4-FFF2-40B4-BE49-F238E27FC236}">
+                <a16:creationId xmlns:a16="http://schemas.microsoft.com/office/drawing/2014/main" id="{73FF7C2D-58F5-E742-B811-ECCE09D272BF}"/>
+              </a:ext>
+            </a:extLst>
+          </p:cNvPr>
+          <p:cNvSpPr>
+            <a:spLocks noGrp="1"/>
+          </p:cNvSpPr>
+          <p:nvPr>
+            <p:ph type="title"/>
+          </p:nvPr>
+        </p:nvSpPr>
+        <p:spPr/>
+        <p:txBody>
+          <a:bodyPr/>
+          <a:lstStyle/>
+          <a:p>
+            <a:r>
+              <a:rPr lang="en-US" dirty="0"/>
+              <a:t>Random Forests – Randomize Data</a:t>
+            </a:r>
+          </a:p>
+        </p:txBody>
+      </p:sp>
+      <p:pic>
+        <p:nvPicPr>
           <p:cNvPr id="6" name="Content Placeholder 5">
             <a:extLst>
               <a:ext uri="{FF2B5EF4-FFF2-40B4-BE49-F238E27FC236}">
@@ -7435,7 +7647,95 @@
 </p:sld>
 </file>
 
-<file path=ppt/slides/slide19.xml><?xml version="1.0" encoding="utf-8"?>
+<file path=ppt/slides/slide2.xml><?xml version="1.0" encoding="utf-8"?>
+<p:sld xmlns:a="http://schemas.openxmlformats.org/drawingml/2006/main" xmlns:r="http://schemas.openxmlformats.org/officeDocument/2006/relationships" xmlns:p="http://schemas.openxmlformats.org/presentationml/2006/main">
+  <p:cSld>
+    <p:spTree>
+      <p:nvGrpSpPr>
+        <p:cNvPr id="1" name=""/>
+        <p:cNvGrpSpPr/>
+        <p:nvPr/>
+      </p:nvGrpSpPr>
+      <p:grpSpPr>
+        <a:xfrm>
+          <a:off x="0" y="0"/>
+          <a:ext cx="0" cy="0"/>
+          <a:chOff x="0" y="0"/>
+          <a:chExt cx="0" cy="0"/>
+        </a:xfrm>
+      </p:grpSpPr>
+      <p:sp>
+        <p:nvSpPr>
+          <p:cNvPr id="2" name="Title 1">
+            <a:extLst>
+              <a:ext uri="{FF2B5EF4-FFF2-40B4-BE49-F238E27FC236}">
+                <a16:creationId xmlns:a16="http://schemas.microsoft.com/office/drawing/2014/main" id="{0DE15C98-E319-3B45-8238-879BA445AF08}"/>
+              </a:ext>
+            </a:extLst>
+          </p:cNvPr>
+          <p:cNvSpPr>
+            <a:spLocks noGrp="1"/>
+          </p:cNvSpPr>
+          <p:nvPr>
+            <p:ph type="title"/>
+          </p:nvPr>
+        </p:nvSpPr>
+        <p:spPr/>
+        <p:txBody>
+          <a:bodyPr/>
+          <a:lstStyle/>
+          <a:p>
+            <a:r>
+              <a:rPr lang="en-US" dirty="0"/>
+              <a:t>Random Forests May Seem Scary…</a:t>
+            </a:r>
+          </a:p>
+        </p:txBody>
+      </p:sp>
+      <p:pic>
+        <p:nvPicPr>
+          <p:cNvPr id="5" name="Picture 4">
+            <a:extLst>
+              <a:ext uri="{FF2B5EF4-FFF2-40B4-BE49-F238E27FC236}">
+                <a16:creationId xmlns:a16="http://schemas.microsoft.com/office/drawing/2014/main" id="{83EDEBBD-B3F6-6B4F-91A5-7CE5FBB44054}"/>
+              </a:ext>
+            </a:extLst>
+          </p:cNvPr>
+          <p:cNvPicPr>
+            <a:picLocks noChangeAspect="1"/>
+          </p:cNvPicPr>
+          <p:nvPr/>
+        </p:nvPicPr>
+        <p:blipFill>
+          <a:blip r:embed="rId2"/>
+          <a:stretch>
+            <a:fillRect/>
+          </a:stretch>
+        </p:blipFill>
+        <p:spPr>
+          <a:xfrm>
+            <a:off x="2946665" y="1690688"/>
+            <a:ext cx="6298669" cy="4720921"/>
+          </a:xfrm>
+          <a:prstGeom prst="rect">
+            <a:avLst/>
+          </a:prstGeom>
+        </p:spPr>
+      </p:pic>
+    </p:spTree>
+    <p:extLst>
+      <p:ext uri="{BB962C8B-B14F-4D97-AF65-F5344CB8AC3E}">
+        <p14:creationId xmlns:p14="http://schemas.microsoft.com/office/powerpoint/2010/main" val="3580066510"/>
+      </p:ext>
+    </p:extLst>
+  </p:cSld>
+  <p:clrMapOvr>
+    <a:masterClrMapping/>
+  </p:clrMapOvr>
+</p:sld>
+</file>
+
+<file path=ppt/slides/slide20.xml><?xml version="1.0" encoding="utf-8"?>
 <p:sld xmlns:a="http://schemas.openxmlformats.org/drawingml/2006/main" xmlns:r="http://schemas.openxmlformats.org/officeDocument/2006/relationships" xmlns:p="http://schemas.openxmlformats.org/presentationml/2006/main">
   <p:cSld>
     <p:spTree>
@@ -9569,95 +9869,7 @@
 </p:sld>
 </file>
 
-<file path=ppt/slides/slide2.xml><?xml version="1.0" encoding="utf-8"?>
-<p:sld xmlns:a="http://schemas.openxmlformats.org/drawingml/2006/main" xmlns:r="http://schemas.openxmlformats.org/officeDocument/2006/relationships" xmlns:p="http://schemas.openxmlformats.org/presentationml/2006/main">
-  <p:cSld>
-    <p:spTree>
-      <p:nvGrpSpPr>
-        <p:cNvPr id="1" name=""/>
-        <p:cNvGrpSpPr/>
-        <p:nvPr/>
-      </p:nvGrpSpPr>
-      <p:grpSpPr>
-        <a:xfrm>
-          <a:off x="0" y="0"/>
-          <a:ext cx="0" cy="0"/>
-          <a:chOff x="0" y="0"/>
-          <a:chExt cx="0" cy="0"/>
-        </a:xfrm>
-      </p:grpSpPr>
-      <p:sp>
-        <p:nvSpPr>
-          <p:cNvPr id="2" name="Title 1">
-            <a:extLst>
-              <a:ext uri="{FF2B5EF4-FFF2-40B4-BE49-F238E27FC236}">
-                <a16:creationId xmlns:a16="http://schemas.microsoft.com/office/drawing/2014/main" id="{0DE15C98-E319-3B45-8238-879BA445AF08}"/>
-              </a:ext>
-            </a:extLst>
-          </p:cNvPr>
-          <p:cNvSpPr>
-            <a:spLocks noGrp="1"/>
-          </p:cNvSpPr>
-          <p:nvPr>
-            <p:ph type="title"/>
-          </p:nvPr>
-        </p:nvSpPr>
-        <p:spPr/>
-        <p:txBody>
-          <a:bodyPr/>
-          <a:lstStyle/>
-          <a:p>
-            <a:r>
-              <a:rPr lang="en-US" dirty="0"/>
-              <a:t>Random Forests May Seem Scary…</a:t>
-            </a:r>
-          </a:p>
-        </p:txBody>
-      </p:sp>
-      <p:pic>
-        <p:nvPicPr>
-          <p:cNvPr id="5" name="Picture 4">
-            <a:extLst>
-              <a:ext uri="{FF2B5EF4-FFF2-40B4-BE49-F238E27FC236}">
-                <a16:creationId xmlns:a16="http://schemas.microsoft.com/office/drawing/2014/main" id="{83EDEBBD-B3F6-6B4F-91A5-7CE5FBB44054}"/>
-              </a:ext>
-            </a:extLst>
-          </p:cNvPr>
-          <p:cNvPicPr>
-            <a:picLocks noChangeAspect="1"/>
-          </p:cNvPicPr>
-          <p:nvPr/>
-        </p:nvPicPr>
-        <p:blipFill>
-          <a:blip r:embed="rId2"/>
-          <a:stretch>
-            <a:fillRect/>
-          </a:stretch>
-        </p:blipFill>
-        <p:spPr>
-          <a:xfrm>
-            <a:off x="2946665" y="1690688"/>
-            <a:ext cx="6298669" cy="4720921"/>
-          </a:xfrm>
-          <a:prstGeom prst="rect">
-            <a:avLst/>
-          </a:prstGeom>
-        </p:spPr>
-      </p:pic>
-    </p:spTree>
-    <p:extLst>
-      <p:ext uri="{BB962C8B-B14F-4D97-AF65-F5344CB8AC3E}">
-        <p14:creationId xmlns:p14="http://schemas.microsoft.com/office/powerpoint/2010/main" val="3580066510"/>
-      </p:ext>
-    </p:extLst>
-  </p:cSld>
-  <p:clrMapOvr>
-    <a:masterClrMapping/>
-  </p:clrMapOvr>
-</p:sld>
-</file>
-
-<file path=ppt/slides/slide20.xml><?xml version="1.0" encoding="utf-8"?>
+<file path=ppt/slides/slide21.xml><?xml version="1.0" encoding="utf-8"?>
 <p:sld xmlns:a="http://schemas.openxmlformats.org/drawingml/2006/main" xmlns:r="http://schemas.openxmlformats.org/officeDocument/2006/relationships" xmlns:p="http://schemas.openxmlformats.org/presentationml/2006/main">
   <p:cSld>
     <p:spTree>
@@ -9978,7 +10190,7 @@
 </p:sld>
 </file>
 
-<file path=ppt/slides/slide21.xml><?xml version="1.0" encoding="utf-8"?>
+<file path=ppt/slides/slide22.xml><?xml version="1.0" encoding="utf-8"?>
 <p:sld xmlns:a="http://schemas.openxmlformats.org/drawingml/2006/main" xmlns:r="http://schemas.openxmlformats.org/officeDocument/2006/relationships" xmlns:p="http://schemas.openxmlformats.org/presentationml/2006/main">
   <p:cSld>
     <p:spTree>
@@ -10154,7 +10366,7 @@
 </p:sld>
 </file>
 
-<file path=ppt/slides/slide22.xml><?xml version="1.0" encoding="utf-8"?>
+<file path=ppt/slides/slide23.xml><?xml version="1.0" encoding="utf-8"?>
 <p:sld xmlns:a="http://schemas.openxmlformats.org/drawingml/2006/main" xmlns:r="http://schemas.openxmlformats.org/officeDocument/2006/relationships" xmlns:p="http://schemas.openxmlformats.org/presentationml/2006/main">
   <p:cSld>
     <p:spTree>
@@ -10200,13 +10412,8 @@
             <a:pPr algn="ctr"/>
             <a:r>
               <a:rPr lang="en-US" dirty="0"/>
-              <a:t>Tree Optimization and Feature </a:t>
-            </a:r>
-            <a:r>
-              <a:rPr lang="en-US" dirty="0" err="1"/>
-              <a:t>Importances</a:t>
-            </a:r>
-            <a:endParaRPr lang="en-US" dirty="0"/>
+              <a:t>Tree Optimization and Feature Importance</a:t>
+            </a:r>
           </a:p>
         </p:txBody>
       </p:sp>
@@ -10223,7 +10430,7 @@
 </p:sld>
 </file>
 
-<file path=ppt/slides/slide23.xml><?xml version="1.0" encoding="utf-8"?>
+<file path=ppt/slides/slide24.xml><?xml version="1.0" encoding="utf-8"?>
 <p:sld xmlns:a="http://schemas.openxmlformats.org/drawingml/2006/main" xmlns:r="http://schemas.openxmlformats.org/officeDocument/2006/relationships" xmlns:p="http://schemas.openxmlformats.org/presentationml/2006/main">
   <p:cSld>
     <p:spTree>
@@ -10358,7 +10565,7 @@
 </p:sld>
 </file>
 
-<file path=ppt/slides/slide24.xml><?xml version="1.0" encoding="utf-8"?>
+<file path=ppt/slides/slide25.xml><?xml version="1.0" encoding="utf-8"?>
 <p:sld xmlns:a="http://schemas.openxmlformats.org/drawingml/2006/main" xmlns:r="http://schemas.openxmlformats.org/officeDocument/2006/relationships" xmlns:p="http://schemas.openxmlformats.org/presentationml/2006/main">
   <p:cSld>
     <p:spTree>
@@ -10482,7 +10689,7 @@
 </p:sld>
 </file>
 
-<file path=ppt/slides/slide25.xml><?xml version="1.0" encoding="utf-8"?>
+<file path=ppt/slides/slide26.xml><?xml version="1.0" encoding="utf-8"?>
 <p:sld xmlns:a="http://schemas.openxmlformats.org/drawingml/2006/main" xmlns:r="http://schemas.openxmlformats.org/officeDocument/2006/relationships" xmlns:p="http://schemas.openxmlformats.org/presentationml/2006/main">
   <p:cSld>
     <p:spTree>
@@ -10625,7 +10832,7 @@
 </p:sld>
 </file>
 
-<file path=ppt/slides/slide26.xml><?xml version="1.0" encoding="utf-8"?>
+<file path=ppt/slides/slide27.xml><?xml version="1.0" encoding="utf-8"?>
 <p:sld xmlns:a="http://schemas.openxmlformats.org/drawingml/2006/main" xmlns:r="http://schemas.openxmlformats.org/officeDocument/2006/relationships" xmlns:p="http://schemas.openxmlformats.org/presentationml/2006/main">
   <p:cSld>
     <p:spTree>
@@ -11817,7 +12024,7 @@
 </p:sld>
 </file>
 
-<file path=ppt/slides/slide27.xml><?xml version="1.0" encoding="utf-8"?>
+<file path=ppt/slides/slide28.xml><?xml version="1.0" encoding="utf-8"?>
 <p:sld xmlns:a="http://schemas.openxmlformats.org/drawingml/2006/main" xmlns:r="http://schemas.openxmlformats.org/officeDocument/2006/relationships" xmlns:p="http://schemas.openxmlformats.org/presentationml/2006/main">
   <p:cSld>
     <p:spTree>
@@ -12036,7 +12243,7 @@
         <p:spPr>
           <a:xfrm>
             <a:off x="300038" y="6380946"/>
-            <a:ext cx="7243762" cy="477054"/>
+            <a:ext cx="8409622" cy="477054"/>
           </a:xfrm>
           <a:prstGeom prst="rect">
             <a:avLst/>
@@ -12059,7 +12266,15 @@
             </a:r>
             <a:r>
               <a:rPr lang="en-US" sz="2500" dirty="0"/>
-              <a:t> impurity is minimized</a:t>
+              <a:t> impurity is </a:t>
+            </a:r>
+            <a:r>
+              <a:rPr lang="en-US" sz="2500" i="1" dirty="0"/>
+              <a:t>locally</a:t>
+            </a:r>
+            <a:r>
+              <a:rPr lang="en-US" sz="2500" dirty="0"/>
+              <a:t> minimized</a:t>
             </a:r>
           </a:p>
         </p:txBody>
@@ -12654,7 +12869,7 @@
 </p:sld>
 </file>
 
-<file path=ppt/slides/slide28.xml><?xml version="1.0" encoding="utf-8"?>
+<file path=ppt/slides/slide29.xml><?xml version="1.0" encoding="utf-8"?>
 <p:sld xmlns:a="http://schemas.openxmlformats.org/drawingml/2006/main" xmlns:r="http://schemas.openxmlformats.org/officeDocument/2006/relationships" xmlns:p="http://schemas.openxmlformats.org/presentationml/2006/main">
   <p:cSld>
     <p:spTree>
@@ -12743,8 +12958,8 @@
           </a:p>
         </p:txBody>
       </p:sp>
-      <mc:AlternateContent xmlns:mc="http://schemas.openxmlformats.org/markup-compatibility/2006">
-        <mc:Choice xmlns:a14="http://schemas.microsoft.com/office/drawing/2010/main" Requires="a14">
+      <mc:AlternateContent xmlns:mc="http://schemas.openxmlformats.org/markup-compatibility/2006" xmlns:a14="http://schemas.microsoft.com/office/drawing/2010/main">
+        <mc:Choice Requires="a14">
           <p:sp>
             <p:nvSpPr>
               <p:cNvPr id="8" name="TextBox 7">
@@ -14100,7 +14315,7 @@
             </p:txBody>
           </p:sp>
         </mc:Choice>
-        <mc:Fallback>
+        <mc:Fallback xmlns="">
           <p:sp>
             <p:nvSpPr>
               <p:cNvPr id="8" name="TextBox 7">
@@ -15201,7 +15416,95 @@
 </p:sld>
 </file>
 
-<file path=ppt/slides/slide29.xml><?xml version="1.0" encoding="utf-8"?>
+<file path=ppt/slides/slide3.xml><?xml version="1.0" encoding="utf-8"?>
+<p:sld xmlns:a="http://schemas.openxmlformats.org/drawingml/2006/main" xmlns:r="http://schemas.openxmlformats.org/officeDocument/2006/relationships" xmlns:p="http://schemas.openxmlformats.org/presentationml/2006/main">
+  <p:cSld>
+    <p:spTree>
+      <p:nvGrpSpPr>
+        <p:cNvPr id="1" name=""/>
+        <p:cNvGrpSpPr/>
+        <p:nvPr/>
+      </p:nvGrpSpPr>
+      <p:grpSpPr>
+        <a:xfrm>
+          <a:off x="0" y="0"/>
+          <a:ext cx="0" cy="0"/>
+          <a:chOff x="0" y="0"/>
+          <a:chExt cx="0" cy="0"/>
+        </a:xfrm>
+      </p:grpSpPr>
+      <p:sp>
+        <p:nvSpPr>
+          <p:cNvPr id="2" name="Title 1">
+            <a:extLst>
+              <a:ext uri="{FF2B5EF4-FFF2-40B4-BE49-F238E27FC236}">
+                <a16:creationId xmlns:a16="http://schemas.microsoft.com/office/drawing/2014/main" id="{0DE15C98-E319-3B45-8238-879BA445AF08}"/>
+              </a:ext>
+            </a:extLst>
+          </p:cNvPr>
+          <p:cNvSpPr>
+            <a:spLocks noGrp="1"/>
+          </p:cNvSpPr>
+          <p:nvPr>
+            <p:ph type="title"/>
+          </p:nvPr>
+        </p:nvSpPr>
+        <p:spPr/>
+        <p:txBody>
+          <a:bodyPr/>
+          <a:lstStyle/>
+          <a:p>
+            <a:r>
+              <a:rPr lang="en-US" dirty="0"/>
+              <a:t>But They’re Actually Not Too Bad!</a:t>
+            </a:r>
+          </a:p>
+        </p:txBody>
+      </p:sp>
+      <p:pic>
+        <p:nvPicPr>
+          <p:cNvPr id="5" name="Picture 4">
+            <a:extLst>
+              <a:ext uri="{FF2B5EF4-FFF2-40B4-BE49-F238E27FC236}">
+                <a16:creationId xmlns:a16="http://schemas.microsoft.com/office/drawing/2014/main" id="{83EDEBBD-B3F6-6B4F-91A5-7CE5FBB44054}"/>
+              </a:ext>
+            </a:extLst>
+          </p:cNvPr>
+          <p:cNvPicPr>
+            <a:picLocks noChangeAspect="1"/>
+          </p:cNvPicPr>
+          <p:nvPr/>
+        </p:nvPicPr>
+        <p:blipFill>
+          <a:blip r:embed="rId2"/>
+          <a:stretch>
+            <a:fillRect/>
+          </a:stretch>
+        </p:blipFill>
+        <p:spPr>
+          <a:xfrm>
+            <a:off x="3145424" y="1690688"/>
+            <a:ext cx="5901151" cy="4720921"/>
+          </a:xfrm>
+          <a:prstGeom prst="rect">
+            <a:avLst/>
+          </a:prstGeom>
+        </p:spPr>
+      </p:pic>
+    </p:spTree>
+    <p:extLst>
+      <p:ext uri="{BB962C8B-B14F-4D97-AF65-F5344CB8AC3E}">
+        <p14:creationId xmlns:p14="http://schemas.microsoft.com/office/powerpoint/2010/main" val="2998699660"/>
+      </p:ext>
+    </p:extLst>
+  </p:cSld>
+  <p:clrMapOvr>
+    <a:masterClrMapping/>
+  </p:clrMapOvr>
+</p:sld>
+</file>
+
+<file path=ppt/slides/slide30.xml><?xml version="1.0" encoding="utf-8"?>
 <p:sld xmlns:a="http://schemas.openxmlformats.org/drawingml/2006/main" xmlns:r="http://schemas.openxmlformats.org/officeDocument/2006/relationships" xmlns:p="http://schemas.openxmlformats.org/presentationml/2006/main">
   <p:cSld>
     <p:spTree>
@@ -16939,95 +17242,7 @@
 </p:sld>
 </file>
 
-<file path=ppt/slides/slide3.xml><?xml version="1.0" encoding="utf-8"?>
-<p:sld xmlns:a="http://schemas.openxmlformats.org/drawingml/2006/main" xmlns:r="http://schemas.openxmlformats.org/officeDocument/2006/relationships" xmlns:p="http://schemas.openxmlformats.org/presentationml/2006/main">
-  <p:cSld>
-    <p:spTree>
-      <p:nvGrpSpPr>
-        <p:cNvPr id="1" name=""/>
-        <p:cNvGrpSpPr/>
-        <p:nvPr/>
-      </p:nvGrpSpPr>
-      <p:grpSpPr>
-        <a:xfrm>
-          <a:off x="0" y="0"/>
-          <a:ext cx="0" cy="0"/>
-          <a:chOff x="0" y="0"/>
-          <a:chExt cx="0" cy="0"/>
-        </a:xfrm>
-      </p:grpSpPr>
-      <p:sp>
-        <p:nvSpPr>
-          <p:cNvPr id="2" name="Title 1">
-            <a:extLst>
-              <a:ext uri="{FF2B5EF4-FFF2-40B4-BE49-F238E27FC236}">
-                <a16:creationId xmlns:a16="http://schemas.microsoft.com/office/drawing/2014/main" id="{0DE15C98-E319-3B45-8238-879BA445AF08}"/>
-              </a:ext>
-            </a:extLst>
-          </p:cNvPr>
-          <p:cNvSpPr>
-            <a:spLocks noGrp="1"/>
-          </p:cNvSpPr>
-          <p:nvPr>
-            <p:ph type="title"/>
-          </p:nvPr>
-        </p:nvSpPr>
-        <p:spPr/>
-        <p:txBody>
-          <a:bodyPr/>
-          <a:lstStyle/>
-          <a:p>
-            <a:r>
-              <a:rPr lang="en-US" dirty="0"/>
-              <a:t>But They’re Actually Not Too Bad!</a:t>
-            </a:r>
-          </a:p>
-        </p:txBody>
-      </p:sp>
-      <p:pic>
-        <p:nvPicPr>
-          <p:cNvPr id="5" name="Picture 4">
-            <a:extLst>
-              <a:ext uri="{FF2B5EF4-FFF2-40B4-BE49-F238E27FC236}">
-                <a16:creationId xmlns:a16="http://schemas.microsoft.com/office/drawing/2014/main" id="{83EDEBBD-B3F6-6B4F-91A5-7CE5FBB44054}"/>
-              </a:ext>
-            </a:extLst>
-          </p:cNvPr>
-          <p:cNvPicPr>
-            <a:picLocks noChangeAspect="1"/>
-          </p:cNvPicPr>
-          <p:nvPr/>
-        </p:nvPicPr>
-        <p:blipFill>
-          <a:blip r:embed="rId2"/>
-          <a:stretch>
-            <a:fillRect/>
-          </a:stretch>
-        </p:blipFill>
-        <p:spPr>
-          <a:xfrm>
-            <a:off x="3145424" y="1690688"/>
-            <a:ext cx="5901151" cy="4720921"/>
-          </a:xfrm>
-          <a:prstGeom prst="rect">
-            <a:avLst/>
-          </a:prstGeom>
-        </p:spPr>
-      </p:pic>
-    </p:spTree>
-    <p:extLst>
-      <p:ext uri="{BB962C8B-B14F-4D97-AF65-F5344CB8AC3E}">
-        <p14:creationId xmlns:p14="http://schemas.microsoft.com/office/powerpoint/2010/main" val="2998699660"/>
-      </p:ext>
-    </p:extLst>
-  </p:cSld>
-  <p:clrMapOvr>
-    <a:masterClrMapping/>
-  </p:clrMapOvr>
-</p:sld>
-</file>
-
-<file path=ppt/slides/slide30.xml><?xml version="1.0" encoding="utf-8"?>
+<file path=ppt/slides/slide31.xml><?xml version="1.0" encoding="utf-8"?>
 <p:sld xmlns:a="http://schemas.openxmlformats.org/drawingml/2006/main" xmlns:r="http://schemas.openxmlformats.org/officeDocument/2006/relationships" xmlns:p="http://schemas.openxmlformats.org/presentationml/2006/main">
   <p:cSld>
     <p:spTree>
@@ -17336,8 +17551,8 @@
           </a:p>
         </p:txBody>
       </p:sp>
-      <mc:AlternateContent xmlns:mc="http://schemas.openxmlformats.org/markup-compatibility/2006">
-        <mc:Choice xmlns:a14="http://schemas.microsoft.com/office/drawing/2010/main" Requires="a14">
+      <mc:AlternateContent xmlns:mc="http://schemas.openxmlformats.org/markup-compatibility/2006" xmlns:a14="http://schemas.microsoft.com/office/drawing/2010/main">
+        <mc:Choice Requires="a14">
           <p:sp>
             <p:nvSpPr>
               <p:cNvPr id="3" name="Rectangle 2">
@@ -17365,6 +17580,7 @@
               </a:bodyPr>
               <a:lstStyle/>
               <a:p>
+                <a:pPr/>
                 <a14:m>
                   <m:oMathPara xmlns:m="http://schemas.openxmlformats.org/officeDocument/2006/math">
                     <m:oMathParaPr>
@@ -17928,7 +18144,7 @@
             </p:txBody>
           </p:sp>
         </mc:Choice>
-        <mc:Fallback>
+        <mc:Fallback xmlns="">
           <p:sp>
             <p:nvSpPr>
               <p:cNvPr id="3" name="Rectangle 2">
@@ -18015,7 +18231,7 @@
 </p:sld>
 </file>
 
-<file path=ppt/slides/slide31.xml><?xml version="1.0" encoding="utf-8"?>
+<file path=ppt/slides/slide32.xml><?xml version="1.0" encoding="utf-8"?>
 <p:sld xmlns:a="http://schemas.openxmlformats.org/drawingml/2006/main" xmlns:r="http://schemas.openxmlformats.org/officeDocument/2006/relationships" xmlns:p="http://schemas.openxmlformats.org/presentationml/2006/main">
   <p:cSld>
     <p:spTree>
@@ -18378,8 +18594,8 @@
           </a:prstGeom>
         </p:spPr>
       </p:pic>
-      <mc:AlternateContent xmlns:mc="http://schemas.openxmlformats.org/markup-compatibility/2006">
-        <mc:Choice xmlns:a14="http://schemas.microsoft.com/office/drawing/2010/main" Requires="a14">
+      <mc:AlternateContent xmlns:mc="http://schemas.openxmlformats.org/markup-compatibility/2006" xmlns:a14="http://schemas.microsoft.com/office/drawing/2010/main">
+        <mc:Choice Requires="a14">
           <p:sp>
             <p:nvSpPr>
               <p:cNvPr id="9" name="Rectangle 8">
@@ -18407,6 +18623,7 @@
               </a:bodyPr>
               <a:lstStyle/>
               <a:p>
+                <a:pPr/>
                 <a14:m>
                   <m:oMathPara xmlns:m="http://schemas.openxmlformats.org/officeDocument/2006/math">
                     <m:oMathParaPr>
@@ -19102,7 +19319,7 @@
             </p:txBody>
           </p:sp>
         </mc:Choice>
-        <mc:Fallback>
+        <mc:Fallback xmlns="">
           <p:sp>
             <p:nvSpPr>
               <p:cNvPr id="9" name="Rectangle 8">
@@ -19160,7 +19377,7 @@
 </p:sld>
 </file>
 
-<file path=ppt/slides/slide32.xml><?xml version="1.0" encoding="utf-8"?>
+<file path=ppt/slides/slide33.xml><?xml version="1.0" encoding="utf-8"?>
 <p:sld xmlns:a="http://schemas.openxmlformats.org/drawingml/2006/main" xmlns:r="http://schemas.openxmlformats.org/officeDocument/2006/relationships" xmlns:p="http://schemas.openxmlformats.org/presentationml/2006/main">
   <p:cSld>
     <p:spTree>
@@ -19224,7 +19441,7 @@
 </p:sld>
 </file>
 
-<file path=ppt/slides/slide33.xml><?xml version="1.0" encoding="utf-8"?>
+<file path=ppt/slides/slide34.xml><?xml version="1.0" encoding="utf-8"?>
 <p:sld xmlns:a="http://schemas.openxmlformats.org/drawingml/2006/main" xmlns:r="http://schemas.openxmlformats.org/officeDocument/2006/relationships" xmlns:p="http://schemas.openxmlformats.org/presentationml/2006/main">
   <p:cSld>
     <p:spTree>
@@ -19371,7 +19588,7 @@
 </p:sld>
 </file>
 
-<file path=ppt/slides/slide34.xml><?xml version="1.0" encoding="utf-8"?>
+<file path=ppt/slides/slide35.xml><?xml version="1.0" encoding="utf-8"?>
 <p:sld xmlns:a="http://schemas.openxmlformats.org/drawingml/2006/main" xmlns:r="http://schemas.openxmlformats.org/officeDocument/2006/relationships" xmlns:p="http://schemas.openxmlformats.org/presentationml/2006/main">
   <p:cSld>
     <p:spTree>
@@ -19559,7 +19776,7 @@
 </p:sld>
 </file>
 
-<file path=ppt/slides/slide35.xml><?xml version="1.0" encoding="utf-8"?>
+<file path=ppt/slides/slide36.xml><?xml version="1.0" encoding="utf-8"?>
 <p:sld xmlns:a="http://schemas.openxmlformats.org/drawingml/2006/main" xmlns:r="http://schemas.openxmlformats.org/officeDocument/2006/relationships" xmlns:p="http://schemas.openxmlformats.org/presentationml/2006/main">
   <p:cSld>
     <p:spTree>
@@ -19623,7 +19840,7 @@
 </p:sld>
 </file>
 
-<file path=ppt/slides/slide36.xml><?xml version="1.0" encoding="utf-8"?>
+<file path=ppt/slides/slide37.xml><?xml version="1.0" encoding="utf-8"?>
 <p:sld xmlns:a="http://schemas.openxmlformats.org/drawingml/2006/main" xmlns:r="http://schemas.openxmlformats.org/officeDocument/2006/relationships" xmlns:p="http://schemas.openxmlformats.org/presentationml/2006/main">
   <p:cSld>
     <p:spTree>
@@ -19725,7 +19942,7 @@
 </p:sld>
 </file>
 
-<file path=ppt/slides/slide37.xml><?xml version="1.0" encoding="utf-8"?>
+<file path=ppt/slides/slide38.xml><?xml version="1.0" encoding="utf-8"?>
 <p:sld xmlns:a="http://schemas.openxmlformats.org/drawingml/2006/main" xmlns:r="http://schemas.openxmlformats.org/officeDocument/2006/relationships" xmlns:p="http://schemas.openxmlformats.org/presentationml/2006/main">
   <p:cSld>
     <p:spTree>
@@ -19841,7 +20058,7 @@
 </p:sld>
 </file>
 
-<file path=ppt/slides/slide38.xml><?xml version="1.0" encoding="utf-8"?>
+<file path=ppt/slides/slide39.xml><?xml version="1.0" encoding="utf-8"?>
 <p:sld xmlns:a="http://schemas.openxmlformats.org/drawingml/2006/main" xmlns:r="http://schemas.openxmlformats.org/officeDocument/2006/relationships" xmlns:p="http://schemas.openxmlformats.org/presentationml/2006/main">
   <p:cSld>
     <p:spTree>
@@ -20314,192 +20531,6 @@
 </p:sld>
 </file>
 
-<file path=ppt/slides/slide39.xml><?xml version="1.0" encoding="utf-8"?>
-<p:sld xmlns:a="http://schemas.openxmlformats.org/drawingml/2006/main" xmlns:r="http://schemas.openxmlformats.org/officeDocument/2006/relationships" xmlns:p="http://schemas.openxmlformats.org/presentationml/2006/main">
-  <p:cSld>
-    <p:spTree>
-      <p:nvGrpSpPr>
-        <p:cNvPr id="1" name=""/>
-        <p:cNvGrpSpPr/>
-        <p:nvPr/>
-      </p:nvGrpSpPr>
-      <p:grpSpPr>
-        <a:xfrm>
-          <a:off x="0" y="0"/>
-          <a:ext cx="0" cy="0"/>
-          <a:chOff x="0" y="0"/>
-          <a:chExt cx="0" cy="0"/>
-        </a:xfrm>
-      </p:grpSpPr>
-      <p:sp>
-        <p:nvSpPr>
-          <p:cNvPr id="2" name="Title 1">
-            <a:extLst>
-              <a:ext uri="{FF2B5EF4-FFF2-40B4-BE49-F238E27FC236}">
-                <a16:creationId xmlns:a16="http://schemas.microsoft.com/office/drawing/2014/main" id="{27B17974-A6B8-BA4A-B37A-47B7E3C38A45}"/>
-              </a:ext>
-            </a:extLst>
-          </p:cNvPr>
-          <p:cNvSpPr>
-            <a:spLocks noGrp="1"/>
-          </p:cNvSpPr>
-          <p:nvPr>
-            <p:ph type="title"/>
-          </p:nvPr>
-        </p:nvSpPr>
-        <p:spPr/>
-        <p:txBody>
-          <a:bodyPr/>
-          <a:lstStyle/>
-          <a:p>
-            <a:r>
-              <a:rPr lang="en-US" dirty="0"/>
-              <a:t>Links</a:t>
-            </a:r>
-          </a:p>
-        </p:txBody>
-      </p:sp>
-      <p:sp>
-        <p:nvSpPr>
-          <p:cNvPr id="3" name="Content Placeholder 2">
-            <a:extLst>
-              <a:ext uri="{FF2B5EF4-FFF2-40B4-BE49-F238E27FC236}">
-                <a16:creationId xmlns:a16="http://schemas.microsoft.com/office/drawing/2014/main" id="{35407CE8-BD8F-9849-AF50-9B06CB19EA71}"/>
-              </a:ext>
-            </a:extLst>
-          </p:cNvPr>
-          <p:cNvSpPr>
-            <a:spLocks noGrp="1"/>
-          </p:cNvSpPr>
-          <p:nvPr>
-            <p:ph idx="1"/>
-          </p:nvPr>
-        </p:nvSpPr>
-        <p:spPr>
-          <a:xfrm>
-            <a:off x="838200" y="1825624"/>
-            <a:ext cx="10515600" cy="4746625"/>
-          </a:xfrm>
-        </p:spPr>
-        <p:txBody>
-          <a:bodyPr>
-            <a:normAutofit fontScale="77500" lnSpcReduction="20000"/>
-          </a:bodyPr>
-          <a:lstStyle/>
-          <a:p>
-            <a:r>
-              <a:rPr lang="en-US" dirty="0">
-                <a:hlinkClick r:id="rId2"/>
-              </a:rPr>
-              <a:t>https://www2.isye.gatech.edu/~tzhao80/Lectures/Lecture_6.pdf</a:t>
-            </a:r>
-            <a:endParaRPr lang="en-US" dirty="0"/>
-          </a:p>
-          <a:p>
-            <a:r>
-              <a:rPr lang="en-US" dirty="0">
-                <a:hlinkClick r:id="rId3"/>
-              </a:rPr>
-              <a:t>http://scikit-learn.org/stable/modules/tree.html</a:t>
-            </a:r>
-            <a:endParaRPr lang="en-US" dirty="0"/>
-          </a:p>
-          <a:p>
-            <a:r>
-              <a:rPr lang="en-US" dirty="0">
-                <a:hlinkClick r:id="rId4"/>
-              </a:rPr>
-              <a:t>https://stackoverflow.com/questions/20224526/how-to-extract-the-decision-rules-from-scikit-learn-decision-tree</a:t>
-            </a:r>
-            <a:endParaRPr lang="en-US" dirty="0"/>
-          </a:p>
-          <a:p>
-            <a:r>
-              <a:rPr lang="en-US" dirty="0">
-                <a:hlinkClick r:id="rId5"/>
-              </a:rPr>
-              <a:t>http://www.utdallas.edu/~nrr150130/cs7301/2016fa/lects/Lecture_10_Ensemble.pdf</a:t>
-            </a:r>
-            <a:r>
-              <a:rPr lang="en-US" dirty="0"/>
-              <a:t> </a:t>
-            </a:r>
-          </a:p>
-          <a:p>
-            <a:r>
-              <a:rPr lang="en-US" dirty="0">
-                <a:hlinkClick r:id="rId6"/>
-              </a:rPr>
-              <a:t>http://www2.stat.duke.edu/~rcs46/lectures_2017/08-trees/08-tree-advanced.pdf</a:t>
-            </a:r>
-            <a:r>
-              <a:rPr lang="en-US" dirty="0"/>
-              <a:t> </a:t>
-            </a:r>
-          </a:p>
-          <a:p>
-            <a:r>
-              <a:rPr lang="en-US" dirty="0">
-                <a:hlinkClick r:id="rId7"/>
-              </a:rPr>
-              <a:t>https://stackoverflow.com/questions/49170296/scikit-learn-feature-importance-calculation-in-decision-trees</a:t>
-            </a:r>
-            <a:r>
-              <a:rPr lang="en-US" dirty="0"/>
-              <a:t> </a:t>
-            </a:r>
-          </a:p>
-          <a:p>
-            <a:r>
-              <a:rPr lang="en-US" dirty="0">
-                <a:hlinkClick r:id="rId8"/>
-              </a:rPr>
-              <a:t>https://github.com/scikit-learn/scikit-learn/blob/18cdaa69c14a5c84ab03fce4fb5dc6cd77619e35/sklearn/tree/_tree.pyx#L1056</a:t>
-            </a:r>
-            <a:r>
-              <a:rPr lang="en-US" dirty="0"/>
-              <a:t> </a:t>
-            </a:r>
-          </a:p>
-          <a:p>
-            <a:r>
-              <a:rPr lang="en-US" dirty="0">
-                <a:hlinkClick r:id="rId9"/>
-              </a:rPr>
-              <a:t>https://github.com/scikit-learn/scikit-learn/blob/master/sklearn/tree/_criterion.pyx</a:t>
-            </a:r>
-            <a:r>
-              <a:rPr lang="en-US" dirty="0"/>
-              <a:t> </a:t>
-            </a:r>
-          </a:p>
-          <a:p>
-            <a:r>
-              <a:rPr lang="en-US" dirty="0">
-                <a:hlinkClick r:id="rId10"/>
-              </a:rPr>
-              <a:t>https://medium.com/@srnghn/the-mathematics-of-decision-trees-random-forest-and-feature-importance-in-scikit-learn-and-spark-f2861df67e3</a:t>
-            </a:r>
-            <a:r>
-              <a:rPr lang="en-US" dirty="0"/>
-              <a:t> </a:t>
-            </a:r>
-          </a:p>
-        </p:txBody>
-      </p:sp>
-    </p:spTree>
-    <p:extLst>
-      <p:ext uri="{BB962C8B-B14F-4D97-AF65-F5344CB8AC3E}">
-        <p14:creationId xmlns:p14="http://schemas.microsoft.com/office/powerpoint/2010/main" val="3111068837"/>
-      </p:ext>
-    </p:extLst>
-  </p:cSld>
-  <p:clrMapOvr>
-    <a:masterClrMapping/>
-  </p:clrMapOvr>
-</p:sld>
-</file>
-
 <file path=ppt/slides/slide4.xml><?xml version="1.0" encoding="utf-8"?>
 <p:sld xmlns:a="http://schemas.openxmlformats.org/drawingml/2006/main" xmlns:r="http://schemas.openxmlformats.org/officeDocument/2006/relationships" xmlns:p="http://schemas.openxmlformats.org/presentationml/2006/main">
   <p:cSld>
@@ -20606,6 +20637,192 @@
     <p:extLst>
       <p:ext uri="{BB962C8B-B14F-4D97-AF65-F5344CB8AC3E}">
         <p14:creationId xmlns:p14="http://schemas.microsoft.com/office/powerpoint/2010/main" val="1141468443"/>
+      </p:ext>
+    </p:extLst>
+  </p:cSld>
+  <p:clrMapOvr>
+    <a:masterClrMapping/>
+  </p:clrMapOvr>
+</p:sld>
+</file>
+
+<file path=ppt/slides/slide40.xml><?xml version="1.0" encoding="utf-8"?>
+<p:sld xmlns:a="http://schemas.openxmlformats.org/drawingml/2006/main" xmlns:r="http://schemas.openxmlformats.org/officeDocument/2006/relationships" xmlns:p="http://schemas.openxmlformats.org/presentationml/2006/main">
+  <p:cSld>
+    <p:spTree>
+      <p:nvGrpSpPr>
+        <p:cNvPr id="1" name=""/>
+        <p:cNvGrpSpPr/>
+        <p:nvPr/>
+      </p:nvGrpSpPr>
+      <p:grpSpPr>
+        <a:xfrm>
+          <a:off x="0" y="0"/>
+          <a:ext cx="0" cy="0"/>
+          <a:chOff x="0" y="0"/>
+          <a:chExt cx="0" cy="0"/>
+        </a:xfrm>
+      </p:grpSpPr>
+      <p:sp>
+        <p:nvSpPr>
+          <p:cNvPr id="2" name="Title 1">
+            <a:extLst>
+              <a:ext uri="{FF2B5EF4-FFF2-40B4-BE49-F238E27FC236}">
+                <a16:creationId xmlns:a16="http://schemas.microsoft.com/office/drawing/2014/main" id="{27B17974-A6B8-BA4A-B37A-47B7E3C38A45}"/>
+              </a:ext>
+            </a:extLst>
+          </p:cNvPr>
+          <p:cNvSpPr>
+            <a:spLocks noGrp="1"/>
+          </p:cNvSpPr>
+          <p:nvPr>
+            <p:ph type="title"/>
+          </p:nvPr>
+        </p:nvSpPr>
+        <p:spPr/>
+        <p:txBody>
+          <a:bodyPr/>
+          <a:lstStyle/>
+          <a:p>
+            <a:r>
+              <a:rPr lang="en-US" dirty="0"/>
+              <a:t>Links</a:t>
+            </a:r>
+          </a:p>
+        </p:txBody>
+      </p:sp>
+      <p:sp>
+        <p:nvSpPr>
+          <p:cNvPr id="3" name="Content Placeholder 2">
+            <a:extLst>
+              <a:ext uri="{FF2B5EF4-FFF2-40B4-BE49-F238E27FC236}">
+                <a16:creationId xmlns:a16="http://schemas.microsoft.com/office/drawing/2014/main" id="{35407CE8-BD8F-9849-AF50-9B06CB19EA71}"/>
+              </a:ext>
+            </a:extLst>
+          </p:cNvPr>
+          <p:cNvSpPr>
+            <a:spLocks noGrp="1"/>
+          </p:cNvSpPr>
+          <p:nvPr>
+            <p:ph idx="1"/>
+          </p:nvPr>
+        </p:nvSpPr>
+        <p:spPr>
+          <a:xfrm>
+            <a:off x="838200" y="1825624"/>
+            <a:ext cx="10515600" cy="4746625"/>
+          </a:xfrm>
+        </p:spPr>
+        <p:txBody>
+          <a:bodyPr>
+            <a:normAutofit fontScale="77500" lnSpcReduction="20000"/>
+          </a:bodyPr>
+          <a:lstStyle/>
+          <a:p>
+            <a:r>
+              <a:rPr lang="en-US" dirty="0">
+                <a:hlinkClick r:id="rId2"/>
+              </a:rPr>
+              <a:t>https://www2.isye.gatech.edu/~tzhao80/Lectures/Lecture_6.pdf</a:t>
+            </a:r>
+            <a:endParaRPr lang="en-US" dirty="0"/>
+          </a:p>
+          <a:p>
+            <a:r>
+              <a:rPr lang="en-US" dirty="0">
+                <a:hlinkClick r:id="rId3"/>
+              </a:rPr>
+              <a:t>http://scikit-learn.org/stable/modules/tree.html</a:t>
+            </a:r>
+            <a:endParaRPr lang="en-US" dirty="0"/>
+          </a:p>
+          <a:p>
+            <a:r>
+              <a:rPr lang="en-US" dirty="0">
+                <a:hlinkClick r:id="rId4"/>
+              </a:rPr>
+              <a:t>https://stackoverflow.com/questions/20224526/how-to-extract-the-decision-rules-from-scikit-learn-decision-tree</a:t>
+            </a:r>
+            <a:endParaRPr lang="en-US" dirty="0"/>
+          </a:p>
+          <a:p>
+            <a:r>
+              <a:rPr lang="en-US" dirty="0">
+                <a:hlinkClick r:id="rId5"/>
+              </a:rPr>
+              <a:t>http://www.utdallas.edu/~nrr150130/cs7301/2016fa/lects/Lecture_10_Ensemble.pdf</a:t>
+            </a:r>
+            <a:r>
+              <a:rPr lang="en-US" dirty="0"/>
+              <a:t> </a:t>
+            </a:r>
+          </a:p>
+          <a:p>
+            <a:r>
+              <a:rPr lang="en-US" dirty="0">
+                <a:hlinkClick r:id="rId6"/>
+              </a:rPr>
+              <a:t>http://www2.stat.duke.edu/~rcs46/lectures_2017/08-trees/08-tree-advanced.pdf</a:t>
+            </a:r>
+            <a:r>
+              <a:rPr lang="en-US" dirty="0"/>
+              <a:t> </a:t>
+            </a:r>
+          </a:p>
+          <a:p>
+            <a:r>
+              <a:rPr lang="en-US" dirty="0">
+                <a:hlinkClick r:id="rId7"/>
+              </a:rPr>
+              <a:t>https://stackoverflow.com/questions/49170296/scikit-learn-feature-importance-calculation-in-decision-trees</a:t>
+            </a:r>
+            <a:r>
+              <a:rPr lang="en-US" dirty="0"/>
+              <a:t> </a:t>
+            </a:r>
+          </a:p>
+          <a:p>
+            <a:r>
+              <a:rPr lang="en-US" dirty="0">
+                <a:hlinkClick r:id="rId8"/>
+              </a:rPr>
+              <a:t>https://github.com/scikit-learn/scikit-learn/blob/18cdaa69c14a5c84ab03fce4fb5dc6cd77619e35/sklearn/tree/_tree.pyx#L1056</a:t>
+            </a:r>
+            <a:r>
+              <a:rPr lang="en-US" dirty="0"/>
+              <a:t> </a:t>
+            </a:r>
+          </a:p>
+          <a:p>
+            <a:r>
+              <a:rPr lang="en-US" dirty="0">
+                <a:hlinkClick r:id="rId9"/>
+              </a:rPr>
+              <a:t>https://github.com/scikit-learn/scikit-learn/blob/master/sklearn/tree/_criterion.pyx</a:t>
+            </a:r>
+            <a:r>
+              <a:rPr lang="en-US" dirty="0"/>
+              <a:t> </a:t>
+            </a:r>
+          </a:p>
+          <a:p>
+            <a:r>
+              <a:rPr lang="en-US" dirty="0">
+                <a:hlinkClick r:id="rId10"/>
+              </a:rPr>
+              <a:t>https://medium.com/@srnghn/the-mathematics-of-decision-trees-random-forest-and-feature-importance-in-scikit-learn-and-spark-f2861df67e3</a:t>
+            </a:r>
+            <a:r>
+              <a:rPr lang="en-US" dirty="0"/>
+              <a:t> </a:t>
+            </a:r>
+          </a:p>
+        </p:txBody>
+      </p:sp>
+    </p:spTree>
+    <p:extLst>
+      <p:ext uri="{BB962C8B-B14F-4D97-AF65-F5344CB8AC3E}">
+        <p14:creationId xmlns:p14="http://schemas.microsoft.com/office/powerpoint/2010/main" val="3111068837"/>
       </p:ext>
     </p:extLst>
   </p:cSld>
